--- a/Training-material/day 1/00_intro.pptx
+++ b/Training-material/day 1/00_intro.pptx
@@ -8,8 +8,7 @@
     <p:sldId id="1137" r:id="rId2"/>
     <p:sldId id="1159" r:id="rId3"/>
     <p:sldId id="1163" r:id="rId4"/>
-    <p:sldId id="1164" r:id="rId5"/>
-    <p:sldId id="1162" r:id="rId6"/>
+    <p:sldId id="1162" r:id="rId5"/>
   </p:sldIdLst>
   <p:sldSz cx="12192000" cy="6858000"/>
   <p:notesSz cx="6858000" cy="9144000"/>
@@ -2212,7 +2211,7 @@
                 <a:tabLst/>
                 <a:defRPr/>
               </a:pPr>
-              <a:t>‹#›</a:t>
+              <a:t>‹N›</a:t>
             </a:fld>
             <a:endParaRPr lang="en-US" sz="900" dirty="0">
               <a:solidFill>
@@ -2610,10 +2609,10 @@
       </p:sp>
       <p:sp>
         <p:nvSpPr>
-          <p:cNvPr id="7" name="Subtitle 1">
+          <p:cNvPr id="5" name="Subtitle 1">
             <a:extLst>
               <a:ext uri="{FF2B5EF4-FFF2-40B4-BE49-F238E27FC236}">
-                <a16:creationId xmlns:a16="http://schemas.microsoft.com/office/drawing/2014/main" id="{5BA3759C-D039-C44D-A6DE-5BEAC4DF4576}"/>
+                <a16:creationId xmlns:a16="http://schemas.microsoft.com/office/drawing/2014/main" id="{4C280130-6F83-B043-AF72-7FBB55B29348}"/>
               </a:ext>
             </a:extLst>
           </p:cNvPr>
@@ -2625,7 +2624,7 @@
         <p:spPr>
           <a:xfrm>
             <a:off x="960229" y="4725451"/>
-            <a:ext cx="5297138" cy="777687"/>
+            <a:ext cx="5297138" cy="1182189"/>
           </a:xfrm>
           <a:prstGeom prst="rect">
             <a:avLst/>
@@ -2912,7 +2911,7 @@
                 <a:cs typeface="Helvetica Neue Light"/>
                 <a:sym typeface="Helvetica Neue Light"/>
               </a:rPr>
-              <a:t>Emanuele Della Valle</a:t>
+              <a:t>Alessio Bernardo</a:t>
             </a:r>
           </a:p>
           <a:p>
@@ -2932,17 +2931,31 @@
                 <a:cs typeface="Helvetica Neue Light"/>
                 <a:sym typeface="Helvetica Neue Light"/>
               </a:rPr>
-              <a:t>Prof. @ </a:t>
-            </a:r>
-            <a:r>
-              <a:rPr lang="en" dirty="0" err="1">
+              <a:t>PhD Student @ Politecnico di Milano </a:t>
+            </a:r>
+          </a:p>
+          <a:p>
+            <a:pPr marL="177800" indent="-177800">
+              <a:spcBef>
+                <a:spcPts val="0"/>
+              </a:spcBef>
+            </a:pPr>
+            <a:r>
+              <a:rPr lang="it-IT" b="1" dirty="0">
                 <a:latin typeface="Helvetica Neue Light"/>
                 <a:ea typeface="Helvetica Neue Light"/>
                 <a:cs typeface="Helvetica Neue Light"/>
                 <a:sym typeface="Helvetica Neue Light"/>
               </a:rPr>
-              <a:t>Politecnico</a:t>
-            </a:r>
+              <a:t>Emanuele Falzone</a:t>
+            </a:r>
+          </a:p>
+          <a:p>
+            <a:pPr marL="177800" indent="-177800">
+              <a:spcBef>
+                <a:spcPts val="0"/>
+              </a:spcBef>
+            </a:pPr>
             <a:r>
               <a:rPr lang="en" dirty="0">
                 <a:latin typeface="Helvetica Neue Light"/>
@@ -2950,166 +2963,13 @@
                 <a:cs typeface="Helvetica Neue Light"/>
                 <a:sym typeface="Helvetica Neue Light"/>
               </a:rPr>
-              <a:t> di Milano </a:t>
-            </a:r>
-          </a:p>
-          <a:p>
-            <a:pPr marL="177800" indent="-177800">
-              <a:spcBef>
-                <a:spcPts val="0"/>
-              </a:spcBef>
-              <a:buClr>
-                <a:schemeClr val="lt1"/>
-              </a:buClr>
-              <a:buSzPts val="1800"/>
-            </a:pPr>
-            <a:r>
-              <a:rPr lang="en" dirty="0">
-                <a:latin typeface="Helvetica Neue Light"/>
-                <a:ea typeface="Helvetica Neue Light"/>
-                <a:cs typeface="Helvetica Neue Light"/>
-                <a:sym typeface="Helvetica Neue Light"/>
-              </a:rPr>
-              <a:t>Founder &amp; Partner @ </a:t>
-            </a:r>
-            <a:r>
-              <a:rPr lang="en" dirty="0" err="1">
-                <a:latin typeface="Helvetica Neue Light"/>
-                <a:ea typeface="Helvetica Neue Light"/>
-                <a:cs typeface="Helvetica Neue Light"/>
-                <a:sym typeface="Helvetica Neue Light"/>
-              </a:rPr>
-              <a:t>Quantia</a:t>
-            </a:r>
-            <a:r>
-              <a:rPr lang="en" dirty="0">
-                <a:latin typeface="Helvetica Neue Light"/>
-                <a:ea typeface="Helvetica Neue Light"/>
-                <a:cs typeface="Helvetica Neue Light"/>
-                <a:sym typeface="Helvetica Neue Light"/>
-              </a:rPr>
-              <a:t> Consulting</a:t>
-            </a:r>
-          </a:p>
-          <a:p>
-            <a:pPr marL="177800" indent="-177800">
-              <a:spcBef>
-                <a:spcPts val="0"/>
-              </a:spcBef>
-            </a:pPr>
-            <a:r>
-              <a:rPr lang="it-IT" b="1" dirty="0">
-                <a:latin typeface="Helvetica Neue Light"/>
-                <a:ea typeface="Helvetica Neue Light"/>
-                <a:cs typeface="Helvetica Neue Light"/>
-                <a:sym typeface="Helvetica Neue Light"/>
-              </a:rPr>
-              <a:t>Marco Balduini</a:t>
-            </a:r>
-          </a:p>
-          <a:p>
-            <a:pPr marL="177800" indent="-177800">
-              <a:spcBef>
-                <a:spcPts val="0"/>
-              </a:spcBef>
-            </a:pPr>
-            <a:r>
-              <a:rPr lang="it-IT" dirty="0" err="1">
-                <a:latin typeface="Helvetica Neue Light"/>
-                <a:ea typeface="Helvetica Neue Light"/>
-                <a:cs typeface="Helvetica Neue Light"/>
-                <a:sym typeface="Helvetica Neue Light"/>
-              </a:rPr>
-              <a:t>Founder</a:t>
-            </a:r>
-            <a:r>
-              <a:rPr lang="it-IT" dirty="0">
-                <a:latin typeface="Helvetica Neue Light"/>
-                <a:ea typeface="Helvetica Neue Light"/>
-                <a:cs typeface="Helvetica Neue Light"/>
-                <a:sym typeface="Helvetica Neue Light"/>
-              </a:rPr>
-              <a:t> &amp; CEO @ </a:t>
-            </a:r>
-            <a:r>
-              <a:rPr lang="it-IT" dirty="0" err="1">
-                <a:latin typeface="Helvetica Neue Light"/>
-                <a:ea typeface="Helvetica Neue Light"/>
-                <a:cs typeface="Helvetica Neue Light"/>
-                <a:sym typeface="Helvetica Neue Light"/>
-              </a:rPr>
-              <a:t>Quantia</a:t>
-            </a:r>
-            <a:r>
-              <a:rPr lang="it-IT" dirty="0">
-                <a:latin typeface="Helvetica Neue Light"/>
-                <a:ea typeface="Helvetica Neue Light"/>
-                <a:cs typeface="Helvetica Neue Light"/>
-                <a:sym typeface="Helvetica Neue Light"/>
-              </a:rPr>
-              <a:t> </a:t>
-            </a:r>
-            <a:r>
-              <a:rPr lang="it-IT" dirty="0" err="1">
-                <a:latin typeface="Helvetica Neue Light"/>
-                <a:ea typeface="Helvetica Neue Light"/>
-                <a:cs typeface="Helvetica Neue Light"/>
-                <a:sym typeface="Helvetica Neue Light"/>
-              </a:rPr>
-              <a:t>Consulting</a:t>
+              <a:t>PhD Student @ Politecnico di Milano</a:t>
             </a:r>
             <a:endParaRPr lang="it-IT" dirty="0">
               <a:latin typeface="Helvetica Neue Light"/>
               <a:ea typeface="Helvetica Neue Light"/>
-              <a:cs typeface="Helvetica Neue Light"/>
               <a:sym typeface="Helvetica Neue Light"/>
             </a:endParaRPr>
-          </a:p>
-          <a:p>
-            <a:pPr marL="177800" indent="-177800">
-              <a:spcBef>
-                <a:spcPts val="0"/>
-              </a:spcBef>
-            </a:pPr>
-            <a:r>
-              <a:rPr lang="it-IT" b="1" dirty="0">
-                <a:latin typeface="Helvetica Neue Light"/>
-                <a:ea typeface="Helvetica Neue Light"/>
-                <a:sym typeface="Helvetica Neue Light"/>
-              </a:rPr>
-              <a:t>Riccardo Tommasini</a:t>
-            </a:r>
-          </a:p>
-          <a:p>
-            <a:pPr marL="100013" indent="-100013">
-              <a:spcBef>
-                <a:spcPts val="0"/>
-              </a:spcBef>
-            </a:pPr>
-            <a:r>
-              <a:rPr lang="it-IT" dirty="0">
-                <a:latin typeface="Helvetica Neue Light"/>
-                <a:ea typeface="Helvetica Neue Light"/>
-                <a:sym typeface="Helvetica Neue Light"/>
-              </a:rPr>
-              <a:t>Prof. @ </a:t>
-            </a:r>
-            <a:r>
-              <a:rPr lang="it-IT" dirty="0" err="1">
-                <a:latin typeface="Helvetica Neue Light"/>
-                <a:ea typeface="Helvetica Neue Light"/>
-                <a:sym typeface="Helvetica Neue Light"/>
-              </a:rPr>
-              <a:t>University</a:t>
-            </a:r>
-            <a:r>
-              <a:rPr lang="it-IT" dirty="0">
-                <a:latin typeface="Helvetica Neue Light"/>
-                <a:ea typeface="Helvetica Neue Light"/>
-                <a:sym typeface="Helvetica Neue Light"/>
-              </a:rPr>
-              <a:t> of Tartu</a:t>
-            </a:r>
           </a:p>
         </p:txBody>
       </p:sp>
@@ -3173,8 +3033,8 @@
         </p:nvSpPr>
         <p:spPr>
           <a:xfrm>
-            <a:off x="455494" y="1873805"/>
-            <a:ext cx="7422620" cy="1010448"/>
+            <a:off x="455494" y="1873806"/>
+            <a:ext cx="7422620" cy="423864"/>
           </a:xfrm>
         </p:spPr>
         <p:txBody>
@@ -3183,33 +3043,12 @@
           <a:p>
             <a:r>
               <a:rPr lang="en-GB" dirty="0"/>
-              <a:t>Associate Professor | </a:t>
-            </a:r>
-            <a:r>
-              <a:rPr lang="en-GB" b="1" dirty="0" err="1"/>
-              <a:t>Politecnico</a:t>
+              <a:t>Ph.D. Student | </a:t>
             </a:r>
             <a:r>
               <a:rPr lang="en-GB" b="1" dirty="0"/>
-              <a:t> di Milano</a:t>
-            </a:r>
-          </a:p>
-          <a:p>
-            <a:r>
-              <a:rPr lang="en-GB" dirty="0"/>
-              <a:t>Founder &amp; Partner | </a:t>
-            </a:r>
-            <a:r>
-              <a:rPr lang="en-GB" b="1" dirty="0" err="1"/>
-              <a:t>Quantia</a:t>
-            </a:r>
-            <a:r>
-              <a:rPr lang="en-GB" b="1" dirty="0"/>
-              <a:t> Consulting</a:t>
-            </a:r>
-          </a:p>
-          <a:p>
-            <a:endParaRPr lang="en-GB" b="1" dirty="0"/>
+              <a:t>Politecnico di Milano</a:t>
+            </a:r>
           </a:p>
           <a:p>
             <a:endParaRPr lang="en-US" dirty="0"/>
@@ -3235,7 +3074,7 @@
         <p:spPr>
           <a:xfrm>
             <a:off x="416262" y="55089"/>
-            <a:ext cx="7422621" cy="1289625"/>
+            <a:ext cx="8429787" cy="1289625"/>
           </a:xfrm>
         </p:spPr>
         <p:txBody>
@@ -3244,7 +3083,7 @@
           <a:p>
             <a:r>
               <a:rPr lang="en-GB" dirty="0"/>
-              <a:t>Emanuele Della Valle, PhD</a:t>
+              <a:t>Alessio Bernardo, M.Sc.</a:t>
             </a:r>
             <a:endParaRPr lang="en-US" dirty="0"/>
           </a:p>
@@ -3285,24 +3124,17 @@
               <a:buNone/>
             </a:pPr>
             <a:r>
-              <a:rPr lang="en-GB" sz="1400" dirty="0" err="1">
+              <a:rPr lang="en-GB" sz="1400" dirty="0">
                 <a:solidFill>
                   <a:prstClr val="black">
                     <a:tint val="75000"/>
                   </a:prstClr>
                 </a:solidFill>
+                <a:latin typeface="+mn-lt"/>
                 <a:ea typeface="+mn-ea"/>
               </a:rPr>
-              <a:t>emanuele.dellavalle@quantiaconsulting.com</a:t>
-            </a:r>
-            <a:endParaRPr lang="en-GB" sz="1400" dirty="0">
-              <a:solidFill>
-                <a:prstClr val="black">
-                  <a:tint val="75000"/>
-                </a:prstClr>
-              </a:solidFill>
-              <a:ea typeface="+mn-ea"/>
-            </a:endParaRPr>
+              <a:t>alessio.bernardo@polimi.it</a:t>
+            </a:r>
           </a:p>
           <a:p>
             <a:pPr marL="0" indent="0" defTabSz="914400">
@@ -3318,31 +3150,10 @@
                     <a:tint val="75000"/>
                   </a:prstClr>
                 </a:solidFill>
+                <a:latin typeface="+mn-lt"/>
                 <a:ea typeface="+mn-ea"/>
               </a:rPr>
-              <a:t>@</a:t>
-            </a:r>
-            <a:r>
-              <a:rPr lang="en-GB" sz="1400" dirty="0" err="1">
-                <a:solidFill>
-                  <a:prstClr val="black">
-                    <a:tint val="75000"/>
-                  </a:prstClr>
-                </a:solidFill>
-                <a:ea typeface="+mn-ea"/>
-              </a:rPr>
-              <a:t>manudellavalle</a:t>
-            </a:r>
-            <a:r>
-              <a:rPr lang="en-GB" sz="1400" dirty="0">
-                <a:solidFill>
-                  <a:prstClr val="black">
-                    <a:tint val="75000"/>
-                  </a:prstClr>
-                </a:solidFill>
-                <a:ea typeface="+mn-ea"/>
-              </a:rPr>
-              <a:t> </a:t>
+              <a:t>@alebernardo94 </a:t>
             </a:r>
           </a:p>
           <a:p>
@@ -3359,69 +3170,10 @@
                     <a:tint val="75000"/>
                   </a:prstClr>
                 </a:solidFill>
+                <a:latin typeface="+mn-lt"/>
                 <a:ea typeface="+mn-ea"/>
               </a:rPr>
-              <a:t>http://</a:t>
-            </a:r>
-            <a:r>
-              <a:rPr lang="en-GB" sz="1400" dirty="0" err="1">
-                <a:solidFill>
-                  <a:prstClr val="black">
-                    <a:tint val="75000"/>
-                  </a:prstClr>
-                </a:solidFill>
-                <a:ea typeface="+mn-ea"/>
-              </a:rPr>
-              <a:t>emanueledellavalle.org</a:t>
-            </a:r>
-            <a:endParaRPr lang="en-GB" sz="1400" dirty="0">
-              <a:solidFill>
-                <a:prstClr val="black">
-                  <a:tint val="75000"/>
-                </a:prstClr>
-              </a:solidFill>
-              <a:ea typeface="+mn-ea"/>
-            </a:endParaRPr>
-          </a:p>
-          <a:p>
-            <a:pPr marL="0" indent="0" defTabSz="914400">
-              <a:lnSpc>
-                <a:spcPct val="90000"/>
-              </a:lnSpc>
-              <a:buNone/>
-            </a:pPr>
-            <a:r>
-              <a:rPr lang="en-GB" sz="1400" dirty="0">
-                <a:solidFill>
-                  <a:prstClr val="black">
-                    <a:tint val="75000"/>
-                  </a:prstClr>
-                </a:solidFill>
-                <a:ea typeface="+mn-ea"/>
-              </a:rPr>
-              <a:t>https://</a:t>
-            </a:r>
-            <a:r>
-              <a:rPr lang="en-GB" sz="1400" dirty="0" err="1">
-                <a:solidFill>
-                  <a:prstClr val="black">
-                    <a:tint val="75000"/>
-                  </a:prstClr>
-                </a:solidFill>
-                <a:ea typeface="+mn-ea"/>
-              </a:rPr>
-              <a:t>www.quantiaconsulting.com</a:t>
-            </a:r>
-            <a:r>
-              <a:rPr lang="en-GB" sz="1400" dirty="0">
-                <a:solidFill>
-                  <a:prstClr val="black">
-                    <a:tint val="75000"/>
-                  </a:prstClr>
-                </a:solidFill>
-                <a:ea typeface="+mn-ea"/>
-              </a:rPr>
-              <a:t> </a:t>
+              <a:t>https://alessiobernardo.github.io/</a:t>
             </a:r>
           </a:p>
         </p:txBody>
@@ -3482,13 +3234,13 @@
         </p:nvSpPr>
         <p:spPr>
           <a:xfrm>
-            <a:off x="662852" y="3168157"/>
+            <a:off x="662851" y="2727753"/>
             <a:ext cx="6929437" cy="1025525"/>
           </a:xfrm>
         </p:spPr>
         <p:txBody>
           <a:bodyPr>
-            <a:normAutofit fontScale="85000" lnSpcReduction="20000"/>
+            <a:normAutofit lnSpcReduction="10000"/>
           </a:bodyPr>
           <a:lstStyle/>
           <a:p>
@@ -3507,8 +3259,25 @@
                 <a:ea typeface="+mn-ea"/>
                 <a:cs typeface="+mn-cs"/>
               </a:rPr>
-              <a:t>Expert in semantic technologies and stream computing </a:t>
-            </a:r>
+              <a:t>Expert in </a:t>
+            </a:r>
+            <a:r>
+              <a:rPr lang="en-GB" sz="1400" dirty="0">
+                <a:solidFill>
+                  <a:schemeClr val="tx1"/>
+                </a:solidFill>
+                <a:latin typeface="+mn-lt"/>
+              </a:rPr>
+              <a:t>streaming data processing and time evolving analytic</a:t>
+            </a:r>
+            <a:endParaRPr lang="en-GB" sz="1400" dirty="0">
+              <a:solidFill>
+                <a:schemeClr val="tx1"/>
+              </a:solidFill>
+              <a:latin typeface="+mn-lt"/>
+              <a:ea typeface="+mn-ea"/>
+              <a:cs typeface="+mn-cs"/>
+            </a:endParaRPr>
           </a:p>
           <a:p>
             <a:pPr marL="0" indent="0" defTabSz="914400">
@@ -3526,7 +3295,7 @@
                 <a:ea typeface="+mn-ea"/>
                 <a:cs typeface="+mn-cs"/>
               </a:rPr>
-              <a:t>Brander of stream reasoning: an approach to master the velocity and  variety dimension of Big Data blending stream processing and AI</a:t>
+              <a:t>Contributor of MOA</a:t>
             </a:r>
           </a:p>
           <a:p>
@@ -3545,7 +3314,7 @@
                 <a:ea typeface="+mn-ea"/>
                 <a:cs typeface="+mn-cs"/>
               </a:rPr>
-              <a:t>+20 years experience in innovation and research projects</a:t>
+              <a:t>~3 years experience in innovation and research projects</a:t>
             </a:r>
             <a:endParaRPr lang="en-US" sz="1400" dirty="0">
               <a:solidFill>
@@ -3558,53 +3327,6 @@
           </a:p>
         </p:txBody>
       </p:sp>
-      <p:pic>
-        <p:nvPicPr>
-          <p:cNvPr id="1028" name="Picture 4" descr="Emanuele Della Valle's photo">
-            <a:extLst>
-              <a:ext uri="{FF2B5EF4-FFF2-40B4-BE49-F238E27FC236}">
-                <a16:creationId xmlns:a16="http://schemas.microsoft.com/office/drawing/2014/main" id="{638C7C59-536E-F147-A0E6-9A5F2035157B}"/>
-              </a:ext>
-            </a:extLst>
-          </p:cNvPr>
-          <p:cNvPicPr>
-            <a:picLocks noGrp="1" noChangeAspect="1" noChangeArrowheads="1"/>
-          </p:cNvPicPr>
-          <p:nvPr>
-            <p:ph type="pic" sz="quarter" idx="4294967295"/>
-          </p:nvPr>
-        </p:nvPicPr>
-        <p:blipFill rotWithShape="1">
-          <a:blip r:embed="rId2">
-            <a:extLst>
-              <a:ext uri="{28A0092B-C50C-407E-A947-70E740481C1C}">
-                <a14:useLocalDpi xmlns:a14="http://schemas.microsoft.com/office/drawing/2010/main" val="0"/>
-              </a:ext>
-            </a:extLst>
-          </a:blip>
-          <a:srcRect l="4365" t="-319" r="18707" b="319"/>
-          <a:stretch/>
-        </p:blipFill>
-        <p:spPr bwMode="auto">
-          <a:xfrm>
-            <a:off x="9154573" y="148406"/>
-            <a:ext cx="2912736" cy="3786281"/>
-          </a:xfrm>
-          <a:prstGeom prst="rect">
-            <a:avLst/>
-          </a:prstGeom>
-          <a:noFill/>
-          <a:extLst>
-            <a:ext uri="{909E8E84-426E-40DD-AFC4-6F175D3DCCD1}">
-              <a14:hiddenFill xmlns:a14="http://schemas.microsoft.com/office/drawing/2010/main">
-                <a:solidFill>
-                  <a:srgbClr val="FFFFFF"/>
-                </a:solidFill>
-              </a14:hiddenFill>
-            </a:ext>
-          </a:extLst>
-        </p:spPr>
-      </p:pic>
       <p:cxnSp>
         <p:nvCxnSpPr>
           <p:cNvPr id="8" name="Straight Connector 7">
@@ -3648,6 +3370,37 @@
           </a:fontRef>
         </p:style>
       </p:cxnSp>
+      <p:pic>
+        <p:nvPicPr>
+          <p:cNvPr id="9" name="Google Shape;69;p14">
+            <a:extLst>
+              <a:ext uri="{FF2B5EF4-FFF2-40B4-BE49-F238E27FC236}">
+                <a16:creationId xmlns:a16="http://schemas.microsoft.com/office/drawing/2014/main" id="{482F038C-22A1-8F49-AD30-F78CA8038FAD}"/>
+              </a:ext>
+            </a:extLst>
+          </p:cNvPr>
+          <p:cNvPicPr preferRelativeResize="0"/>
+          <p:nvPr/>
+        </p:nvPicPr>
+        <p:blipFill rotWithShape="1">
+          <a:blip r:embed="rId2"/>
+          <a:srcRect l="18587" r="15350" b="40978"/>
+          <a:stretch/>
+        </p:blipFill>
+        <p:spPr>
+          <a:xfrm>
+            <a:off x="9310062" y="599638"/>
+            <a:ext cx="2635358" cy="3027139"/>
+          </a:xfrm>
+          <a:prstGeom prst="rect">
+            <a:avLst/>
+          </a:prstGeom>
+          <a:noFill/>
+          <a:ln>
+            <a:noFill/>
+          </a:ln>
+        </p:spPr>
+      </p:pic>
     </p:spTree>
     <p:extLst>
       <p:ext uri="{BB962C8B-B14F-4D97-AF65-F5344CB8AC3E}">
@@ -3692,50 +3445,6 @@
       </p:grpSpPr>
       <p:sp>
         <p:nvSpPr>
-          <p:cNvPr id="3" name="Content Placeholder 2">
-            <a:extLst>
-              <a:ext uri="{FF2B5EF4-FFF2-40B4-BE49-F238E27FC236}">
-                <a16:creationId xmlns:a16="http://schemas.microsoft.com/office/drawing/2014/main" id="{F384CB93-04BB-F448-933B-206811FF149C}"/>
-              </a:ext>
-            </a:extLst>
-          </p:cNvPr>
-          <p:cNvSpPr>
-            <a:spLocks noGrp="1"/>
-          </p:cNvSpPr>
-          <p:nvPr>
-            <p:ph type="subTitle" idx="1"/>
-          </p:nvPr>
-        </p:nvSpPr>
-        <p:spPr>
-          <a:xfrm>
-            <a:off x="455494" y="1873805"/>
-            <a:ext cx="7422620" cy="1010448"/>
-          </a:xfrm>
-        </p:spPr>
-        <p:txBody>
-          <a:bodyPr/>
-          <a:lstStyle/>
-          <a:p>
-            <a:r>
-              <a:rPr lang="en-GB" dirty="0"/>
-              <a:t>Founder &amp; CEO | </a:t>
-            </a:r>
-            <a:r>
-              <a:rPr lang="en-GB" b="1" dirty="0" err="1"/>
-              <a:t>Quantia</a:t>
-            </a:r>
-            <a:r>
-              <a:rPr lang="en-GB" b="1" dirty="0"/>
-              <a:t> Consulting</a:t>
-            </a:r>
-          </a:p>
-          <a:p>
-            <a:endParaRPr lang="en-US" dirty="0"/>
-          </a:p>
-        </p:txBody>
-      </p:sp>
-      <p:sp>
-        <p:nvSpPr>
           <p:cNvPr id="2" name="Title 1">
             <a:extLst>
               <a:ext uri="{FF2B5EF4-FFF2-40B4-BE49-F238E27FC236}">
@@ -3762,15 +3471,7 @@
           <a:p>
             <a:r>
               <a:rPr lang="en-GB" dirty="0"/>
-              <a:t>Marco </a:t>
-            </a:r>
-            <a:r>
-              <a:rPr lang="en-GB" dirty="0" err="1"/>
-              <a:t>Balduini</a:t>
-            </a:r>
-            <a:r>
-              <a:rPr lang="en-GB" dirty="0"/>
-              <a:t>, PhD</a:t>
+              <a:t>Emanuele Falzone, M.Sc.</a:t>
             </a:r>
             <a:endParaRPr lang="en-US" dirty="0"/>
           </a:p>
@@ -3819,7 +3520,7 @@
                 </a:solidFill>
                 <a:ea typeface="+mn-ea"/>
               </a:rPr>
-              <a:t>marco.balduini@quantiaconsulting.com</a:t>
+              <a:t>emanuele.falzone@polimi.it</a:t>
             </a:r>
             <a:endParaRPr lang="en-GB" sz="1400" dirty="0">
               <a:solidFill>
@@ -3829,107 +3530,6 @@
               </a:solidFill>
               <a:ea typeface="+mn-ea"/>
             </a:endParaRPr>
-          </a:p>
-          <a:p>
-            <a:pPr marL="0" indent="0" defTabSz="914400">
-              <a:lnSpc>
-                <a:spcPct val="90000"/>
-              </a:lnSpc>
-              <a:buNone/>
-            </a:pPr>
-            <a:r>
-              <a:rPr lang="en-GB" sz="1400" dirty="0">
-                <a:solidFill>
-                  <a:prstClr val="black">
-                    <a:tint val="75000"/>
-                  </a:prstClr>
-                </a:solidFill>
-                <a:ea typeface="+mn-ea"/>
-              </a:rPr>
-              <a:t>@balducci85 </a:t>
-            </a:r>
-          </a:p>
-          <a:p>
-            <a:pPr marL="0" indent="0" defTabSz="914400">
-              <a:lnSpc>
-                <a:spcPct val="90000"/>
-              </a:lnSpc>
-              <a:buNone/>
-            </a:pPr>
-            <a:r>
-              <a:rPr lang="en-GB" sz="1400" dirty="0">
-                <a:solidFill>
-                  <a:prstClr val="black">
-                    <a:tint val="75000"/>
-                  </a:prstClr>
-                </a:solidFill>
-                <a:ea typeface="+mn-ea"/>
-              </a:rPr>
-              <a:t>https://</a:t>
-            </a:r>
-            <a:r>
-              <a:rPr lang="en-GB" sz="1400" dirty="0" err="1">
-                <a:solidFill>
-                  <a:prstClr val="black">
-                    <a:tint val="75000"/>
-                  </a:prstClr>
-                </a:solidFill>
-                <a:ea typeface="+mn-ea"/>
-              </a:rPr>
-              <a:t>marcobalduini.com</a:t>
-            </a:r>
-            <a:r>
-              <a:rPr lang="en-GB" sz="1400" dirty="0">
-                <a:solidFill>
-                  <a:prstClr val="black">
-                    <a:tint val="75000"/>
-                  </a:prstClr>
-                </a:solidFill>
-                <a:ea typeface="+mn-ea"/>
-              </a:rPr>
-              <a:t>/</a:t>
-            </a:r>
-          </a:p>
-          <a:p>
-            <a:pPr marL="0" indent="0" defTabSz="914400">
-              <a:lnSpc>
-                <a:spcPct val="90000"/>
-              </a:lnSpc>
-              <a:buNone/>
-            </a:pPr>
-            <a:r>
-              <a:rPr lang="en-GB" sz="1400" dirty="0">
-                <a:solidFill>
-                  <a:prstClr val="black">
-                    <a:tint val="75000"/>
-                  </a:prstClr>
-                </a:solidFill>
-                <a:ea typeface="+mn-ea"/>
-              </a:rPr>
-              <a:t>https://</a:t>
-            </a:r>
-            <a:r>
-              <a:rPr lang="en-GB" sz="1400" dirty="0" err="1">
-                <a:solidFill>
-                  <a:prstClr val="black">
-                    <a:tint val="75000"/>
-                  </a:prstClr>
-                </a:solidFill>
-                <a:ea typeface="+mn-ea"/>
-              </a:rPr>
-              <a:t>www.quantiaconsulting.com</a:t>
-            </a:r>
-            <a:r>
-              <a:rPr lang="en-GB" sz="1400" dirty="0">
-                <a:solidFill>
-                  <a:prstClr val="black">
-                    <a:tint val="75000"/>
-                  </a:prstClr>
-                </a:solidFill>
-                <a:ea typeface="+mn-ea"/>
-              </a:rPr>
-              <a:t> </a:t>
-            </a:r>
           </a:p>
         </p:txBody>
       </p:sp>
@@ -3968,638 +3568,6 @@
               <a:rPr lang="en-US" dirty="0"/>
               <a:t>Contact</a:t>
             </a:r>
-          </a:p>
-        </p:txBody>
-      </p:sp>
-      <p:sp>
-        <p:nvSpPr>
-          <p:cNvPr id="7" name="Content Placeholder 6">
-            <a:extLst>
-              <a:ext uri="{FF2B5EF4-FFF2-40B4-BE49-F238E27FC236}">
-                <a16:creationId xmlns:a16="http://schemas.microsoft.com/office/drawing/2014/main" id="{AA1A1CA9-D044-884B-875E-3056BA7AC786}"/>
-              </a:ext>
-            </a:extLst>
-          </p:cNvPr>
-          <p:cNvSpPr>
-            <a:spLocks noGrp="1"/>
-          </p:cNvSpPr>
-          <p:nvPr>
-            <p:ph sz="quarter" idx="4294967295"/>
-          </p:nvPr>
-        </p:nvSpPr>
-        <p:spPr>
-          <a:xfrm>
-            <a:off x="662851" y="2680336"/>
-            <a:ext cx="6929437" cy="1025525"/>
-          </a:xfrm>
-        </p:spPr>
-        <p:txBody>
-          <a:bodyPr>
-            <a:normAutofit fontScale="85000" lnSpcReduction="10000"/>
-          </a:bodyPr>
-          <a:lstStyle/>
-          <a:p>
-            <a:pPr marL="0" indent="0" defTabSz="914400">
-              <a:lnSpc>
-                <a:spcPct val="110000"/>
-              </a:lnSpc>
-              <a:buNone/>
-            </a:pPr>
-            <a:r>
-              <a:rPr lang="en-GB" sz="1400" dirty="0">
-                <a:solidFill>
-                  <a:schemeClr val="tx1"/>
-                </a:solidFill>
-                <a:latin typeface="+mn-lt"/>
-                <a:ea typeface="+mn-ea"/>
-                <a:cs typeface="+mn-cs"/>
-              </a:rPr>
-              <a:t>Expert in data processing, data integration and data science technologies</a:t>
-            </a:r>
-          </a:p>
-          <a:p>
-            <a:pPr marL="0" indent="0" defTabSz="914400">
-              <a:lnSpc>
-                <a:spcPct val="110000"/>
-              </a:lnSpc>
-              <a:buNone/>
-            </a:pPr>
-            <a:r>
-              <a:rPr lang="en-GB" sz="1400" dirty="0">
-                <a:solidFill>
-                  <a:schemeClr val="tx1"/>
-                </a:solidFill>
-                <a:latin typeface="+mn-lt"/>
-                <a:ea typeface="+mn-ea"/>
-                <a:cs typeface="+mn-cs"/>
-              </a:rPr>
-              <a:t>Main contributor of the C-SPARQL Engine, author of Streaming Linked Data framework and </a:t>
-            </a:r>
-            <a:r>
-              <a:rPr lang="en-GB" sz="1400" dirty="0" err="1">
-                <a:solidFill>
-                  <a:schemeClr val="tx1"/>
-                </a:solidFill>
-                <a:latin typeface="+mn-lt"/>
-                <a:ea typeface="+mn-ea"/>
-                <a:cs typeface="+mn-cs"/>
-              </a:rPr>
-              <a:t>FraPPE</a:t>
-            </a:r>
-            <a:r>
-              <a:rPr lang="en-GB" sz="1400" dirty="0">
-                <a:solidFill>
-                  <a:schemeClr val="tx1"/>
-                </a:solidFill>
-                <a:latin typeface="+mn-lt"/>
-                <a:ea typeface="+mn-ea"/>
-                <a:cs typeface="+mn-cs"/>
-              </a:rPr>
-              <a:t> ontology</a:t>
-            </a:r>
-          </a:p>
-          <a:p>
-            <a:pPr marL="0" indent="0" defTabSz="914400">
-              <a:lnSpc>
-                <a:spcPct val="110000"/>
-              </a:lnSpc>
-              <a:buNone/>
-            </a:pPr>
-            <a:r>
-              <a:rPr lang="en-GB" sz="1400" dirty="0">
-                <a:solidFill>
-                  <a:schemeClr val="tx1"/>
-                </a:solidFill>
-                <a:latin typeface="+mn-lt"/>
-                <a:ea typeface="+mn-ea"/>
-                <a:cs typeface="+mn-cs"/>
-              </a:rPr>
-              <a:t>~10 years experience in innovation and research projects</a:t>
-            </a:r>
-          </a:p>
-          <a:p>
-            <a:pPr marL="0" indent="0" defTabSz="914400">
-              <a:lnSpc>
-                <a:spcPct val="110000"/>
-              </a:lnSpc>
-              <a:buNone/>
-            </a:pPr>
-            <a:endParaRPr lang="en-US" sz="1400" dirty="0">
-              <a:solidFill>
-                <a:schemeClr val="tx1"/>
-              </a:solidFill>
-              <a:latin typeface="+mn-lt"/>
-              <a:ea typeface="+mn-ea"/>
-              <a:cs typeface="+mn-cs"/>
-            </a:endParaRPr>
-          </a:p>
-        </p:txBody>
-      </p:sp>
-      <p:pic>
-        <p:nvPicPr>
-          <p:cNvPr id="1028" name="Picture 4">
-            <a:extLst>
-              <a:ext uri="{FF2B5EF4-FFF2-40B4-BE49-F238E27FC236}">
-                <a16:creationId xmlns:a16="http://schemas.microsoft.com/office/drawing/2014/main" id="{638C7C59-536E-F147-A0E6-9A5F2035157B}"/>
-              </a:ext>
-            </a:extLst>
-          </p:cNvPr>
-          <p:cNvPicPr>
-            <a:picLocks noGrp="1" noChangeAspect="1" noChangeArrowheads="1"/>
-          </p:cNvPicPr>
-          <p:nvPr>
-            <p:ph type="pic" sz="quarter" idx="4294967295"/>
-          </p:nvPr>
-        </p:nvPicPr>
-        <p:blipFill>
-          <a:blip r:embed="rId2"/>
-          <a:srcRect l="11536" r="11536"/>
-          <a:stretch/>
-        </p:blipFill>
-        <p:spPr bwMode="auto">
-          <a:xfrm>
-            <a:off x="9154573" y="148406"/>
-            <a:ext cx="2912736" cy="3786281"/>
-          </a:xfrm>
-          <a:prstGeom prst="rect">
-            <a:avLst/>
-          </a:prstGeom>
-          <a:noFill/>
-          <a:extLst>
-            <a:ext uri="{909E8E84-426E-40DD-AFC4-6F175D3DCCD1}">
-              <a14:hiddenFill xmlns:a14="http://schemas.microsoft.com/office/drawing/2010/main">
-                <a:solidFill>
-                  <a:srgbClr val="FFFFFF"/>
-                </a:solidFill>
-              </a14:hiddenFill>
-            </a:ext>
-          </a:extLst>
-        </p:spPr>
-      </p:pic>
-      <p:cxnSp>
-        <p:nvCxnSpPr>
-          <p:cNvPr id="8" name="Straight Connector 7">
-            <a:extLst>
-              <a:ext uri="{FF2B5EF4-FFF2-40B4-BE49-F238E27FC236}">
-                <a16:creationId xmlns:a16="http://schemas.microsoft.com/office/drawing/2014/main" id="{410F6E9C-F6F0-034D-9165-77B875F02BFA}"/>
-              </a:ext>
-            </a:extLst>
-          </p:cNvPr>
-          <p:cNvCxnSpPr>
-            <a:cxnSpLocks/>
-          </p:cNvCxnSpPr>
-          <p:nvPr/>
-        </p:nvCxnSpPr>
-        <p:spPr>
-          <a:xfrm>
-            <a:off x="252547" y="4049455"/>
-            <a:ext cx="6929434" cy="0"/>
-          </a:xfrm>
-          <a:prstGeom prst="line">
-            <a:avLst/>
-          </a:prstGeom>
-          <a:ln>
-            <a:solidFill>
-              <a:schemeClr val="accent6"/>
-            </a:solidFill>
-          </a:ln>
-        </p:spPr>
-        <p:style>
-          <a:lnRef idx="1">
-            <a:schemeClr val="accent1"/>
-          </a:lnRef>
-          <a:fillRef idx="0">
-            <a:schemeClr val="accent1"/>
-          </a:fillRef>
-          <a:effectRef idx="0">
-            <a:schemeClr val="accent1"/>
-          </a:effectRef>
-          <a:fontRef idx="minor">
-            <a:schemeClr val="tx1"/>
-          </a:fontRef>
-        </p:style>
-      </p:cxnSp>
-    </p:spTree>
-    <p:extLst>
-      <p:ext uri="{BB962C8B-B14F-4D97-AF65-F5344CB8AC3E}">
-        <p14:creationId xmlns:p14="http://schemas.microsoft.com/office/powerpoint/2010/main" val="3181699665"/>
-      </p:ext>
-    </p:extLst>
-  </p:cSld>
-  <p:clrMapOvr>
-    <a:masterClrMapping/>
-  </p:clrMapOvr>
-  <mc:AlternateContent xmlns:mc="http://schemas.openxmlformats.org/markup-compatibility/2006" xmlns:p14="http://schemas.microsoft.com/office/powerpoint/2010/main">
-    <mc:Choice Requires="p14">
-      <p:transition spd="med" p14:dur="700">
-        <p:fade/>
-      </p:transition>
-    </mc:Choice>
-    <mc:Fallback xmlns="">
-      <p:transition spd="med">
-        <p:fade/>
-      </p:transition>
-    </mc:Fallback>
-  </mc:AlternateContent>
-</p:sld>
-</file>
-
-<file path=ppt/slides/slide4.xml><?xml version="1.0" encoding="utf-8"?>
-<p:sld xmlns:a="http://schemas.openxmlformats.org/drawingml/2006/main" xmlns:r="http://schemas.openxmlformats.org/officeDocument/2006/relationships" xmlns:p="http://schemas.openxmlformats.org/presentationml/2006/main">
-  <p:cSld>
-    <p:spTree>
-      <p:nvGrpSpPr>
-        <p:cNvPr id="1" name=""/>
-        <p:cNvGrpSpPr/>
-        <p:nvPr/>
-      </p:nvGrpSpPr>
-      <p:grpSpPr>
-        <a:xfrm>
-          <a:off x="0" y="0"/>
-          <a:ext cx="0" cy="0"/>
-          <a:chOff x="0" y="0"/>
-          <a:chExt cx="0" cy="0"/>
-        </a:xfrm>
-      </p:grpSpPr>
-      <p:sp>
-        <p:nvSpPr>
-          <p:cNvPr id="3" name="Content Placeholder 2">
-            <a:extLst>
-              <a:ext uri="{FF2B5EF4-FFF2-40B4-BE49-F238E27FC236}">
-                <a16:creationId xmlns:a16="http://schemas.microsoft.com/office/drawing/2014/main" id="{F384CB93-04BB-F448-933B-206811FF149C}"/>
-              </a:ext>
-            </a:extLst>
-          </p:cNvPr>
-          <p:cNvSpPr>
-            <a:spLocks noGrp="1"/>
-          </p:cNvSpPr>
-          <p:nvPr>
-            <p:ph type="subTitle" idx="1"/>
-          </p:nvPr>
-        </p:nvSpPr>
-        <p:spPr>
-          <a:xfrm>
-            <a:off x="455494" y="1873805"/>
-            <a:ext cx="7422620" cy="1010448"/>
-          </a:xfrm>
-        </p:spPr>
-        <p:txBody>
-          <a:bodyPr/>
-          <a:lstStyle/>
-          <a:p>
-            <a:r>
-              <a:rPr lang="en-US" dirty="0"/>
-              <a:t>Assistant Professor </a:t>
-            </a:r>
-            <a:r>
-              <a:rPr lang="en-GB" dirty="0"/>
-              <a:t>| </a:t>
-            </a:r>
-            <a:r>
-              <a:rPr lang="en-GB" b="1" dirty="0"/>
-              <a:t>University of Tartu (Estonia)</a:t>
-            </a:r>
-          </a:p>
-          <a:p>
-            <a:endParaRPr lang="en-US" dirty="0"/>
-          </a:p>
-        </p:txBody>
-      </p:sp>
-      <p:sp>
-        <p:nvSpPr>
-          <p:cNvPr id="2" name="Title 1">
-            <a:extLst>
-              <a:ext uri="{FF2B5EF4-FFF2-40B4-BE49-F238E27FC236}">
-                <a16:creationId xmlns:a16="http://schemas.microsoft.com/office/drawing/2014/main" id="{53C99693-AD6C-AE46-B840-9D9DD8BAEB57}"/>
-              </a:ext>
-            </a:extLst>
-          </p:cNvPr>
-          <p:cNvSpPr>
-            <a:spLocks noGrp="1"/>
-          </p:cNvSpPr>
-          <p:nvPr>
-            <p:ph type="title"/>
-          </p:nvPr>
-        </p:nvSpPr>
-        <p:spPr>
-          <a:xfrm>
-            <a:off x="416262" y="55089"/>
-            <a:ext cx="7422621" cy="1289625"/>
-          </a:xfrm>
-        </p:spPr>
-        <p:txBody>
-          <a:bodyPr/>
-          <a:lstStyle/>
-          <a:p>
-            <a:r>
-              <a:rPr lang="en-US" dirty="0"/>
-              <a:t>Riccardo </a:t>
-            </a:r>
-            <a:r>
-              <a:rPr lang="en-US" dirty="0" err="1"/>
-              <a:t>Tommasini</a:t>
-            </a:r>
-            <a:r>
-              <a:rPr lang="en-US" dirty="0"/>
-              <a:t>, PhD</a:t>
-            </a:r>
-          </a:p>
-        </p:txBody>
-      </p:sp>
-      <p:sp>
-        <p:nvSpPr>
-          <p:cNvPr id="4" name="Content Placeholder 3">
-            <a:extLst>
-              <a:ext uri="{FF2B5EF4-FFF2-40B4-BE49-F238E27FC236}">
-                <a16:creationId xmlns:a16="http://schemas.microsoft.com/office/drawing/2014/main" id="{F857F5C6-B5A8-5E4E-BEF1-722E4F0BAF24}"/>
-              </a:ext>
-            </a:extLst>
-          </p:cNvPr>
-          <p:cNvSpPr>
-            <a:spLocks noGrp="1"/>
-          </p:cNvSpPr>
-          <p:nvPr>
-            <p:ph sz="quarter" idx="4294967295"/>
-          </p:nvPr>
-        </p:nvSpPr>
-        <p:spPr>
-          <a:xfrm>
-            <a:off x="662851" y="4988642"/>
-            <a:ext cx="6929437" cy="1481138"/>
-          </a:xfrm>
-        </p:spPr>
-        <p:txBody>
-          <a:bodyPr>
-            <a:normAutofit/>
-          </a:bodyPr>
-          <a:lstStyle/>
-          <a:p>
-            <a:pPr marL="0" indent="0" defTabSz="914400">
-              <a:lnSpc>
-                <a:spcPct val="90000"/>
-              </a:lnSpc>
-              <a:buNone/>
-            </a:pPr>
-            <a:r>
-              <a:rPr lang="en-GB" sz="1400" dirty="0" err="1">
-                <a:solidFill>
-                  <a:prstClr val="black">
-                    <a:tint val="75000"/>
-                  </a:prstClr>
-                </a:solidFill>
-                <a:ea typeface="+mn-ea"/>
-              </a:rPr>
-              <a:t>riccardo.tommasini@quantiaconsulting.com</a:t>
-            </a:r>
-            <a:endParaRPr lang="en-GB" sz="1400" dirty="0">
-              <a:solidFill>
-                <a:prstClr val="black">
-                  <a:tint val="75000"/>
-                </a:prstClr>
-              </a:solidFill>
-              <a:ea typeface="+mn-ea"/>
-            </a:endParaRPr>
-          </a:p>
-          <a:p>
-            <a:pPr marL="0" indent="0" defTabSz="914400">
-              <a:lnSpc>
-                <a:spcPct val="90000"/>
-              </a:lnSpc>
-              <a:buNone/>
-            </a:pPr>
-            <a:r>
-              <a:rPr lang="en-GB" sz="1400" dirty="0">
-                <a:solidFill>
-                  <a:prstClr val="black">
-                    <a:tint val="75000"/>
-                  </a:prstClr>
-                </a:solidFill>
-                <a:ea typeface="+mn-ea"/>
-              </a:rPr>
-              <a:t>@</a:t>
-            </a:r>
-            <a:r>
-              <a:rPr lang="en-GB" sz="1400" dirty="0" err="1">
-                <a:solidFill>
-                  <a:prstClr val="black">
-                    <a:tint val="75000"/>
-                  </a:prstClr>
-                </a:solidFill>
-                <a:ea typeface="+mn-ea"/>
-              </a:rPr>
-              <a:t>rictomm</a:t>
-            </a:r>
-            <a:endParaRPr lang="en-GB" sz="1400" dirty="0">
-              <a:solidFill>
-                <a:prstClr val="black">
-                  <a:tint val="75000"/>
-                </a:prstClr>
-              </a:solidFill>
-              <a:ea typeface="+mn-ea"/>
-            </a:endParaRPr>
-          </a:p>
-          <a:p>
-            <a:pPr marL="0" indent="0" defTabSz="914400">
-              <a:lnSpc>
-                <a:spcPct val="90000"/>
-              </a:lnSpc>
-              <a:buNone/>
-            </a:pPr>
-            <a:r>
-              <a:rPr lang="en-GB" sz="1400" dirty="0">
-                <a:solidFill>
-                  <a:prstClr val="black">
-                    <a:tint val="75000"/>
-                  </a:prstClr>
-                </a:solidFill>
-                <a:ea typeface="+mn-ea"/>
-              </a:rPr>
-              <a:t>https://</a:t>
-            </a:r>
-            <a:r>
-              <a:rPr lang="en-GB" sz="1400" dirty="0" err="1">
-                <a:solidFill>
-                  <a:prstClr val="black">
-                    <a:tint val="75000"/>
-                  </a:prstClr>
-                </a:solidFill>
-                <a:ea typeface="+mn-ea"/>
-              </a:rPr>
-              <a:t>riccardotommasini.com</a:t>
-            </a:r>
-            <a:r>
-              <a:rPr lang="en-GB" sz="1400" dirty="0">
-                <a:solidFill>
-                  <a:prstClr val="black">
-                    <a:tint val="75000"/>
-                  </a:prstClr>
-                </a:solidFill>
-                <a:ea typeface="+mn-ea"/>
-              </a:rPr>
-              <a:t>/</a:t>
-            </a:r>
-          </a:p>
-        </p:txBody>
-      </p:sp>
-      <p:sp>
-        <p:nvSpPr>
-          <p:cNvPr id="5" name="Content Placeholder 4">
-            <a:extLst>
-              <a:ext uri="{FF2B5EF4-FFF2-40B4-BE49-F238E27FC236}">
-                <a16:creationId xmlns:a16="http://schemas.microsoft.com/office/drawing/2014/main" id="{49309ADA-15F8-2C4A-BD3F-D5AB3295100A}"/>
-              </a:ext>
-            </a:extLst>
-          </p:cNvPr>
-          <p:cNvSpPr>
-            <a:spLocks noGrp="1"/>
-          </p:cNvSpPr>
-          <p:nvPr>
-            <p:ph sz="quarter" idx="4294967295"/>
-          </p:nvPr>
-        </p:nvSpPr>
-        <p:spPr>
-          <a:xfrm>
-            <a:off x="662851" y="4512392"/>
-            <a:ext cx="6929437" cy="423863"/>
-          </a:xfrm>
-        </p:spPr>
-        <p:txBody>
-          <a:bodyPr>
-            <a:normAutofit fontScale="92500" lnSpcReduction="20000"/>
-          </a:bodyPr>
-          <a:lstStyle/>
-          <a:p>
-            <a:pPr marL="0" indent="0">
-              <a:buNone/>
-            </a:pPr>
-            <a:r>
-              <a:rPr lang="en-US" dirty="0"/>
-              <a:t>Contact</a:t>
-            </a:r>
-          </a:p>
-        </p:txBody>
-      </p:sp>
-      <p:sp>
-        <p:nvSpPr>
-          <p:cNvPr id="7" name="Content Placeholder 6">
-            <a:extLst>
-              <a:ext uri="{FF2B5EF4-FFF2-40B4-BE49-F238E27FC236}">
-                <a16:creationId xmlns:a16="http://schemas.microsoft.com/office/drawing/2014/main" id="{AA1A1CA9-D044-884B-875E-3056BA7AC786}"/>
-              </a:ext>
-            </a:extLst>
-          </p:cNvPr>
-          <p:cNvSpPr>
-            <a:spLocks noGrp="1"/>
-          </p:cNvSpPr>
-          <p:nvPr>
-            <p:ph sz="quarter" idx="4294967295"/>
-          </p:nvPr>
-        </p:nvSpPr>
-        <p:spPr>
-          <a:xfrm>
-            <a:off x="662851" y="2680336"/>
-            <a:ext cx="6929437" cy="1025525"/>
-          </a:xfrm>
-        </p:spPr>
-        <p:txBody>
-          <a:bodyPr>
-            <a:normAutofit lnSpcReduction="10000"/>
-          </a:bodyPr>
-          <a:lstStyle/>
-          <a:p>
-            <a:pPr marL="0" indent="0" defTabSz="914400">
-              <a:lnSpc>
-                <a:spcPct val="110000"/>
-              </a:lnSpc>
-              <a:buNone/>
-            </a:pPr>
-            <a:r>
-              <a:rPr lang="en-GB" sz="1400" dirty="0">
-                <a:solidFill>
-                  <a:schemeClr val="tx1"/>
-                </a:solidFill>
-                <a:latin typeface="+mn-lt"/>
-                <a:ea typeface="+mn-ea"/>
-                <a:cs typeface="+mn-cs"/>
-              </a:rPr>
-              <a:t>Expert in graph and streaming data processing, data integration and semantic technologies</a:t>
-            </a:r>
-          </a:p>
-          <a:p>
-            <a:pPr marL="0" indent="0" defTabSz="914400">
-              <a:lnSpc>
-                <a:spcPct val="110000"/>
-              </a:lnSpc>
-              <a:buNone/>
-            </a:pPr>
-            <a:r>
-              <a:rPr lang="en-GB" sz="1400" dirty="0">
-                <a:solidFill>
-                  <a:schemeClr val="tx1"/>
-                </a:solidFill>
-                <a:latin typeface="+mn-lt"/>
-                <a:ea typeface="+mn-ea"/>
-                <a:cs typeface="+mn-cs"/>
-              </a:rPr>
-              <a:t>Main contributor of the RSP-QL stack Engine, author of </a:t>
-            </a:r>
-            <a:r>
-              <a:rPr lang="en-GB" sz="1400" dirty="0" err="1">
-                <a:solidFill>
-                  <a:schemeClr val="tx1"/>
-                </a:solidFill>
-                <a:latin typeface="+mn-lt"/>
-                <a:ea typeface="+mn-ea"/>
-                <a:cs typeface="+mn-cs"/>
-              </a:rPr>
-              <a:t>VoCaLS</a:t>
-            </a:r>
-            <a:r>
-              <a:rPr lang="en-GB" sz="1400" dirty="0">
-                <a:solidFill>
-                  <a:schemeClr val="tx1"/>
-                </a:solidFill>
-                <a:latin typeface="+mn-lt"/>
-                <a:ea typeface="+mn-ea"/>
-                <a:cs typeface="+mn-cs"/>
-              </a:rPr>
-              <a:t> ontology</a:t>
-            </a:r>
-          </a:p>
-          <a:p>
-            <a:pPr marL="0" indent="0" defTabSz="914400">
-              <a:lnSpc>
-                <a:spcPct val="110000"/>
-              </a:lnSpc>
-              <a:buNone/>
-            </a:pPr>
-            <a:r>
-              <a:rPr lang="en-GB" sz="1400" dirty="0">
-                <a:solidFill>
-                  <a:schemeClr val="tx1"/>
-                </a:solidFill>
-                <a:latin typeface="+mn-lt"/>
-                <a:ea typeface="+mn-ea"/>
-                <a:cs typeface="+mn-cs"/>
-              </a:rPr>
-              <a:t>~5 years experience in innovation and research projects</a:t>
-            </a:r>
-          </a:p>
-          <a:p>
-            <a:pPr marL="0" indent="0" defTabSz="914400">
-              <a:lnSpc>
-                <a:spcPct val="110000"/>
-              </a:lnSpc>
-              <a:buNone/>
-            </a:pPr>
-            <a:endParaRPr lang="en-US" sz="1400" dirty="0">
-              <a:solidFill>
-                <a:schemeClr val="tx1"/>
-              </a:solidFill>
-              <a:latin typeface="+mn-lt"/>
-              <a:ea typeface="+mn-ea"/>
-              <a:cs typeface="+mn-cs"/>
-            </a:endParaRPr>
           </a:p>
         </p:txBody>
       </p:sp>
@@ -4646,57 +3614,510 @@
           </a:fontRef>
         </p:style>
       </p:cxnSp>
-      <p:pic>
-        <p:nvPicPr>
-          <p:cNvPr id="10" name="Picture 2" descr="Riccardo Tommasini">
+      <p:sp>
+        <p:nvSpPr>
+          <p:cNvPr id="11" name="Content Placeholder 2">
             <a:extLst>
               <a:ext uri="{FF2B5EF4-FFF2-40B4-BE49-F238E27FC236}">
-                <a16:creationId xmlns:a16="http://schemas.microsoft.com/office/drawing/2014/main" id="{BE7F2543-C762-E24F-AE1E-D516176D8745}"/>
+                <a16:creationId xmlns:a16="http://schemas.microsoft.com/office/drawing/2014/main" id="{E8F1A9F8-C718-B349-A1DD-9A6FB4F50AD0}"/>
               </a:ext>
             </a:extLst>
           </p:cNvPr>
-          <p:cNvPicPr>
-            <a:picLocks noChangeAspect="1" noChangeArrowheads="1"/>
-          </p:cNvPicPr>
+          <p:cNvSpPr txBox="1">
+            <a:spLocks/>
+          </p:cNvSpPr>
+          <p:nvPr/>
+        </p:nvSpPr>
+        <p:spPr>
+          <a:xfrm>
+            <a:off x="455494" y="1873806"/>
+            <a:ext cx="7422620" cy="423864"/>
+          </a:xfrm>
+          <a:prstGeom prst="rect">
+            <a:avLst/>
+          </a:prstGeom>
+        </p:spPr>
+        <p:txBody>
+          <a:bodyPr vert="horz" lIns="0" tIns="0" rIns="0" bIns="0" rtlCol="0" anchor="t" anchorCtr="0">
+            <a:noAutofit/>
+          </a:bodyPr>
+          <a:lstStyle>
+            <a:lvl1pPr marL="228594" indent="-228594" algn="l" defTabSz="914377" rtl="0" eaLnBrk="1" latinLnBrk="0" hangingPunct="1">
+              <a:lnSpc>
+                <a:spcPct val="100000"/>
+              </a:lnSpc>
+              <a:spcBef>
+                <a:spcPts val="1000"/>
+              </a:spcBef>
+              <a:buClrTx/>
+              <a:buSzPct val="100000"/>
+              <a:buFont typeface="Arial" charset="0"/>
+              <a:buNone/>
+              <a:tabLst/>
+              <a:defRPr lang="en-US" sz="2400" b="0" i="0" kern="1200" cap="none" spc="0" baseline="0" dirty="0">
+                <a:solidFill>
+                  <a:srgbClr val="282C32"/>
+                </a:solidFill>
+                <a:latin typeface="Rubik" pitchFamily="2" charset="-79"/>
+                <a:ea typeface="Helvetica Neue" charset="0"/>
+                <a:cs typeface="Rubik" pitchFamily="2" charset="-79"/>
+              </a:defRPr>
+            </a:lvl1pPr>
+            <a:lvl2pPr marL="800080" indent="-342891" algn="l" defTabSz="914377" rtl="0" eaLnBrk="1" latinLnBrk="0" hangingPunct="1">
+              <a:lnSpc>
+                <a:spcPct val="100000"/>
+              </a:lnSpc>
+              <a:spcBef>
+                <a:spcPts val="500"/>
+              </a:spcBef>
+              <a:buClrTx/>
+              <a:buFont typeface="Helvetica" charset="-52"/>
+              <a:buChar char="–"/>
+              <a:tabLst/>
+              <a:defRPr sz="2400" b="0" i="0" kern="1200">
+                <a:solidFill>
+                  <a:srgbClr val="2C2C38"/>
+                </a:solidFill>
+                <a:latin typeface="Rubik" pitchFamily="2" charset="-79"/>
+                <a:ea typeface="Helvetica Neue" charset="0"/>
+                <a:cs typeface="Rubik" pitchFamily="2" charset="-79"/>
+              </a:defRPr>
+            </a:lvl2pPr>
+            <a:lvl3pPr marL="1142971" indent="-228594" algn="l" defTabSz="914377" rtl="0" eaLnBrk="1" latinLnBrk="0" hangingPunct="1">
+              <a:lnSpc>
+                <a:spcPct val="100000"/>
+              </a:lnSpc>
+              <a:spcBef>
+                <a:spcPts val="500"/>
+              </a:spcBef>
+              <a:buClrTx/>
+              <a:buFont typeface="Arial" charset="0"/>
+              <a:buChar char="•"/>
+              <a:tabLst/>
+              <a:defRPr sz="2000" b="0" i="0" kern="1200">
+                <a:solidFill>
+                  <a:srgbClr val="2C2C38"/>
+                </a:solidFill>
+                <a:latin typeface="Rubik" pitchFamily="2" charset="-79"/>
+                <a:ea typeface="Helvetica Neue" charset="0"/>
+                <a:cs typeface="Rubik" pitchFamily="2" charset="-79"/>
+              </a:defRPr>
+            </a:lvl3pPr>
+            <a:lvl4pPr marL="1600160" indent="-228594" algn="l" defTabSz="914377" rtl="0" eaLnBrk="1" latinLnBrk="0" hangingPunct="1">
+              <a:lnSpc>
+                <a:spcPct val="100000"/>
+              </a:lnSpc>
+              <a:spcBef>
+                <a:spcPts val="500"/>
+              </a:spcBef>
+              <a:buClrTx/>
+              <a:buFont typeface="LucidaGrande" charset="0"/>
+              <a:buChar char="▫︎"/>
+              <a:defRPr sz="1800" b="0" i="0" kern="1200">
+                <a:solidFill>
+                  <a:srgbClr val="2C2C38"/>
+                </a:solidFill>
+                <a:latin typeface="Rubik" pitchFamily="2" charset="-79"/>
+                <a:ea typeface="Helvetica Neue" charset="0"/>
+                <a:cs typeface="Rubik" pitchFamily="2" charset="-79"/>
+              </a:defRPr>
+            </a:lvl4pPr>
+            <a:lvl5pPr marL="2057349" indent="-228594" algn="l" defTabSz="914377" rtl="0" eaLnBrk="1" latinLnBrk="0" hangingPunct="1">
+              <a:lnSpc>
+                <a:spcPct val="100000"/>
+              </a:lnSpc>
+              <a:spcBef>
+                <a:spcPts val="500"/>
+              </a:spcBef>
+              <a:buClrTx/>
+              <a:buFont typeface=".AppleSystemUIFont" charset="-120"/>
+              <a:buChar char="-"/>
+              <a:defRPr sz="1800" b="0" i="0" kern="1200">
+                <a:solidFill>
+                  <a:srgbClr val="2C2C38"/>
+                </a:solidFill>
+                <a:latin typeface="Rubik" pitchFamily="2" charset="-79"/>
+                <a:ea typeface="Helvetica Neue" charset="0"/>
+                <a:cs typeface="Rubik" pitchFamily="2" charset="-79"/>
+              </a:defRPr>
+            </a:lvl5pPr>
+            <a:lvl6pPr marL="2514537" indent="-228594" algn="l" defTabSz="914377" rtl="0" eaLnBrk="1" latinLnBrk="0" hangingPunct="1">
+              <a:lnSpc>
+                <a:spcPct val="90000"/>
+              </a:lnSpc>
+              <a:spcBef>
+                <a:spcPts val="500"/>
+              </a:spcBef>
+              <a:buFont typeface="Arial"/>
+              <a:buChar char="•"/>
+              <a:defRPr sz="1800" kern="1200">
+                <a:solidFill>
+                  <a:schemeClr val="tx1"/>
+                </a:solidFill>
+                <a:latin typeface="+mn-lt"/>
+                <a:ea typeface="+mn-ea"/>
+                <a:cs typeface="+mn-cs"/>
+              </a:defRPr>
+            </a:lvl6pPr>
+            <a:lvl7pPr marL="2971726" indent="-228594" algn="l" defTabSz="914377" rtl="0" eaLnBrk="1" latinLnBrk="0" hangingPunct="1">
+              <a:lnSpc>
+                <a:spcPct val="90000"/>
+              </a:lnSpc>
+              <a:spcBef>
+                <a:spcPts val="500"/>
+              </a:spcBef>
+              <a:buFont typeface="Arial"/>
+              <a:buChar char="•"/>
+              <a:defRPr sz="1800" kern="1200">
+                <a:solidFill>
+                  <a:schemeClr val="tx1"/>
+                </a:solidFill>
+                <a:latin typeface="+mn-lt"/>
+                <a:ea typeface="+mn-ea"/>
+                <a:cs typeface="+mn-cs"/>
+              </a:defRPr>
+            </a:lvl7pPr>
+            <a:lvl8pPr marL="3428914" indent="-228594" algn="l" defTabSz="914377" rtl="0" eaLnBrk="1" latinLnBrk="0" hangingPunct="1">
+              <a:lnSpc>
+                <a:spcPct val="90000"/>
+              </a:lnSpc>
+              <a:spcBef>
+                <a:spcPts val="500"/>
+              </a:spcBef>
+              <a:buFont typeface="Arial"/>
+              <a:buChar char="•"/>
+              <a:defRPr sz="1800" kern="1200">
+                <a:solidFill>
+                  <a:schemeClr val="tx1"/>
+                </a:solidFill>
+                <a:latin typeface="+mn-lt"/>
+                <a:ea typeface="+mn-ea"/>
+                <a:cs typeface="+mn-cs"/>
+              </a:defRPr>
+            </a:lvl8pPr>
+            <a:lvl9pPr marL="3886103" indent="-228594" algn="l" defTabSz="914377" rtl="0" eaLnBrk="1" latinLnBrk="0" hangingPunct="1">
+              <a:lnSpc>
+                <a:spcPct val="90000"/>
+              </a:lnSpc>
+              <a:spcBef>
+                <a:spcPts val="500"/>
+              </a:spcBef>
+              <a:buFont typeface="Arial"/>
+              <a:buChar char="•"/>
+              <a:defRPr sz="1800" kern="1200">
+                <a:solidFill>
+                  <a:schemeClr val="tx1"/>
+                </a:solidFill>
+                <a:latin typeface="+mn-lt"/>
+                <a:ea typeface="+mn-ea"/>
+                <a:cs typeface="+mn-cs"/>
+              </a:defRPr>
+            </a:lvl9pPr>
+          </a:lstStyle>
+          <a:p>
+            <a:r>
+              <a:rPr lang="en-GB"/>
+              <a:t>Ph.D. Student | </a:t>
+            </a:r>
+            <a:r>
+              <a:rPr lang="en-GB" b="1"/>
+              <a:t>Politecnico di Milano</a:t>
+            </a:r>
+          </a:p>
+          <a:p>
+            <a:endParaRPr lang="en-GB"/>
+          </a:p>
+        </p:txBody>
+      </p:sp>
+      <p:sp>
+        <p:nvSpPr>
+          <p:cNvPr id="12" name="Content Placeholder 6">
+            <a:extLst>
+              <a:ext uri="{FF2B5EF4-FFF2-40B4-BE49-F238E27FC236}">
+                <a16:creationId xmlns:a16="http://schemas.microsoft.com/office/drawing/2014/main" id="{FDE1AF9D-C8E6-4147-A711-7AF54891DC98}"/>
+              </a:ext>
+            </a:extLst>
+          </p:cNvPr>
+          <p:cNvSpPr txBox="1">
+            <a:spLocks/>
+          </p:cNvSpPr>
+          <p:nvPr/>
+        </p:nvSpPr>
+        <p:spPr>
+          <a:xfrm>
+            <a:off x="662851" y="2727753"/>
+            <a:ext cx="6929437" cy="1025525"/>
+          </a:xfrm>
+          <a:prstGeom prst="rect">
+            <a:avLst/>
+          </a:prstGeom>
+        </p:spPr>
+        <p:txBody>
+          <a:bodyPr vert="horz" lIns="91440" tIns="45720" rIns="91440" bIns="45720" rtlCol="0">
+            <a:normAutofit/>
+          </a:bodyPr>
+          <a:lstStyle>
+            <a:lvl1pPr marL="346066" indent="-346066" algn="l" defTabSz="914377" rtl="0" eaLnBrk="1" latinLnBrk="0" hangingPunct="1">
+              <a:lnSpc>
+                <a:spcPct val="100000"/>
+              </a:lnSpc>
+              <a:spcBef>
+                <a:spcPts val="1000"/>
+              </a:spcBef>
+              <a:buClrTx/>
+              <a:buSzPct val="100000"/>
+              <a:buFont typeface="Arial" charset="0"/>
+              <a:buChar char="•"/>
+              <a:tabLst/>
+              <a:defRPr sz="2800" b="0" i="0" kern="1200">
+                <a:solidFill>
+                  <a:srgbClr val="2C2C38"/>
+                </a:solidFill>
+                <a:latin typeface="Rubik" pitchFamily="2" charset="-79"/>
+                <a:ea typeface="Helvetica Neue" charset="0"/>
+                <a:cs typeface="Rubik" pitchFamily="2" charset="-79"/>
+              </a:defRPr>
+            </a:lvl1pPr>
+            <a:lvl2pPr marL="800080" indent="-342891" algn="l" defTabSz="914377" rtl="0" eaLnBrk="1" latinLnBrk="0" hangingPunct="1">
+              <a:lnSpc>
+                <a:spcPct val="100000"/>
+              </a:lnSpc>
+              <a:spcBef>
+                <a:spcPts val="500"/>
+              </a:spcBef>
+              <a:buClrTx/>
+              <a:buFont typeface="Helvetica" charset="-52"/>
+              <a:buChar char="–"/>
+              <a:tabLst/>
+              <a:defRPr sz="2400" b="0" i="0" kern="1200">
+                <a:solidFill>
+                  <a:srgbClr val="2C2C38"/>
+                </a:solidFill>
+                <a:latin typeface="Rubik" pitchFamily="2" charset="-79"/>
+                <a:ea typeface="Helvetica Neue" charset="0"/>
+                <a:cs typeface="Rubik" pitchFamily="2" charset="-79"/>
+              </a:defRPr>
+            </a:lvl2pPr>
+            <a:lvl3pPr marL="1142971" indent="-228594" algn="l" defTabSz="914377" rtl="0" eaLnBrk="1" latinLnBrk="0" hangingPunct="1">
+              <a:lnSpc>
+                <a:spcPct val="100000"/>
+              </a:lnSpc>
+              <a:spcBef>
+                <a:spcPts val="500"/>
+              </a:spcBef>
+              <a:buClrTx/>
+              <a:buFont typeface="Arial" charset="0"/>
+              <a:buChar char="•"/>
+              <a:tabLst/>
+              <a:defRPr sz="2000" b="0" i="0" kern="1200">
+                <a:solidFill>
+                  <a:srgbClr val="2C2C38"/>
+                </a:solidFill>
+                <a:latin typeface="Rubik" pitchFamily="2" charset="-79"/>
+                <a:ea typeface="Helvetica Neue" charset="0"/>
+                <a:cs typeface="Rubik" pitchFamily="2" charset="-79"/>
+              </a:defRPr>
+            </a:lvl3pPr>
+            <a:lvl4pPr marL="1600160" indent="-228594" algn="l" defTabSz="914377" rtl="0" eaLnBrk="1" latinLnBrk="0" hangingPunct="1">
+              <a:lnSpc>
+                <a:spcPct val="100000"/>
+              </a:lnSpc>
+              <a:spcBef>
+                <a:spcPts val="500"/>
+              </a:spcBef>
+              <a:buClrTx/>
+              <a:buFont typeface="LucidaGrande" charset="0"/>
+              <a:buChar char="▫︎"/>
+              <a:defRPr sz="1800" b="0" i="0" kern="1200">
+                <a:solidFill>
+                  <a:srgbClr val="2C2C38"/>
+                </a:solidFill>
+                <a:latin typeface="Rubik" pitchFamily="2" charset="-79"/>
+                <a:ea typeface="Helvetica Neue" charset="0"/>
+                <a:cs typeface="Rubik" pitchFamily="2" charset="-79"/>
+              </a:defRPr>
+            </a:lvl4pPr>
+            <a:lvl5pPr marL="2057349" indent="-228594" algn="l" defTabSz="914377" rtl="0" eaLnBrk="1" latinLnBrk="0" hangingPunct="1">
+              <a:lnSpc>
+                <a:spcPct val="100000"/>
+              </a:lnSpc>
+              <a:spcBef>
+                <a:spcPts val="500"/>
+              </a:spcBef>
+              <a:buClrTx/>
+              <a:buFont typeface=".AppleSystemUIFont" charset="-120"/>
+              <a:buChar char="-"/>
+              <a:defRPr sz="1800" b="0" i="0" kern="1200">
+                <a:solidFill>
+                  <a:srgbClr val="2C2C38"/>
+                </a:solidFill>
+                <a:latin typeface="Rubik" pitchFamily="2" charset="-79"/>
+                <a:ea typeface="Helvetica Neue" charset="0"/>
+                <a:cs typeface="Rubik" pitchFamily="2" charset="-79"/>
+              </a:defRPr>
+            </a:lvl5pPr>
+            <a:lvl6pPr marL="2514537" indent="-228594" algn="l" defTabSz="914377" rtl="0" eaLnBrk="1" latinLnBrk="0" hangingPunct="1">
+              <a:lnSpc>
+                <a:spcPct val="90000"/>
+              </a:lnSpc>
+              <a:spcBef>
+                <a:spcPts val="500"/>
+              </a:spcBef>
+              <a:buFont typeface="Arial"/>
+              <a:buChar char="•"/>
+              <a:defRPr sz="1800" kern="1200">
+                <a:solidFill>
+                  <a:schemeClr val="tx1"/>
+                </a:solidFill>
+                <a:latin typeface="+mn-lt"/>
+                <a:ea typeface="+mn-ea"/>
+                <a:cs typeface="+mn-cs"/>
+              </a:defRPr>
+            </a:lvl6pPr>
+            <a:lvl7pPr marL="2971726" indent="-228594" algn="l" defTabSz="914377" rtl="0" eaLnBrk="1" latinLnBrk="0" hangingPunct="1">
+              <a:lnSpc>
+                <a:spcPct val="90000"/>
+              </a:lnSpc>
+              <a:spcBef>
+                <a:spcPts val="500"/>
+              </a:spcBef>
+              <a:buFont typeface="Arial"/>
+              <a:buChar char="•"/>
+              <a:defRPr sz="1800" kern="1200">
+                <a:solidFill>
+                  <a:schemeClr val="tx1"/>
+                </a:solidFill>
+                <a:latin typeface="+mn-lt"/>
+                <a:ea typeface="+mn-ea"/>
+                <a:cs typeface="+mn-cs"/>
+              </a:defRPr>
+            </a:lvl7pPr>
+            <a:lvl8pPr marL="3428914" indent="-228594" algn="l" defTabSz="914377" rtl="0" eaLnBrk="1" latinLnBrk="0" hangingPunct="1">
+              <a:lnSpc>
+                <a:spcPct val="90000"/>
+              </a:lnSpc>
+              <a:spcBef>
+                <a:spcPts val="500"/>
+              </a:spcBef>
+              <a:buFont typeface="Arial"/>
+              <a:buChar char="•"/>
+              <a:defRPr sz="1800" kern="1200">
+                <a:solidFill>
+                  <a:schemeClr val="tx1"/>
+                </a:solidFill>
+                <a:latin typeface="+mn-lt"/>
+                <a:ea typeface="+mn-ea"/>
+                <a:cs typeface="+mn-cs"/>
+              </a:defRPr>
+            </a:lvl8pPr>
+            <a:lvl9pPr marL="3886103" indent="-228594" algn="l" defTabSz="914377" rtl="0" eaLnBrk="1" latinLnBrk="0" hangingPunct="1">
+              <a:lnSpc>
+                <a:spcPct val="90000"/>
+              </a:lnSpc>
+              <a:spcBef>
+                <a:spcPts val="500"/>
+              </a:spcBef>
+              <a:buFont typeface="Arial"/>
+              <a:buChar char="•"/>
+              <a:defRPr sz="1800" kern="1200">
+                <a:solidFill>
+                  <a:schemeClr val="tx1"/>
+                </a:solidFill>
+                <a:latin typeface="+mn-lt"/>
+                <a:ea typeface="+mn-ea"/>
+                <a:cs typeface="+mn-cs"/>
+              </a:defRPr>
+            </a:lvl9pPr>
+          </a:lstStyle>
+          <a:p>
+            <a:pPr marL="0" indent="0" defTabSz="914400">
+              <a:lnSpc>
+                <a:spcPct val="110000"/>
+              </a:lnSpc>
+              <a:buNone/>
+            </a:pPr>
+            <a:r>
+              <a:rPr lang="en-GB" sz="1400" dirty="0">
+                <a:solidFill>
+                  <a:schemeClr val="tx1"/>
+                </a:solidFill>
+              </a:rPr>
+              <a:t>Expert in graph query languages</a:t>
+            </a:r>
+            <a:endParaRPr lang="en-GB" sz="1400" dirty="0">
+              <a:solidFill>
+                <a:schemeClr val="tx1"/>
+              </a:solidFill>
+              <a:latin typeface="+mn-lt"/>
+              <a:ea typeface="+mn-ea"/>
+              <a:cs typeface="+mn-cs"/>
+            </a:endParaRPr>
+          </a:p>
+          <a:p>
+            <a:pPr marL="0" indent="0" defTabSz="914400">
+              <a:lnSpc>
+                <a:spcPct val="110000"/>
+              </a:lnSpc>
+              <a:buFont typeface="Arial" charset="0"/>
+              <a:buNone/>
+            </a:pPr>
+            <a:r>
+              <a:rPr lang="en-GB" sz="1400" dirty="0">
+                <a:solidFill>
+                  <a:schemeClr val="tx1"/>
+                </a:solidFill>
+                <a:latin typeface="+mn-lt"/>
+                <a:ea typeface="+mn-ea"/>
+                <a:cs typeface="+mn-cs"/>
+              </a:rPr>
+              <a:t>~3 years experience in innovation and research projects</a:t>
+            </a:r>
+            <a:endParaRPr lang="en-US" sz="1400" dirty="0">
+              <a:solidFill>
+                <a:schemeClr val="tx1"/>
+              </a:solidFill>
+              <a:latin typeface="+mn-lt"/>
+              <a:ea typeface="+mn-ea"/>
+              <a:cs typeface="+mn-cs"/>
+            </a:endParaRPr>
+          </a:p>
+        </p:txBody>
+      </p:sp>
+      <p:pic>
+        <p:nvPicPr>
+          <p:cNvPr id="9" name="Google Shape;69;p14">
+            <a:extLst>
+              <a:ext uri="{FF2B5EF4-FFF2-40B4-BE49-F238E27FC236}">
+                <a16:creationId xmlns:a16="http://schemas.microsoft.com/office/drawing/2014/main" id="{88623875-B882-5246-A338-4700DB336C05}"/>
+              </a:ext>
+            </a:extLst>
+          </p:cNvPr>
+          <p:cNvPicPr preferRelativeResize="0"/>
           <p:nvPr/>
         </p:nvPicPr>
         <p:blipFill>
-          <a:blip r:embed="rId2">
-            <a:extLst>
-              <a:ext uri="{28A0092B-C50C-407E-A947-70E740481C1C}">
-                <a14:useLocalDpi xmlns:a14="http://schemas.microsoft.com/office/drawing/2010/main" val="0"/>
-              </a:ext>
-            </a:extLst>
-          </a:blip>
-          <a:srcRect l="11536" r="11536"/>
-          <a:stretch>
-            <a:fillRect/>
-          </a:stretch>
+          <a:blip r:embed="rId2"/>
+          <a:srcRect t="4412" b="4412"/>
+          <a:stretch/>
         </p:blipFill>
-        <p:spPr bwMode="auto">
+        <p:spPr>
           <a:xfrm>
-            <a:off x="9147031" y="129305"/>
-            <a:ext cx="2906116" cy="3777677"/>
+            <a:off x="9310062" y="599638"/>
+            <a:ext cx="2635358" cy="3027139"/>
           </a:xfrm>
           <a:prstGeom prst="rect">
             <a:avLst/>
           </a:prstGeom>
           <a:noFill/>
-          <a:extLst>
-            <a:ext uri="{909E8E84-426E-40DD-AFC4-6F175D3DCCD1}">
-              <a14:hiddenFill xmlns:a14="http://schemas.microsoft.com/office/drawing/2010/main">
-                <a:solidFill>
-                  <a:srgbClr val="FFFFFF"/>
-                </a:solidFill>
-              </a14:hiddenFill>
-            </a:ext>
-          </a:extLst>
+          <a:ln>
+            <a:noFill/>
+          </a:ln>
         </p:spPr>
       </p:pic>
     </p:spTree>
     <p:extLst>
       <p:ext uri="{BB962C8B-B14F-4D97-AF65-F5344CB8AC3E}">
-        <p14:creationId xmlns:p14="http://schemas.microsoft.com/office/powerpoint/2010/main" val="4004722649"/>
+        <p14:creationId xmlns:p14="http://schemas.microsoft.com/office/powerpoint/2010/main" val="3181699665"/>
       </p:ext>
     </p:extLst>
   </p:cSld>
@@ -4718,7 +4139,7 @@
 </p:sld>
 </file>
 
-<file path=ppt/slides/slide5.xml><?xml version="1.0" encoding="utf-8"?>
+<file path=ppt/slides/slide4.xml><?xml version="1.0" encoding="utf-8"?>
 <p:sld xmlns:a="http://schemas.openxmlformats.org/drawingml/2006/main" xmlns:r="http://schemas.openxmlformats.org/officeDocument/2006/relationships" xmlns:p="http://schemas.openxmlformats.org/presentationml/2006/main">
   <p:cSld>
     <p:spTree>
@@ -4780,7 +4201,7 @@
         <p:spPr>
           <a:xfrm>
             <a:off x="960229" y="4725451"/>
-            <a:ext cx="5297138" cy="777687"/>
+            <a:ext cx="5297138" cy="1182189"/>
           </a:xfrm>
           <a:prstGeom prst="rect">
             <a:avLst/>
@@ -5067,7 +4488,7 @@
                 <a:cs typeface="Helvetica Neue Light"/>
                 <a:sym typeface="Helvetica Neue Light"/>
               </a:rPr>
-              <a:t>Emanuele Della Valle</a:t>
+              <a:t>Alessio Bernardo</a:t>
             </a:r>
           </a:p>
           <a:p>
@@ -5087,17 +4508,31 @@
                 <a:cs typeface="Helvetica Neue Light"/>
                 <a:sym typeface="Helvetica Neue Light"/>
               </a:rPr>
-              <a:t>Prof. @ </a:t>
-            </a:r>
-            <a:r>
-              <a:rPr lang="en" dirty="0" err="1">
+              <a:t>PhD Student @ Politecnico di Milano </a:t>
+            </a:r>
+          </a:p>
+          <a:p>
+            <a:pPr marL="177800" indent="-177800">
+              <a:spcBef>
+                <a:spcPts val="0"/>
+              </a:spcBef>
+            </a:pPr>
+            <a:r>
+              <a:rPr lang="it-IT" b="1" dirty="0">
                 <a:latin typeface="Helvetica Neue Light"/>
                 <a:ea typeface="Helvetica Neue Light"/>
                 <a:cs typeface="Helvetica Neue Light"/>
                 <a:sym typeface="Helvetica Neue Light"/>
               </a:rPr>
-              <a:t>Politecnico</a:t>
-            </a:r>
+              <a:t>Emanuele Falzone</a:t>
+            </a:r>
+          </a:p>
+          <a:p>
+            <a:pPr marL="177800" indent="-177800">
+              <a:spcBef>
+                <a:spcPts val="0"/>
+              </a:spcBef>
+            </a:pPr>
             <a:r>
               <a:rPr lang="en" dirty="0">
                 <a:latin typeface="Helvetica Neue Light"/>
@@ -5105,166 +4540,13 @@
                 <a:cs typeface="Helvetica Neue Light"/>
                 <a:sym typeface="Helvetica Neue Light"/>
               </a:rPr>
-              <a:t> di Milano </a:t>
-            </a:r>
-          </a:p>
-          <a:p>
-            <a:pPr marL="177800" indent="-177800">
-              <a:spcBef>
-                <a:spcPts val="0"/>
-              </a:spcBef>
-              <a:buClr>
-                <a:schemeClr val="lt1"/>
-              </a:buClr>
-              <a:buSzPts val="1800"/>
-            </a:pPr>
-            <a:r>
-              <a:rPr lang="en" dirty="0">
-                <a:latin typeface="Helvetica Neue Light"/>
-                <a:ea typeface="Helvetica Neue Light"/>
-                <a:cs typeface="Helvetica Neue Light"/>
-                <a:sym typeface="Helvetica Neue Light"/>
-              </a:rPr>
-              <a:t>Founder &amp; Partner @ </a:t>
-            </a:r>
-            <a:r>
-              <a:rPr lang="en" dirty="0" err="1">
-                <a:latin typeface="Helvetica Neue Light"/>
-                <a:ea typeface="Helvetica Neue Light"/>
-                <a:cs typeface="Helvetica Neue Light"/>
-                <a:sym typeface="Helvetica Neue Light"/>
-              </a:rPr>
-              <a:t>Quantia</a:t>
-            </a:r>
-            <a:r>
-              <a:rPr lang="en" dirty="0">
-                <a:latin typeface="Helvetica Neue Light"/>
-                <a:ea typeface="Helvetica Neue Light"/>
-                <a:cs typeface="Helvetica Neue Light"/>
-                <a:sym typeface="Helvetica Neue Light"/>
-              </a:rPr>
-              <a:t> Consulting</a:t>
-            </a:r>
-          </a:p>
-          <a:p>
-            <a:pPr marL="177800" indent="-177800">
-              <a:spcBef>
-                <a:spcPts val="0"/>
-              </a:spcBef>
-            </a:pPr>
-            <a:r>
-              <a:rPr lang="it-IT" b="1" dirty="0">
-                <a:latin typeface="Helvetica Neue Light"/>
-                <a:ea typeface="Helvetica Neue Light"/>
-                <a:cs typeface="Helvetica Neue Light"/>
-                <a:sym typeface="Helvetica Neue Light"/>
-              </a:rPr>
-              <a:t>Marco Balduini</a:t>
-            </a:r>
-          </a:p>
-          <a:p>
-            <a:pPr marL="177800" indent="-177800">
-              <a:spcBef>
-                <a:spcPts val="0"/>
-              </a:spcBef>
-            </a:pPr>
-            <a:r>
-              <a:rPr lang="it-IT" dirty="0" err="1">
-                <a:latin typeface="Helvetica Neue Light"/>
-                <a:ea typeface="Helvetica Neue Light"/>
-                <a:cs typeface="Helvetica Neue Light"/>
-                <a:sym typeface="Helvetica Neue Light"/>
-              </a:rPr>
-              <a:t>Founder</a:t>
-            </a:r>
-            <a:r>
-              <a:rPr lang="it-IT" dirty="0">
-                <a:latin typeface="Helvetica Neue Light"/>
-                <a:ea typeface="Helvetica Neue Light"/>
-                <a:cs typeface="Helvetica Neue Light"/>
-                <a:sym typeface="Helvetica Neue Light"/>
-              </a:rPr>
-              <a:t> &amp; CEO @ </a:t>
-            </a:r>
-            <a:r>
-              <a:rPr lang="it-IT" dirty="0" err="1">
-                <a:latin typeface="Helvetica Neue Light"/>
-                <a:ea typeface="Helvetica Neue Light"/>
-                <a:cs typeface="Helvetica Neue Light"/>
-                <a:sym typeface="Helvetica Neue Light"/>
-              </a:rPr>
-              <a:t>Quantia</a:t>
-            </a:r>
-            <a:r>
-              <a:rPr lang="it-IT" dirty="0">
-                <a:latin typeface="Helvetica Neue Light"/>
-                <a:ea typeface="Helvetica Neue Light"/>
-                <a:cs typeface="Helvetica Neue Light"/>
-                <a:sym typeface="Helvetica Neue Light"/>
-              </a:rPr>
-              <a:t> </a:t>
-            </a:r>
-            <a:r>
-              <a:rPr lang="it-IT" dirty="0" err="1">
-                <a:latin typeface="Helvetica Neue Light"/>
-                <a:ea typeface="Helvetica Neue Light"/>
-                <a:cs typeface="Helvetica Neue Light"/>
-                <a:sym typeface="Helvetica Neue Light"/>
-              </a:rPr>
-              <a:t>Consulting</a:t>
+              <a:t>PhD Student @ Politecnico di Milano</a:t>
             </a:r>
             <a:endParaRPr lang="it-IT" dirty="0">
               <a:latin typeface="Helvetica Neue Light"/>
               <a:ea typeface="Helvetica Neue Light"/>
-              <a:cs typeface="Helvetica Neue Light"/>
               <a:sym typeface="Helvetica Neue Light"/>
             </a:endParaRPr>
-          </a:p>
-          <a:p>
-            <a:pPr marL="177800" indent="-177800">
-              <a:spcBef>
-                <a:spcPts val="0"/>
-              </a:spcBef>
-            </a:pPr>
-            <a:r>
-              <a:rPr lang="it-IT" b="1" dirty="0">
-                <a:latin typeface="Helvetica Neue Light"/>
-                <a:ea typeface="Helvetica Neue Light"/>
-                <a:sym typeface="Helvetica Neue Light"/>
-              </a:rPr>
-              <a:t>Riccardo Tommasini</a:t>
-            </a:r>
-          </a:p>
-          <a:p>
-            <a:pPr marL="100013" indent="-100013">
-              <a:spcBef>
-                <a:spcPts val="0"/>
-              </a:spcBef>
-            </a:pPr>
-            <a:r>
-              <a:rPr lang="it-IT" dirty="0">
-                <a:latin typeface="Helvetica Neue Light"/>
-                <a:ea typeface="Helvetica Neue Light"/>
-                <a:sym typeface="Helvetica Neue Light"/>
-              </a:rPr>
-              <a:t>Prof. @ </a:t>
-            </a:r>
-            <a:r>
-              <a:rPr lang="it-IT" dirty="0" err="1">
-                <a:latin typeface="Helvetica Neue Light"/>
-                <a:ea typeface="Helvetica Neue Light"/>
-                <a:sym typeface="Helvetica Neue Light"/>
-              </a:rPr>
-              <a:t>University</a:t>
-            </a:r>
-            <a:r>
-              <a:rPr lang="it-IT" dirty="0">
-                <a:latin typeface="Helvetica Neue Light"/>
-                <a:ea typeface="Helvetica Neue Light"/>
-                <a:sym typeface="Helvetica Neue Light"/>
-              </a:rPr>
-              <a:t> of Tartu</a:t>
-            </a:r>
           </a:p>
         </p:txBody>
       </p:sp>

--- a/Training-material/day 1/00_intro.pptx
+++ b/Training-material/day 1/00_intro.pptx
@@ -1,53 +1,67 @@
 
 <file path=ppt/presentation.xml><?xml version="1.0" encoding="utf-8"?>
-<p:presentation xmlns:a="http://schemas.openxmlformats.org/drawingml/2006/main" xmlns:r="http://schemas.openxmlformats.org/officeDocument/2006/relationships" xmlns:mc="http://schemas.openxmlformats.org/markup-compatibility/2006" xmlns:mv="urn:schemas-microsoft-com:mac:vml" xmlns:p="http://schemas.openxmlformats.org/presentationml/2006/main" xmlns:c="http://schemas.openxmlformats.org/drawingml/2006/chart" xmlns:dgm="http://schemas.openxmlformats.org/drawingml/2006/diagram" xmlns:o="urn:schemas-microsoft-com:office:office" xmlns:v="urn:schemas-microsoft-com:vml" xmlns:pvml="urn:schemas-microsoft-com:office:powerpoint" xmlns:com="http://schemas.openxmlformats.org/drawingml/2006/compatibility" xmlns:p14="http://schemas.microsoft.com/office/powerpoint/2010/main" xmlns:p15="http://schemas.microsoft.com/office/powerpoint/2012/main" xmlns:ahyp="http://schemas.microsoft.com/office/drawing/2018/hyperlinkcolor" autoCompressPictures="0" embedTrueTypeFonts="1" strictFirstAndLastChars="0" saveSubsetFonts="1">
+<p:presentation xmlns:a="http://schemas.openxmlformats.org/drawingml/2006/main" xmlns:r="http://schemas.openxmlformats.org/officeDocument/2006/relationships" xmlns:p="http://schemas.openxmlformats.org/presentationml/2006/main" strictFirstAndLastChars="0" embedTrueTypeFonts="1" saveSubsetFonts="1" autoCompressPictures="0">
   <p:sldMasterIdLst>
-    <p:sldMasterId id="2147483648" r:id="rId3"/>
+    <p:sldMasterId id="2147483648" r:id="rId1"/>
   </p:sldMasterIdLst>
   <p:notesMasterIdLst>
-    <p:notesMasterId r:id="rId4"/>
+    <p:notesMasterId r:id="rId7"/>
   </p:notesMasterIdLst>
   <p:sldIdLst>
-    <p:sldId id="256" r:id="rId5"/>
-    <p:sldId id="257" r:id="rId6"/>
-    <p:sldId id="258" r:id="rId7"/>
-    <p:sldId id="259" r:id="rId8"/>
-    <p:sldId id="260" r:id="rId9"/>
+    <p:sldId id="256" r:id="rId2"/>
+    <p:sldId id="257" r:id="rId3"/>
+    <p:sldId id="258" r:id="rId4"/>
+    <p:sldId id="259" r:id="rId5"/>
+    <p:sldId id="260" r:id="rId6"/>
   </p:sldIdLst>
-  <p:sldSz cy="6858000" cx="12192000"/>
+  <p:sldSz cx="12192000" cy="6858000"/>
   <p:notesSz cx="6858000" cy="9144000"/>
   <p:embeddedFontLst>
     <p:embeddedFont>
-      <p:font typeface="Rubik Medium"/>
-      <p:regular r:id="rId10"/>
-      <p:bold r:id="rId11"/>
-      <p:italic r:id="rId12"/>
-      <p:boldItalic r:id="rId13"/>
+      <p:font typeface="Calibri" panose="020F0502020204030204" pitchFamily="34" charset="0"/>
+      <p:regular r:id="rId8"/>
+      <p:bold r:id="rId9"/>
+      <p:italic r:id="rId10"/>
+      <p:boldItalic r:id="rId11"/>
     </p:embeddedFont>
     <p:embeddedFont>
-      <p:font typeface="Helvetica Neue"/>
-      <p:regular r:id="rId14"/>
-      <p:bold r:id="rId15"/>
-      <p:italic r:id="rId16"/>
-      <p:boldItalic r:id="rId17"/>
+      <p:font typeface="Helvetica Neue" panose="02000503000000020004" pitchFamily="2" charset="0"/>
+      <p:regular r:id="rId12"/>
+      <p:bold r:id="rId13"/>
+      <p:italic r:id="rId14"/>
+      <p:boldItalic r:id="rId15"/>
     </p:embeddedFont>
     <p:embeddedFont>
-      <p:font typeface="Rubik"/>
-      <p:regular r:id="rId18"/>
-      <p:bold r:id="rId19"/>
-      <p:italic r:id="rId20"/>
-      <p:boldItalic r:id="rId21"/>
+      <p:font typeface="Helvetica Neue Light" panose="02000403000000020004" pitchFamily="2" charset="0"/>
+      <p:regular r:id="rId16"/>
+      <p:bold r:id="rId17"/>
+      <p:italic r:id="rId18"/>
+      <p:boldItalic r:id="rId19"/>
     </p:embeddedFont>
     <p:embeddedFont>
-      <p:font typeface="Helvetica Neue Light"/>
-      <p:regular r:id="rId22"/>
-      <p:bold r:id="rId23"/>
-      <p:italic r:id="rId24"/>
-      <p:boldItalic r:id="rId25"/>
+      <p:font typeface="Merriweather Sans" pitchFamily="2" charset="77"/>
+      <p:regular r:id="rId20"/>
+      <p:bold r:id="rId21"/>
+      <p:italic r:id="rId22"/>
+      <p:boldItalic r:id="rId23"/>
+    </p:embeddedFont>
+    <p:embeddedFont>
+      <p:font typeface="Rubik" pitchFamily="2" charset="-79"/>
+      <p:regular r:id="rId24"/>
+      <p:bold r:id="rId25"/>
+      <p:italic r:id="rId26"/>
+      <p:boldItalic r:id="rId27"/>
+    </p:embeddedFont>
+    <p:embeddedFont>
+      <p:font typeface="Rubik Medium" pitchFamily="2" charset="-79"/>
+      <p:regular r:id="rId28"/>
+      <p:bold r:id="rId29"/>
+      <p:italic r:id="rId30"/>
+      <p:boldItalic r:id="rId31"/>
     </p:embeddedFont>
   </p:embeddedFontLst>
   <p:defaultTextStyle>
-    <a:defPPr lvl="0" marR="0" rtl="0" algn="l">
+    <a:defPPr marR="0" lvl="0" algn="l" rtl="0">
       <a:lnSpc>
         <a:spcPct val="100000"/>
       </a:lnSpc>
@@ -58,7 +72,7 @@
         <a:spcPts val="0"/>
       </a:spcAft>
     </a:defPPr>
-    <a:lvl1pPr lvl="0" marR="0" rtl="0" algn="l">
+    <a:lvl1pPr marR="0" lvl="0" algn="l" rtl="0">
       <a:lnSpc>
         <a:spcPct val="100000"/>
       </a:lnSpc>
@@ -72,7 +86,7 @@
         <a:srgbClr val="000000"/>
       </a:buClr>
       <a:buFont typeface="Arial"/>
-      <a:defRPr b="0" i="0" sz="1400" u="none" cap="none" strike="noStrike">
+      <a:defRPr sz="1400" b="0" i="0" u="none" strike="noStrike" cap="none">
         <a:solidFill>
           <a:srgbClr val="000000"/>
         </a:solidFill>
@@ -82,7 +96,7 @@
         <a:sym typeface="Arial"/>
       </a:defRPr>
     </a:lvl1pPr>
-    <a:lvl2pPr lvl="1" marR="0" rtl="0" algn="l">
+    <a:lvl2pPr marR="0" lvl="1" algn="l" rtl="0">
       <a:lnSpc>
         <a:spcPct val="100000"/>
       </a:lnSpc>
@@ -96,7 +110,7 @@
         <a:srgbClr val="000000"/>
       </a:buClr>
       <a:buFont typeface="Arial"/>
-      <a:defRPr b="0" i="0" sz="1400" u="none" cap="none" strike="noStrike">
+      <a:defRPr sz="1400" b="0" i="0" u="none" strike="noStrike" cap="none">
         <a:solidFill>
           <a:srgbClr val="000000"/>
         </a:solidFill>
@@ -106,7 +120,7 @@
         <a:sym typeface="Arial"/>
       </a:defRPr>
     </a:lvl2pPr>
-    <a:lvl3pPr lvl="2" marR="0" rtl="0" algn="l">
+    <a:lvl3pPr marR="0" lvl="2" algn="l" rtl="0">
       <a:lnSpc>
         <a:spcPct val="100000"/>
       </a:lnSpc>
@@ -120,7 +134,7 @@
         <a:srgbClr val="000000"/>
       </a:buClr>
       <a:buFont typeface="Arial"/>
-      <a:defRPr b="0" i="0" sz="1400" u="none" cap="none" strike="noStrike">
+      <a:defRPr sz="1400" b="0" i="0" u="none" strike="noStrike" cap="none">
         <a:solidFill>
           <a:srgbClr val="000000"/>
         </a:solidFill>
@@ -130,7 +144,7 @@
         <a:sym typeface="Arial"/>
       </a:defRPr>
     </a:lvl3pPr>
-    <a:lvl4pPr lvl="3" marR="0" rtl="0" algn="l">
+    <a:lvl4pPr marR="0" lvl="3" algn="l" rtl="0">
       <a:lnSpc>
         <a:spcPct val="100000"/>
       </a:lnSpc>
@@ -144,7 +158,7 @@
         <a:srgbClr val="000000"/>
       </a:buClr>
       <a:buFont typeface="Arial"/>
-      <a:defRPr b="0" i="0" sz="1400" u="none" cap="none" strike="noStrike">
+      <a:defRPr sz="1400" b="0" i="0" u="none" strike="noStrike" cap="none">
         <a:solidFill>
           <a:srgbClr val="000000"/>
         </a:solidFill>
@@ -154,7 +168,7 @@
         <a:sym typeface="Arial"/>
       </a:defRPr>
     </a:lvl4pPr>
-    <a:lvl5pPr lvl="4" marR="0" rtl="0" algn="l">
+    <a:lvl5pPr marR="0" lvl="4" algn="l" rtl="0">
       <a:lnSpc>
         <a:spcPct val="100000"/>
       </a:lnSpc>
@@ -168,7 +182,7 @@
         <a:srgbClr val="000000"/>
       </a:buClr>
       <a:buFont typeface="Arial"/>
-      <a:defRPr b="0" i="0" sz="1400" u="none" cap="none" strike="noStrike">
+      <a:defRPr sz="1400" b="0" i="0" u="none" strike="noStrike" cap="none">
         <a:solidFill>
           <a:srgbClr val="000000"/>
         </a:solidFill>
@@ -178,7 +192,7 @@
         <a:sym typeface="Arial"/>
       </a:defRPr>
     </a:lvl5pPr>
-    <a:lvl6pPr lvl="5" marR="0" rtl="0" algn="l">
+    <a:lvl6pPr marR="0" lvl="5" algn="l" rtl="0">
       <a:lnSpc>
         <a:spcPct val="100000"/>
       </a:lnSpc>
@@ -192,7 +206,7 @@
         <a:srgbClr val="000000"/>
       </a:buClr>
       <a:buFont typeface="Arial"/>
-      <a:defRPr b="0" i="0" sz="1400" u="none" cap="none" strike="noStrike">
+      <a:defRPr sz="1400" b="0" i="0" u="none" strike="noStrike" cap="none">
         <a:solidFill>
           <a:srgbClr val="000000"/>
         </a:solidFill>
@@ -202,7 +216,7 @@
         <a:sym typeface="Arial"/>
       </a:defRPr>
     </a:lvl6pPr>
-    <a:lvl7pPr lvl="6" marR="0" rtl="0" algn="l">
+    <a:lvl7pPr marR="0" lvl="6" algn="l" rtl="0">
       <a:lnSpc>
         <a:spcPct val="100000"/>
       </a:lnSpc>
@@ -216,7 +230,7 @@
         <a:srgbClr val="000000"/>
       </a:buClr>
       <a:buFont typeface="Arial"/>
-      <a:defRPr b="0" i="0" sz="1400" u="none" cap="none" strike="noStrike">
+      <a:defRPr sz="1400" b="0" i="0" u="none" strike="noStrike" cap="none">
         <a:solidFill>
           <a:srgbClr val="000000"/>
         </a:solidFill>
@@ -226,7 +240,7 @@
         <a:sym typeface="Arial"/>
       </a:defRPr>
     </a:lvl7pPr>
-    <a:lvl8pPr lvl="7" marR="0" rtl="0" algn="l">
+    <a:lvl8pPr marR="0" lvl="7" algn="l" rtl="0">
       <a:lnSpc>
         <a:spcPct val="100000"/>
       </a:lnSpc>
@@ -240,7 +254,7 @@
         <a:srgbClr val="000000"/>
       </a:buClr>
       <a:buFont typeface="Arial"/>
-      <a:defRPr b="0" i="0" sz="1400" u="none" cap="none" strike="noStrike">
+      <a:defRPr sz="1400" b="0" i="0" u="none" strike="noStrike" cap="none">
         <a:solidFill>
           <a:srgbClr val="000000"/>
         </a:solidFill>
@@ -250,7 +264,7 @@
         <a:sym typeface="Arial"/>
       </a:defRPr>
     </a:lvl8pPr>
-    <a:lvl9pPr lvl="8" marR="0" rtl="0" algn="l">
+    <a:lvl9pPr marR="0" lvl="8" algn="l" rtl="0">
       <a:lnSpc>
         <a:spcPct val="100000"/>
       </a:lnSpc>
@@ -264,7 +278,7 @@
         <a:srgbClr val="000000"/>
       </a:buClr>
       <a:buFont typeface="Arial"/>
-      <a:defRPr b="0" i="0" sz="1400" u="none" cap="none" strike="noStrike">
+      <a:defRPr sz="1400" b="0" i="0" u="none" strike="noStrike" cap="none">
         <a:solidFill>
           <a:srgbClr val="000000"/>
         </a:solidFill>
@@ -277,18 +291,23 @@
   </p:defaultTextStyle>
   <p:extLst>
     <p:ext uri="http://customooxmlschemas.google.com/">
-      <go:slidesCustomData xmlns:go="http://customooxmlschemas.google.com/" r:id="rId26" roundtripDataSignature="AMtx7mi087eNyXNdCFDRgZClvQsXLv6EvQ=="/>
+      <go:slidesCustomData xmlns:go="http://customooxmlschemas.google.com/" xmlns:ahyp="http://schemas.microsoft.com/office/drawing/2018/hyperlinkcolor" xmlns:p15="http://schemas.microsoft.com/office/powerpoint/2012/main" xmlns:p14="http://schemas.microsoft.com/office/powerpoint/2010/main" xmlns:com="http://schemas.openxmlformats.org/drawingml/2006/compatibility" xmlns:pvml="urn:schemas-microsoft-com:office:powerpoint" xmlns:v="urn:schemas-microsoft-com:vml" xmlns:o="urn:schemas-microsoft-com:office:office" xmlns:dgm="http://schemas.openxmlformats.org/drawingml/2006/diagram" xmlns:c="http://schemas.openxmlformats.org/drawingml/2006/chart" xmlns:mv="urn:schemas-microsoft-com:mac:vml" xmlns:mc="http://schemas.openxmlformats.org/markup-compatibility/2006" xmlns="" r:id="rId32" roundtripDataSignature="AMtx7mi087eNyXNdCFDRgZClvQsXLv6EvQ=="/>
     </p:ext>
   </p:extLst>
 </p:presentation>
 </file>
 
 <file path=ppt/notesMasters/notesMaster1.xml><?xml version="1.0" encoding="utf-8"?>
-<p:notesMaster xmlns:a="http://schemas.openxmlformats.org/drawingml/2006/main" xmlns:r="http://schemas.openxmlformats.org/officeDocument/2006/relationships" xmlns:mc="http://schemas.openxmlformats.org/markup-compatibility/2006" xmlns:mv="urn:schemas-microsoft-com:mac:vml" xmlns:p="http://schemas.openxmlformats.org/presentationml/2006/main" xmlns:c="http://schemas.openxmlformats.org/drawingml/2006/chart" xmlns:dgm="http://schemas.openxmlformats.org/drawingml/2006/diagram" xmlns:o="urn:schemas-microsoft-com:office:office" xmlns:v="urn:schemas-microsoft-com:vml" xmlns:pvml="urn:schemas-microsoft-com:office:powerpoint" xmlns:com="http://schemas.openxmlformats.org/drawingml/2006/compatibility" xmlns:p14="http://schemas.microsoft.com/office/powerpoint/2010/main" xmlns:p15="http://schemas.microsoft.com/office/powerpoint/2012/main" xmlns:ahyp="http://schemas.microsoft.com/office/drawing/2018/hyperlinkcolor">
+<p:notesMaster xmlns:a="http://schemas.openxmlformats.org/drawingml/2006/main" xmlns:r="http://schemas.openxmlformats.org/officeDocument/2006/relationships" xmlns:p="http://schemas.openxmlformats.org/presentationml/2006/main">
   <p:cSld>
+    <p:bg>
+      <p:bgRef idx="1001">
+        <a:schemeClr val="bg1"/>
+      </p:bgRef>
+    </p:bg>
     <p:spTree>
       <p:nvGrpSpPr>
-        <p:cNvPr id="2" name="Shape 2"/>
+        <p:cNvPr id="1" name="Shape 2"/>
         <p:cNvGrpSpPr/>
         <p:nvPr/>
       </p:nvGrpSpPr>
@@ -303,9 +322,11 @@
       <p:sp>
         <p:nvSpPr>
           <p:cNvPr id="3" name="Google Shape;3;n"/>
-          <p:cNvSpPr/>
+          <p:cNvSpPr>
+            <a:spLocks noGrp="1" noRot="1" noChangeAspect="1"/>
+          </p:cNvSpPr>
           <p:nvPr>
-            <p:ph idx="2" type="sldImg"/>
+            <p:ph type="sldImg" idx="2"/>
           </p:nvPr>
         </p:nvSpPr>
         <p:spPr>
@@ -314,9 +335,13 @@
             <a:ext cx="4572225" cy="3429000"/>
           </a:xfrm>
           <a:custGeom>
-            <a:rect b="b" l="l" r="r" t="t"/>
+            <a:avLst/>
+            <a:gdLst/>
+            <a:ahLst/>
+            <a:cxnLst/>
+            <a:rect l="l" t="t" r="r" b="b"/>
             <a:pathLst>
-              <a:path extrusionOk="0" h="120000" w="120000">
+              <a:path w="120000" h="120000" extrusionOk="0">
                 <a:moveTo>
                   <a:pt x="0" y="0"/>
                 </a:moveTo>
@@ -334,23 +359,25 @@
             </a:pathLst>
           </a:custGeom>
           <a:noFill/>
-          <a:ln cap="flat" cmpd="sng" w="9525">
+          <a:ln w="9525" cap="flat" cmpd="sng">
             <a:solidFill>
               <a:srgbClr val="000000"/>
             </a:solidFill>
             <a:prstDash val="solid"/>
             <a:round/>
-            <a:headEnd len="sm" w="sm" type="none"/>
-            <a:tailEnd len="sm" w="sm" type="none"/>
+            <a:headEnd type="none" w="sm" len="sm"/>
+            <a:tailEnd type="none" w="sm" len="sm"/>
           </a:ln>
         </p:spPr>
       </p:sp>
       <p:sp>
         <p:nvSpPr>
           <p:cNvPr id="4" name="Google Shape;4;n"/>
-          <p:cNvSpPr txBox="1"/>
+          <p:cNvSpPr txBox="1">
+            <a:spLocks noGrp="1"/>
+          </p:cNvSpPr>
           <p:nvPr>
-            <p:ph idx="1" type="body"/>
+            <p:ph type="body" idx="1"/>
           </p:nvPr>
         </p:nvSpPr>
         <p:spPr>
@@ -367,11 +394,11 @@
           </a:ln>
         </p:spPr>
         <p:txBody>
-          <a:bodyPr anchorCtr="0" anchor="t" bIns="91425" lIns="91425" spcFirstLastPara="1" rIns="91425" wrap="square" tIns="91425">
+          <a:bodyPr spcFirstLastPara="1" wrap="square" lIns="91425" tIns="91425" rIns="91425" bIns="91425" anchor="t" anchorCtr="0">
             <a:noAutofit/>
           </a:bodyPr>
           <a:lstStyle>
-            <a:lvl1pPr indent="-298450" lvl="0" marL="457200">
+            <a:lvl1pPr marL="457200" lvl="0" indent="-298450">
               <a:spcBef>
                 <a:spcPts val="0"/>
               </a:spcBef>
@@ -382,7 +409,7 @@
               <a:buChar char="●"/>
               <a:defRPr sz="1100"/>
             </a:lvl1pPr>
-            <a:lvl2pPr indent="-298450" lvl="1" marL="914400">
+            <a:lvl2pPr marL="914400" lvl="1" indent="-298450">
               <a:spcBef>
                 <a:spcPts val="0"/>
               </a:spcBef>
@@ -393,7 +420,7 @@
               <a:buChar char="○"/>
               <a:defRPr sz="1100"/>
             </a:lvl2pPr>
-            <a:lvl3pPr indent="-298450" lvl="2" marL="1371600">
+            <a:lvl3pPr marL="1371600" lvl="2" indent="-298450">
               <a:spcBef>
                 <a:spcPts val="0"/>
               </a:spcBef>
@@ -404,7 +431,7 @@
               <a:buChar char="■"/>
               <a:defRPr sz="1100"/>
             </a:lvl3pPr>
-            <a:lvl4pPr indent="-298450" lvl="3" marL="1828800">
+            <a:lvl4pPr marL="1828800" lvl="3" indent="-298450">
               <a:spcBef>
                 <a:spcPts val="0"/>
               </a:spcBef>
@@ -415,7 +442,7 @@
               <a:buChar char="●"/>
               <a:defRPr sz="1100"/>
             </a:lvl4pPr>
-            <a:lvl5pPr indent="-298450" lvl="4" marL="2286000">
+            <a:lvl5pPr marL="2286000" lvl="4" indent="-298450">
               <a:spcBef>
                 <a:spcPts val="0"/>
               </a:spcBef>
@@ -426,7 +453,7 @@
               <a:buChar char="○"/>
               <a:defRPr sz="1100"/>
             </a:lvl5pPr>
-            <a:lvl6pPr indent="-298450" lvl="5" marL="2743200">
+            <a:lvl6pPr marL="2743200" lvl="5" indent="-298450">
               <a:spcBef>
                 <a:spcPts val="0"/>
               </a:spcBef>
@@ -437,7 +464,7 @@
               <a:buChar char="■"/>
               <a:defRPr sz="1100"/>
             </a:lvl6pPr>
-            <a:lvl7pPr indent="-298450" lvl="6" marL="3200400">
+            <a:lvl7pPr marL="3200400" lvl="6" indent="-298450">
               <a:spcBef>
                 <a:spcPts val="0"/>
               </a:spcBef>
@@ -448,7 +475,7 @@
               <a:buChar char="●"/>
               <a:defRPr sz="1100"/>
             </a:lvl7pPr>
-            <a:lvl8pPr indent="-298450" lvl="7" marL="3657600">
+            <a:lvl8pPr marL="3657600" lvl="7" indent="-298450">
               <a:spcBef>
                 <a:spcPts val="0"/>
               </a:spcBef>
@@ -459,7 +486,7 @@
               <a:buChar char="○"/>
               <a:defRPr sz="1100"/>
             </a:lvl8pPr>
-            <a:lvl9pPr indent="-298450" lvl="8" marL="4114800">
+            <a:lvl9pPr marL="4114800" lvl="8" indent="-298450">
               <a:spcBef>
                 <a:spcPts val="0"/>
               </a:spcBef>
@@ -471,14 +498,16 @@
               <a:defRPr sz="1100"/>
             </a:lvl9pPr>
           </a:lstStyle>
-          <a:p/>
+          <a:p>
+            <a:endParaRPr/>
+          </a:p>
         </p:txBody>
       </p:sp>
     </p:spTree>
   </p:cSld>
-  <p:clrMap accent1="accent1" accent2="accent2" accent3="accent3" accent4="accent4" accent5="accent5" accent6="accent6" bg1="lt1" bg2="dk2" tx1="dk1" tx2="lt2" folHlink="folHlink" hlink="hlink"/>
+  <p:clrMap bg1="lt1" tx1="dk1" bg2="dk2" tx2="lt2" accent1="accent1" accent2="accent2" accent3="accent3" accent4="accent4" accent5="accent5" accent6="accent6" hlink="hlink" folHlink="folHlink"/>
   <p:notesStyle>
-    <a:defPPr lvl="0" marR="0" rtl="0" algn="l">
+    <a:defPPr marR="0" lvl="0" algn="l" rtl="0">
       <a:lnSpc>
         <a:spcPct val="100000"/>
       </a:lnSpc>
@@ -489,7 +518,7 @@
         <a:spcPts val="0"/>
       </a:spcAft>
     </a:defPPr>
-    <a:lvl1pPr lvl="0" marR="0" rtl="0" algn="l">
+    <a:lvl1pPr marR="0" lvl="0" algn="l" rtl="0">
       <a:lnSpc>
         <a:spcPct val="100000"/>
       </a:lnSpc>
@@ -503,7 +532,7 @@
         <a:srgbClr val="000000"/>
       </a:buClr>
       <a:buFont typeface="Arial"/>
-      <a:defRPr b="0" i="0" sz="1400" u="none" cap="none" strike="noStrike">
+      <a:defRPr sz="1400" b="0" i="0" u="none" strike="noStrike" cap="none">
         <a:solidFill>
           <a:srgbClr val="000000"/>
         </a:solidFill>
@@ -513,7 +542,7 @@
         <a:sym typeface="Arial"/>
       </a:defRPr>
     </a:lvl1pPr>
-    <a:lvl2pPr lvl="1" marR="0" rtl="0" algn="l">
+    <a:lvl2pPr marR="0" lvl="1" algn="l" rtl="0">
       <a:lnSpc>
         <a:spcPct val="100000"/>
       </a:lnSpc>
@@ -527,7 +556,7 @@
         <a:srgbClr val="000000"/>
       </a:buClr>
       <a:buFont typeface="Arial"/>
-      <a:defRPr b="0" i="0" sz="1400" u="none" cap="none" strike="noStrike">
+      <a:defRPr sz="1400" b="0" i="0" u="none" strike="noStrike" cap="none">
         <a:solidFill>
           <a:srgbClr val="000000"/>
         </a:solidFill>
@@ -537,7 +566,7 @@
         <a:sym typeface="Arial"/>
       </a:defRPr>
     </a:lvl2pPr>
-    <a:lvl3pPr lvl="2" marR="0" rtl="0" algn="l">
+    <a:lvl3pPr marR="0" lvl="2" algn="l" rtl="0">
       <a:lnSpc>
         <a:spcPct val="100000"/>
       </a:lnSpc>
@@ -551,7 +580,7 @@
         <a:srgbClr val="000000"/>
       </a:buClr>
       <a:buFont typeface="Arial"/>
-      <a:defRPr b="0" i="0" sz="1400" u="none" cap="none" strike="noStrike">
+      <a:defRPr sz="1400" b="0" i="0" u="none" strike="noStrike" cap="none">
         <a:solidFill>
           <a:srgbClr val="000000"/>
         </a:solidFill>
@@ -561,7 +590,7 @@
         <a:sym typeface="Arial"/>
       </a:defRPr>
     </a:lvl3pPr>
-    <a:lvl4pPr lvl="3" marR="0" rtl="0" algn="l">
+    <a:lvl4pPr marR="0" lvl="3" algn="l" rtl="0">
       <a:lnSpc>
         <a:spcPct val="100000"/>
       </a:lnSpc>
@@ -575,7 +604,7 @@
         <a:srgbClr val="000000"/>
       </a:buClr>
       <a:buFont typeface="Arial"/>
-      <a:defRPr b="0" i="0" sz="1400" u="none" cap="none" strike="noStrike">
+      <a:defRPr sz="1400" b="0" i="0" u="none" strike="noStrike" cap="none">
         <a:solidFill>
           <a:srgbClr val="000000"/>
         </a:solidFill>
@@ -585,7 +614,7 @@
         <a:sym typeface="Arial"/>
       </a:defRPr>
     </a:lvl4pPr>
-    <a:lvl5pPr lvl="4" marR="0" rtl="0" algn="l">
+    <a:lvl5pPr marR="0" lvl="4" algn="l" rtl="0">
       <a:lnSpc>
         <a:spcPct val="100000"/>
       </a:lnSpc>
@@ -599,7 +628,7 @@
         <a:srgbClr val="000000"/>
       </a:buClr>
       <a:buFont typeface="Arial"/>
-      <a:defRPr b="0" i="0" sz="1400" u="none" cap="none" strike="noStrike">
+      <a:defRPr sz="1400" b="0" i="0" u="none" strike="noStrike" cap="none">
         <a:solidFill>
           <a:srgbClr val="000000"/>
         </a:solidFill>
@@ -609,7 +638,7 @@
         <a:sym typeface="Arial"/>
       </a:defRPr>
     </a:lvl5pPr>
-    <a:lvl6pPr lvl="5" marR="0" rtl="0" algn="l">
+    <a:lvl6pPr marR="0" lvl="5" algn="l" rtl="0">
       <a:lnSpc>
         <a:spcPct val="100000"/>
       </a:lnSpc>
@@ -623,7 +652,7 @@
         <a:srgbClr val="000000"/>
       </a:buClr>
       <a:buFont typeface="Arial"/>
-      <a:defRPr b="0" i="0" sz="1400" u="none" cap="none" strike="noStrike">
+      <a:defRPr sz="1400" b="0" i="0" u="none" strike="noStrike" cap="none">
         <a:solidFill>
           <a:srgbClr val="000000"/>
         </a:solidFill>
@@ -633,7 +662,7 @@
         <a:sym typeface="Arial"/>
       </a:defRPr>
     </a:lvl6pPr>
-    <a:lvl7pPr lvl="6" marR="0" rtl="0" algn="l">
+    <a:lvl7pPr marR="0" lvl="6" algn="l" rtl="0">
       <a:lnSpc>
         <a:spcPct val="100000"/>
       </a:lnSpc>
@@ -647,7 +676,7 @@
         <a:srgbClr val="000000"/>
       </a:buClr>
       <a:buFont typeface="Arial"/>
-      <a:defRPr b="0" i="0" sz="1400" u="none" cap="none" strike="noStrike">
+      <a:defRPr sz="1400" b="0" i="0" u="none" strike="noStrike" cap="none">
         <a:solidFill>
           <a:srgbClr val="000000"/>
         </a:solidFill>
@@ -657,7 +686,7 @@
         <a:sym typeface="Arial"/>
       </a:defRPr>
     </a:lvl7pPr>
-    <a:lvl8pPr lvl="7" marR="0" rtl="0" algn="l">
+    <a:lvl8pPr marR="0" lvl="7" algn="l" rtl="0">
       <a:lnSpc>
         <a:spcPct val="100000"/>
       </a:lnSpc>
@@ -671,7 +700,7 @@
         <a:srgbClr val="000000"/>
       </a:buClr>
       <a:buFont typeface="Arial"/>
-      <a:defRPr b="0" i="0" sz="1400" u="none" cap="none" strike="noStrike">
+      <a:defRPr sz="1400" b="0" i="0" u="none" strike="noStrike" cap="none">
         <a:solidFill>
           <a:srgbClr val="000000"/>
         </a:solidFill>
@@ -681,7 +710,7 @@
         <a:sym typeface="Arial"/>
       </a:defRPr>
     </a:lvl8pPr>
-    <a:lvl9pPr lvl="8" marR="0" rtl="0" algn="l">
+    <a:lvl9pPr marR="0" lvl="8" algn="l" rtl="0">
       <a:lnSpc>
         <a:spcPct val="100000"/>
       </a:lnSpc>
@@ -695,7 +724,7 @@
         <a:srgbClr val="000000"/>
       </a:buClr>
       <a:buFont typeface="Arial"/>
-      <a:defRPr b="0" i="0" sz="1400" u="none" cap="none" strike="noStrike">
+      <a:defRPr sz="1400" b="0" i="0" u="none" strike="noStrike" cap="none">
         <a:solidFill>
           <a:srgbClr val="000000"/>
         </a:solidFill>
@@ -710,11 +739,11 @@
 </file>
 
 <file path=ppt/notesSlides/notesSlide1.xml><?xml version="1.0" encoding="utf-8"?>
-<p:notes xmlns:a="http://schemas.openxmlformats.org/drawingml/2006/main" xmlns:r="http://schemas.openxmlformats.org/officeDocument/2006/relationships" xmlns:mc="http://schemas.openxmlformats.org/markup-compatibility/2006" xmlns:mv="urn:schemas-microsoft-com:mac:vml" xmlns:p="http://schemas.openxmlformats.org/presentationml/2006/main" xmlns:c="http://schemas.openxmlformats.org/drawingml/2006/chart" xmlns:dgm="http://schemas.openxmlformats.org/drawingml/2006/diagram" xmlns:o="urn:schemas-microsoft-com:office:office" xmlns:v="urn:schemas-microsoft-com:vml" xmlns:pvml="urn:schemas-microsoft-com:office:powerpoint" xmlns:com="http://schemas.openxmlformats.org/drawingml/2006/compatibility" xmlns:p14="http://schemas.microsoft.com/office/powerpoint/2010/main" xmlns:p15="http://schemas.microsoft.com/office/powerpoint/2012/main" xmlns:ahyp="http://schemas.microsoft.com/office/drawing/2018/hyperlinkcolor" showMasterPhAnim="0" showMasterSp="0">
+<p:notes xmlns:a="http://schemas.openxmlformats.org/drawingml/2006/main" xmlns:r="http://schemas.openxmlformats.org/officeDocument/2006/relationships" xmlns:p="http://schemas.openxmlformats.org/presentationml/2006/main" showMasterSp="0" showMasterPhAnim="0">
   <p:cSld>
     <p:spTree>
       <p:nvGrpSpPr>
-        <p:cNvPr id="48" name="Shape 48"/>
+        <p:cNvPr id="1" name="Shape 48"/>
         <p:cNvGrpSpPr/>
         <p:nvPr/>
       </p:nvGrpSpPr>
@@ -729,9 +758,11 @@
       <p:sp>
         <p:nvSpPr>
           <p:cNvPr id="49" name="Google Shape;49;p1:notes"/>
-          <p:cNvSpPr txBox="1"/>
+          <p:cNvSpPr txBox="1">
+            <a:spLocks noGrp="1"/>
+          </p:cNvSpPr>
           <p:nvPr>
-            <p:ph idx="1" type="body"/>
+            <p:ph type="body" idx="1"/>
           </p:nvPr>
         </p:nvSpPr>
         <p:spPr>
@@ -744,12 +775,12 @@
           </a:prstGeom>
         </p:spPr>
         <p:txBody>
-          <a:bodyPr anchorCtr="0" anchor="t" bIns="91425" lIns="91425" spcFirstLastPara="1" rIns="91425" wrap="square" tIns="91425">
+          <a:bodyPr spcFirstLastPara="1" wrap="square" lIns="91425" tIns="91425" rIns="91425" bIns="91425" anchor="t" anchorCtr="0">
             <a:noAutofit/>
           </a:bodyPr>
           <a:lstStyle/>
           <a:p>
-            <a:pPr indent="0" lvl="0" marL="0" rtl="0" algn="l">
+            <a:pPr marL="0" lvl="0" indent="0" algn="l" rtl="0">
               <a:spcBef>
                 <a:spcPts val="0"/>
               </a:spcBef>
@@ -758,9 +789,6 @@
               </a:spcAft>
               <a:buNone/>
             </a:pPr>
-            <a:r>
-              <a:t/>
-            </a:r>
             <a:endParaRPr/>
           </a:p>
         </p:txBody>
@@ -768,9 +796,11 @@
       <p:sp>
         <p:nvSpPr>
           <p:cNvPr id="50" name="Google Shape;50;p1:notes"/>
-          <p:cNvSpPr/>
+          <p:cNvSpPr>
+            <a:spLocks noGrp="1" noRot="1" noChangeAspect="1"/>
+          </p:cNvSpPr>
           <p:nvPr>
-            <p:ph idx="2" type="sldImg"/>
+            <p:ph type="sldImg" idx="2"/>
           </p:nvPr>
         </p:nvSpPr>
         <p:spPr>
@@ -779,9 +809,13 @@
             <a:ext cx="4572225" cy="3429000"/>
           </a:xfrm>
           <a:custGeom>
-            <a:rect b="b" l="l" r="r" t="t"/>
+            <a:avLst/>
+            <a:gdLst/>
+            <a:ahLst/>
+            <a:cxnLst/>
+            <a:rect l="l" t="t" r="r" b="b"/>
             <a:pathLst>
-              <a:path extrusionOk="0" h="120000" w="120000">
+              <a:path w="120000" h="120000" extrusionOk="0">
                 <a:moveTo>
                   <a:pt x="0" y="0"/>
                 </a:moveTo>
@@ -809,11 +843,11 @@
 </file>
 
 <file path=ppt/notesSlides/notesSlide2.xml><?xml version="1.0" encoding="utf-8"?>
-<p:notes xmlns:a="http://schemas.openxmlformats.org/drawingml/2006/main" xmlns:r="http://schemas.openxmlformats.org/officeDocument/2006/relationships" xmlns:mc="http://schemas.openxmlformats.org/markup-compatibility/2006" xmlns:mv="urn:schemas-microsoft-com:mac:vml" xmlns:p="http://schemas.openxmlformats.org/presentationml/2006/main" xmlns:c="http://schemas.openxmlformats.org/drawingml/2006/chart" xmlns:dgm="http://schemas.openxmlformats.org/drawingml/2006/diagram" xmlns:o="urn:schemas-microsoft-com:office:office" xmlns:v="urn:schemas-microsoft-com:vml" xmlns:pvml="urn:schemas-microsoft-com:office:powerpoint" xmlns:com="http://schemas.openxmlformats.org/drawingml/2006/compatibility" xmlns:p14="http://schemas.microsoft.com/office/powerpoint/2010/main" xmlns:p15="http://schemas.microsoft.com/office/powerpoint/2012/main" xmlns:ahyp="http://schemas.microsoft.com/office/drawing/2018/hyperlinkcolor" showMasterPhAnim="0" showMasterSp="0">
+<p:notes xmlns:a="http://schemas.openxmlformats.org/drawingml/2006/main" xmlns:r="http://schemas.openxmlformats.org/officeDocument/2006/relationships" xmlns:p="http://schemas.openxmlformats.org/presentationml/2006/main" showMasterSp="0" showMasterPhAnim="0">
   <p:cSld>
     <p:spTree>
       <p:nvGrpSpPr>
-        <p:cNvPr id="54" name="Shape 54"/>
+        <p:cNvPr id="1" name="Shape 54"/>
         <p:cNvGrpSpPr/>
         <p:nvPr/>
       </p:nvGrpSpPr>
@@ -828,9 +862,11 @@
       <p:sp>
         <p:nvSpPr>
           <p:cNvPr id="55" name="Google Shape;55;p2:notes"/>
-          <p:cNvSpPr txBox="1"/>
+          <p:cNvSpPr txBox="1">
+            <a:spLocks noGrp="1"/>
+          </p:cNvSpPr>
           <p:nvPr>
-            <p:ph idx="1" type="body"/>
+            <p:ph type="body" idx="1"/>
           </p:nvPr>
         </p:nvSpPr>
         <p:spPr>
@@ -843,12 +879,12 @@
           </a:prstGeom>
         </p:spPr>
         <p:txBody>
-          <a:bodyPr anchorCtr="0" anchor="t" bIns="91425" lIns="91425" spcFirstLastPara="1" rIns="91425" wrap="square" tIns="91425">
+          <a:bodyPr spcFirstLastPara="1" wrap="square" lIns="91425" tIns="91425" rIns="91425" bIns="91425" anchor="t" anchorCtr="0">
             <a:noAutofit/>
           </a:bodyPr>
           <a:lstStyle/>
           <a:p>
-            <a:pPr indent="0" lvl="0" marL="0" rtl="0" algn="l">
+            <a:pPr marL="0" lvl="0" indent="0" algn="l" rtl="0">
               <a:spcBef>
                 <a:spcPts val="0"/>
               </a:spcBef>
@@ -857,9 +893,6 @@
               </a:spcAft>
               <a:buNone/>
             </a:pPr>
-            <a:r>
-              <a:t/>
-            </a:r>
             <a:endParaRPr/>
           </a:p>
         </p:txBody>
@@ -867,9 +900,11 @@
       <p:sp>
         <p:nvSpPr>
           <p:cNvPr id="56" name="Google Shape;56;p2:notes"/>
-          <p:cNvSpPr/>
+          <p:cNvSpPr>
+            <a:spLocks noGrp="1" noRot="1" noChangeAspect="1"/>
+          </p:cNvSpPr>
           <p:nvPr>
-            <p:ph idx="2" type="sldImg"/>
+            <p:ph type="sldImg" idx="2"/>
           </p:nvPr>
         </p:nvSpPr>
         <p:spPr>
@@ -878,9 +913,13 @@
             <a:ext cx="4572225" cy="3429000"/>
           </a:xfrm>
           <a:custGeom>
-            <a:rect b="b" l="l" r="r" t="t"/>
+            <a:avLst/>
+            <a:gdLst/>
+            <a:ahLst/>
+            <a:cxnLst/>
+            <a:rect l="l" t="t" r="r" b="b"/>
             <a:pathLst>
-              <a:path extrusionOk="0" h="120000" w="120000">
+              <a:path w="120000" h="120000" extrusionOk="0">
                 <a:moveTo>
                   <a:pt x="0" y="0"/>
                 </a:moveTo>
@@ -908,11 +947,11 @@
 </file>
 
 <file path=ppt/notesSlides/notesSlide3.xml><?xml version="1.0" encoding="utf-8"?>
-<p:notes xmlns:a="http://schemas.openxmlformats.org/drawingml/2006/main" xmlns:r="http://schemas.openxmlformats.org/officeDocument/2006/relationships" xmlns:mc="http://schemas.openxmlformats.org/markup-compatibility/2006" xmlns:mv="urn:schemas-microsoft-com:mac:vml" xmlns:p="http://schemas.openxmlformats.org/presentationml/2006/main" xmlns:c="http://schemas.openxmlformats.org/drawingml/2006/chart" xmlns:dgm="http://schemas.openxmlformats.org/drawingml/2006/diagram" xmlns:o="urn:schemas-microsoft-com:office:office" xmlns:v="urn:schemas-microsoft-com:vml" xmlns:pvml="urn:schemas-microsoft-com:office:powerpoint" xmlns:com="http://schemas.openxmlformats.org/drawingml/2006/compatibility" xmlns:p14="http://schemas.microsoft.com/office/powerpoint/2010/main" xmlns:p15="http://schemas.microsoft.com/office/powerpoint/2012/main" xmlns:ahyp="http://schemas.microsoft.com/office/drawing/2018/hyperlinkcolor" showMasterPhAnim="0" showMasterSp="0">
+<p:notes xmlns:a="http://schemas.openxmlformats.org/drawingml/2006/main" xmlns:r="http://schemas.openxmlformats.org/officeDocument/2006/relationships" xmlns:p="http://schemas.openxmlformats.org/presentationml/2006/main" showMasterSp="0" showMasterPhAnim="0">
   <p:cSld>
     <p:spTree>
       <p:nvGrpSpPr>
-        <p:cNvPr id="65" name="Shape 65"/>
+        <p:cNvPr id="1" name="Shape 65"/>
         <p:cNvGrpSpPr/>
         <p:nvPr/>
       </p:nvGrpSpPr>
@@ -927,9 +966,11 @@
       <p:sp>
         <p:nvSpPr>
           <p:cNvPr id="66" name="Google Shape;66;p3:notes"/>
-          <p:cNvSpPr txBox="1"/>
+          <p:cNvSpPr txBox="1">
+            <a:spLocks noGrp="1"/>
+          </p:cNvSpPr>
           <p:nvPr>
-            <p:ph idx="1" type="body"/>
+            <p:ph type="body" idx="1"/>
           </p:nvPr>
         </p:nvSpPr>
         <p:spPr>
@@ -942,12 +983,12 @@
           </a:prstGeom>
         </p:spPr>
         <p:txBody>
-          <a:bodyPr anchorCtr="0" anchor="t" bIns="91425" lIns="91425" spcFirstLastPara="1" rIns="91425" wrap="square" tIns="91425">
+          <a:bodyPr spcFirstLastPara="1" wrap="square" lIns="91425" tIns="91425" rIns="91425" bIns="91425" anchor="t" anchorCtr="0">
             <a:noAutofit/>
           </a:bodyPr>
           <a:lstStyle/>
           <a:p>
-            <a:pPr indent="0" lvl="0" marL="0" rtl="0" algn="l">
+            <a:pPr marL="0" lvl="0" indent="0" algn="l" rtl="0">
               <a:spcBef>
                 <a:spcPts val="0"/>
               </a:spcBef>
@@ -956,9 +997,6 @@
               </a:spcAft>
               <a:buNone/>
             </a:pPr>
-            <a:r>
-              <a:t/>
-            </a:r>
             <a:endParaRPr/>
           </a:p>
         </p:txBody>
@@ -966,9 +1004,11 @@
       <p:sp>
         <p:nvSpPr>
           <p:cNvPr id="67" name="Google Shape;67;p3:notes"/>
-          <p:cNvSpPr/>
+          <p:cNvSpPr>
+            <a:spLocks noGrp="1" noRot="1" noChangeAspect="1"/>
+          </p:cNvSpPr>
           <p:nvPr>
-            <p:ph idx="2" type="sldImg"/>
+            <p:ph type="sldImg" idx="2"/>
           </p:nvPr>
         </p:nvSpPr>
         <p:spPr>
@@ -977,9 +1017,13 @@
             <a:ext cx="4572225" cy="3429000"/>
           </a:xfrm>
           <a:custGeom>
-            <a:rect b="b" l="l" r="r" t="t"/>
+            <a:avLst/>
+            <a:gdLst/>
+            <a:ahLst/>
+            <a:cxnLst/>
+            <a:rect l="l" t="t" r="r" b="b"/>
             <a:pathLst>
-              <a:path extrusionOk="0" h="120000" w="120000">
+              <a:path w="120000" h="120000" extrusionOk="0">
                 <a:moveTo>
                   <a:pt x="0" y="0"/>
                 </a:moveTo>
@@ -1007,11 +1051,11 @@
 </file>
 
 <file path=ppt/notesSlides/notesSlide4.xml><?xml version="1.0" encoding="utf-8"?>
-<p:notes xmlns:a="http://schemas.openxmlformats.org/drawingml/2006/main" xmlns:r="http://schemas.openxmlformats.org/officeDocument/2006/relationships" xmlns:mc="http://schemas.openxmlformats.org/markup-compatibility/2006" xmlns:mv="urn:schemas-microsoft-com:mac:vml" xmlns:p="http://schemas.openxmlformats.org/presentationml/2006/main" xmlns:c="http://schemas.openxmlformats.org/drawingml/2006/chart" xmlns:dgm="http://schemas.openxmlformats.org/drawingml/2006/diagram" xmlns:o="urn:schemas-microsoft-com:office:office" xmlns:v="urn:schemas-microsoft-com:vml" xmlns:pvml="urn:schemas-microsoft-com:office:powerpoint" xmlns:com="http://schemas.openxmlformats.org/drawingml/2006/compatibility" xmlns:p14="http://schemas.microsoft.com/office/powerpoint/2010/main" xmlns:p15="http://schemas.microsoft.com/office/powerpoint/2012/main" xmlns:ahyp="http://schemas.microsoft.com/office/drawing/2018/hyperlinkcolor" showMasterPhAnim="0" showMasterSp="0">
+<p:notes xmlns:a="http://schemas.openxmlformats.org/drawingml/2006/main" xmlns:r="http://schemas.openxmlformats.org/officeDocument/2006/relationships" xmlns:p="http://schemas.openxmlformats.org/presentationml/2006/main" showMasterSp="0" showMasterPhAnim="0">
   <p:cSld>
     <p:spTree>
       <p:nvGrpSpPr>
-        <p:cNvPr id="76" name="Shape 76"/>
+        <p:cNvPr id="1" name="Shape 76"/>
         <p:cNvGrpSpPr/>
         <p:nvPr/>
       </p:nvGrpSpPr>
@@ -1026,9 +1070,11 @@
       <p:sp>
         <p:nvSpPr>
           <p:cNvPr id="77" name="Google Shape;77;p4:notes"/>
-          <p:cNvSpPr txBox="1"/>
+          <p:cNvSpPr txBox="1">
+            <a:spLocks noGrp="1"/>
+          </p:cNvSpPr>
           <p:nvPr>
-            <p:ph idx="1" type="body"/>
+            <p:ph type="body" idx="1"/>
           </p:nvPr>
         </p:nvSpPr>
         <p:spPr>
@@ -1041,12 +1087,12 @@
           </a:prstGeom>
         </p:spPr>
         <p:txBody>
-          <a:bodyPr anchorCtr="0" anchor="t" bIns="91425" lIns="91425" spcFirstLastPara="1" rIns="91425" wrap="square" tIns="91425">
+          <a:bodyPr spcFirstLastPara="1" wrap="square" lIns="91425" tIns="91425" rIns="91425" bIns="91425" anchor="t" anchorCtr="0">
             <a:noAutofit/>
           </a:bodyPr>
           <a:lstStyle/>
           <a:p>
-            <a:pPr indent="0" lvl="0" marL="0" rtl="0" algn="l">
+            <a:pPr marL="0" lvl="0" indent="0" algn="l" rtl="0">
               <a:spcBef>
                 <a:spcPts val="0"/>
               </a:spcBef>
@@ -1055,9 +1101,6 @@
               </a:spcAft>
               <a:buNone/>
             </a:pPr>
-            <a:r>
-              <a:t/>
-            </a:r>
             <a:endParaRPr/>
           </a:p>
         </p:txBody>
@@ -1065,20 +1108,26 @@
       <p:sp>
         <p:nvSpPr>
           <p:cNvPr id="78" name="Google Shape;78;p4:notes"/>
-          <p:cNvSpPr/>
+          <p:cNvSpPr>
+            <a:spLocks noGrp="1" noRot="1" noChangeAspect="1"/>
+          </p:cNvSpPr>
           <p:nvPr>
-            <p:ph idx="2" type="sldImg"/>
+            <p:ph type="sldImg" idx="2"/>
           </p:nvPr>
         </p:nvSpPr>
         <p:spPr>
           <a:xfrm>
-            <a:off x="1143225" y="685800"/>
-            <a:ext cx="4572225" cy="3429000"/>
+            <a:off x="381000" y="685800"/>
+            <a:ext cx="6096000" cy="3429000"/>
           </a:xfrm>
           <a:custGeom>
-            <a:rect b="b" l="l" r="r" t="t"/>
+            <a:avLst/>
+            <a:gdLst/>
+            <a:ahLst/>
+            <a:cxnLst/>
+            <a:rect l="l" t="t" r="r" b="b"/>
             <a:pathLst>
-              <a:path extrusionOk="0" h="120000" w="120000">
+              <a:path w="120000" h="120000" extrusionOk="0">
                 <a:moveTo>
                   <a:pt x="0" y="0"/>
                 </a:moveTo>
@@ -1106,11 +1155,11 @@
 </file>
 
 <file path=ppt/notesSlides/notesSlide5.xml><?xml version="1.0" encoding="utf-8"?>
-<p:notes xmlns:a="http://schemas.openxmlformats.org/drawingml/2006/main" xmlns:r="http://schemas.openxmlformats.org/officeDocument/2006/relationships" xmlns:mc="http://schemas.openxmlformats.org/markup-compatibility/2006" xmlns:mv="urn:schemas-microsoft-com:mac:vml" xmlns:p="http://schemas.openxmlformats.org/presentationml/2006/main" xmlns:c="http://schemas.openxmlformats.org/drawingml/2006/chart" xmlns:dgm="http://schemas.openxmlformats.org/drawingml/2006/diagram" xmlns:o="urn:schemas-microsoft-com:office:office" xmlns:v="urn:schemas-microsoft-com:vml" xmlns:pvml="urn:schemas-microsoft-com:office:powerpoint" xmlns:com="http://schemas.openxmlformats.org/drawingml/2006/compatibility" xmlns:p14="http://schemas.microsoft.com/office/powerpoint/2010/main" xmlns:p15="http://schemas.microsoft.com/office/powerpoint/2012/main" xmlns:ahyp="http://schemas.microsoft.com/office/drawing/2018/hyperlinkcolor" showMasterPhAnim="0" showMasterSp="0">
+<p:notes xmlns:a="http://schemas.openxmlformats.org/drawingml/2006/main" xmlns:r="http://schemas.openxmlformats.org/officeDocument/2006/relationships" xmlns:p="http://schemas.openxmlformats.org/presentationml/2006/main" showMasterSp="0" showMasterPhAnim="0">
   <p:cSld>
     <p:spTree>
       <p:nvGrpSpPr>
-        <p:cNvPr id="87" name="Shape 87"/>
+        <p:cNvPr id="1" name="Shape 87"/>
         <p:cNvGrpSpPr/>
         <p:nvPr/>
       </p:nvGrpSpPr>
@@ -1125,9 +1174,11 @@
       <p:sp>
         <p:nvSpPr>
           <p:cNvPr id="88" name="Google Shape;88;p5:notes"/>
-          <p:cNvSpPr txBox="1"/>
+          <p:cNvSpPr txBox="1">
+            <a:spLocks noGrp="1"/>
+          </p:cNvSpPr>
           <p:nvPr>
-            <p:ph idx="1" type="body"/>
+            <p:ph type="body" idx="1"/>
           </p:nvPr>
         </p:nvSpPr>
         <p:spPr>
@@ -1140,12 +1191,12 @@
           </a:prstGeom>
         </p:spPr>
         <p:txBody>
-          <a:bodyPr anchorCtr="0" anchor="t" bIns="91425" lIns="91425" spcFirstLastPara="1" rIns="91425" wrap="square" tIns="91425">
+          <a:bodyPr spcFirstLastPara="1" wrap="square" lIns="91425" tIns="91425" rIns="91425" bIns="91425" anchor="t" anchorCtr="0">
             <a:noAutofit/>
           </a:bodyPr>
           <a:lstStyle/>
           <a:p>
-            <a:pPr indent="0" lvl="0" marL="0" rtl="0" algn="l">
+            <a:pPr marL="0" lvl="0" indent="0" algn="l" rtl="0">
               <a:spcBef>
                 <a:spcPts val="0"/>
               </a:spcBef>
@@ -1154,9 +1205,6 @@
               </a:spcAft>
               <a:buNone/>
             </a:pPr>
-            <a:r>
-              <a:t/>
-            </a:r>
             <a:endParaRPr/>
           </a:p>
         </p:txBody>
@@ -1164,9 +1212,11 @@
       <p:sp>
         <p:nvSpPr>
           <p:cNvPr id="89" name="Google Shape;89;p5:notes"/>
-          <p:cNvSpPr/>
+          <p:cNvSpPr>
+            <a:spLocks noGrp="1" noRot="1" noChangeAspect="1"/>
+          </p:cNvSpPr>
           <p:nvPr>
-            <p:ph idx="2" type="sldImg"/>
+            <p:ph type="sldImg" idx="2"/>
           </p:nvPr>
         </p:nvSpPr>
         <p:spPr>
@@ -1175,9 +1225,13 @@
             <a:ext cx="4572225" cy="3429000"/>
           </a:xfrm>
           <a:custGeom>
-            <a:rect b="b" l="l" r="r" t="t"/>
+            <a:avLst/>
+            <a:gdLst/>
+            <a:ahLst/>
+            <a:cxnLst/>
+            <a:rect l="l" t="t" r="r" b="b"/>
             <a:pathLst>
-              <a:path extrusionOk="0" h="120000" w="120000">
+              <a:path w="120000" h="120000" extrusionOk="0">
                 <a:moveTo>
                   <a:pt x="0" y="0"/>
                 </a:moveTo>
@@ -1205,18 +1259,19 @@
 </file>
 
 <file path=ppt/slideLayouts/slideLayout1.xml><?xml version="1.0" encoding="utf-8"?>
-<p:sldLayout xmlns:a="http://schemas.openxmlformats.org/drawingml/2006/main" xmlns:r="http://schemas.openxmlformats.org/officeDocument/2006/relationships" xmlns:mc="http://schemas.openxmlformats.org/markup-compatibility/2006" xmlns:mv="urn:schemas-microsoft-com:mac:vml" xmlns:p="http://schemas.openxmlformats.org/presentationml/2006/main" xmlns:c="http://schemas.openxmlformats.org/drawingml/2006/chart" xmlns:dgm="http://schemas.openxmlformats.org/drawingml/2006/diagram" xmlns:o="urn:schemas-microsoft-com:office:office" xmlns:v="urn:schemas-microsoft-com:vml" xmlns:pvml="urn:schemas-microsoft-com:office:powerpoint" xmlns:com="http://schemas.openxmlformats.org/drawingml/2006/compatibility" xmlns:p14="http://schemas.microsoft.com/office/powerpoint/2010/main" xmlns:p15="http://schemas.microsoft.com/office/powerpoint/2012/main" xmlns:ahyp="http://schemas.microsoft.com/office/drawing/2018/hyperlinkcolor" matchingName="Title Slide" showMasterSp="0">
+<p:sldLayout xmlns:a="http://schemas.openxmlformats.org/drawingml/2006/main" xmlns:r="http://schemas.openxmlformats.org/officeDocument/2006/relationships" xmlns:p="http://schemas.openxmlformats.org/presentationml/2006/main" showMasterSp="0" matchingName="Title Slide">
   <p:cSld name="Title Slide">
     <p:bg>
       <p:bgPr>
         <a:solidFill>
           <a:schemeClr val="lt1"/>
         </a:solidFill>
+        <a:effectLst/>
       </p:bgPr>
     </p:bg>
     <p:spTree>
       <p:nvGrpSpPr>
-        <p:cNvPr id="11" name="Shape 11"/>
+        <p:cNvPr id="1" name="Shape 11"/>
         <p:cNvGrpSpPr/>
         <p:nvPr/>
       </p:nvGrpSpPr>
@@ -1230,7 +1285,7 @@
       </p:grpSpPr>
       <p:pic>
         <p:nvPicPr>
-          <p:cNvPr descr="Shape, rectangle&#10;&#10;Description automatically generated" id="12" name="Google Shape;12;p7"/>
+          <p:cNvPr id="12" name="Google Shape;12;p7" descr="Shape, rectangle&#10;&#10;Description automatically generated"/>
           <p:cNvPicPr preferRelativeResize="0"/>
           <p:nvPr/>
         </p:nvPicPr>
@@ -1238,7 +1293,7 @@
           <a:blip r:embed="rId2">
             <a:alphaModFix/>
           </a:blip>
-          <a:srcRect b="0" l="0" r="0" t="0"/>
+          <a:srcRect/>
           <a:stretch/>
         </p:blipFill>
         <p:spPr>
@@ -1257,7 +1312,7 @@
       </p:pic>
       <p:pic>
         <p:nvPicPr>
-          <p:cNvPr descr="Background pattern&#10;&#10;Description automatically generated" id="13" name="Google Shape;13;p7"/>
+          <p:cNvPr id="13" name="Google Shape;13;p7" descr="Background pattern&#10;&#10;Description automatically generated"/>
           <p:cNvPicPr preferRelativeResize="0"/>
           <p:nvPr/>
         </p:nvPicPr>
@@ -1265,7 +1320,7 @@
           <a:blip r:embed="rId3">
             <a:alphaModFix/>
           </a:blip>
-          <a:srcRect b="0" l="0" r="0" t="0"/>
+          <a:srcRect/>
           <a:stretch/>
         </p:blipFill>
         <p:spPr>
@@ -1284,7 +1339,7 @@
       </p:pic>
       <p:pic>
         <p:nvPicPr>
-          <p:cNvPr descr="A picture containing text, clipart&#10;&#10;Description automatically generated" id="14" name="Google Shape;14;p7"/>
+          <p:cNvPr id="14" name="Google Shape;14;p7" descr="A picture containing text, clipart&#10;&#10;Description automatically generated"/>
           <p:cNvPicPr preferRelativeResize="0"/>
           <p:nvPr/>
         </p:nvPicPr>
@@ -1292,7 +1347,7 @@
           <a:blip r:embed="rId4">
             <a:alphaModFix/>
           </a:blip>
-          <a:srcRect b="0" l="0" r="0" t="0"/>
+          <a:srcRect/>
           <a:stretch/>
         </p:blipFill>
         <p:spPr>
@@ -1312,9 +1367,11 @@
       <p:sp>
         <p:nvSpPr>
           <p:cNvPr id="15" name="Google Shape;15;p7"/>
-          <p:cNvSpPr txBox="1"/>
+          <p:cNvSpPr txBox="1">
+            <a:spLocks noGrp="1"/>
+          </p:cNvSpPr>
           <p:nvPr>
-            <p:ph idx="1" type="subTitle"/>
+            <p:ph type="subTitle" idx="1"/>
           </p:nvPr>
         </p:nvSpPr>
         <p:spPr>
@@ -1331,7 +1388,7 @@
           </a:ln>
         </p:spPr>
         <p:txBody>
-          <a:bodyPr anchorCtr="0" anchor="t" bIns="0" lIns="0" spcFirstLastPara="1" rIns="0" wrap="square" tIns="0">
+          <a:bodyPr spcFirstLastPara="1" wrap="square" lIns="0" tIns="0" rIns="0" bIns="0" anchor="t" anchorCtr="0">
             <a:noAutofit/>
           </a:bodyPr>
           <a:lstStyle>
@@ -1497,13 +1554,17 @@
               <a:defRPr/>
             </a:lvl9pPr>
           </a:lstStyle>
-          <a:p/>
+          <a:p>
+            <a:endParaRPr/>
+          </a:p>
         </p:txBody>
       </p:sp>
       <p:sp>
         <p:nvSpPr>
           <p:cNvPr id="16" name="Google Shape;16;p7"/>
-          <p:cNvSpPr txBox="1"/>
+          <p:cNvSpPr txBox="1">
+            <a:spLocks noGrp="1"/>
+          </p:cNvSpPr>
           <p:nvPr>
             <p:ph type="title"/>
           </p:nvPr>
@@ -1522,7 +1583,7 @@
           </a:ln>
         </p:spPr>
         <p:txBody>
-          <a:bodyPr anchorCtr="0" anchor="b" bIns="0" lIns="0" spcFirstLastPara="1" rIns="0" wrap="square" tIns="0">
+          <a:bodyPr spcFirstLastPara="1" wrap="square" lIns="0" tIns="0" rIns="0" bIns="0" anchor="b" anchorCtr="0">
             <a:noAutofit/>
           </a:bodyPr>
           <a:lstStyle>
@@ -1542,7 +1603,7 @@
               <a:buSzPts val="4000"/>
               <a:buFont typeface="Rubik Medium"/>
               <a:buNone/>
-              <a:defRPr b="0" i="0" sz="4000" u="none">
+              <a:defRPr sz="4000" b="0" i="0" u="none">
                 <a:solidFill>
                   <a:schemeClr val="lt1"/>
                 </a:solidFill>
@@ -1641,7 +1702,9 @@
               <a:defRPr/>
             </a:lvl9pPr>
           </a:lstStyle>
-          <a:p/>
+          <a:p>
+            <a:endParaRPr/>
+          </a:p>
         </p:txBody>
       </p:sp>
       <p:cxnSp>
@@ -1659,7 +1722,7 @@
             <a:avLst/>
           </a:prstGeom>
           <a:noFill/>
-          <a:ln cap="flat" cmpd="sng" w="9525">
+          <a:ln w="9525" cap="flat" cmpd="sng">
             <a:solidFill>
               <a:schemeClr val="lt1">
                 <a:alpha val="50980"/>
@@ -1667,8 +1730,8 @@
             </a:solidFill>
             <a:prstDash val="solid"/>
             <a:miter lim="800000"/>
-            <a:headEnd len="sm" w="sm" type="none"/>
-            <a:tailEnd len="sm" w="sm" type="none"/>
+            <a:headEnd type="none" w="sm" len="sm"/>
+            <a:tailEnd type="none" w="sm" len="sm"/>
           </a:ln>
         </p:spPr>
       </p:cxnSp>
@@ -1677,13 +1740,13 @@
   <p:clrMapOvr>
     <a:masterClrMapping/>
   </p:clrMapOvr>
-  <mc:AlternateContent>
+  <mc:AlternateContent xmlns:mc="http://schemas.openxmlformats.org/markup-compatibility/2006" xmlns:p14="http://schemas.microsoft.com/office/powerpoint/2010/main">
     <mc:Choice Requires="p14">
-      <p:transition spd="slow" p14:dur="700">
+      <p:transition spd="med" p14:dur="700">
         <p:fade/>
       </p:transition>
     </mc:Choice>
-    <mc:Fallback>
+    <mc:Fallback xmlns:ahyp="http://schemas.microsoft.com/office/drawing/2018/hyperlinkcolor" xmlns:p15="http://schemas.microsoft.com/office/powerpoint/2012/main" xmlns:com="http://schemas.openxmlformats.org/drawingml/2006/compatibility" xmlns:pvml="urn:schemas-microsoft-com:office:powerpoint" xmlns:v="urn:schemas-microsoft-com:vml" xmlns:o="urn:schemas-microsoft-com:office:office" xmlns:dgm="http://schemas.openxmlformats.org/drawingml/2006/diagram" xmlns:c="http://schemas.openxmlformats.org/drawingml/2006/chart" xmlns:mv="urn:schemas-microsoft-com:mac:vml" xmlns="">
       <p:transition spd="slow">
         <p:fade/>
       </p:transition>
@@ -1691,7 +1754,7 @@
   </mc:AlternateContent>
   <p:extLst>
     <p:ext uri="{DCECCB84-F9BA-43D5-87BE-67443E8EF086}">
-      <p15:sldGuideLst>
+      <p15:sldGuideLst xmlns:p15="http://schemas.microsoft.com/office/powerpoint/2012/main">
         <p15:guide id="1" orient="horz" pos="1620">
           <p15:clr>
             <a:srgbClr val="FBAE40"/>
@@ -1709,18 +1772,19 @@
 </file>
 
 <file path=ppt/slideLayouts/slideLayout2.xml><?xml version="1.0" encoding="utf-8"?>
-<p:sldLayout xmlns:a="http://schemas.openxmlformats.org/drawingml/2006/main" xmlns:r="http://schemas.openxmlformats.org/officeDocument/2006/relationships" xmlns:mc="http://schemas.openxmlformats.org/markup-compatibility/2006" xmlns:mv="urn:schemas-microsoft-com:mac:vml" xmlns:p="http://schemas.openxmlformats.org/presentationml/2006/main" xmlns:c="http://schemas.openxmlformats.org/drawingml/2006/chart" xmlns:dgm="http://schemas.openxmlformats.org/drawingml/2006/diagram" xmlns:o="urn:schemas-microsoft-com:office:office" xmlns:v="urn:schemas-microsoft-com:vml" xmlns:pvml="urn:schemas-microsoft-com:office:powerpoint" xmlns:com="http://schemas.openxmlformats.org/drawingml/2006/compatibility" xmlns:p14="http://schemas.microsoft.com/office/powerpoint/2010/main" xmlns:p15="http://schemas.microsoft.com/office/powerpoint/2012/main" xmlns:ahyp="http://schemas.microsoft.com/office/drawing/2018/hyperlinkcolor" matchingName="Chapter Slide" showMasterSp="0">
+<p:sldLayout xmlns:a="http://schemas.openxmlformats.org/drawingml/2006/main" xmlns:r="http://schemas.openxmlformats.org/officeDocument/2006/relationships" xmlns:p="http://schemas.openxmlformats.org/presentationml/2006/main" showMasterSp="0" matchingName="Chapter Slide">
   <p:cSld name="Chapter Slide">
     <p:bg>
       <p:bgPr>
         <a:solidFill>
           <a:schemeClr val="lt1"/>
         </a:solidFill>
+        <a:effectLst/>
       </p:bgPr>
     </p:bg>
     <p:spTree>
       <p:nvGrpSpPr>
-        <p:cNvPr id="18" name="Shape 18"/>
+        <p:cNvPr id="1" name="Shape 18"/>
         <p:cNvGrpSpPr/>
         <p:nvPr/>
       </p:nvGrpSpPr>
@@ -1735,9 +1799,11 @@
       <p:sp>
         <p:nvSpPr>
           <p:cNvPr id="19" name="Google Shape;19;p8"/>
-          <p:cNvSpPr txBox="1"/>
+          <p:cNvSpPr txBox="1">
+            <a:spLocks noGrp="1"/>
+          </p:cNvSpPr>
           <p:nvPr>
-            <p:ph idx="1" type="subTitle"/>
+            <p:ph type="subTitle" idx="1"/>
           </p:nvPr>
         </p:nvSpPr>
         <p:spPr>
@@ -1754,7 +1820,7 @@
           </a:ln>
         </p:spPr>
         <p:txBody>
-          <a:bodyPr anchorCtr="0" anchor="t" bIns="0" lIns="0" spcFirstLastPara="1" rIns="0" wrap="square" tIns="0">
+          <a:bodyPr spcFirstLastPara="1" wrap="square" lIns="0" tIns="0" rIns="0" bIns="0" anchor="t" anchorCtr="0">
             <a:noAutofit/>
           </a:bodyPr>
           <a:lstStyle>
@@ -1920,13 +1986,17 @@
               <a:defRPr/>
             </a:lvl9pPr>
           </a:lstStyle>
-          <a:p/>
+          <a:p>
+            <a:endParaRPr/>
+          </a:p>
         </p:txBody>
       </p:sp>
       <p:sp>
         <p:nvSpPr>
           <p:cNvPr id="20" name="Google Shape;20;p8"/>
-          <p:cNvSpPr txBox="1"/>
+          <p:cNvSpPr txBox="1">
+            <a:spLocks noGrp="1"/>
+          </p:cNvSpPr>
           <p:nvPr>
             <p:ph type="title"/>
           </p:nvPr>
@@ -1945,7 +2015,7 @@
           </a:ln>
         </p:spPr>
         <p:txBody>
-          <a:bodyPr anchorCtr="0" anchor="b" bIns="0" lIns="0" spcFirstLastPara="1" rIns="0" wrap="square" tIns="0">
+          <a:bodyPr spcFirstLastPara="1" wrap="square" lIns="0" tIns="0" rIns="0" bIns="0" anchor="b" anchorCtr="0">
             <a:noAutofit/>
           </a:bodyPr>
           <a:lstStyle>
@@ -1965,7 +2035,7 @@
               <a:buSzPts val="4800"/>
               <a:buFont typeface="Rubik Medium"/>
               <a:buNone/>
-              <a:defRPr b="0" i="0" sz="4800" u="none">
+              <a:defRPr sz="4800" b="0" i="0" u="none">
                 <a:solidFill>
                   <a:schemeClr val="dk1"/>
                 </a:solidFill>
@@ -2064,12 +2134,14 @@
               <a:defRPr/>
             </a:lvl9pPr>
           </a:lstStyle>
-          <a:p/>
+          <a:p>
+            <a:endParaRPr/>
+          </a:p>
         </p:txBody>
       </p:sp>
       <p:pic>
         <p:nvPicPr>
-          <p:cNvPr descr="Shape, rectangle&#10;&#10;Description automatically generated" id="21" name="Google Shape;21;p8"/>
+          <p:cNvPr id="21" name="Google Shape;21;p8" descr="Shape, rectangle&#10;&#10;Description automatically generated"/>
           <p:cNvPicPr preferRelativeResize="0"/>
           <p:nvPr/>
         </p:nvPicPr>
@@ -2077,7 +2149,7 @@
           <a:blip r:embed="rId2">
             <a:alphaModFix/>
           </a:blip>
-          <a:srcRect b="0" l="0" r="0" t="0"/>
+          <a:srcRect/>
           <a:stretch/>
         </p:blipFill>
         <p:spPr>
@@ -2096,7 +2168,7 @@
       </p:pic>
       <p:pic>
         <p:nvPicPr>
-          <p:cNvPr descr="A picture containing text, clipart&#10;&#10;Description automatically generated" id="22" name="Google Shape;22;p8"/>
+          <p:cNvPr id="22" name="Google Shape;22;p8" descr="A picture containing text, clipart&#10;&#10;Description automatically generated"/>
           <p:cNvPicPr preferRelativeResize="0"/>
           <p:nvPr/>
         </p:nvPicPr>
@@ -2104,7 +2176,7 @@
           <a:blip r:embed="rId3">
             <a:alphaModFix/>
           </a:blip>
-          <a:srcRect b="0" l="0" r="0" t="0"/>
+          <a:srcRect/>
           <a:stretch/>
         </p:blipFill>
         <p:spPr>
@@ -2123,7 +2195,7 @@
       </p:pic>
       <p:pic>
         <p:nvPicPr>
-          <p:cNvPr descr="Background pattern&#10;&#10;Description automatically generated" id="23" name="Google Shape;23;p8"/>
+          <p:cNvPr id="23" name="Google Shape;23;p8" descr="Background pattern&#10;&#10;Description automatically generated"/>
           <p:cNvPicPr preferRelativeResize="0"/>
           <p:nvPr/>
         </p:nvPicPr>
@@ -2131,7 +2203,7 @@
           <a:blip r:embed="rId4">
             <a:alphaModFix/>
           </a:blip>
-          <a:srcRect b="0" l="0" r="0" t="0"/>
+          <a:srcRect/>
           <a:stretch/>
         </p:blipFill>
         <p:spPr>
@@ -2153,13 +2225,13 @@
   <p:clrMapOvr>
     <a:masterClrMapping/>
   </p:clrMapOvr>
-  <mc:AlternateContent>
+  <mc:AlternateContent xmlns:mc="http://schemas.openxmlformats.org/markup-compatibility/2006" xmlns:p14="http://schemas.microsoft.com/office/powerpoint/2010/main">
     <mc:Choice Requires="p14">
-      <p:transition spd="slow" p14:dur="700">
+      <p:transition spd="med" p14:dur="700">
         <p:fade/>
       </p:transition>
     </mc:Choice>
-    <mc:Fallback>
+    <mc:Fallback xmlns:ahyp="http://schemas.microsoft.com/office/drawing/2018/hyperlinkcolor" xmlns:p15="http://schemas.microsoft.com/office/powerpoint/2012/main" xmlns:com="http://schemas.openxmlformats.org/drawingml/2006/compatibility" xmlns:pvml="urn:schemas-microsoft-com:office:powerpoint" xmlns:v="urn:schemas-microsoft-com:vml" xmlns:o="urn:schemas-microsoft-com:office:office" xmlns:dgm="http://schemas.openxmlformats.org/drawingml/2006/diagram" xmlns:c="http://schemas.openxmlformats.org/drawingml/2006/chart" xmlns:mv="urn:schemas-microsoft-com:mac:vml" xmlns="">
       <p:transition spd="slow">
         <p:fade/>
       </p:transition>
@@ -2167,7 +2239,7 @@
   </mc:AlternateContent>
   <p:extLst>
     <p:ext uri="{DCECCB84-F9BA-43D5-87BE-67443E8EF086}">
-      <p15:sldGuideLst>
+      <p15:sldGuideLst xmlns:p15="http://schemas.microsoft.com/office/powerpoint/2012/main">
         <p15:guide id="1" orient="horz" pos="1620">
           <p15:clr>
             <a:srgbClr val="FBAE40"/>
@@ -2185,18 +2257,19 @@
 </file>
 
 <file path=ppt/slideLayouts/slideLayout3.xml><?xml version="1.0" encoding="utf-8"?>
-<p:sldLayout xmlns:a="http://schemas.openxmlformats.org/drawingml/2006/main" xmlns:r="http://schemas.openxmlformats.org/officeDocument/2006/relationships" xmlns:mc="http://schemas.openxmlformats.org/markup-compatibility/2006" xmlns:mv="urn:schemas-microsoft-com:mac:vml" xmlns:p="http://schemas.openxmlformats.org/presentationml/2006/main" xmlns:c="http://schemas.openxmlformats.org/drawingml/2006/chart" xmlns:dgm="http://schemas.openxmlformats.org/drawingml/2006/diagram" xmlns:o="urn:schemas-microsoft-com:office:office" xmlns:v="urn:schemas-microsoft-com:vml" xmlns:pvml="urn:schemas-microsoft-com:office:powerpoint" xmlns:com="http://schemas.openxmlformats.org/drawingml/2006/compatibility" xmlns:p14="http://schemas.microsoft.com/office/powerpoint/2010/main" xmlns:p15="http://schemas.microsoft.com/office/powerpoint/2012/main" xmlns:ahyp="http://schemas.microsoft.com/office/drawing/2018/hyperlinkcolor" matchingName="Title and Content 1">
+<p:sldLayout xmlns:a="http://schemas.openxmlformats.org/drawingml/2006/main" xmlns:r="http://schemas.openxmlformats.org/officeDocument/2006/relationships" xmlns:p="http://schemas.openxmlformats.org/presentationml/2006/main" matchingName="Title and Content 1">
   <p:cSld name="Title and Content 1">
     <p:bg>
       <p:bgPr>
         <a:solidFill>
           <a:schemeClr val="lt1"/>
         </a:solidFill>
+        <a:effectLst/>
       </p:bgPr>
     </p:bg>
     <p:spTree>
       <p:nvGrpSpPr>
-        <p:cNvPr id="24" name="Shape 24"/>
+        <p:cNvPr id="1" name="Shape 24"/>
         <p:cNvGrpSpPr/>
         <p:nvPr/>
       </p:nvGrpSpPr>
@@ -2211,7 +2284,9 @@
       <p:sp>
         <p:nvSpPr>
           <p:cNvPr id="25" name="Google Shape;25;p9"/>
-          <p:cNvSpPr txBox="1"/>
+          <p:cNvSpPr txBox="1">
+            <a:spLocks noGrp="1"/>
+          </p:cNvSpPr>
           <p:nvPr>
             <p:ph type="title"/>
           </p:nvPr>
@@ -2230,7 +2305,7 @@
           </a:ln>
         </p:spPr>
         <p:txBody>
-          <a:bodyPr anchorCtr="0" anchor="ctr" bIns="45700" lIns="91425" spcFirstLastPara="1" rIns="91425" wrap="square" tIns="45700">
+          <a:bodyPr spcFirstLastPara="1" wrap="square" lIns="91425" tIns="45700" rIns="91425" bIns="45700" anchor="ctr" anchorCtr="0">
             <a:normAutofit/>
           </a:bodyPr>
           <a:lstStyle>
@@ -2250,7 +2325,7 @@
               <a:buSzPts val="2133"/>
               <a:buFont typeface="Rubik"/>
               <a:buNone/>
-              <a:defRPr b="0" sz="2133">
+              <a:defRPr sz="2133" b="0">
                 <a:solidFill>
                   <a:schemeClr val="dk1"/>
                 </a:solidFill>
@@ -2349,15 +2424,19 @@
               <a:defRPr/>
             </a:lvl9pPr>
           </a:lstStyle>
-          <a:p/>
+          <a:p>
+            <a:endParaRPr/>
+          </a:p>
         </p:txBody>
       </p:sp>
       <p:sp>
         <p:nvSpPr>
           <p:cNvPr id="26" name="Google Shape;26;p9"/>
-          <p:cNvSpPr txBox="1"/>
+          <p:cNvSpPr txBox="1">
+            <a:spLocks noGrp="1"/>
+          </p:cNvSpPr>
           <p:nvPr>
-            <p:ph idx="1" type="body"/>
+            <p:ph type="body" idx="1"/>
           </p:nvPr>
         </p:nvSpPr>
         <p:spPr>
@@ -2374,11 +2453,11 @@
           </a:ln>
         </p:spPr>
         <p:txBody>
-          <a:bodyPr anchorCtr="0" anchor="t" bIns="45700" lIns="91425" spcFirstLastPara="1" rIns="91425" wrap="square" tIns="45700">
+          <a:bodyPr spcFirstLastPara="1" wrap="square" lIns="91425" tIns="45700" rIns="91425" bIns="45700" anchor="t" anchorCtr="0">
             <a:normAutofit/>
           </a:bodyPr>
           <a:lstStyle>
-            <a:lvl1pPr indent="-228600" lvl="0" marL="457200" algn="l">
+            <a:lvl1pPr marL="457200" lvl="0" indent="-228600" algn="l">
               <a:lnSpc>
                 <a:spcPct val="100000"/>
               </a:lnSpc>
@@ -2404,7 +2483,7 @@
                 <a:sym typeface="Rubik"/>
               </a:defRPr>
             </a:lvl1pPr>
-            <a:lvl2pPr indent="-228600" lvl="1" marL="914400" algn="l">
+            <a:lvl2pPr marL="914400" lvl="1" indent="-228600" algn="l">
               <a:lnSpc>
                 <a:spcPct val="100000"/>
               </a:lnSpc>
@@ -2429,7 +2508,7 @@
                 <a:sym typeface="Rubik"/>
               </a:defRPr>
             </a:lvl2pPr>
-            <a:lvl3pPr indent="-355600" lvl="2" marL="1371600" algn="l">
+            <a:lvl3pPr marL="1371600" lvl="2" indent="-355600" algn="l">
               <a:lnSpc>
                 <a:spcPct val="100000"/>
               </a:lnSpc>
@@ -2454,7 +2533,7 @@
                 <a:sym typeface="Rubik"/>
               </a:defRPr>
             </a:lvl3pPr>
-            <a:lvl4pPr indent="-342900" lvl="3" marL="1828800" algn="l">
+            <a:lvl4pPr marL="1828800" lvl="3" indent="-342900" algn="l">
               <a:lnSpc>
                 <a:spcPct val="100000"/>
               </a:lnSpc>
@@ -2479,7 +2558,7 @@
                 <a:sym typeface="Rubik"/>
               </a:defRPr>
             </a:lvl4pPr>
-            <a:lvl5pPr indent="-342900" lvl="4" marL="2286000" algn="l">
+            <a:lvl5pPr marL="2286000" lvl="4" indent="-342900" algn="l">
               <a:lnSpc>
                 <a:spcPct val="100000"/>
               </a:lnSpc>
@@ -2504,7 +2583,7 @@
                 <a:sym typeface="Rubik"/>
               </a:defRPr>
             </a:lvl5pPr>
-            <a:lvl6pPr indent="-342900" lvl="5" marL="2743200" algn="l">
+            <a:lvl6pPr marL="2743200" lvl="5" indent="-342900" algn="l">
               <a:lnSpc>
                 <a:spcPct val="90000"/>
               </a:lnSpc>
@@ -2521,7 +2600,7 @@
               <a:buChar char="•"/>
               <a:defRPr/>
             </a:lvl6pPr>
-            <a:lvl7pPr indent="-342900" lvl="6" marL="3200400" algn="l">
+            <a:lvl7pPr marL="3200400" lvl="6" indent="-342900" algn="l">
               <a:lnSpc>
                 <a:spcPct val="90000"/>
               </a:lnSpc>
@@ -2538,7 +2617,7 @@
               <a:buChar char="•"/>
               <a:defRPr/>
             </a:lvl7pPr>
-            <a:lvl8pPr indent="-342900" lvl="7" marL="3657600" algn="l">
+            <a:lvl8pPr marL="3657600" lvl="7" indent="-342900" algn="l">
               <a:lnSpc>
                 <a:spcPct val="90000"/>
               </a:lnSpc>
@@ -2555,7 +2634,7 @@
               <a:buChar char="•"/>
               <a:defRPr/>
             </a:lvl8pPr>
-            <a:lvl9pPr indent="-342900" lvl="8" marL="4114800" algn="l">
+            <a:lvl9pPr marL="4114800" lvl="8" indent="-342900" algn="l">
               <a:lnSpc>
                 <a:spcPct val="90000"/>
               </a:lnSpc>
@@ -2573,7 +2652,9 @@
               <a:defRPr/>
             </a:lvl9pPr>
           </a:lstStyle>
-          <a:p/>
+          <a:p>
+            <a:endParaRPr/>
+          </a:p>
         </p:txBody>
       </p:sp>
     </p:spTree>
@@ -2581,13 +2662,13 @@
   <p:clrMapOvr>
     <a:masterClrMapping/>
   </p:clrMapOvr>
-  <mc:AlternateContent>
+  <mc:AlternateContent xmlns:mc="http://schemas.openxmlformats.org/markup-compatibility/2006" xmlns:p14="http://schemas.microsoft.com/office/powerpoint/2010/main">
     <mc:Choice Requires="p14">
-      <p:transition spd="slow" p14:dur="700">
+      <p:transition spd="med" p14:dur="700">
         <p:fade/>
       </p:transition>
     </mc:Choice>
-    <mc:Fallback>
+    <mc:Fallback xmlns:ahyp="http://schemas.microsoft.com/office/drawing/2018/hyperlinkcolor" xmlns:p15="http://schemas.microsoft.com/office/powerpoint/2012/main" xmlns:com="http://schemas.openxmlformats.org/drawingml/2006/compatibility" xmlns:pvml="urn:schemas-microsoft-com:office:powerpoint" xmlns:v="urn:schemas-microsoft-com:vml" xmlns:o="urn:schemas-microsoft-com:office:office" xmlns:dgm="http://schemas.openxmlformats.org/drawingml/2006/diagram" xmlns:c="http://schemas.openxmlformats.org/drawingml/2006/chart" xmlns:mv="urn:schemas-microsoft-com:mac:vml" xmlns="">
       <p:transition spd="slow">
         <p:fade/>
       </p:transition>
@@ -2595,7 +2676,7 @@
   </mc:AlternateContent>
   <p:extLst>
     <p:ext uri="{DCECCB84-F9BA-43D5-87BE-67443E8EF086}">
-      <p15:sldGuideLst>
+      <p15:sldGuideLst xmlns:p15="http://schemas.microsoft.com/office/powerpoint/2012/main">
         <p15:guide id="1" orient="horz" pos="1620">
           <p15:clr>
             <a:srgbClr val="FBAE40"/>
@@ -2613,18 +2694,19 @@
 </file>
 
 <file path=ppt/slideLayouts/slideLayout4.xml><?xml version="1.0" encoding="utf-8"?>
-<p:sldLayout xmlns:a="http://schemas.openxmlformats.org/drawingml/2006/main" xmlns:r="http://schemas.openxmlformats.org/officeDocument/2006/relationships" xmlns:mc="http://schemas.openxmlformats.org/markup-compatibility/2006" xmlns:mv="urn:schemas-microsoft-com:mac:vml" xmlns:p="http://schemas.openxmlformats.org/presentationml/2006/main" xmlns:c="http://schemas.openxmlformats.org/drawingml/2006/chart" xmlns:dgm="http://schemas.openxmlformats.org/drawingml/2006/diagram" xmlns:o="urn:schemas-microsoft-com:office:office" xmlns:v="urn:schemas-microsoft-com:vml" xmlns:pvml="urn:schemas-microsoft-com:office:powerpoint" xmlns:com="http://schemas.openxmlformats.org/drawingml/2006/compatibility" xmlns:p14="http://schemas.microsoft.com/office/powerpoint/2010/main" xmlns:p15="http://schemas.microsoft.com/office/powerpoint/2012/main" xmlns:ahyp="http://schemas.microsoft.com/office/drawing/2018/hyperlinkcolor" matchingName="Title and Content 2">
+<p:sldLayout xmlns:a="http://schemas.openxmlformats.org/drawingml/2006/main" xmlns:r="http://schemas.openxmlformats.org/officeDocument/2006/relationships" xmlns:p="http://schemas.openxmlformats.org/presentationml/2006/main" matchingName="Title and Content 2">
   <p:cSld name="Title and Content 2">
     <p:bg>
       <p:bgPr>
         <a:solidFill>
           <a:schemeClr val="lt1"/>
         </a:solidFill>
+        <a:effectLst/>
       </p:bgPr>
     </p:bg>
     <p:spTree>
       <p:nvGrpSpPr>
-        <p:cNvPr id="27" name="Shape 27"/>
+        <p:cNvPr id="1" name="Shape 27"/>
         <p:cNvGrpSpPr/>
         <p:nvPr/>
       </p:nvGrpSpPr>
@@ -2639,7 +2721,9 @@
       <p:sp>
         <p:nvSpPr>
           <p:cNvPr id="28" name="Google Shape;28;p10"/>
-          <p:cNvSpPr txBox="1"/>
+          <p:cNvSpPr txBox="1">
+            <a:spLocks noGrp="1"/>
+          </p:cNvSpPr>
           <p:nvPr>
             <p:ph type="title"/>
           </p:nvPr>
@@ -2658,7 +2742,7 @@
           </a:ln>
         </p:spPr>
         <p:txBody>
-          <a:bodyPr anchorCtr="0" anchor="ctr" bIns="45700" lIns="91425" spcFirstLastPara="1" rIns="91425" wrap="square" tIns="45700">
+          <a:bodyPr spcFirstLastPara="1" wrap="square" lIns="91425" tIns="45700" rIns="91425" bIns="45700" anchor="ctr" anchorCtr="0">
             <a:normAutofit/>
           </a:bodyPr>
           <a:lstStyle>
@@ -2678,7 +2762,7 @@
               <a:buSzPts val="2133"/>
               <a:buFont typeface="Rubik"/>
               <a:buNone/>
-              <a:defRPr b="0" sz="2133">
+              <a:defRPr sz="2133" b="0">
                 <a:solidFill>
                   <a:schemeClr val="dk1"/>
                 </a:solidFill>
@@ -2777,15 +2861,19 @@
               <a:defRPr/>
             </a:lvl9pPr>
           </a:lstStyle>
-          <a:p/>
+          <a:p>
+            <a:endParaRPr/>
+          </a:p>
         </p:txBody>
       </p:sp>
       <p:sp>
         <p:nvSpPr>
           <p:cNvPr id="29" name="Google Shape;29;p10"/>
-          <p:cNvSpPr txBox="1"/>
+          <p:cNvSpPr txBox="1">
+            <a:spLocks noGrp="1"/>
+          </p:cNvSpPr>
           <p:nvPr>
-            <p:ph idx="1" type="body"/>
+            <p:ph type="body" idx="1"/>
           </p:nvPr>
         </p:nvSpPr>
         <p:spPr>
@@ -2802,11 +2890,11 @@
           </a:ln>
         </p:spPr>
         <p:txBody>
-          <a:bodyPr anchorCtr="0" anchor="t" bIns="45700" lIns="91425" spcFirstLastPara="1" rIns="91425" wrap="square" tIns="45700">
+          <a:bodyPr spcFirstLastPara="1" wrap="square" lIns="91425" tIns="45700" rIns="91425" bIns="45700" anchor="t" anchorCtr="0">
             <a:normAutofit/>
           </a:bodyPr>
           <a:lstStyle>
-            <a:lvl1pPr indent="-228600" lvl="0" marL="457200" algn="l">
+            <a:lvl1pPr marL="457200" lvl="0" indent="-228600" algn="l">
               <a:lnSpc>
                 <a:spcPct val="100000"/>
               </a:lnSpc>
@@ -2832,7 +2920,7 @@
                 <a:sym typeface="Rubik"/>
               </a:defRPr>
             </a:lvl1pPr>
-            <a:lvl2pPr indent="-381000" lvl="1" marL="914400" algn="l">
+            <a:lvl2pPr marL="914400" lvl="1" indent="-381000" algn="l">
               <a:lnSpc>
                 <a:spcPct val="100000"/>
               </a:lnSpc>
@@ -2857,7 +2945,7 @@
                 <a:sym typeface="Rubik"/>
               </a:defRPr>
             </a:lvl2pPr>
-            <a:lvl3pPr indent="-355600" lvl="2" marL="1371600" algn="l">
+            <a:lvl3pPr marL="1371600" lvl="2" indent="-355600" algn="l">
               <a:lnSpc>
                 <a:spcPct val="100000"/>
               </a:lnSpc>
@@ -2882,7 +2970,7 @@
                 <a:sym typeface="Rubik"/>
               </a:defRPr>
             </a:lvl3pPr>
-            <a:lvl4pPr indent="-342900" lvl="3" marL="1828800" algn="l">
+            <a:lvl4pPr marL="1828800" lvl="3" indent="-342900" algn="l">
               <a:lnSpc>
                 <a:spcPct val="100000"/>
               </a:lnSpc>
@@ -2907,7 +2995,7 @@
                 <a:sym typeface="Rubik"/>
               </a:defRPr>
             </a:lvl4pPr>
-            <a:lvl5pPr indent="-342900" lvl="4" marL="2286000" algn="l">
+            <a:lvl5pPr marL="2286000" lvl="4" indent="-342900" algn="l">
               <a:lnSpc>
                 <a:spcPct val="100000"/>
               </a:lnSpc>
@@ -2932,7 +3020,7 @@
                 <a:sym typeface="Rubik"/>
               </a:defRPr>
             </a:lvl5pPr>
-            <a:lvl6pPr indent="-342900" lvl="5" marL="2743200" algn="l">
+            <a:lvl6pPr marL="2743200" lvl="5" indent="-342900" algn="l">
               <a:lnSpc>
                 <a:spcPct val="90000"/>
               </a:lnSpc>
@@ -2949,7 +3037,7 @@
               <a:buChar char="•"/>
               <a:defRPr/>
             </a:lvl6pPr>
-            <a:lvl7pPr indent="-342900" lvl="6" marL="3200400" algn="l">
+            <a:lvl7pPr marL="3200400" lvl="6" indent="-342900" algn="l">
               <a:lnSpc>
                 <a:spcPct val="90000"/>
               </a:lnSpc>
@@ -2966,7 +3054,7 @@
               <a:buChar char="•"/>
               <a:defRPr/>
             </a:lvl7pPr>
-            <a:lvl8pPr indent="-342900" lvl="7" marL="3657600" algn="l">
+            <a:lvl8pPr marL="3657600" lvl="7" indent="-342900" algn="l">
               <a:lnSpc>
                 <a:spcPct val="90000"/>
               </a:lnSpc>
@@ -2983,7 +3071,7 @@
               <a:buChar char="•"/>
               <a:defRPr/>
             </a:lvl8pPr>
-            <a:lvl9pPr indent="-342900" lvl="8" marL="4114800" algn="l">
+            <a:lvl9pPr marL="4114800" lvl="8" indent="-342900" algn="l">
               <a:lnSpc>
                 <a:spcPct val="90000"/>
               </a:lnSpc>
@@ -3001,7 +3089,9 @@
               <a:defRPr/>
             </a:lvl9pPr>
           </a:lstStyle>
-          <a:p/>
+          <a:p>
+            <a:endParaRPr/>
+          </a:p>
         </p:txBody>
       </p:sp>
     </p:spTree>
@@ -3009,13 +3099,13 @@
   <p:clrMapOvr>
     <a:masterClrMapping/>
   </p:clrMapOvr>
-  <mc:AlternateContent>
+  <mc:AlternateContent xmlns:mc="http://schemas.openxmlformats.org/markup-compatibility/2006" xmlns:p14="http://schemas.microsoft.com/office/powerpoint/2010/main">
     <mc:Choice Requires="p14">
-      <p:transition spd="slow" p14:dur="700">
+      <p:transition spd="med" p14:dur="700">
         <p:fade/>
       </p:transition>
     </mc:Choice>
-    <mc:Fallback>
+    <mc:Fallback xmlns:ahyp="http://schemas.microsoft.com/office/drawing/2018/hyperlinkcolor" xmlns:p15="http://schemas.microsoft.com/office/powerpoint/2012/main" xmlns:com="http://schemas.openxmlformats.org/drawingml/2006/compatibility" xmlns:pvml="urn:schemas-microsoft-com:office:powerpoint" xmlns:v="urn:schemas-microsoft-com:vml" xmlns:o="urn:schemas-microsoft-com:office:office" xmlns:dgm="http://schemas.openxmlformats.org/drawingml/2006/diagram" xmlns:c="http://schemas.openxmlformats.org/drawingml/2006/chart" xmlns:mv="urn:schemas-microsoft-com:mac:vml" xmlns="">
       <p:transition spd="slow">
         <p:fade/>
       </p:transition>
@@ -3023,7 +3113,7 @@
   </mc:AlternateContent>
   <p:extLst>
     <p:ext uri="{DCECCB84-F9BA-43D5-87BE-67443E8EF086}">
-      <p15:sldGuideLst>
+      <p15:sldGuideLst xmlns:p15="http://schemas.microsoft.com/office/powerpoint/2012/main">
         <p15:guide id="1" orient="horz" pos="1620">
           <p15:clr>
             <a:srgbClr val="FBAE40"/>
@@ -3041,18 +3131,19 @@
 </file>
 
 <file path=ppt/slideLayouts/slideLayout5.xml><?xml version="1.0" encoding="utf-8"?>
-<p:sldLayout xmlns:a="http://schemas.openxmlformats.org/drawingml/2006/main" xmlns:r="http://schemas.openxmlformats.org/officeDocument/2006/relationships" xmlns:mc="http://schemas.openxmlformats.org/markup-compatibility/2006" xmlns:mv="urn:schemas-microsoft-com:mac:vml" xmlns:p="http://schemas.openxmlformats.org/presentationml/2006/main" xmlns:c="http://schemas.openxmlformats.org/drawingml/2006/chart" xmlns:dgm="http://schemas.openxmlformats.org/drawingml/2006/diagram" xmlns:o="urn:schemas-microsoft-com:office:office" xmlns:v="urn:schemas-microsoft-com:vml" xmlns:pvml="urn:schemas-microsoft-com:office:powerpoint" xmlns:com="http://schemas.openxmlformats.org/drawingml/2006/compatibility" xmlns:p14="http://schemas.microsoft.com/office/powerpoint/2010/main" xmlns:p15="http://schemas.microsoft.com/office/powerpoint/2012/main" xmlns:ahyp="http://schemas.microsoft.com/office/drawing/2018/hyperlinkcolor" matchingName="Blank White">
+<p:sldLayout xmlns:a="http://schemas.openxmlformats.org/drawingml/2006/main" xmlns:r="http://schemas.openxmlformats.org/officeDocument/2006/relationships" xmlns:p="http://schemas.openxmlformats.org/presentationml/2006/main" matchingName="Blank White">
   <p:cSld name="Blank White">
     <p:bg>
       <p:bgPr>
         <a:solidFill>
           <a:schemeClr val="lt1"/>
         </a:solidFill>
+        <a:effectLst/>
       </p:bgPr>
     </p:bg>
     <p:spTree>
       <p:nvGrpSpPr>
-        <p:cNvPr id="30" name="Shape 30"/>
+        <p:cNvPr id="1" name="Shape 30"/>
         <p:cNvGrpSpPr/>
         <p:nvPr/>
       </p:nvGrpSpPr>
@@ -3069,13 +3160,13 @@
   <p:clrMapOvr>
     <a:masterClrMapping/>
   </p:clrMapOvr>
-  <mc:AlternateContent>
+  <mc:AlternateContent xmlns:mc="http://schemas.openxmlformats.org/markup-compatibility/2006" xmlns:p14="http://schemas.microsoft.com/office/powerpoint/2010/main">
     <mc:Choice Requires="p14">
-      <p:transition spd="slow" p14:dur="700">
+      <p:transition spd="med" p14:dur="700">
         <p:fade/>
       </p:transition>
     </mc:Choice>
-    <mc:Fallback>
+    <mc:Fallback xmlns:ahyp="http://schemas.microsoft.com/office/drawing/2018/hyperlinkcolor" xmlns:p15="http://schemas.microsoft.com/office/powerpoint/2012/main" xmlns:com="http://schemas.openxmlformats.org/drawingml/2006/compatibility" xmlns:pvml="urn:schemas-microsoft-com:office:powerpoint" xmlns:v="urn:schemas-microsoft-com:vml" xmlns:o="urn:schemas-microsoft-com:office:office" xmlns:dgm="http://schemas.openxmlformats.org/drawingml/2006/diagram" xmlns:c="http://schemas.openxmlformats.org/drawingml/2006/chart" xmlns:mv="urn:schemas-microsoft-com:mac:vml" xmlns="">
       <p:transition spd="slow">
         <p:fade/>
       </p:transition>
@@ -3083,7 +3174,7 @@
   </mc:AlternateContent>
   <p:extLst>
     <p:ext uri="{DCECCB84-F9BA-43D5-87BE-67443E8EF086}">
-      <p15:sldGuideLst>
+      <p15:sldGuideLst xmlns:p15="http://schemas.microsoft.com/office/powerpoint/2012/main">
         <p15:guide id="1" orient="horz" pos="1620">
           <p15:clr>
             <a:srgbClr val="FBAE40"/>
@@ -3101,18 +3192,19 @@
 </file>
 
 <file path=ppt/slideLayouts/slideLayout6.xml><?xml version="1.0" encoding="utf-8"?>
-<p:sldLayout xmlns:a="http://schemas.openxmlformats.org/drawingml/2006/main" xmlns:r="http://schemas.openxmlformats.org/officeDocument/2006/relationships" xmlns:mc="http://schemas.openxmlformats.org/markup-compatibility/2006" xmlns:mv="urn:schemas-microsoft-com:mac:vml" xmlns:p="http://schemas.openxmlformats.org/presentationml/2006/main" xmlns:c="http://schemas.openxmlformats.org/drawingml/2006/chart" xmlns:dgm="http://schemas.openxmlformats.org/drawingml/2006/diagram" xmlns:o="urn:schemas-microsoft-com:office:office" xmlns:v="urn:schemas-microsoft-com:vml" xmlns:pvml="urn:schemas-microsoft-com:office:powerpoint" xmlns:com="http://schemas.openxmlformats.org/drawingml/2006/compatibility" xmlns:p14="http://schemas.microsoft.com/office/powerpoint/2010/main" xmlns:p15="http://schemas.microsoft.com/office/powerpoint/2012/main" xmlns:ahyp="http://schemas.microsoft.com/office/drawing/2018/hyperlinkcolor" matchingName="Background Dark">
+<p:sldLayout xmlns:a="http://schemas.openxmlformats.org/drawingml/2006/main" xmlns:r="http://schemas.openxmlformats.org/officeDocument/2006/relationships" xmlns:p="http://schemas.openxmlformats.org/presentationml/2006/main" matchingName="Background Dark">
   <p:cSld name="Background Dark">
     <p:bg>
       <p:bgPr>
         <a:solidFill>
           <a:schemeClr val="lt1"/>
         </a:solidFill>
+        <a:effectLst/>
       </p:bgPr>
     </p:bg>
     <p:spTree>
       <p:nvGrpSpPr>
-        <p:cNvPr id="31" name="Shape 31"/>
+        <p:cNvPr id="1" name="Shape 31"/>
         <p:cNvGrpSpPr/>
         <p:nvPr/>
       </p:nvGrpSpPr>
@@ -3126,7 +3218,7 @@
       </p:grpSpPr>
       <p:pic>
         <p:nvPicPr>
-          <p:cNvPr descr="Shape, rectangle&#10;&#10;Description automatically generated" id="32" name="Google Shape;32;p12"/>
+          <p:cNvPr id="32" name="Google Shape;32;p12" descr="Shape, rectangle&#10;&#10;Description automatically generated"/>
           <p:cNvPicPr preferRelativeResize="0"/>
           <p:nvPr/>
         </p:nvPicPr>
@@ -3134,7 +3226,7 @@
           <a:blip r:embed="rId2">
             <a:alphaModFix/>
           </a:blip>
-          <a:srcRect b="0" l="0" r="0" t="0"/>
+          <a:srcRect/>
           <a:stretch/>
         </p:blipFill>
         <p:spPr>
@@ -3156,13 +3248,13 @@
   <p:clrMapOvr>
     <a:masterClrMapping/>
   </p:clrMapOvr>
-  <mc:AlternateContent>
+  <mc:AlternateContent xmlns:mc="http://schemas.openxmlformats.org/markup-compatibility/2006" xmlns:p14="http://schemas.microsoft.com/office/powerpoint/2010/main">
     <mc:Choice Requires="p14">
-      <p:transition spd="slow" p14:dur="700">
+      <p:transition spd="med" p14:dur="700">
         <p:fade/>
       </p:transition>
     </mc:Choice>
-    <mc:Fallback>
+    <mc:Fallback xmlns:ahyp="http://schemas.microsoft.com/office/drawing/2018/hyperlinkcolor" xmlns:p15="http://schemas.microsoft.com/office/powerpoint/2012/main" xmlns:com="http://schemas.openxmlformats.org/drawingml/2006/compatibility" xmlns:pvml="urn:schemas-microsoft-com:office:powerpoint" xmlns:v="urn:schemas-microsoft-com:vml" xmlns:o="urn:schemas-microsoft-com:office:office" xmlns:dgm="http://schemas.openxmlformats.org/drawingml/2006/diagram" xmlns:c="http://schemas.openxmlformats.org/drawingml/2006/chart" xmlns:mv="urn:schemas-microsoft-com:mac:vml" xmlns="">
       <p:transition spd="slow">
         <p:fade/>
       </p:transition>
@@ -3170,7 +3262,7 @@
   </mc:AlternateContent>
   <p:extLst>
     <p:ext uri="{DCECCB84-F9BA-43D5-87BE-67443E8EF086}">
-      <p15:sldGuideLst>
+      <p15:sldGuideLst xmlns:p15="http://schemas.microsoft.com/office/powerpoint/2012/main">
         <p15:guide id="1" orient="horz" pos="1620">
           <p15:clr>
             <a:srgbClr val="FBAE40"/>
@@ -3188,18 +3280,19 @@
 </file>
 
 <file path=ppt/slideLayouts/slideLayout7.xml><?xml version="1.0" encoding="utf-8"?>
-<p:sldLayout xmlns:a="http://schemas.openxmlformats.org/drawingml/2006/main" xmlns:r="http://schemas.openxmlformats.org/officeDocument/2006/relationships" xmlns:mc="http://schemas.openxmlformats.org/markup-compatibility/2006" xmlns:mv="urn:schemas-microsoft-com:mac:vml" xmlns:p="http://schemas.openxmlformats.org/presentationml/2006/main" xmlns:c="http://schemas.openxmlformats.org/drawingml/2006/chart" xmlns:dgm="http://schemas.openxmlformats.org/drawingml/2006/diagram" xmlns:o="urn:schemas-microsoft-com:office:office" xmlns:v="urn:schemas-microsoft-com:vml" xmlns:pvml="urn:schemas-microsoft-com:office:powerpoint" xmlns:com="http://schemas.openxmlformats.org/drawingml/2006/compatibility" xmlns:p14="http://schemas.microsoft.com/office/powerpoint/2010/main" xmlns:p15="http://schemas.microsoft.com/office/powerpoint/2012/main" xmlns:ahyp="http://schemas.microsoft.com/office/drawing/2018/hyperlinkcolor" matchingName="Big Message Dark" showMasterSp="0">
+<p:sldLayout xmlns:a="http://schemas.openxmlformats.org/drawingml/2006/main" xmlns:r="http://schemas.openxmlformats.org/officeDocument/2006/relationships" xmlns:p="http://schemas.openxmlformats.org/presentationml/2006/main" showMasterSp="0" matchingName="Big Message Dark">
   <p:cSld name="Big Message Dark">
     <p:bg>
       <p:bgPr>
         <a:solidFill>
           <a:schemeClr val="lt1"/>
         </a:solidFill>
+        <a:effectLst/>
       </p:bgPr>
     </p:bg>
     <p:spTree>
       <p:nvGrpSpPr>
-        <p:cNvPr id="33" name="Shape 33"/>
+        <p:cNvPr id="1" name="Shape 33"/>
         <p:cNvGrpSpPr/>
         <p:nvPr/>
       </p:nvGrpSpPr>
@@ -3213,7 +3306,7 @@
       </p:grpSpPr>
       <p:pic>
         <p:nvPicPr>
-          <p:cNvPr descr="Shape, rectangle&#10;&#10;Description automatically generated" id="34" name="Google Shape;34;p13"/>
+          <p:cNvPr id="34" name="Google Shape;34;p13" descr="Shape, rectangle&#10;&#10;Description automatically generated"/>
           <p:cNvPicPr preferRelativeResize="0"/>
           <p:nvPr/>
         </p:nvPicPr>
@@ -3221,7 +3314,7 @@
           <a:blip r:embed="rId2">
             <a:alphaModFix/>
           </a:blip>
-          <a:srcRect b="0" l="0" r="0" t="0"/>
+          <a:srcRect/>
           <a:stretch/>
         </p:blipFill>
         <p:spPr>
@@ -3240,7 +3333,7 @@
       </p:pic>
       <p:pic>
         <p:nvPicPr>
-          <p:cNvPr descr="A picture containing text, clipart&#10;&#10;Description automatically generated" id="35" name="Google Shape;35;p13"/>
+          <p:cNvPr id="35" name="Google Shape;35;p13" descr="A picture containing text, clipart&#10;&#10;Description automatically generated"/>
           <p:cNvPicPr preferRelativeResize="0"/>
           <p:nvPr/>
         </p:nvPicPr>
@@ -3248,7 +3341,7 @@
           <a:blip r:embed="rId3">
             <a:alphaModFix/>
           </a:blip>
-          <a:srcRect b="0" l="0" r="0" t="0"/>
+          <a:srcRect/>
           <a:stretch/>
         </p:blipFill>
         <p:spPr>
@@ -3268,7 +3361,9 @@
       <p:sp>
         <p:nvSpPr>
           <p:cNvPr id="36" name="Google Shape;36;p13"/>
-          <p:cNvSpPr txBox="1"/>
+          <p:cNvSpPr txBox="1">
+            <a:spLocks noGrp="1"/>
+          </p:cNvSpPr>
           <p:nvPr>
             <p:ph type="title"/>
           </p:nvPr>
@@ -3287,7 +3382,7 @@
           </a:ln>
         </p:spPr>
         <p:txBody>
-          <a:bodyPr anchorCtr="0" anchor="b" bIns="0" lIns="0" spcFirstLastPara="1" rIns="0" wrap="square" tIns="0">
+          <a:bodyPr spcFirstLastPara="1" wrap="square" lIns="0" tIns="0" rIns="0" bIns="0" anchor="b" anchorCtr="0">
             <a:noAutofit/>
           </a:bodyPr>
           <a:lstStyle>
@@ -3307,7 +3402,7 @@
               <a:buSzPts val="6400"/>
               <a:buFont typeface="Rubik"/>
               <a:buNone/>
-              <a:defRPr b="0" i="0" sz="6400" u="none">
+              <a:defRPr sz="6400" b="0" i="0" u="none">
                 <a:solidFill>
                   <a:schemeClr val="lt1"/>
                 </a:solidFill>
@@ -3406,7 +3501,9 @@
               <a:defRPr/>
             </a:lvl9pPr>
           </a:lstStyle>
-          <a:p/>
+          <a:p>
+            <a:endParaRPr/>
+          </a:p>
         </p:txBody>
       </p:sp>
     </p:spTree>
@@ -3414,13 +3511,13 @@
   <p:clrMapOvr>
     <a:masterClrMapping/>
   </p:clrMapOvr>
-  <mc:AlternateContent>
+  <mc:AlternateContent xmlns:mc="http://schemas.openxmlformats.org/markup-compatibility/2006" xmlns:p14="http://schemas.microsoft.com/office/powerpoint/2010/main">
     <mc:Choice Requires="p14">
-      <p:transition spd="slow" p14:dur="700">
+      <p:transition spd="med" p14:dur="700">
         <p:fade/>
       </p:transition>
     </mc:Choice>
-    <mc:Fallback>
+    <mc:Fallback xmlns:ahyp="http://schemas.microsoft.com/office/drawing/2018/hyperlinkcolor" xmlns:p15="http://schemas.microsoft.com/office/powerpoint/2012/main" xmlns:com="http://schemas.openxmlformats.org/drawingml/2006/compatibility" xmlns:pvml="urn:schemas-microsoft-com:office:powerpoint" xmlns:v="urn:schemas-microsoft-com:vml" xmlns:o="urn:schemas-microsoft-com:office:office" xmlns:dgm="http://schemas.openxmlformats.org/drawingml/2006/diagram" xmlns:c="http://schemas.openxmlformats.org/drawingml/2006/chart" xmlns:mv="urn:schemas-microsoft-com:mac:vml" xmlns="">
       <p:transition spd="slow">
         <p:fade/>
       </p:transition>
@@ -3428,7 +3525,7 @@
   </mc:AlternateContent>
   <p:extLst>
     <p:ext uri="{DCECCB84-F9BA-43D5-87BE-67443E8EF086}">
-      <p15:sldGuideLst>
+      <p15:sldGuideLst xmlns:p15="http://schemas.microsoft.com/office/powerpoint/2012/main">
         <p15:guide id="1" orient="horz" pos="1620">
           <p15:clr>
             <a:srgbClr val="FBAE40"/>
@@ -3446,18 +3543,19 @@
 </file>
 
 <file path=ppt/slideLayouts/slideLayout8.xml><?xml version="1.0" encoding="utf-8"?>
-<p:sldLayout xmlns:a="http://schemas.openxmlformats.org/drawingml/2006/main" xmlns:r="http://schemas.openxmlformats.org/officeDocument/2006/relationships" xmlns:mc="http://schemas.openxmlformats.org/markup-compatibility/2006" xmlns:mv="urn:schemas-microsoft-com:mac:vml" xmlns:p="http://schemas.openxmlformats.org/presentationml/2006/main" xmlns:c="http://schemas.openxmlformats.org/drawingml/2006/chart" xmlns:dgm="http://schemas.openxmlformats.org/drawingml/2006/diagram" xmlns:o="urn:schemas-microsoft-com:office:office" xmlns:v="urn:schemas-microsoft-com:vml" xmlns:pvml="urn:schemas-microsoft-com:office:powerpoint" xmlns:com="http://schemas.openxmlformats.org/drawingml/2006/compatibility" xmlns:p14="http://schemas.microsoft.com/office/powerpoint/2010/main" xmlns:p15="http://schemas.microsoft.com/office/powerpoint/2012/main" xmlns:ahyp="http://schemas.microsoft.com/office/drawing/2018/hyperlinkcolor" matchingName="Speaker">
+<p:sldLayout xmlns:a="http://schemas.openxmlformats.org/drawingml/2006/main" xmlns:r="http://schemas.openxmlformats.org/officeDocument/2006/relationships" xmlns:p="http://schemas.openxmlformats.org/presentationml/2006/main" matchingName="Speaker">
   <p:cSld name="Speaker">
     <p:bg>
       <p:bgPr>
         <a:solidFill>
           <a:schemeClr val="lt1"/>
         </a:solidFill>
+        <a:effectLst/>
       </p:bgPr>
     </p:bg>
     <p:spTree>
       <p:nvGrpSpPr>
-        <p:cNvPr id="37" name="Shape 37"/>
+        <p:cNvPr id="1" name="Shape 37"/>
         <p:cNvGrpSpPr/>
         <p:nvPr/>
       </p:nvGrpSpPr>
@@ -3491,12 +3589,12 @@
           </a:ln>
         </p:spPr>
         <p:txBody>
-          <a:bodyPr anchorCtr="0" anchor="t" bIns="45700" lIns="91425" spcFirstLastPara="1" rIns="91425" wrap="square" tIns="45700">
+          <a:bodyPr spcFirstLastPara="1" wrap="square" lIns="91425" tIns="45700" rIns="91425" bIns="45700" anchor="t" anchorCtr="0">
             <a:noAutofit/>
           </a:bodyPr>
           <a:lstStyle/>
           <a:p>
-            <a:pPr indent="0" lvl="0" marL="0" marR="0" rtl="0" algn="ctr">
+            <a:pPr marL="0" marR="0" lvl="0" indent="0" algn="ctr" rtl="0">
               <a:spcBef>
                 <a:spcPts val="0"/>
               </a:spcBef>
@@ -3505,10 +3603,7 @@
               </a:spcAft>
               <a:buNone/>
             </a:pPr>
-            <a:r>
-              <a:t/>
-            </a:r>
-            <a:endParaRPr b="0" i="0" sz="1800" u="none" cap="none" strike="noStrike">
+            <a:endParaRPr sz="1800" b="0" i="0" u="none" strike="noStrike" cap="none">
               <a:solidFill>
                 <a:srgbClr val="000000"/>
               </a:solidFill>
@@ -3530,7 +3625,7 @@
           <a:blip r:embed="rId2">
             <a:alphaModFix/>
           </a:blip>
-          <a:srcRect b="3841" l="0" r="0" t="57361"/>
+          <a:srcRect t="57361" b="3841"/>
           <a:stretch/>
         </p:blipFill>
         <p:spPr>
@@ -3557,7 +3652,7 @@
           <a:blip r:embed="rId3">
             <a:alphaModFix/>
           </a:blip>
-          <a:srcRect b="0" l="0" r="0" t="0"/>
+          <a:srcRect/>
           <a:stretch/>
         </p:blipFill>
         <p:spPr>
@@ -3586,9 +3681,13 @@
             <a:ext cx="12192000" cy="2781628"/>
           </a:xfrm>
           <a:custGeom>
-            <a:rect b="b" l="l" r="r" t="t"/>
+            <a:avLst/>
+            <a:gdLst/>
+            <a:ahLst/>
+            <a:cxnLst/>
+            <a:rect l="l" t="t" r="r" b="b"/>
             <a:pathLst>
-              <a:path extrusionOk="0" h="2781628" w="12192000">
+              <a:path w="12192000" h="2781628" extrusionOk="0">
                 <a:moveTo>
                   <a:pt x="12192000" y="0"/>
                 </a:moveTo>
@@ -3616,12 +3715,12 @@
           </a:ln>
         </p:spPr>
         <p:txBody>
-          <a:bodyPr anchorCtr="0" anchor="t" bIns="45700" lIns="91425" spcFirstLastPara="1" rIns="91425" wrap="square" tIns="45700">
+          <a:bodyPr spcFirstLastPara="1" wrap="square" lIns="91425" tIns="45700" rIns="91425" bIns="45700" anchor="t" anchorCtr="0">
             <a:noAutofit/>
           </a:bodyPr>
           <a:lstStyle/>
           <a:p>
-            <a:pPr indent="0" lvl="0" marL="0" marR="0" rtl="0" algn="ctr">
+            <a:pPr marL="0" marR="0" lvl="0" indent="0" algn="ctr" rtl="0">
               <a:spcBef>
                 <a:spcPts val="0"/>
               </a:spcBef>
@@ -3630,10 +3729,7 @@
               </a:spcAft>
               <a:buNone/>
             </a:pPr>
-            <a:r>
-              <a:t/>
-            </a:r>
-            <a:endParaRPr b="0" i="0" sz="1800" u="none" cap="none" strike="noStrike">
+            <a:endParaRPr sz="1800" b="0" i="0" u="none" strike="noStrike" cap="none">
               <a:solidFill>
                 <a:srgbClr val="000000"/>
               </a:solidFill>
@@ -3648,7 +3744,9 @@
       <p:sp>
         <p:nvSpPr>
           <p:cNvPr id="42" name="Google Shape;42;p14"/>
-          <p:cNvSpPr txBox="1"/>
+          <p:cNvSpPr txBox="1">
+            <a:spLocks noGrp="1"/>
+          </p:cNvSpPr>
           <p:nvPr>
             <p:ph type="title"/>
           </p:nvPr>
@@ -3667,7 +3765,7 @@
           </a:ln>
         </p:spPr>
         <p:txBody>
-          <a:bodyPr anchorCtr="0" anchor="b" bIns="0" lIns="91425" spcFirstLastPara="1" rIns="91425" wrap="square" tIns="0">
+          <a:bodyPr spcFirstLastPara="1" wrap="square" lIns="91425" tIns="0" rIns="91425" bIns="0" anchor="b" anchorCtr="0">
             <a:noAutofit/>
           </a:bodyPr>
           <a:lstStyle>
@@ -3687,7 +3785,7 @@
               <a:buSzPts val="2800"/>
               <a:buFont typeface="Rubik"/>
               <a:buNone/>
-              <a:defRPr b="1" i="0" sz="2800">
+              <a:defRPr sz="2800" b="1" i="0">
                 <a:latin typeface="Rubik"/>
                 <a:ea typeface="Rubik"/>
                 <a:cs typeface="Rubik"/>
@@ -3783,15 +3881,19 @@
               <a:defRPr/>
             </a:lvl9pPr>
           </a:lstStyle>
-          <a:p/>
+          <a:p>
+            <a:endParaRPr/>
+          </a:p>
         </p:txBody>
       </p:sp>
       <p:sp>
         <p:nvSpPr>
           <p:cNvPr id="43" name="Google Shape;43;p14"/>
-          <p:cNvSpPr txBox="1"/>
+          <p:cNvSpPr txBox="1">
+            <a:spLocks noGrp="1"/>
+          </p:cNvSpPr>
           <p:nvPr>
-            <p:ph idx="1" type="body"/>
+            <p:ph type="body" idx="1"/>
           </p:nvPr>
         </p:nvSpPr>
         <p:spPr>
@@ -3808,11 +3910,11 @@
           </a:ln>
         </p:spPr>
         <p:txBody>
-          <a:bodyPr anchorCtr="0" anchor="t" bIns="0" lIns="91425" spcFirstLastPara="1" rIns="91425" wrap="square" tIns="0">
+          <a:bodyPr spcFirstLastPara="1" wrap="square" lIns="91425" tIns="0" rIns="91425" bIns="0" anchor="t" anchorCtr="0">
             <a:noAutofit/>
           </a:bodyPr>
           <a:lstStyle>
-            <a:lvl1pPr indent="-228600" lvl="0" marL="457200" algn="l">
+            <a:lvl1pPr marL="457200" lvl="0" indent="-228600" algn="l">
               <a:lnSpc>
                 <a:spcPct val="100000"/>
               </a:lnSpc>
@@ -3827,14 +3929,14 @@
               </a:buClr>
               <a:buSzPts val="2000"/>
               <a:buNone/>
-              <a:defRPr b="0" i="0" sz="2000">
+              <a:defRPr sz="2000" b="0" i="0">
                 <a:latin typeface="Rubik"/>
                 <a:ea typeface="Rubik"/>
                 <a:cs typeface="Rubik"/>
                 <a:sym typeface="Rubik"/>
               </a:defRPr>
             </a:lvl1pPr>
-            <a:lvl2pPr indent="-342900" lvl="1" marL="914400" algn="l">
+            <a:lvl2pPr marL="914400" lvl="1" indent="-342900" algn="l">
               <a:lnSpc>
                 <a:spcPct val="100000"/>
               </a:lnSpc>
@@ -3851,7 +3953,7 @@
               <a:buChar char="–"/>
               <a:defRPr/>
             </a:lvl2pPr>
-            <a:lvl3pPr indent="-342900" lvl="2" marL="1371600" algn="l">
+            <a:lvl3pPr marL="1371600" lvl="2" indent="-342900" algn="l">
               <a:lnSpc>
                 <a:spcPct val="100000"/>
               </a:lnSpc>
@@ -3868,7 +3970,7 @@
               <a:buChar char="•"/>
               <a:defRPr/>
             </a:lvl3pPr>
-            <a:lvl4pPr indent="-342900" lvl="3" marL="1828800" algn="l">
+            <a:lvl4pPr marL="1828800" lvl="3" indent="-342900" algn="l">
               <a:lnSpc>
                 <a:spcPct val="100000"/>
               </a:lnSpc>
@@ -3885,7 +3987,7 @@
               <a:buChar char="▫︎"/>
               <a:defRPr/>
             </a:lvl4pPr>
-            <a:lvl5pPr indent="-342900" lvl="4" marL="2286000" algn="l">
+            <a:lvl5pPr marL="2286000" lvl="4" indent="-342900" algn="l">
               <a:lnSpc>
                 <a:spcPct val="100000"/>
               </a:lnSpc>
@@ -3902,7 +4004,7 @@
               <a:buChar char="-"/>
               <a:defRPr/>
             </a:lvl5pPr>
-            <a:lvl6pPr indent="-342900" lvl="5" marL="2743200" algn="l">
+            <a:lvl6pPr marL="2743200" lvl="5" indent="-342900" algn="l">
               <a:lnSpc>
                 <a:spcPct val="90000"/>
               </a:lnSpc>
@@ -3919,7 +4021,7 @@
               <a:buChar char="•"/>
               <a:defRPr/>
             </a:lvl6pPr>
-            <a:lvl7pPr indent="-342900" lvl="6" marL="3200400" algn="l">
+            <a:lvl7pPr marL="3200400" lvl="6" indent="-342900" algn="l">
               <a:lnSpc>
                 <a:spcPct val="90000"/>
               </a:lnSpc>
@@ -3936,7 +4038,7 @@
               <a:buChar char="•"/>
               <a:defRPr/>
             </a:lvl7pPr>
-            <a:lvl8pPr indent="-342900" lvl="7" marL="3657600" algn="l">
+            <a:lvl8pPr marL="3657600" lvl="7" indent="-342900" algn="l">
               <a:lnSpc>
                 <a:spcPct val="90000"/>
               </a:lnSpc>
@@ -3953,7 +4055,7 @@
               <a:buChar char="•"/>
               <a:defRPr/>
             </a:lvl8pPr>
-            <a:lvl9pPr indent="-342900" lvl="8" marL="4114800" algn="l">
+            <a:lvl9pPr marL="4114800" lvl="8" indent="-342900" algn="l">
               <a:lnSpc>
                 <a:spcPct val="90000"/>
               </a:lnSpc>
@@ -3971,15 +4073,19 @@
               <a:defRPr/>
             </a:lvl9pPr>
           </a:lstStyle>
-          <a:p/>
+          <a:p>
+            <a:endParaRPr/>
+          </a:p>
         </p:txBody>
       </p:sp>
       <p:sp>
         <p:nvSpPr>
           <p:cNvPr id="44" name="Google Shape;44;p14"/>
-          <p:cNvSpPr txBox="1"/>
+          <p:cNvSpPr txBox="1">
+            <a:spLocks noGrp="1"/>
+          </p:cNvSpPr>
           <p:nvPr>
-            <p:ph idx="2" type="body"/>
+            <p:ph type="body" idx="2"/>
           </p:nvPr>
         </p:nvSpPr>
         <p:spPr>
@@ -3996,11 +4102,11 @@
           </a:ln>
         </p:spPr>
         <p:txBody>
-          <a:bodyPr anchorCtr="0" anchor="t" bIns="45700" lIns="91425" spcFirstLastPara="1" rIns="91425" wrap="square" tIns="45700">
+          <a:bodyPr spcFirstLastPara="1" wrap="square" lIns="91425" tIns="45700" rIns="91425" bIns="45700" anchor="t" anchorCtr="0">
             <a:noAutofit/>
           </a:bodyPr>
           <a:lstStyle>
-            <a:lvl1pPr indent="-228600" lvl="0" marL="457200" algn="l">
+            <a:lvl1pPr marL="457200" lvl="0" indent="-228600" algn="l">
               <a:lnSpc>
                 <a:spcPct val="100000"/>
               </a:lnSpc>
@@ -4015,14 +4121,14 @@
               </a:buClr>
               <a:buSzPts val="1400"/>
               <a:buNone/>
-              <a:defRPr b="0" i="0" sz="1400">
+              <a:defRPr sz="1400" b="0" i="0">
                 <a:latin typeface="Rubik"/>
                 <a:ea typeface="Rubik"/>
                 <a:cs typeface="Rubik"/>
                 <a:sym typeface="Rubik"/>
               </a:defRPr>
             </a:lvl1pPr>
-            <a:lvl2pPr indent="-342900" lvl="1" marL="914400" algn="l">
+            <a:lvl2pPr marL="914400" lvl="1" indent="-342900" algn="l">
               <a:lnSpc>
                 <a:spcPct val="100000"/>
               </a:lnSpc>
@@ -4039,7 +4145,7 @@
               <a:buChar char="–"/>
               <a:defRPr/>
             </a:lvl2pPr>
-            <a:lvl3pPr indent="-342900" lvl="2" marL="1371600" algn="l">
+            <a:lvl3pPr marL="1371600" lvl="2" indent="-342900" algn="l">
               <a:lnSpc>
                 <a:spcPct val="100000"/>
               </a:lnSpc>
@@ -4056,7 +4162,7 @@
               <a:buChar char="•"/>
               <a:defRPr/>
             </a:lvl3pPr>
-            <a:lvl4pPr indent="-342900" lvl="3" marL="1828800" algn="l">
+            <a:lvl4pPr marL="1828800" lvl="3" indent="-342900" algn="l">
               <a:lnSpc>
                 <a:spcPct val="100000"/>
               </a:lnSpc>
@@ -4073,7 +4179,7 @@
               <a:buChar char="▫︎"/>
               <a:defRPr/>
             </a:lvl4pPr>
-            <a:lvl5pPr indent="-342900" lvl="4" marL="2286000" algn="l">
+            <a:lvl5pPr marL="2286000" lvl="4" indent="-342900" algn="l">
               <a:lnSpc>
                 <a:spcPct val="100000"/>
               </a:lnSpc>
@@ -4090,7 +4196,7 @@
               <a:buChar char="-"/>
               <a:defRPr/>
             </a:lvl5pPr>
-            <a:lvl6pPr indent="-342900" lvl="5" marL="2743200" algn="l">
+            <a:lvl6pPr marL="2743200" lvl="5" indent="-342900" algn="l">
               <a:lnSpc>
                 <a:spcPct val="90000"/>
               </a:lnSpc>
@@ -4107,7 +4213,7 @@
               <a:buChar char="•"/>
               <a:defRPr/>
             </a:lvl6pPr>
-            <a:lvl7pPr indent="-342900" lvl="6" marL="3200400" algn="l">
+            <a:lvl7pPr marL="3200400" lvl="6" indent="-342900" algn="l">
               <a:lnSpc>
                 <a:spcPct val="90000"/>
               </a:lnSpc>
@@ -4124,7 +4230,7 @@
               <a:buChar char="•"/>
               <a:defRPr/>
             </a:lvl7pPr>
-            <a:lvl8pPr indent="-342900" lvl="7" marL="3657600" algn="l">
+            <a:lvl8pPr marL="3657600" lvl="7" indent="-342900" algn="l">
               <a:lnSpc>
                 <a:spcPct val="90000"/>
               </a:lnSpc>
@@ -4141,7 +4247,7 @@
               <a:buChar char="•"/>
               <a:defRPr/>
             </a:lvl8pPr>
-            <a:lvl9pPr indent="-342900" lvl="8" marL="4114800" algn="l">
+            <a:lvl9pPr marL="4114800" lvl="8" indent="-342900" algn="l">
               <a:lnSpc>
                 <a:spcPct val="90000"/>
               </a:lnSpc>
@@ -4159,15 +4265,19 @@
               <a:defRPr/>
             </a:lvl9pPr>
           </a:lstStyle>
-          <a:p/>
+          <a:p>
+            <a:endParaRPr/>
+          </a:p>
         </p:txBody>
       </p:sp>
       <p:sp>
         <p:nvSpPr>
           <p:cNvPr id="45" name="Google Shape;45;p14"/>
-          <p:cNvSpPr txBox="1"/>
+          <p:cNvSpPr txBox="1">
+            <a:spLocks noGrp="1"/>
+          </p:cNvSpPr>
           <p:nvPr>
-            <p:ph idx="3" type="body"/>
+            <p:ph type="body" idx="3"/>
           </p:nvPr>
         </p:nvSpPr>
         <p:spPr>
@@ -4184,11 +4294,11 @@
           </a:ln>
         </p:spPr>
         <p:txBody>
-          <a:bodyPr anchorCtr="0" anchor="t" bIns="45700" lIns="91425" spcFirstLastPara="1" rIns="91425" wrap="square" tIns="45700">
+          <a:bodyPr spcFirstLastPara="1" wrap="square" lIns="91425" tIns="45700" rIns="91425" bIns="45700" anchor="t" anchorCtr="0">
             <a:noAutofit/>
           </a:bodyPr>
           <a:lstStyle>
-            <a:lvl1pPr indent="-228600" lvl="0" marL="457200" algn="l">
+            <a:lvl1pPr marL="457200" lvl="0" indent="-228600" algn="l">
               <a:lnSpc>
                 <a:spcPct val="100000"/>
               </a:lnSpc>
@@ -4203,14 +4313,14 @@
               </a:buClr>
               <a:buSzPts val="2000"/>
               <a:buNone/>
-              <a:defRPr b="0" i="0" sz="2000">
+              <a:defRPr sz="2000" b="0" i="0">
                 <a:latin typeface="Rubik Medium"/>
                 <a:ea typeface="Rubik Medium"/>
                 <a:cs typeface="Rubik Medium"/>
                 <a:sym typeface="Rubik Medium"/>
               </a:defRPr>
             </a:lvl1pPr>
-            <a:lvl2pPr indent="-342900" lvl="1" marL="914400" algn="l">
+            <a:lvl2pPr marL="914400" lvl="1" indent="-342900" algn="l">
               <a:lnSpc>
                 <a:spcPct val="100000"/>
               </a:lnSpc>
@@ -4227,7 +4337,7 @@
               <a:buChar char="–"/>
               <a:defRPr/>
             </a:lvl2pPr>
-            <a:lvl3pPr indent="-342900" lvl="2" marL="1371600" algn="l">
+            <a:lvl3pPr marL="1371600" lvl="2" indent="-342900" algn="l">
               <a:lnSpc>
                 <a:spcPct val="100000"/>
               </a:lnSpc>
@@ -4244,7 +4354,7 @@
               <a:buChar char="•"/>
               <a:defRPr/>
             </a:lvl3pPr>
-            <a:lvl4pPr indent="-342900" lvl="3" marL="1828800" algn="l">
+            <a:lvl4pPr marL="1828800" lvl="3" indent="-342900" algn="l">
               <a:lnSpc>
                 <a:spcPct val="100000"/>
               </a:lnSpc>
@@ -4261,7 +4371,7 @@
               <a:buChar char="▫︎"/>
               <a:defRPr/>
             </a:lvl4pPr>
-            <a:lvl5pPr indent="-342900" lvl="4" marL="2286000" algn="l">
+            <a:lvl5pPr marL="2286000" lvl="4" indent="-342900" algn="l">
               <a:lnSpc>
                 <a:spcPct val="100000"/>
               </a:lnSpc>
@@ -4278,7 +4388,7 @@
               <a:buChar char="-"/>
               <a:defRPr/>
             </a:lvl5pPr>
-            <a:lvl6pPr indent="-342900" lvl="5" marL="2743200" algn="l">
+            <a:lvl6pPr marL="2743200" lvl="5" indent="-342900" algn="l">
               <a:lnSpc>
                 <a:spcPct val="90000"/>
               </a:lnSpc>
@@ -4295,7 +4405,7 @@
               <a:buChar char="•"/>
               <a:defRPr/>
             </a:lvl6pPr>
-            <a:lvl7pPr indent="-342900" lvl="6" marL="3200400" algn="l">
+            <a:lvl7pPr marL="3200400" lvl="6" indent="-342900" algn="l">
               <a:lnSpc>
                 <a:spcPct val="90000"/>
               </a:lnSpc>
@@ -4312,7 +4422,7 @@
               <a:buChar char="•"/>
               <a:defRPr/>
             </a:lvl7pPr>
-            <a:lvl8pPr indent="-342900" lvl="7" marL="3657600" algn="l">
+            <a:lvl8pPr marL="3657600" lvl="7" indent="-342900" algn="l">
               <a:lnSpc>
                 <a:spcPct val="90000"/>
               </a:lnSpc>
@@ -4329,7 +4439,7 @@
               <a:buChar char="•"/>
               <a:defRPr/>
             </a:lvl8pPr>
-            <a:lvl9pPr indent="-342900" lvl="8" marL="4114800" algn="l">
+            <a:lvl9pPr marL="4114800" lvl="8" indent="-342900" algn="l">
               <a:lnSpc>
                 <a:spcPct val="90000"/>
               </a:lnSpc>
@@ -4347,15 +4457,19 @@
               <a:defRPr/>
             </a:lvl9pPr>
           </a:lstStyle>
-          <a:p/>
+          <a:p>
+            <a:endParaRPr/>
+          </a:p>
         </p:txBody>
       </p:sp>
       <p:sp>
         <p:nvSpPr>
           <p:cNvPr id="46" name="Google Shape;46;p14"/>
-          <p:cNvSpPr/>
+          <p:cNvSpPr>
+            <a:spLocks noGrp="1"/>
+          </p:cNvSpPr>
           <p:nvPr>
-            <p:ph idx="4" type="pic"/>
+            <p:ph type="pic" idx="4"/>
           </p:nvPr>
         </p:nvSpPr>
         <p:spPr>
@@ -4375,9 +4489,11 @@
       <p:sp>
         <p:nvSpPr>
           <p:cNvPr id="47" name="Google Shape;47;p14"/>
-          <p:cNvSpPr txBox="1"/>
+          <p:cNvSpPr txBox="1">
+            <a:spLocks noGrp="1"/>
+          </p:cNvSpPr>
           <p:nvPr>
-            <p:ph idx="5" type="body"/>
+            <p:ph type="body" idx="5"/>
           </p:nvPr>
         </p:nvSpPr>
         <p:spPr>
@@ -4394,11 +4510,11 @@
           </a:ln>
         </p:spPr>
         <p:txBody>
-          <a:bodyPr anchorCtr="0" anchor="t" bIns="45700" lIns="91425" spcFirstLastPara="1" rIns="91425" wrap="square" tIns="45700">
+          <a:bodyPr spcFirstLastPara="1" wrap="square" lIns="91425" tIns="45700" rIns="91425" bIns="45700" anchor="t" anchorCtr="0">
             <a:noAutofit/>
           </a:bodyPr>
           <a:lstStyle>
-            <a:lvl1pPr indent="-228600" lvl="0" marL="457200" algn="l">
+            <a:lvl1pPr marL="457200" lvl="0" indent="-228600" algn="l">
               <a:lnSpc>
                 <a:spcPct val="100000"/>
               </a:lnSpc>
@@ -4415,7 +4531,7 @@
               <a:buNone/>
               <a:defRPr sz="1400"/>
             </a:lvl1pPr>
-            <a:lvl2pPr indent="-342900" lvl="1" marL="914400" algn="l">
+            <a:lvl2pPr marL="914400" lvl="1" indent="-342900" algn="l">
               <a:lnSpc>
                 <a:spcPct val="100000"/>
               </a:lnSpc>
@@ -4432,7 +4548,7 @@
               <a:buChar char="–"/>
               <a:defRPr/>
             </a:lvl2pPr>
-            <a:lvl3pPr indent="-342900" lvl="2" marL="1371600" algn="l">
+            <a:lvl3pPr marL="1371600" lvl="2" indent="-342900" algn="l">
               <a:lnSpc>
                 <a:spcPct val="100000"/>
               </a:lnSpc>
@@ -4449,7 +4565,7 @@
               <a:buChar char="•"/>
               <a:defRPr/>
             </a:lvl3pPr>
-            <a:lvl4pPr indent="-342900" lvl="3" marL="1828800" algn="l">
+            <a:lvl4pPr marL="1828800" lvl="3" indent="-342900" algn="l">
               <a:lnSpc>
                 <a:spcPct val="100000"/>
               </a:lnSpc>
@@ -4466,7 +4582,7 @@
               <a:buChar char="▫︎"/>
               <a:defRPr/>
             </a:lvl4pPr>
-            <a:lvl5pPr indent="-342900" lvl="4" marL="2286000" algn="l">
+            <a:lvl5pPr marL="2286000" lvl="4" indent="-342900" algn="l">
               <a:lnSpc>
                 <a:spcPct val="100000"/>
               </a:lnSpc>
@@ -4483,7 +4599,7 @@
               <a:buChar char="-"/>
               <a:defRPr/>
             </a:lvl5pPr>
-            <a:lvl6pPr indent="-342900" lvl="5" marL="2743200" algn="l">
+            <a:lvl6pPr marL="2743200" lvl="5" indent="-342900" algn="l">
               <a:lnSpc>
                 <a:spcPct val="90000"/>
               </a:lnSpc>
@@ -4500,7 +4616,7 @@
               <a:buChar char="•"/>
               <a:defRPr/>
             </a:lvl6pPr>
-            <a:lvl7pPr indent="-342900" lvl="6" marL="3200400" algn="l">
+            <a:lvl7pPr marL="3200400" lvl="6" indent="-342900" algn="l">
               <a:lnSpc>
                 <a:spcPct val="90000"/>
               </a:lnSpc>
@@ -4517,7 +4633,7 @@
               <a:buChar char="•"/>
               <a:defRPr/>
             </a:lvl7pPr>
-            <a:lvl8pPr indent="-342900" lvl="7" marL="3657600" algn="l">
+            <a:lvl8pPr marL="3657600" lvl="7" indent="-342900" algn="l">
               <a:lnSpc>
                 <a:spcPct val="90000"/>
               </a:lnSpc>
@@ -4534,7 +4650,7 @@
               <a:buChar char="•"/>
               <a:defRPr/>
             </a:lvl8pPr>
-            <a:lvl9pPr indent="-342900" lvl="8" marL="4114800" algn="l">
+            <a:lvl9pPr marL="4114800" lvl="8" indent="-342900" algn="l">
               <a:lnSpc>
                 <a:spcPct val="90000"/>
               </a:lnSpc>
@@ -4552,7 +4668,9 @@
               <a:defRPr/>
             </a:lvl9pPr>
           </a:lstStyle>
-          <a:p/>
+          <a:p>
+            <a:endParaRPr/>
+          </a:p>
         </p:txBody>
       </p:sp>
     </p:spTree>
@@ -4560,13 +4678,13 @@
   <p:clrMapOvr>
     <a:masterClrMapping/>
   </p:clrMapOvr>
-  <mc:AlternateContent>
+  <mc:AlternateContent xmlns:mc="http://schemas.openxmlformats.org/markup-compatibility/2006" xmlns:p14="http://schemas.microsoft.com/office/powerpoint/2010/main">
     <mc:Choice Requires="p14">
-      <p:transition spd="slow" p14:dur="700">
+      <p:transition spd="med" p14:dur="700">
         <p:fade/>
       </p:transition>
     </mc:Choice>
-    <mc:Fallback>
+    <mc:Fallback xmlns:ahyp="http://schemas.microsoft.com/office/drawing/2018/hyperlinkcolor" xmlns:p15="http://schemas.microsoft.com/office/powerpoint/2012/main" xmlns:com="http://schemas.openxmlformats.org/drawingml/2006/compatibility" xmlns:pvml="urn:schemas-microsoft-com:office:powerpoint" xmlns:v="urn:schemas-microsoft-com:vml" xmlns:o="urn:schemas-microsoft-com:office:office" xmlns:dgm="http://schemas.openxmlformats.org/drawingml/2006/diagram" xmlns:c="http://schemas.openxmlformats.org/drawingml/2006/chart" xmlns:mv="urn:schemas-microsoft-com:mac:vml" xmlns="">
       <p:transition spd="slow">
         <p:fade/>
       </p:transition>
@@ -4574,7 +4692,7 @@
   </mc:AlternateContent>
   <p:extLst>
     <p:ext uri="{DCECCB84-F9BA-43D5-87BE-67443E8EF086}">
-      <p15:sldGuideLst>
+      <p15:sldGuideLst xmlns:p15="http://schemas.microsoft.com/office/powerpoint/2012/main">
         <p15:guide id="1" orient="horz" pos="2160">
           <p15:clr>
             <a:srgbClr val="FBAE40"/>
@@ -4592,18 +4710,19 @@
 </file>
 
 <file path=ppt/slideMasters/slideMaster1.xml><?xml version="1.0" encoding="utf-8"?>
-<p:sldMaster xmlns:a="http://schemas.openxmlformats.org/drawingml/2006/main" xmlns:r="http://schemas.openxmlformats.org/officeDocument/2006/relationships" xmlns:mc="http://schemas.openxmlformats.org/markup-compatibility/2006" xmlns:mv="urn:schemas-microsoft-com:mac:vml" xmlns:p="http://schemas.openxmlformats.org/presentationml/2006/main" xmlns:c="http://schemas.openxmlformats.org/drawingml/2006/chart" xmlns:dgm="http://schemas.openxmlformats.org/drawingml/2006/diagram" xmlns:o="urn:schemas-microsoft-com:office:office" xmlns:v="urn:schemas-microsoft-com:vml" xmlns:pvml="urn:schemas-microsoft-com:office:powerpoint" xmlns:com="http://schemas.openxmlformats.org/drawingml/2006/compatibility" xmlns:p14="http://schemas.microsoft.com/office/powerpoint/2010/main" xmlns:p15="http://schemas.microsoft.com/office/powerpoint/2012/main" xmlns:ahyp="http://schemas.microsoft.com/office/drawing/2018/hyperlinkcolor">
+<p:sldMaster xmlns:a="http://schemas.openxmlformats.org/drawingml/2006/main" xmlns:r="http://schemas.openxmlformats.org/officeDocument/2006/relationships" xmlns:p="http://schemas.openxmlformats.org/presentationml/2006/main">
   <p:cSld>
     <p:bg>
       <p:bgPr>
         <a:solidFill>
           <a:schemeClr val="lt1"/>
         </a:solidFill>
+        <a:effectLst/>
       </p:bgPr>
     </p:bg>
     <p:spTree>
       <p:nvGrpSpPr>
-        <p:cNvPr id="5" name="Shape 5"/>
+        <p:cNvPr id="1" name="Shape 5"/>
         <p:cNvGrpSpPr/>
         <p:nvPr/>
       </p:nvGrpSpPr>
@@ -4622,10 +4741,10 @@
           <p:nvPr/>
         </p:nvPicPr>
         <p:blipFill rotWithShape="1">
-          <a:blip r:embed="rId1">
+          <a:blip r:embed="rId10">
             <a:alphaModFix/>
           </a:blip>
-          <a:srcRect b="0" l="0" r="0" t="0"/>
+          <a:srcRect/>
           <a:stretch/>
         </p:blipFill>
         <p:spPr>
@@ -4645,7 +4764,9 @@
       <p:sp>
         <p:nvSpPr>
           <p:cNvPr id="7" name="Google Shape;7;p6"/>
-          <p:cNvSpPr txBox="1"/>
+          <p:cNvSpPr txBox="1">
+            <a:spLocks noGrp="1"/>
+          </p:cNvSpPr>
           <p:nvPr>
             <p:ph type="title"/>
           </p:nvPr>
@@ -4664,11 +4785,11 @@
           </a:ln>
         </p:spPr>
         <p:txBody>
-          <a:bodyPr anchorCtr="0" anchor="ctr" bIns="45700" lIns="91425" spcFirstLastPara="1" rIns="91425" wrap="square" tIns="45700">
+          <a:bodyPr spcFirstLastPara="1" wrap="square" lIns="91425" tIns="45700" rIns="91425" bIns="45700" anchor="ctr" anchorCtr="0">
             <a:normAutofit/>
           </a:bodyPr>
           <a:lstStyle>
-            <a:lvl1pPr lvl="0" marR="0" rtl="0" algn="l">
+            <a:lvl1pPr marR="0" lvl="0" algn="l" rtl="0">
               <a:lnSpc>
                 <a:spcPct val="90000"/>
               </a:lnSpc>
@@ -4684,7 +4805,7 @@
               <a:buSzPts val="3200"/>
               <a:buFont typeface="Rubik Medium"/>
               <a:buNone/>
-              <a:defRPr b="0" i="0" sz="3200" u="none" cap="none" strike="noStrike">
+              <a:defRPr sz="3200" b="0" i="0" u="none" strike="noStrike" cap="none">
                 <a:solidFill>
                   <a:srgbClr val="2C2C38"/>
                 </a:solidFill>
@@ -4783,15 +4904,19 @@
               <a:defRPr sz="1800"/>
             </a:lvl9pPr>
           </a:lstStyle>
-          <a:p/>
+          <a:p>
+            <a:endParaRPr/>
+          </a:p>
         </p:txBody>
       </p:sp>
       <p:sp>
         <p:nvSpPr>
           <p:cNvPr id="8" name="Google Shape;8;p6"/>
-          <p:cNvSpPr txBox="1"/>
+          <p:cNvSpPr txBox="1">
+            <a:spLocks noGrp="1"/>
+          </p:cNvSpPr>
           <p:nvPr>
-            <p:ph idx="1" type="body"/>
+            <p:ph type="body" idx="1"/>
           </p:nvPr>
         </p:nvSpPr>
         <p:spPr>
@@ -4808,11 +4933,11 @@
           </a:ln>
         </p:spPr>
         <p:txBody>
-          <a:bodyPr anchorCtr="0" anchor="t" bIns="45700" lIns="91425" spcFirstLastPara="1" rIns="91425" wrap="square" tIns="45700">
+          <a:bodyPr spcFirstLastPara="1" wrap="square" lIns="91425" tIns="45700" rIns="91425" bIns="45700" anchor="t" anchorCtr="0">
             <a:normAutofit/>
           </a:bodyPr>
           <a:lstStyle>
-            <a:lvl1pPr indent="-406400" lvl="0" marL="457200" marR="0" rtl="0" algn="l">
+            <a:lvl1pPr marL="457200" marR="0" lvl="0" indent="-406400" algn="l" rtl="0">
               <a:lnSpc>
                 <a:spcPct val="100000"/>
               </a:lnSpc>
@@ -4828,7 +4953,7 @@
               <a:buSzPts val="2800"/>
               <a:buFont typeface="Arial"/>
               <a:buChar char="•"/>
-              <a:defRPr b="0" i="0" sz="2800" u="none" cap="none" strike="noStrike">
+              <a:defRPr sz="2800" b="0" i="0" u="none" strike="noStrike" cap="none">
                 <a:solidFill>
                   <a:srgbClr val="2C2C38"/>
                 </a:solidFill>
@@ -4838,7 +4963,7 @@
                 <a:sym typeface="Rubik"/>
               </a:defRPr>
             </a:lvl1pPr>
-            <a:lvl2pPr indent="-381000" lvl="1" marL="914400" marR="0" rtl="0" algn="l">
+            <a:lvl2pPr marL="914400" marR="0" lvl="1" indent="-381000" algn="l" rtl="0">
               <a:lnSpc>
                 <a:spcPct val="100000"/>
               </a:lnSpc>
@@ -4854,7 +4979,7 @@
               <a:buSzPts val="2400"/>
               <a:buFont typeface="Helvetica Neue"/>
               <a:buChar char="–"/>
-              <a:defRPr b="0" i="0" sz="2400" u="none" cap="none" strike="noStrike">
+              <a:defRPr sz="2400" b="0" i="0" u="none" strike="noStrike" cap="none">
                 <a:solidFill>
                   <a:srgbClr val="2C2C38"/>
                 </a:solidFill>
@@ -4864,7 +4989,7 @@
                 <a:sym typeface="Rubik"/>
               </a:defRPr>
             </a:lvl2pPr>
-            <a:lvl3pPr indent="-355600" lvl="2" marL="1371600" marR="0" rtl="0" algn="l">
+            <a:lvl3pPr marL="1371600" marR="0" lvl="2" indent="-355600" algn="l" rtl="0">
               <a:lnSpc>
                 <a:spcPct val="100000"/>
               </a:lnSpc>
@@ -4880,7 +5005,7 @@
               <a:buSzPts val="2000"/>
               <a:buFont typeface="Arial"/>
               <a:buChar char="•"/>
-              <a:defRPr b="0" i="0" sz="2000" u="none" cap="none" strike="noStrike">
+              <a:defRPr sz="2000" b="0" i="0" u="none" strike="noStrike" cap="none">
                 <a:solidFill>
                   <a:srgbClr val="2C2C38"/>
                 </a:solidFill>
@@ -4890,7 +5015,7 @@
                 <a:sym typeface="Rubik"/>
               </a:defRPr>
             </a:lvl3pPr>
-            <a:lvl4pPr indent="-342900" lvl="3" marL="1828800" marR="0" rtl="0" algn="l">
+            <a:lvl4pPr marL="1828800" marR="0" lvl="3" indent="-342900" algn="l" rtl="0">
               <a:lnSpc>
                 <a:spcPct val="100000"/>
               </a:lnSpc>
@@ -4906,7 +5031,7 @@
               <a:buSzPts val="1800"/>
               <a:buFont typeface="Merriweather Sans"/>
               <a:buChar char="▫︎"/>
-              <a:defRPr b="0" i="0" sz="1800" u="none" cap="none" strike="noStrike">
+              <a:defRPr sz="1800" b="0" i="0" u="none" strike="noStrike" cap="none">
                 <a:solidFill>
                   <a:srgbClr val="2C2C38"/>
                 </a:solidFill>
@@ -4916,7 +5041,7 @@
                 <a:sym typeface="Rubik"/>
               </a:defRPr>
             </a:lvl4pPr>
-            <a:lvl5pPr indent="-342900" lvl="4" marL="2286000" marR="0" rtl="0" algn="l">
+            <a:lvl5pPr marL="2286000" marR="0" lvl="4" indent="-342900" algn="l" rtl="0">
               <a:lnSpc>
                 <a:spcPct val="100000"/>
               </a:lnSpc>
@@ -4932,7 +5057,7 @@
               <a:buSzPts val="1800"/>
               <a:buFont typeface="Arial"/>
               <a:buChar char="-"/>
-              <a:defRPr b="0" i="0" sz="1800" u="none" cap="none" strike="noStrike">
+              <a:defRPr sz="1800" b="0" i="0" u="none" strike="noStrike" cap="none">
                 <a:solidFill>
                   <a:srgbClr val="2C2C38"/>
                 </a:solidFill>
@@ -4942,7 +5067,7 @@
                 <a:sym typeface="Rubik"/>
               </a:defRPr>
             </a:lvl5pPr>
-            <a:lvl6pPr indent="-342900" lvl="5" marL="2743200" marR="0" rtl="0" algn="l">
+            <a:lvl6pPr marL="2743200" marR="0" lvl="5" indent="-342900" algn="l" rtl="0">
               <a:lnSpc>
                 <a:spcPct val="90000"/>
               </a:lnSpc>
@@ -4958,7 +5083,7 @@
               <a:buSzPts val="1800"/>
               <a:buFont typeface="Arial"/>
               <a:buChar char="•"/>
-              <a:defRPr b="0" i="0" sz="1800" u="none" cap="none" strike="noStrike">
+              <a:defRPr sz="1800" b="0" i="0" u="none" strike="noStrike" cap="none">
                 <a:solidFill>
                   <a:schemeClr val="dk1"/>
                 </a:solidFill>
@@ -4968,7 +5093,7 @@
                 <a:sym typeface="Calibri"/>
               </a:defRPr>
             </a:lvl6pPr>
-            <a:lvl7pPr indent="-342900" lvl="6" marL="3200400" marR="0" rtl="0" algn="l">
+            <a:lvl7pPr marL="3200400" marR="0" lvl="6" indent="-342900" algn="l" rtl="0">
               <a:lnSpc>
                 <a:spcPct val="90000"/>
               </a:lnSpc>
@@ -4984,7 +5109,7 @@
               <a:buSzPts val="1800"/>
               <a:buFont typeface="Arial"/>
               <a:buChar char="•"/>
-              <a:defRPr b="0" i="0" sz="1800" u="none" cap="none" strike="noStrike">
+              <a:defRPr sz="1800" b="0" i="0" u="none" strike="noStrike" cap="none">
                 <a:solidFill>
                   <a:schemeClr val="dk1"/>
                 </a:solidFill>
@@ -4994,7 +5119,7 @@
                 <a:sym typeface="Calibri"/>
               </a:defRPr>
             </a:lvl7pPr>
-            <a:lvl8pPr indent="-342900" lvl="7" marL="3657600" marR="0" rtl="0" algn="l">
+            <a:lvl8pPr marL="3657600" marR="0" lvl="7" indent="-342900" algn="l" rtl="0">
               <a:lnSpc>
                 <a:spcPct val="90000"/>
               </a:lnSpc>
@@ -5010,7 +5135,7 @@
               <a:buSzPts val="1800"/>
               <a:buFont typeface="Arial"/>
               <a:buChar char="•"/>
-              <a:defRPr b="0" i="0" sz="1800" u="none" cap="none" strike="noStrike">
+              <a:defRPr sz="1800" b="0" i="0" u="none" strike="noStrike" cap="none">
                 <a:solidFill>
                   <a:schemeClr val="dk1"/>
                 </a:solidFill>
@@ -5020,7 +5145,7 @@
                 <a:sym typeface="Calibri"/>
               </a:defRPr>
             </a:lvl8pPr>
-            <a:lvl9pPr indent="-342900" lvl="8" marL="4114800" marR="0" rtl="0" algn="l">
+            <a:lvl9pPr marL="4114800" marR="0" lvl="8" indent="-342900" algn="l" rtl="0">
               <a:lnSpc>
                 <a:spcPct val="90000"/>
               </a:lnSpc>
@@ -5036,7 +5161,7 @@
               <a:buSzPts val="1800"/>
               <a:buFont typeface="Arial"/>
               <a:buChar char="•"/>
-              <a:defRPr b="0" i="0" sz="1800" u="none" cap="none" strike="noStrike">
+              <a:defRPr sz="1800" b="0" i="0" u="none" strike="noStrike" cap="none">
                 <a:solidFill>
                   <a:schemeClr val="dk1"/>
                 </a:solidFill>
@@ -5047,7 +5172,9 @@
               </a:defRPr>
             </a:lvl9pPr>
           </a:lstStyle>
-          <a:p/>
+          <a:p>
+            <a:endParaRPr/>
+          </a:p>
         </p:txBody>
       </p:sp>
       <p:sp>
@@ -5070,12 +5197,12 @@
           </a:ln>
         </p:spPr>
         <p:txBody>
-          <a:bodyPr anchorCtr="0" anchor="t" bIns="0" lIns="0" spcFirstLastPara="1" rIns="0" wrap="square" tIns="0">
+          <a:bodyPr spcFirstLastPara="1" wrap="square" lIns="0" tIns="0" rIns="0" bIns="0" anchor="t" anchorCtr="0">
             <a:noAutofit/>
           </a:bodyPr>
           <a:lstStyle/>
           <a:p>
-            <a:pPr indent="0" lvl="0" marL="0" marR="0" rtl="0" algn="ctr">
+            <a:pPr marL="0" marR="0" lvl="0" indent="0" algn="ctr" rtl="0">
               <a:lnSpc>
                 <a:spcPct val="100000"/>
               </a:lnSpc>
@@ -5093,7 +5220,7 @@
               <a:buNone/>
             </a:pPr>
             <a:r>
-              <a:rPr b="0" i="0" lang="en-GB" sz="900" u="none" cap="none" strike="noStrike">
+              <a:rPr lang="en-GB" sz="900" b="0" i="0" u="none" strike="noStrike" cap="none">
                 <a:solidFill>
                   <a:schemeClr val="lt1"/>
                 </a:solidFill>
@@ -5104,7 +5231,7 @@
               </a:rPr>
               <a:t>© 2021 InfluxData. All rights reserved. </a:t>
             </a:r>
-            <a:endParaRPr b="0" i="0" sz="900" u="none" cap="none" strike="noStrike">
+            <a:endParaRPr sz="900" b="0" i="0" u="none" strike="noStrike" cap="none">
               <a:solidFill>
                 <a:schemeClr val="lt1"/>
               </a:solidFill>
@@ -5136,12 +5263,12 @@
           </a:ln>
         </p:spPr>
         <p:txBody>
-          <a:bodyPr anchorCtr="0" anchor="t" bIns="0" lIns="0" spcFirstLastPara="1" rIns="0" wrap="square" tIns="0">
+          <a:bodyPr spcFirstLastPara="1" wrap="square" lIns="0" tIns="0" rIns="0" bIns="0" anchor="t" anchorCtr="0">
             <a:noAutofit/>
           </a:bodyPr>
           <a:lstStyle/>
           <a:p>
-            <a:pPr indent="0" lvl="0" marL="0" marR="0" rtl="0" algn="r">
+            <a:pPr marL="0" marR="0" lvl="0" indent="0" algn="r" rtl="0">
               <a:lnSpc>
                 <a:spcPct val="100000"/>
               </a:lnSpc>
@@ -5159,7 +5286,7 @@
               <a:buNone/>
             </a:pPr>
             <a:fld id="{00000000-1234-1234-1234-123412341234}" type="slidenum">
-              <a:rPr b="0" i="0" lang="en-GB" sz="900" u="none" cap="none" strike="noStrike">
+              <a:rPr lang="en-GB" sz="900" b="0" i="0" u="none" strike="noStrike" cap="none">
                 <a:solidFill>
                   <a:schemeClr val="lt1"/>
                 </a:solidFill>
@@ -5170,7 +5297,7 @@
               </a:rPr>
               <a:t>‹#›</a:t>
             </a:fld>
-            <a:endParaRPr b="0" i="0" sz="900" u="none" cap="none" strike="noStrike">
+            <a:endParaRPr sz="900" b="0" i="0" u="none" strike="noStrike" cap="none">
               <a:solidFill>
                 <a:schemeClr val="lt1"/>
               </a:solidFill>
@@ -5181,7 +5308,7 @@
             </a:endParaRPr>
           </a:p>
           <a:p>
-            <a:pPr indent="0" lvl="0" marL="0" marR="0" rtl="0" algn="r">
+            <a:pPr marL="0" marR="0" lvl="0" indent="0" algn="r" rtl="0">
               <a:spcBef>
                 <a:spcPts val="0"/>
               </a:spcBef>
@@ -5190,10 +5317,7 @@
               </a:spcAft>
               <a:buNone/>
             </a:pPr>
-            <a:r>
-              <a:t/>
-            </a:r>
-            <a:endParaRPr b="0" i="0" sz="900" u="none" cap="none" strike="noStrike">
+            <a:endParaRPr sz="900" b="0" i="0" u="none" strike="noStrike" cap="none">
               <a:solidFill>
                 <a:schemeClr val="lt1"/>
               </a:solidFill>
@@ -5207,33 +5331,33 @@
       </p:sp>
     </p:spTree>
   </p:cSld>
-  <p:clrMap accent1="accent1" accent2="accent2" accent3="accent3" accent4="accent4" accent5="accent5" accent6="accent6" bg1="lt1" bg2="dk2" tx1="dk1" tx2="lt2" folHlink="folHlink" hlink="hlink"/>
+  <p:clrMap bg1="lt1" tx1="dk1" bg2="dk2" tx2="lt2" accent1="accent1" accent2="accent2" accent3="accent3" accent4="accent4" accent5="accent5" accent6="accent6" hlink="hlink" folHlink="folHlink"/>
   <p:sldLayoutIdLst>
-    <p:sldLayoutId id="2147483649" r:id="rId2"/>
-    <p:sldLayoutId id="2147483650" r:id="rId3"/>
-    <p:sldLayoutId id="2147483651" r:id="rId4"/>
-    <p:sldLayoutId id="2147483652" r:id="rId5"/>
-    <p:sldLayoutId id="2147483653" r:id="rId6"/>
-    <p:sldLayoutId id="2147483654" r:id="rId7"/>
-    <p:sldLayoutId id="2147483655" r:id="rId8"/>
-    <p:sldLayoutId id="2147483656" r:id="rId9"/>
+    <p:sldLayoutId id="2147483649" r:id="rId1"/>
+    <p:sldLayoutId id="2147483650" r:id="rId2"/>
+    <p:sldLayoutId id="2147483651" r:id="rId3"/>
+    <p:sldLayoutId id="2147483652" r:id="rId4"/>
+    <p:sldLayoutId id="2147483653" r:id="rId5"/>
+    <p:sldLayoutId id="2147483654" r:id="rId6"/>
+    <p:sldLayoutId id="2147483655" r:id="rId7"/>
+    <p:sldLayoutId id="2147483656" r:id="rId8"/>
   </p:sldLayoutIdLst>
-  <mc:AlternateContent>
+  <mc:AlternateContent xmlns:mc="http://schemas.openxmlformats.org/markup-compatibility/2006" xmlns:p14="http://schemas.microsoft.com/office/powerpoint/2010/main">
     <mc:Choice Requires="p14">
-      <p:transition spd="slow" p14:dur="700">
+      <p:transition spd="med" p14:dur="700">
         <p:fade/>
       </p:transition>
     </mc:Choice>
-    <mc:Fallback>
+    <mc:Fallback xmlns:ahyp="http://schemas.microsoft.com/office/drawing/2018/hyperlinkcolor" xmlns:p15="http://schemas.microsoft.com/office/powerpoint/2012/main" xmlns:com="http://schemas.openxmlformats.org/drawingml/2006/compatibility" xmlns:pvml="urn:schemas-microsoft-com:office:powerpoint" xmlns:v="urn:schemas-microsoft-com:vml" xmlns:o="urn:schemas-microsoft-com:office:office" xmlns:dgm="http://schemas.openxmlformats.org/drawingml/2006/diagram" xmlns:c="http://schemas.openxmlformats.org/drawingml/2006/chart" xmlns:mv="urn:schemas-microsoft-com:mac:vml" xmlns="">
       <p:transition spd="slow">
         <p:fade/>
       </p:transition>
     </mc:Fallback>
   </mc:AlternateContent>
-  <p:hf dt="0" ftr="0" hdr="0"/>
+  <p:hf hdr="0" ftr="0" dt="0"/>
   <p:txStyles>
     <p:titleStyle>
-      <a:defPPr lvl="0" marR="0" rtl="0" algn="l">
+      <a:defPPr marR="0" lvl="0" algn="l" rtl="0">
         <a:lnSpc>
           <a:spcPct val="100000"/>
         </a:lnSpc>
@@ -5244,7 +5368,7 @@
           <a:spcPts val="0"/>
         </a:spcAft>
       </a:defPPr>
-      <a:lvl1pPr lvl="0" marR="0" rtl="0" algn="l">
+      <a:lvl1pPr marR="0" lvl="0" algn="l" rtl="0">
         <a:lnSpc>
           <a:spcPct val="100000"/>
         </a:lnSpc>
@@ -5258,7 +5382,7 @@
           <a:srgbClr val="000000"/>
         </a:buClr>
         <a:buFont typeface="Arial"/>
-        <a:defRPr b="0" i="0" sz="1400" u="none" cap="none" strike="noStrike">
+        <a:defRPr sz="1400" b="0" i="0" u="none" strike="noStrike" cap="none">
           <a:solidFill>
             <a:srgbClr val="000000"/>
           </a:solidFill>
@@ -5268,7 +5392,7 @@
           <a:sym typeface="Arial"/>
         </a:defRPr>
       </a:lvl1pPr>
-      <a:lvl2pPr lvl="1" marR="0" rtl="0" algn="l">
+      <a:lvl2pPr marR="0" lvl="1" algn="l" rtl="0">
         <a:lnSpc>
           <a:spcPct val="100000"/>
         </a:lnSpc>
@@ -5282,7 +5406,7 @@
           <a:srgbClr val="000000"/>
         </a:buClr>
         <a:buFont typeface="Arial"/>
-        <a:defRPr b="0" i="0" sz="1400" u="none" cap="none" strike="noStrike">
+        <a:defRPr sz="1400" b="0" i="0" u="none" strike="noStrike" cap="none">
           <a:solidFill>
             <a:srgbClr val="000000"/>
           </a:solidFill>
@@ -5292,7 +5416,7 @@
           <a:sym typeface="Arial"/>
         </a:defRPr>
       </a:lvl2pPr>
-      <a:lvl3pPr lvl="2" marR="0" rtl="0" algn="l">
+      <a:lvl3pPr marR="0" lvl="2" algn="l" rtl="0">
         <a:lnSpc>
           <a:spcPct val="100000"/>
         </a:lnSpc>
@@ -5306,7 +5430,7 @@
           <a:srgbClr val="000000"/>
         </a:buClr>
         <a:buFont typeface="Arial"/>
-        <a:defRPr b="0" i="0" sz="1400" u="none" cap="none" strike="noStrike">
+        <a:defRPr sz="1400" b="0" i="0" u="none" strike="noStrike" cap="none">
           <a:solidFill>
             <a:srgbClr val="000000"/>
           </a:solidFill>
@@ -5316,7 +5440,7 @@
           <a:sym typeface="Arial"/>
         </a:defRPr>
       </a:lvl3pPr>
-      <a:lvl4pPr lvl="3" marR="0" rtl="0" algn="l">
+      <a:lvl4pPr marR="0" lvl="3" algn="l" rtl="0">
         <a:lnSpc>
           <a:spcPct val="100000"/>
         </a:lnSpc>
@@ -5330,7 +5454,7 @@
           <a:srgbClr val="000000"/>
         </a:buClr>
         <a:buFont typeface="Arial"/>
-        <a:defRPr b="0" i="0" sz="1400" u="none" cap="none" strike="noStrike">
+        <a:defRPr sz="1400" b="0" i="0" u="none" strike="noStrike" cap="none">
           <a:solidFill>
             <a:srgbClr val="000000"/>
           </a:solidFill>
@@ -5340,7 +5464,7 @@
           <a:sym typeface="Arial"/>
         </a:defRPr>
       </a:lvl4pPr>
-      <a:lvl5pPr lvl="4" marR="0" rtl="0" algn="l">
+      <a:lvl5pPr marR="0" lvl="4" algn="l" rtl="0">
         <a:lnSpc>
           <a:spcPct val="100000"/>
         </a:lnSpc>
@@ -5354,7 +5478,7 @@
           <a:srgbClr val="000000"/>
         </a:buClr>
         <a:buFont typeface="Arial"/>
-        <a:defRPr b="0" i="0" sz="1400" u="none" cap="none" strike="noStrike">
+        <a:defRPr sz="1400" b="0" i="0" u="none" strike="noStrike" cap="none">
           <a:solidFill>
             <a:srgbClr val="000000"/>
           </a:solidFill>
@@ -5364,7 +5488,7 @@
           <a:sym typeface="Arial"/>
         </a:defRPr>
       </a:lvl5pPr>
-      <a:lvl6pPr lvl="5" marR="0" rtl="0" algn="l">
+      <a:lvl6pPr marR="0" lvl="5" algn="l" rtl="0">
         <a:lnSpc>
           <a:spcPct val="100000"/>
         </a:lnSpc>
@@ -5378,7 +5502,7 @@
           <a:srgbClr val="000000"/>
         </a:buClr>
         <a:buFont typeface="Arial"/>
-        <a:defRPr b="0" i="0" sz="1400" u="none" cap="none" strike="noStrike">
+        <a:defRPr sz="1400" b="0" i="0" u="none" strike="noStrike" cap="none">
           <a:solidFill>
             <a:srgbClr val="000000"/>
           </a:solidFill>
@@ -5388,7 +5512,7 @@
           <a:sym typeface="Arial"/>
         </a:defRPr>
       </a:lvl6pPr>
-      <a:lvl7pPr lvl="6" marR="0" rtl="0" algn="l">
+      <a:lvl7pPr marR="0" lvl="6" algn="l" rtl="0">
         <a:lnSpc>
           <a:spcPct val="100000"/>
         </a:lnSpc>
@@ -5402,7 +5526,7 @@
           <a:srgbClr val="000000"/>
         </a:buClr>
         <a:buFont typeface="Arial"/>
-        <a:defRPr b="0" i="0" sz="1400" u="none" cap="none" strike="noStrike">
+        <a:defRPr sz="1400" b="0" i="0" u="none" strike="noStrike" cap="none">
           <a:solidFill>
             <a:srgbClr val="000000"/>
           </a:solidFill>
@@ -5412,7 +5536,7 @@
           <a:sym typeface="Arial"/>
         </a:defRPr>
       </a:lvl7pPr>
-      <a:lvl8pPr lvl="7" marR="0" rtl="0" algn="l">
+      <a:lvl8pPr marR="0" lvl="7" algn="l" rtl="0">
         <a:lnSpc>
           <a:spcPct val="100000"/>
         </a:lnSpc>
@@ -5426,7 +5550,7 @@
           <a:srgbClr val="000000"/>
         </a:buClr>
         <a:buFont typeface="Arial"/>
-        <a:defRPr b="0" i="0" sz="1400" u="none" cap="none" strike="noStrike">
+        <a:defRPr sz="1400" b="0" i="0" u="none" strike="noStrike" cap="none">
           <a:solidFill>
             <a:srgbClr val="000000"/>
           </a:solidFill>
@@ -5436,7 +5560,7 @@
           <a:sym typeface="Arial"/>
         </a:defRPr>
       </a:lvl8pPr>
-      <a:lvl9pPr lvl="8" marR="0" rtl="0" algn="l">
+      <a:lvl9pPr marR="0" lvl="8" algn="l" rtl="0">
         <a:lnSpc>
           <a:spcPct val="100000"/>
         </a:lnSpc>
@@ -5450,7 +5574,7 @@
           <a:srgbClr val="000000"/>
         </a:buClr>
         <a:buFont typeface="Arial"/>
-        <a:defRPr b="0" i="0" sz="1400" u="none" cap="none" strike="noStrike">
+        <a:defRPr sz="1400" b="0" i="0" u="none" strike="noStrike" cap="none">
           <a:solidFill>
             <a:srgbClr val="000000"/>
           </a:solidFill>
@@ -5462,7 +5586,7 @@
       </a:lvl9pPr>
     </p:titleStyle>
     <p:bodyStyle>
-      <a:defPPr lvl="0" marR="0" rtl="0" algn="l">
+      <a:defPPr marR="0" lvl="0" algn="l" rtl="0">
         <a:lnSpc>
           <a:spcPct val="100000"/>
         </a:lnSpc>
@@ -5473,7 +5597,7 @@
           <a:spcPts val="0"/>
         </a:spcAft>
       </a:defPPr>
-      <a:lvl1pPr lvl="0" marR="0" rtl="0" algn="l">
+      <a:lvl1pPr marR="0" lvl="0" algn="l" rtl="0">
         <a:lnSpc>
           <a:spcPct val="100000"/>
         </a:lnSpc>
@@ -5487,7 +5611,7 @@
           <a:srgbClr val="000000"/>
         </a:buClr>
         <a:buFont typeface="Arial"/>
-        <a:defRPr b="0" i="0" sz="1400" u="none" cap="none" strike="noStrike">
+        <a:defRPr sz="1400" b="0" i="0" u="none" strike="noStrike" cap="none">
           <a:solidFill>
             <a:srgbClr val="000000"/>
           </a:solidFill>
@@ -5497,7 +5621,7 @@
           <a:sym typeface="Arial"/>
         </a:defRPr>
       </a:lvl1pPr>
-      <a:lvl2pPr lvl="1" marR="0" rtl="0" algn="l">
+      <a:lvl2pPr marR="0" lvl="1" algn="l" rtl="0">
         <a:lnSpc>
           <a:spcPct val="100000"/>
         </a:lnSpc>
@@ -5511,7 +5635,7 @@
           <a:srgbClr val="000000"/>
         </a:buClr>
         <a:buFont typeface="Arial"/>
-        <a:defRPr b="0" i="0" sz="1400" u="none" cap="none" strike="noStrike">
+        <a:defRPr sz="1400" b="0" i="0" u="none" strike="noStrike" cap="none">
           <a:solidFill>
             <a:srgbClr val="000000"/>
           </a:solidFill>
@@ -5521,7 +5645,7 @@
           <a:sym typeface="Arial"/>
         </a:defRPr>
       </a:lvl2pPr>
-      <a:lvl3pPr lvl="2" marR="0" rtl="0" algn="l">
+      <a:lvl3pPr marR="0" lvl="2" algn="l" rtl="0">
         <a:lnSpc>
           <a:spcPct val="100000"/>
         </a:lnSpc>
@@ -5535,7 +5659,7 @@
           <a:srgbClr val="000000"/>
         </a:buClr>
         <a:buFont typeface="Arial"/>
-        <a:defRPr b="0" i="0" sz="1400" u="none" cap="none" strike="noStrike">
+        <a:defRPr sz="1400" b="0" i="0" u="none" strike="noStrike" cap="none">
           <a:solidFill>
             <a:srgbClr val="000000"/>
           </a:solidFill>
@@ -5545,7 +5669,7 @@
           <a:sym typeface="Arial"/>
         </a:defRPr>
       </a:lvl3pPr>
-      <a:lvl4pPr lvl="3" marR="0" rtl="0" algn="l">
+      <a:lvl4pPr marR="0" lvl="3" algn="l" rtl="0">
         <a:lnSpc>
           <a:spcPct val="100000"/>
         </a:lnSpc>
@@ -5559,7 +5683,7 @@
           <a:srgbClr val="000000"/>
         </a:buClr>
         <a:buFont typeface="Arial"/>
-        <a:defRPr b="0" i="0" sz="1400" u="none" cap="none" strike="noStrike">
+        <a:defRPr sz="1400" b="0" i="0" u="none" strike="noStrike" cap="none">
           <a:solidFill>
             <a:srgbClr val="000000"/>
           </a:solidFill>
@@ -5569,7 +5693,7 @@
           <a:sym typeface="Arial"/>
         </a:defRPr>
       </a:lvl4pPr>
-      <a:lvl5pPr lvl="4" marR="0" rtl="0" algn="l">
+      <a:lvl5pPr marR="0" lvl="4" algn="l" rtl="0">
         <a:lnSpc>
           <a:spcPct val="100000"/>
         </a:lnSpc>
@@ -5583,7 +5707,7 @@
           <a:srgbClr val="000000"/>
         </a:buClr>
         <a:buFont typeface="Arial"/>
-        <a:defRPr b="0" i="0" sz="1400" u="none" cap="none" strike="noStrike">
+        <a:defRPr sz="1400" b="0" i="0" u="none" strike="noStrike" cap="none">
           <a:solidFill>
             <a:srgbClr val="000000"/>
           </a:solidFill>
@@ -5593,7 +5717,7 @@
           <a:sym typeface="Arial"/>
         </a:defRPr>
       </a:lvl5pPr>
-      <a:lvl6pPr lvl="5" marR="0" rtl="0" algn="l">
+      <a:lvl6pPr marR="0" lvl="5" algn="l" rtl="0">
         <a:lnSpc>
           <a:spcPct val="100000"/>
         </a:lnSpc>
@@ -5607,7 +5731,7 @@
           <a:srgbClr val="000000"/>
         </a:buClr>
         <a:buFont typeface="Arial"/>
-        <a:defRPr b="0" i="0" sz="1400" u="none" cap="none" strike="noStrike">
+        <a:defRPr sz="1400" b="0" i="0" u="none" strike="noStrike" cap="none">
           <a:solidFill>
             <a:srgbClr val="000000"/>
           </a:solidFill>
@@ -5617,7 +5741,7 @@
           <a:sym typeface="Arial"/>
         </a:defRPr>
       </a:lvl6pPr>
-      <a:lvl7pPr lvl="6" marR="0" rtl="0" algn="l">
+      <a:lvl7pPr marR="0" lvl="6" algn="l" rtl="0">
         <a:lnSpc>
           <a:spcPct val="100000"/>
         </a:lnSpc>
@@ -5631,7 +5755,7 @@
           <a:srgbClr val="000000"/>
         </a:buClr>
         <a:buFont typeface="Arial"/>
-        <a:defRPr b="0" i="0" sz="1400" u="none" cap="none" strike="noStrike">
+        <a:defRPr sz="1400" b="0" i="0" u="none" strike="noStrike" cap="none">
           <a:solidFill>
             <a:srgbClr val="000000"/>
           </a:solidFill>
@@ -5641,7 +5765,7 @@
           <a:sym typeface="Arial"/>
         </a:defRPr>
       </a:lvl7pPr>
-      <a:lvl8pPr lvl="7" marR="0" rtl="0" algn="l">
+      <a:lvl8pPr marR="0" lvl="7" algn="l" rtl="0">
         <a:lnSpc>
           <a:spcPct val="100000"/>
         </a:lnSpc>
@@ -5655,7 +5779,7 @@
           <a:srgbClr val="000000"/>
         </a:buClr>
         <a:buFont typeface="Arial"/>
-        <a:defRPr b="0" i="0" sz="1400" u="none" cap="none" strike="noStrike">
+        <a:defRPr sz="1400" b="0" i="0" u="none" strike="noStrike" cap="none">
           <a:solidFill>
             <a:srgbClr val="000000"/>
           </a:solidFill>
@@ -5665,7 +5789,7 @@
           <a:sym typeface="Arial"/>
         </a:defRPr>
       </a:lvl8pPr>
-      <a:lvl9pPr lvl="8" marR="0" rtl="0" algn="l">
+      <a:lvl9pPr marR="0" lvl="8" algn="l" rtl="0">
         <a:lnSpc>
           <a:spcPct val="100000"/>
         </a:lnSpc>
@@ -5679,7 +5803,7 @@
           <a:srgbClr val="000000"/>
         </a:buClr>
         <a:buFont typeface="Arial"/>
-        <a:defRPr b="0" i="0" sz="1400" u="none" cap="none" strike="noStrike">
+        <a:defRPr sz="1400" b="0" i="0" u="none" strike="noStrike" cap="none">
           <a:solidFill>
             <a:srgbClr val="000000"/>
           </a:solidFill>
@@ -5691,7 +5815,7 @@
       </a:lvl9pPr>
     </p:bodyStyle>
     <p:otherStyle>
-      <a:defPPr lvl="0" marR="0" rtl="0" algn="l">
+      <a:defPPr marR="0" lvl="0" algn="l" rtl="0">
         <a:lnSpc>
           <a:spcPct val="100000"/>
         </a:lnSpc>
@@ -5702,7 +5826,7 @@
           <a:spcPts val="0"/>
         </a:spcAft>
       </a:defPPr>
-      <a:lvl1pPr lvl="0" marR="0" rtl="0" algn="l">
+      <a:lvl1pPr marR="0" lvl="0" algn="l" rtl="0">
         <a:lnSpc>
           <a:spcPct val="100000"/>
         </a:lnSpc>
@@ -5716,7 +5840,7 @@
           <a:srgbClr val="000000"/>
         </a:buClr>
         <a:buFont typeface="Arial"/>
-        <a:defRPr b="0" i="0" sz="1400" u="none" cap="none" strike="noStrike">
+        <a:defRPr sz="1400" b="0" i="0" u="none" strike="noStrike" cap="none">
           <a:solidFill>
             <a:srgbClr val="000000"/>
           </a:solidFill>
@@ -5726,7 +5850,7 @@
           <a:sym typeface="Arial"/>
         </a:defRPr>
       </a:lvl1pPr>
-      <a:lvl2pPr lvl="1" marR="0" rtl="0" algn="l">
+      <a:lvl2pPr marR="0" lvl="1" algn="l" rtl="0">
         <a:lnSpc>
           <a:spcPct val="100000"/>
         </a:lnSpc>
@@ -5740,7 +5864,7 @@
           <a:srgbClr val="000000"/>
         </a:buClr>
         <a:buFont typeface="Arial"/>
-        <a:defRPr b="0" i="0" sz="1400" u="none" cap="none" strike="noStrike">
+        <a:defRPr sz="1400" b="0" i="0" u="none" strike="noStrike" cap="none">
           <a:solidFill>
             <a:srgbClr val="000000"/>
           </a:solidFill>
@@ -5750,7 +5874,7 @@
           <a:sym typeface="Arial"/>
         </a:defRPr>
       </a:lvl2pPr>
-      <a:lvl3pPr lvl="2" marR="0" rtl="0" algn="l">
+      <a:lvl3pPr marR="0" lvl="2" algn="l" rtl="0">
         <a:lnSpc>
           <a:spcPct val="100000"/>
         </a:lnSpc>
@@ -5764,7 +5888,7 @@
           <a:srgbClr val="000000"/>
         </a:buClr>
         <a:buFont typeface="Arial"/>
-        <a:defRPr b="0" i="0" sz="1400" u="none" cap="none" strike="noStrike">
+        <a:defRPr sz="1400" b="0" i="0" u="none" strike="noStrike" cap="none">
           <a:solidFill>
             <a:srgbClr val="000000"/>
           </a:solidFill>
@@ -5774,7 +5898,7 @@
           <a:sym typeface="Arial"/>
         </a:defRPr>
       </a:lvl3pPr>
-      <a:lvl4pPr lvl="3" marR="0" rtl="0" algn="l">
+      <a:lvl4pPr marR="0" lvl="3" algn="l" rtl="0">
         <a:lnSpc>
           <a:spcPct val="100000"/>
         </a:lnSpc>
@@ -5788,7 +5912,7 @@
           <a:srgbClr val="000000"/>
         </a:buClr>
         <a:buFont typeface="Arial"/>
-        <a:defRPr b="0" i="0" sz="1400" u="none" cap="none" strike="noStrike">
+        <a:defRPr sz="1400" b="0" i="0" u="none" strike="noStrike" cap="none">
           <a:solidFill>
             <a:srgbClr val="000000"/>
           </a:solidFill>
@@ -5798,7 +5922,7 @@
           <a:sym typeface="Arial"/>
         </a:defRPr>
       </a:lvl4pPr>
-      <a:lvl5pPr lvl="4" marR="0" rtl="0" algn="l">
+      <a:lvl5pPr marR="0" lvl="4" algn="l" rtl="0">
         <a:lnSpc>
           <a:spcPct val="100000"/>
         </a:lnSpc>
@@ -5812,7 +5936,7 @@
           <a:srgbClr val="000000"/>
         </a:buClr>
         <a:buFont typeface="Arial"/>
-        <a:defRPr b="0" i="0" sz="1400" u="none" cap="none" strike="noStrike">
+        <a:defRPr sz="1400" b="0" i="0" u="none" strike="noStrike" cap="none">
           <a:solidFill>
             <a:srgbClr val="000000"/>
           </a:solidFill>
@@ -5822,7 +5946,7 @@
           <a:sym typeface="Arial"/>
         </a:defRPr>
       </a:lvl5pPr>
-      <a:lvl6pPr lvl="5" marR="0" rtl="0" algn="l">
+      <a:lvl6pPr marR="0" lvl="5" algn="l" rtl="0">
         <a:lnSpc>
           <a:spcPct val="100000"/>
         </a:lnSpc>
@@ -5836,7 +5960,7 @@
           <a:srgbClr val="000000"/>
         </a:buClr>
         <a:buFont typeface="Arial"/>
-        <a:defRPr b="0" i="0" sz="1400" u="none" cap="none" strike="noStrike">
+        <a:defRPr sz="1400" b="0" i="0" u="none" strike="noStrike" cap="none">
           <a:solidFill>
             <a:srgbClr val="000000"/>
           </a:solidFill>
@@ -5846,7 +5970,7 @@
           <a:sym typeface="Arial"/>
         </a:defRPr>
       </a:lvl6pPr>
-      <a:lvl7pPr lvl="6" marR="0" rtl="0" algn="l">
+      <a:lvl7pPr marR="0" lvl="6" algn="l" rtl="0">
         <a:lnSpc>
           <a:spcPct val="100000"/>
         </a:lnSpc>
@@ -5860,7 +5984,7 @@
           <a:srgbClr val="000000"/>
         </a:buClr>
         <a:buFont typeface="Arial"/>
-        <a:defRPr b="0" i="0" sz="1400" u="none" cap="none" strike="noStrike">
+        <a:defRPr sz="1400" b="0" i="0" u="none" strike="noStrike" cap="none">
           <a:solidFill>
             <a:srgbClr val="000000"/>
           </a:solidFill>
@@ -5870,7 +5994,7 @@
           <a:sym typeface="Arial"/>
         </a:defRPr>
       </a:lvl7pPr>
-      <a:lvl8pPr lvl="7" marR="0" rtl="0" algn="l">
+      <a:lvl8pPr marR="0" lvl="7" algn="l" rtl="0">
         <a:lnSpc>
           <a:spcPct val="100000"/>
         </a:lnSpc>
@@ -5884,7 +6008,7 @@
           <a:srgbClr val="000000"/>
         </a:buClr>
         <a:buFont typeface="Arial"/>
-        <a:defRPr b="0" i="0" sz="1400" u="none" cap="none" strike="noStrike">
+        <a:defRPr sz="1400" b="0" i="0" u="none" strike="noStrike" cap="none">
           <a:solidFill>
             <a:srgbClr val="000000"/>
           </a:solidFill>
@@ -5894,7 +6018,7 @@
           <a:sym typeface="Arial"/>
         </a:defRPr>
       </a:lvl8pPr>
-      <a:lvl9pPr lvl="8" marR="0" rtl="0" algn="l">
+      <a:lvl9pPr marR="0" lvl="8" algn="l" rtl="0">
         <a:lnSpc>
           <a:spcPct val="100000"/>
         </a:lnSpc>
@@ -5908,7 +6032,7 @@
           <a:srgbClr val="000000"/>
         </a:buClr>
         <a:buFont typeface="Arial"/>
-        <a:defRPr b="0" i="0" sz="1400" u="none" cap="none" strike="noStrike">
+        <a:defRPr sz="1400" b="0" i="0" u="none" strike="noStrike" cap="none">
           <a:solidFill>
             <a:srgbClr val="000000"/>
           </a:solidFill>
@@ -5924,11 +6048,11 @@
 </file>
 
 <file path=ppt/slides/slide1.xml><?xml version="1.0" encoding="utf-8"?>
-<p:sld xmlns:a="http://schemas.openxmlformats.org/drawingml/2006/main" xmlns:r="http://schemas.openxmlformats.org/officeDocument/2006/relationships" xmlns:mc="http://schemas.openxmlformats.org/markup-compatibility/2006" xmlns:mv="urn:schemas-microsoft-com:mac:vml" xmlns:p="http://schemas.openxmlformats.org/presentationml/2006/main" xmlns:c="http://schemas.openxmlformats.org/drawingml/2006/chart" xmlns:dgm="http://schemas.openxmlformats.org/drawingml/2006/diagram" xmlns:o="urn:schemas-microsoft-com:office:office" xmlns:v="urn:schemas-microsoft-com:vml" xmlns:pvml="urn:schemas-microsoft-com:office:powerpoint" xmlns:com="http://schemas.openxmlformats.org/drawingml/2006/compatibility" xmlns:p14="http://schemas.microsoft.com/office/powerpoint/2010/main" xmlns:p15="http://schemas.microsoft.com/office/powerpoint/2012/main" xmlns:ahyp="http://schemas.microsoft.com/office/drawing/2018/hyperlinkcolor">
+<p:sld xmlns:a="http://schemas.openxmlformats.org/drawingml/2006/main" xmlns:r="http://schemas.openxmlformats.org/officeDocument/2006/relationships" xmlns:p="http://schemas.openxmlformats.org/presentationml/2006/main">
   <p:cSld>
     <p:spTree>
       <p:nvGrpSpPr>
-        <p:cNvPr id="51" name="Shape 51"/>
+        <p:cNvPr id="1" name="Shape 51"/>
         <p:cNvGrpSpPr/>
         <p:nvPr/>
       </p:nvGrpSpPr>
@@ -5943,7 +6067,9 @@
       <p:sp>
         <p:nvSpPr>
           <p:cNvPr id="52" name="Google Shape;52;p1"/>
-          <p:cNvSpPr txBox="1"/>
+          <p:cNvSpPr txBox="1">
+            <a:spLocks noGrp="1"/>
+          </p:cNvSpPr>
           <p:nvPr>
             <p:ph type="title"/>
           </p:nvPr>
@@ -5962,12 +6088,12 @@
           </a:ln>
         </p:spPr>
         <p:txBody>
-          <a:bodyPr anchorCtr="0" anchor="b" bIns="0" lIns="0" spcFirstLastPara="1" rIns="0" wrap="square" tIns="0">
+          <a:bodyPr spcFirstLastPara="1" wrap="square" lIns="0" tIns="0" rIns="0" bIns="0" anchor="b" anchorCtr="0">
             <a:noAutofit/>
           </a:bodyPr>
           <a:lstStyle/>
           <a:p>
-            <a:pPr indent="0" lvl="0" marL="0" rtl="0" algn="l">
+            <a:pPr marL="0" lvl="0" indent="0" algn="l" rtl="0">
               <a:lnSpc>
                 <a:spcPct val="90000"/>
               </a:lnSpc>
@@ -6012,12 +6138,12 @@
           </a:ln>
         </p:spPr>
         <p:txBody>
-          <a:bodyPr anchorCtr="0" anchor="t" bIns="0" lIns="0" spcFirstLastPara="1" rIns="0" wrap="square" tIns="0">
+          <a:bodyPr spcFirstLastPara="1" wrap="square" lIns="0" tIns="0" rIns="0" bIns="0" anchor="t" anchorCtr="0">
             <a:noAutofit/>
           </a:bodyPr>
           <a:lstStyle/>
           <a:p>
-            <a:pPr indent="-177800" lvl="0" marL="177800" rtl="0" algn="l">
+            <a:pPr marL="177800" lvl="0" indent="-177800" algn="l" rtl="0">
               <a:spcBef>
                 <a:spcPts val="0"/>
               </a:spcBef>
@@ -6032,7 +6158,7 @@
               <a:buNone/>
             </a:pPr>
             <a:r>
-              <a:rPr b="1" lang="en-GB" sz="1800">
+              <a:rPr lang="en-GB" sz="1800" b="1">
                 <a:solidFill>
                   <a:schemeClr val="lt1"/>
                 </a:solidFill>
@@ -6046,7 +6172,7 @@
             <a:endParaRPr/>
           </a:p>
           <a:p>
-            <a:pPr indent="-177800" lvl="0" marL="177800" rtl="0" algn="l">
+            <a:pPr marL="177800" lvl="0" indent="-177800" algn="l" rtl="0">
               <a:spcBef>
                 <a:spcPts val="0"/>
               </a:spcBef>
@@ -6075,7 +6201,7 @@
             <a:endParaRPr/>
           </a:p>
           <a:p>
-            <a:pPr indent="-177800" lvl="0" marL="177800" rtl="0" algn="l">
+            <a:pPr marL="177800" lvl="0" indent="-177800" algn="l" rtl="0">
               <a:spcBef>
                 <a:spcPts val="0"/>
               </a:spcBef>
@@ -6104,7 +6230,7 @@
             <a:endParaRPr/>
           </a:p>
           <a:p>
-            <a:pPr indent="-177800" lvl="0" marL="177800" rtl="0" algn="l">
+            <a:pPr marL="177800" lvl="0" indent="-177800" algn="l" rtl="0">
               <a:spcBef>
                 <a:spcPts val="0"/>
               </a:spcBef>
@@ -6119,7 +6245,7 @@
               <a:buNone/>
             </a:pPr>
             <a:r>
-              <a:rPr b="1" lang="en-GB" sz="1800">
+              <a:rPr lang="en-GB" sz="1800" b="1">
                 <a:solidFill>
                   <a:schemeClr val="lt1"/>
                 </a:solidFill>
@@ -6133,7 +6259,7 @@
             <a:endParaRPr/>
           </a:p>
           <a:p>
-            <a:pPr indent="-177800" lvl="0" marL="177800" rtl="0" algn="l">
+            <a:pPr marL="177800" lvl="0" indent="-177800" algn="l" rtl="0">
               <a:spcBef>
                 <a:spcPts val="0"/>
               </a:spcBef>
@@ -6170,7 +6296,7 @@
             </a:endParaRPr>
           </a:p>
           <a:p>
-            <a:pPr indent="-177800" lvl="0" marL="177800" rtl="0" algn="l">
+            <a:pPr marL="177800" lvl="0" indent="-177800" algn="l" rtl="0">
               <a:spcBef>
                 <a:spcPts val="0"/>
               </a:spcBef>
@@ -6185,7 +6311,7 @@
               <a:buNone/>
             </a:pPr>
             <a:r>
-              <a:rPr b="1" lang="en-GB" sz="1800">
+              <a:rPr lang="en-GB" sz="1800" b="1">
                 <a:solidFill>
                   <a:schemeClr val="lt1"/>
                 </a:solidFill>
@@ -6199,7 +6325,7 @@
             <a:endParaRPr/>
           </a:p>
           <a:p>
-            <a:pPr indent="-100012" lvl="0" marL="100012" rtl="0" algn="l">
+            <a:pPr marL="100012" lvl="0" indent="-100012" algn="l" rtl="0">
               <a:spcBef>
                 <a:spcPts val="0"/>
               </a:spcBef>
@@ -6228,7 +6354,7 @@
             <a:endParaRPr/>
           </a:p>
           <a:p>
-            <a:pPr indent="-100012" lvl="0" marL="100012" marR="0" rtl="0" algn="l">
+            <a:pPr marL="100012" marR="0" lvl="0" indent="-100012" algn="l" rtl="0">
               <a:lnSpc>
                 <a:spcPct val="100000"/>
               </a:lnSpc>
@@ -6245,10 +6371,7 @@
               <a:buFont typeface="Arial"/>
               <a:buNone/>
             </a:pPr>
-            <a:r>
-              <a:t/>
-            </a:r>
-            <a:endParaRPr b="1" sz="1800">
+            <a:endParaRPr sz="1800" b="1">
               <a:solidFill>
                 <a:schemeClr val="lt1"/>
               </a:solidFill>
@@ -6265,13 +6388,13 @@
   <p:clrMapOvr>
     <a:masterClrMapping/>
   </p:clrMapOvr>
-  <mc:AlternateContent>
+  <mc:AlternateContent xmlns:mc="http://schemas.openxmlformats.org/markup-compatibility/2006" xmlns:p14="http://schemas.microsoft.com/office/powerpoint/2010/main">
     <mc:Choice Requires="p14">
-      <p:transition spd="slow" p14:dur="700">
+      <p:transition spd="med" p14:dur="700">
         <p:fade/>
       </p:transition>
     </mc:Choice>
-    <mc:Fallback>
+    <mc:Fallback xmlns:ahyp="http://schemas.microsoft.com/office/drawing/2018/hyperlinkcolor" xmlns:p15="http://schemas.microsoft.com/office/powerpoint/2012/main" xmlns:com="http://schemas.openxmlformats.org/drawingml/2006/compatibility" xmlns:pvml="urn:schemas-microsoft-com:office:powerpoint" xmlns:v="urn:schemas-microsoft-com:vml" xmlns:o="urn:schemas-microsoft-com:office:office" xmlns:dgm="http://schemas.openxmlformats.org/drawingml/2006/diagram" xmlns:c="http://schemas.openxmlformats.org/drawingml/2006/chart" xmlns:mv="urn:schemas-microsoft-com:mac:vml" xmlns="">
       <p:transition spd="slow">
         <p:fade/>
       </p:transition>
@@ -6281,11 +6404,11 @@
 </file>
 
 <file path=ppt/slides/slide2.xml><?xml version="1.0" encoding="utf-8"?>
-<p:sld xmlns:a="http://schemas.openxmlformats.org/drawingml/2006/main" xmlns:r="http://schemas.openxmlformats.org/officeDocument/2006/relationships" xmlns:mc="http://schemas.openxmlformats.org/markup-compatibility/2006" xmlns:mv="urn:schemas-microsoft-com:mac:vml" xmlns:p="http://schemas.openxmlformats.org/presentationml/2006/main" xmlns:c="http://schemas.openxmlformats.org/drawingml/2006/chart" xmlns:dgm="http://schemas.openxmlformats.org/drawingml/2006/diagram" xmlns:o="urn:schemas-microsoft-com:office:office" xmlns:v="urn:schemas-microsoft-com:vml" xmlns:pvml="urn:schemas-microsoft-com:office:powerpoint" xmlns:com="http://schemas.openxmlformats.org/drawingml/2006/compatibility" xmlns:p14="http://schemas.microsoft.com/office/powerpoint/2010/main" xmlns:p15="http://schemas.microsoft.com/office/powerpoint/2012/main" xmlns:ahyp="http://schemas.microsoft.com/office/drawing/2018/hyperlinkcolor">
+<p:sld xmlns:a="http://schemas.openxmlformats.org/drawingml/2006/main" xmlns:r="http://schemas.openxmlformats.org/officeDocument/2006/relationships" xmlns:p="http://schemas.openxmlformats.org/presentationml/2006/main">
   <p:cSld>
     <p:spTree>
       <p:nvGrpSpPr>
-        <p:cNvPr id="57" name="Shape 57"/>
+        <p:cNvPr id="1" name="Shape 57"/>
         <p:cNvGrpSpPr/>
         <p:nvPr/>
       </p:nvGrpSpPr>
@@ -6300,9 +6423,11 @@
       <p:sp>
         <p:nvSpPr>
           <p:cNvPr id="58" name="Google Shape;58;p2"/>
-          <p:cNvSpPr txBox="1"/>
+          <p:cNvSpPr txBox="1">
+            <a:spLocks noGrp="1"/>
+          </p:cNvSpPr>
           <p:nvPr>
-            <p:ph idx="1" type="subTitle"/>
+            <p:ph type="subTitle" idx="1"/>
           </p:nvPr>
         </p:nvSpPr>
         <p:spPr>
@@ -6319,12 +6444,12 @@
           </a:ln>
         </p:spPr>
         <p:txBody>
-          <a:bodyPr anchorCtr="0" anchor="t" bIns="0" lIns="0" spcFirstLastPara="1" rIns="0" wrap="square" tIns="0">
+          <a:bodyPr spcFirstLastPara="1" wrap="square" lIns="0" tIns="0" rIns="0" bIns="0" anchor="t" anchorCtr="0">
             <a:noAutofit/>
           </a:bodyPr>
           <a:lstStyle/>
           <a:p>
-            <a:pPr indent="-228594" lvl="0" marL="228594" rtl="0" algn="l">
+            <a:pPr marL="228594" lvl="0" indent="-228594" algn="l" rtl="0">
               <a:lnSpc>
                 <a:spcPct val="100000"/>
               </a:lnSpc>
@@ -6345,13 +6470,13 @@
               <a:t>Associate Professor | </a:t>
             </a:r>
             <a:r>
-              <a:rPr b="1" lang="en-GB"/>
+              <a:rPr lang="en-GB" b="1"/>
               <a:t>Politecnico di Milano</a:t>
             </a:r>
             <a:endParaRPr/>
           </a:p>
           <a:p>
-            <a:pPr indent="-228594" lvl="0" marL="228594" rtl="0" algn="l">
+            <a:pPr marL="228594" lvl="0" indent="-228594" algn="l" rtl="0">
               <a:lnSpc>
                 <a:spcPct val="100000"/>
               </a:lnSpc>
@@ -6372,13 +6497,13 @@
               <a:t>Founder &amp; Partner | </a:t>
             </a:r>
             <a:r>
-              <a:rPr b="1" lang="en-GB"/>
+              <a:rPr lang="en-GB" b="1"/>
               <a:t>Quantia Consulting</a:t>
             </a:r>
             <a:endParaRPr/>
           </a:p>
           <a:p>
-            <a:pPr indent="-228594" lvl="0" marL="228594" rtl="0" algn="l">
+            <a:pPr marL="228594" lvl="0" indent="-228594" algn="l" rtl="0">
               <a:lnSpc>
                 <a:spcPct val="100000"/>
               </a:lnSpc>
@@ -6394,13 +6519,10 @@
               <a:buSzPts val="2400"/>
               <a:buNone/>
             </a:pPr>
-            <a:r>
-              <a:t/>
-            </a:r>
             <a:endParaRPr b="1"/>
           </a:p>
           <a:p>
-            <a:pPr indent="-228594" lvl="0" marL="228594" rtl="0" algn="l">
+            <a:pPr marL="228594" lvl="0" indent="-228594" algn="l" rtl="0">
               <a:lnSpc>
                 <a:spcPct val="100000"/>
               </a:lnSpc>
@@ -6416,9 +6538,6 @@
               <a:buSzPts val="2400"/>
               <a:buNone/>
             </a:pPr>
-            <a:r>
-              <a:t/>
-            </a:r>
             <a:endParaRPr/>
           </a:p>
         </p:txBody>
@@ -6426,7 +6545,9 @@
       <p:sp>
         <p:nvSpPr>
           <p:cNvPr id="59" name="Google Shape;59;p2"/>
-          <p:cNvSpPr txBox="1"/>
+          <p:cNvSpPr txBox="1">
+            <a:spLocks noGrp="1"/>
+          </p:cNvSpPr>
           <p:nvPr>
             <p:ph type="title"/>
           </p:nvPr>
@@ -6445,12 +6566,12 @@
           </a:ln>
         </p:spPr>
         <p:txBody>
-          <a:bodyPr anchorCtr="0" anchor="b" bIns="0" lIns="0" spcFirstLastPara="1" rIns="0" wrap="square" tIns="0">
+          <a:bodyPr spcFirstLastPara="1" wrap="square" lIns="0" tIns="0" rIns="0" bIns="0" anchor="b" anchorCtr="0">
             <a:noAutofit/>
           </a:bodyPr>
           <a:lstStyle/>
           <a:p>
-            <a:pPr indent="0" lvl="0" marL="0" rtl="0" algn="l">
+            <a:pPr marL="0" lvl="0" indent="0" algn="l" rtl="0">
               <a:lnSpc>
                 <a:spcPct val="90000"/>
               </a:lnSpc>
@@ -6478,9 +6599,11 @@
       <p:sp>
         <p:nvSpPr>
           <p:cNvPr id="60" name="Google Shape;60;p2"/>
-          <p:cNvSpPr txBox="1"/>
+          <p:cNvSpPr txBox="1">
+            <a:spLocks noGrp="1"/>
+          </p:cNvSpPr>
           <p:nvPr>
-            <p:ph idx="4294967295" type="body"/>
+            <p:ph type="body" idx="4294967295"/>
           </p:nvPr>
         </p:nvSpPr>
         <p:spPr>
@@ -6497,12 +6620,12 @@
           </a:ln>
         </p:spPr>
         <p:txBody>
-          <a:bodyPr anchorCtr="0" anchor="t" bIns="45700" lIns="91425" spcFirstLastPara="1" rIns="91425" wrap="square" tIns="45700">
+          <a:bodyPr spcFirstLastPara="1" wrap="square" lIns="91425" tIns="45700" rIns="91425" bIns="45700" anchor="t" anchorCtr="0">
             <a:normAutofit/>
           </a:bodyPr>
           <a:lstStyle/>
           <a:p>
-            <a:pPr indent="0" lvl="0" marL="0" rtl="0" algn="l">
+            <a:pPr marL="0" lvl="0" indent="0" algn="l" rtl="0">
               <a:lnSpc>
                 <a:spcPct val="90000"/>
               </a:lnSpc>
@@ -6533,7 +6656,7 @@
             </a:endParaRPr>
           </a:p>
           <a:p>
-            <a:pPr indent="0" lvl="0" marL="0" rtl="0" algn="l">
+            <a:pPr marL="0" lvl="0" indent="0" algn="l" rtl="0">
               <a:lnSpc>
                 <a:spcPct val="90000"/>
               </a:lnSpc>
@@ -6560,7 +6683,7 @@
             <a:endParaRPr/>
           </a:p>
           <a:p>
-            <a:pPr indent="0" lvl="0" marL="0" rtl="0" algn="l">
+            <a:pPr marL="0" lvl="0" indent="0" algn="l" rtl="0">
               <a:lnSpc>
                 <a:spcPct val="90000"/>
               </a:lnSpc>
@@ -6591,7 +6714,7 @@
             </a:endParaRPr>
           </a:p>
           <a:p>
-            <a:pPr indent="0" lvl="0" marL="0" rtl="0" algn="l">
+            <a:pPr marL="0" lvl="0" indent="0" algn="l" rtl="0">
               <a:lnSpc>
                 <a:spcPct val="90000"/>
               </a:lnSpc>
@@ -6622,9 +6745,11 @@
       <p:sp>
         <p:nvSpPr>
           <p:cNvPr id="61" name="Google Shape;61;p2"/>
-          <p:cNvSpPr txBox="1"/>
+          <p:cNvSpPr txBox="1">
+            <a:spLocks noGrp="1"/>
+          </p:cNvSpPr>
           <p:nvPr>
-            <p:ph idx="4294967295" type="body"/>
+            <p:ph type="body" idx="4294967295"/>
           </p:nvPr>
         </p:nvSpPr>
         <p:spPr>
@@ -6641,12 +6766,12 @@
           </a:ln>
         </p:spPr>
         <p:txBody>
-          <a:bodyPr anchorCtr="0" anchor="t" bIns="45700" lIns="91425" spcFirstLastPara="1" rIns="91425" wrap="square" tIns="45700">
+          <a:bodyPr spcFirstLastPara="1" wrap="square" lIns="91425" tIns="45700" rIns="91425" bIns="45700" anchor="t" anchorCtr="0">
             <a:normAutofit fontScale="92500" lnSpcReduction="20000"/>
           </a:bodyPr>
           <a:lstStyle/>
           <a:p>
-            <a:pPr indent="0" lvl="0" marL="0" rtl="0" algn="l">
+            <a:pPr marL="0" lvl="0" indent="0" algn="l" rtl="0">
               <a:lnSpc>
                 <a:spcPct val="100000"/>
               </a:lnSpc>
@@ -6673,9 +6798,11 @@
       <p:sp>
         <p:nvSpPr>
           <p:cNvPr id="62" name="Google Shape;62;p2"/>
-          <p:cNvSpPr txBox="1"/>
+          <p:cNvSpPr txBox="1">
+            <a:spLocks noGrp="1"/>
+          </p:cNvSpPr>
           <p:nvPr>
-            <p:ph idx="4294967295" type="body"/>
+            <p:ph type="body" idx="4294967295"/>
           </p:nvPr>
         </p:nvSpPr>
         <p:spPr>
@@ -6692,12 +6819,12 @@
           </a:ln>
         </p:spPr>
         <p:txBody>
-          <a:bodyPr anchorCtr="0" anchor="t" bIns="45700" lIns="91425" spcFirstLastPara="1" rIns="91425" wrap="square" tIns="45700">
+          <a:bodyPr spcFirstLastPara="1" wrap="square" lIns="91425" tIns="45700" rIns="91425" bIns="45700" anchor="t" anchorCtr="0">
             <a:normAutofit fontScale="85000" lnSpcReduction="20000"/>
           </a:bodyPr>
           <a:lstStyle/>
           <a:p>
-            <a:pPr indent="0" lvl="0" marL="0" rtl="0" algn="l">
+            <a:pPr marL="0" lvl="0" indent="0" algn="l" rtl="0">
               <a:lnSpc>
                 <a:spcPct val="110000"/>
               </a:lnSpc>
@@ -6728,7 +6855,7 @@
             <a:endParaRPr/>
           </a:p>
           <a:p>
-            <a:pPr indent="0" lvl="0" marL="0" rtl="0" algn="l">
+            <a:pPr marL="0" lvl="0" indent="0" algn="l" rtl="0">
               <a:lnSpc>
                 <a:spcPct val="110000"/>
               </a:lnSpc>
@@ -6759,7 +6886,7 @@
             <a:endParaRPr/>
           </a:p>
           <a:p>
-            <a:pPr indent="0" lvl="0" marL="0" rtl="0" algn="l">
+            <a:pPr marL="0" lvl="0" indent="0" algn="l" rtl="0">
               <a:lnSpc>
                 <a:spcPct val="110000"/>
               </a:lnSpc>
@@ -6801,17 +6928,19 @@
       </p:sp>
       <p:pic>
         <p:nvPicPr>
-          <p:cNvPr descr="Emanuele Della Valle's photo" id="63" name="Google Shape;63;p2"/>
-          <p:cNvPicPr preferRelativeResize="0"/>
+          <p:cNvPr id="63" name="Google Shape;63;p2" descr="Emanuele Della Valle's photo"/>
+          <p:cNvPicPr preferRelativeResize="0">
+            <a:picLocks noGrp="1"/>
+          </p:cNvPicPr>
           <p:nvPr>
-            <p:ph idx="2" type="pic"/>
+            <p:ph type="pic" idx="2"/>
           </p:nvPr>
         </p:nvPicPr>
         <p:blipFill rotWithShape="1">
           <a:blip r:embed="rId3">
             <a:alphaModFix/>
           </a:blip>
-          <a:srcRect b="319" l="4365" r="18706" t="-319"/>
+          <a:srcRect l="4365" t="-319" r="18706" b="319"/>
           <a:stretch/>
         </p:blipFill>
         <p:spPr>
@@ -6843,14 +6972,14 @@
             <a:avLst/>
           </a:prstGeom>
           <a:noFill/>
-          <a:ln cap="flat" cmpd="sng" w="9525">
+          <a:ln w="9525" cap="flat" cmpd="sng">
             <a:solidFill>
               <a:schemeClr val="accent6"/>
             </a:solidFill>
             <a:prstDash val="solid"/>
             <a:miter lim="800000"/>
-            <a:headEnd len="sm" w="sm" type="none"/>
-            <a:tailEnd len="sm" w="sm" type="none"/>
+            <a:headEnd type="none" w="sm" len="sm"/>
+            <a:tailEnd type="none" w="sm" len="sm"/>
           </a:ln>
         </p:spPr>
       </p:cxnSp>
@@ -6859,13 +6988,13 @@
   <p:clrMapOvr>
     <a:masterClrMapping/>
   </p:clrMapOvr>
-  <mc:AlternateContent>
+  <mc:AlternateContent xmlns:mc="http://schemas.openxmlformats.org/markup-compatibility/2006" xmlns:p14="http://schemas.microsoft.com/office/powerpoint/2010/main">
     <mc:Choice Requires="p14">
-      <p:transition spd="slow" p14:dur="700">
+      <p:transition spd="med" p14:dur="700">
         <p:fade/>
       </p:transition>
     </mc:Choice>
-    <mc:Fallback>
+    <mc:Fallback xmlns:ahyp="http://schemas.microsoft.com/office/drawing/2018/hyperlinkcolor" xmlns:p15="http://schemas.microsoft.com/office/powerpoint/2012/main" xmlns:com="http://schemas.openxmlformats.org/drawingml/2006/compatibility" xmlns:pvml="urn:schemas-microsoft-com:office:powerpoint" xmlns:v="urn:schemas-microsoft-com:vml" xmlns:o="urn:schemas-microsoft-com:office:office" xmlns:dgm="http://schemas.openxmlformats.org/drawingml/2006/diagram" xmlns:c="http://schemas.openxmlformats.org/drawingml/2006/chart" xmlns:mv="urn:schemas-microsoft-com:mac:vml" xmlns="">
       <p:transition spd="slow">
         <p:fade/>
       </p:transition>
@@ -6875,11 +7004,11 @@
 </file>
 
 <file path=ppt/slides/slide3.xml><?xml version="1.0" encoding="utf-8"?>
-<p:sld xmlns:a="http://schemas.openxmlformats.org/drawingml/2006/main" xmlns:r="http://schemas.openxmlformats.org/officeDocument/2006/relationships" xmlns:mc="http://schemas.openxmlformats.org/markup-compatibility/2006" xmlns:mv="urn:schemas-microsoft-com:mac:vml" xmlns:p="http://schemas.openxmlformats.org/presentationml/2006/main" xmlns:c="http://schemas.openxmlformats.org/drawingml/2006/chart" xmlns:dgm="http://schemas.openxmlformats.org/drawingml/2006/diagram" xmlns:o="urn:schemas-microsoft-com:office:office" xmlns:v="urn:schemas-microsoft-com:vml" xmlns:pvml="urn:schemas-microsoft-com:office:powerpoint" xmlns:com="http://schemas.openxmlformats.org/drawingml/2006/compatibility" xmlns:p14="http://schemas.microsoft.com/office/powerpoint/2010/main" xmlns:p15="http://schemas.microsoft.com/office/powerpoint/2012/main" xmlns:ahyp="http://schemas.microsoft.com/office/drawing/2018/hyperlinkcolor">
+<p:sld xmlns:a="http://schemas.openxmlformats.org/drawingml/2006/main" xmlns:r="http://schemas.openxmlformats.org/officeDocument/2006/relationships" xmlns:p="http://schemas.openxmlformats.org/presentationml/2006/main">
   <p:cSld>
     <p:spTree>
       <p:nvGrpSpPr>
-        <p:cNvPr id="68" name="Shape 68"/>
+        <p:cNvPr id="1" name="Shape 68"/>
         <p:cNvGrpSpPr/>
         <p:nvPr/>
       </p:nvGrpSpPr>
@@ -6894,9 +7023,11 @@
       <p:sp>
         <p:nvSpPr>
           <p:cNvPr id="69" name="Google Shape;69;p3"/>
-          <p:cNvSpPr txBox="1"/>
+          <p:cNvSpPr txBox="1">
+            <a:spLocks noGrp="1"/>
+          </p:cNvSpPr>
           <p:nvPr>
-            <p:ph idx="1" type="subTitle"/>
+            <p:ph type="subTitle" idx="1"/>
           </p:nvPr>
         </p:nvSpPr>
         <p:spPr>
@@ -6913,12 +7044,12 @@
           </a:ln>
         </p:spPr>
         <p:txBody>
-          <a:bodyPr anchorCtr="0" anchor="t" bIns="0" lIns="0" spcFirstLastPara="1" rIns="0" wrap="square" tIns="0">
+          <a:bodyPr spcFirstLastPara="1" wrap="square" lIns="0" tIns="0" rIns="0" bIns="0" anchor="t" anchorCtr="0">
             <a:noAutofit/>
           </a:bodyPr>
           <a:lstStyle/>
           <a:p>
-            <a:pPr indent="-228594" lvl="0" marL="228594" rtl="0" algn="l">
+            <a:pPr marL="228594" lvl="0" indent="-228594" algn="l" rtl="0">
               <a:lnSpc>
                 <a:spcPct val="100000"/>
               </a:lnSpc>
@@ -6939,13 +7070,13 @@
               <a:t>Founder &amp; CEO | </a:t>
             </a:r>
             <a:r>
-              <a:rPr b="1" lang="en-GB"/>
+              <a:rPr lang="en-GB" b="1"/>
               <a:t>Quantia Consulting</a:t>
             </a:r>
             <a:endParaRPr/>
           </a:p>
           <a:p>
-            <a:pPr indent="-228594" lvl="0" marL="228594" rtl="0" algn="l">
+            <a:pPr marL="228594" lvl="0" indent="-228594" algn="l" rtl="0">
               <a:lnSpc>
                 <a:spcPct val="100000"/>
               </a:lnSpc>
@@ -6961,9 +7092,6 @@
               <a:buSzPts val="2400"/>
               <a:buNone/>
             </a:pPr>
-            <a:r>
-              <a:t/>
-            </a:r>
             <a:endParaRPr/>
           </a:p>
         </p:txBody>
@@ -6971,7 +7099,9 @@
       <p:sp>
         <p:nvSpPr>
           <p:cNvPr id="70" name="Google Shape;70;p3"/>
-          <p:cNvSpPr txBox="1"/>
+          <p:cNvSpPr txBox="1">
+            <a:spLocks noGrp="1"/>
+          </p:cNvSpPr>
           <p:nvPr>
             <p:ph type="title"/>
           </p:nvPr>
@@ -6990,12 +7120,12 @@
           </a:ln>
         </p:spPr>
         <p:txBody>
-          <a:bodyPr anchorCtr="0" anchor="b" bIns="0" lIns="0" spcFirstLastPara="1" rIns="0" wrap="square" tIns="0">
+          <a:bodyPr spcFirstLastPara="1" wrap="square" lIns="0" tIns="0" rIns="0" bIns="0" anchor="b" anchorCtr="0">
             <a:noAutofit/>
           </a:bodyPr>
           <a:lstStyle/>
           <a:p>
-            <a:pPr indent="0" lvl="0" marL="0" rtl="0" algn="l">
+            <a:pPr marL="0" lvl="0" indent="0" algn="l" rtl="0">
               <a:lnSpc>
                 <a:spcPct val="90000"/>
               </a:lnSpc>
@@ -7023,9 +7153,11 @@
       <p:sp>
         <p:nvSpPr>
           <p:cNvPr id="71" name="Google Shape;71;p3"/>
-          <p:cNvSpPr txBox="1"/>
+          <p:cNvSpPr txBox="1">
+            <a:spLocks noGrp="1"/>
+          </p:cNvSpPr>
           <p:nvPr>
-            <p:ph idx="4294967295" type="body"/>
+            <p:ph type="body" idx="4294967295"/>
           </p:nvPr>
         </p:nvSpPr>
         <p:spPr>
@@ -7042,12 +7174,12 @@
           </a:ln>
         </p:spPr>
         <p:txBody>
-          <a:bodyPr anchorCtr="0" anchor="t" bIns="45700" lIns="91425" spcFirstLastPara="1" rIns="91425" wrap="square" tIns="45700">
+          <a:bodyPr spcFirstLastPara="1" wrap="square" lIns="91425" tIns="45700" rIns="91425" bIns="45700" anchor="t" anchorCtr="0">
             <a:normAutofit/>
           </a:bodyPr>
           <a:lstStyle/>
           <a:p>
-            <a:pPr indent="0" lvl="0" marL="0" rtl="0" algn="l">
+            <a:pPr marL="0" lvl="0" indent="0" algn="l" rtl="0">
               <a:lnSpc>
                 <a:spcPct val="90000"/>
               </a:lnSpc>
@@ -7078,7 +7210,7 @@
             </a:endParaRPr>
           </a:p>
           <a:p>
-            <a:pPr indent="0" lvl="0" marL="0" rtl="0" algn="l">
+            <a:pPr marL="0" lvl="0" indent="0" algn="l" rtl="0">
               <a:lnSpc>
                 <a:spcPct val="90000"/>
               </a:lnSpc>
@@ -7105,7 +7237,7 @@
             <a:endParaRPr/>
           </a:p>
           <a:p>
-            <a:pPr indent="0" lvl="0" marL="0" rtl="0" algn="l">
+            <a:pPr marL="0" lvl="0" indent="0" algn="l" rtl="0">
               <a:lnSpc>
                 <a:spcPct val="90000"/>
               </a:lnSpc>
@@ -7132,7 +7264,7 @@
             <a:endParaRPr/>
           </a:p>
           <a:p>
-            <a:pPr indent="0" lvl="0" marL="0" rtl="0" algn="l">
+            <a:pPr marL="0" lvl="0" indent="0" algn="l" rtl="0">
               <a:lnSpc>
                 <a:spcPct val="90000"/>
               </a:lnSpc>
@@ -7163,9 +7295,11 @@
       <p:sp>
         <p:nvSpPr>
           <p:cNvPr id="72" name="Google Shape;72;p3"/>
-          <p:cNvSpPr txBox="1"/>
+          <p:cNvSpPr txBox="1">
+            <a:spLocks noGrp="1"/>
+          </p:cNvSpPr>
           <p:nvPr>
-            <p:ph idx="4294967295" type="body"/>
+            <p:ph type="body" idx="4294967295"/>
           </p:nvPr>
         </p:nvSpPr>
         <p:spPr>
@@ -7182,12 +7316,12 @@
           </a:ln>
         </p:spPr>
         <p:txBody>
-          <a:bodyPr anchorCtr="0" anchor="t" bIns="45700" lIns="91425" spcFirstLastPara="1" rIns="91425" wrap="square" tIns="45700">
+          <a:bodyPr spcFirstLastPara="1" wrap="square" lIns="91425" tIns="45700" rIns="91425" bIns="45700" anchor="t" anchorCtr="0">
             <a:normAutofit fontScale="92500" lnSpcReduction="20000"/>
           </a:bodyPr>
           <a:lstStyle/>
           <a:p>
-            <a:pPr indent="0" lvl="0" marL="0" rtl="0" algn="l">
+            <a:pPr marL="0" lvl="0" indent="0" algn="l" rtl="0">
               <a:lnSpc>
                 <a:spcPct val="100000"/>
               </a:lnSpc>
@@ -7214,9 +7348,11 @@
       <p:sp>
         <p:nvSpPr>
           <p:cNvPr id="73" name="Google Shape;73;p3"/>
-          <p:cNvSpPr txBox="1"/>
+          <p:cNvSpPr txBox="1">
+            <a:spLocks noGrp="1"/>
+          </p:cNvSpPr>
           <p:nvPr>
-            <p:ph idx="4294967295" type="body"/>
+            <p:ph type="body" idx="4294967295"/>
           </p:nvPr>
         </p:nvSpPr>
         <p:spPr>
@@ -7233,12 +7369,12 @@
           </a:ln>
         </p:spPr>
         <p:txBody>
-          <a:bodyPr anchorCtr="0" anchor="t" bIns="45700" lIns="91425" spcFirstLastPara="1" rIns="91425" wrap="square" tIns="45700">
+          <a:bodyPr spcFirstLastPara="1" wrap="square" lIns="91425" tIns="45700" rIns="91425" bIns="45700" anchor="t" anchorCtr="0">
             <a:normAutofit fontScale="85000" lnSpcReduction="10000"/>
           </a:bodyPr>
           <a:lstStyle/>
           <a:p>
-            <a:pPr indent="0" lvl="0" marL="0" rtl="0" algn="l">
+            <a:pPr marL="0" lvl="0" indent="0" algn="l" rtl="0">
               <a:lnSpc>
                 <a:spcPct val="110000"/>
               </a:lnSpc>
@@ -7269,7 +7405,7 @@
             <a:endParaRPr/>
           </a:p>
           <a:p>
-            <a:pPr indent="0" lvl="0" marL="0" rtl="0" algn="l">
+            <a:pPr marL="0" lvl="0" indent="0" algn="l" rtl="0">
               <a:lnSpc>
                 <a:spcPct val="110000"/>
               </a:lnSpc>
@@ -7300,7 +7436,7 @@
             <a:endParaRPr/>
           </a:p>
           <a:p>
-            <a:pPr indent="0" lvl="0" marL="0" rtl="0" algn="l">
+            <a:pPr marL="0" lvl="0" indent="0" algn="l" rtl="0">
               <a:lnSpc>
                 <a:spcPct val="110000"/>
               </a:lnSpc>
@@ -7331,7 +7467,7 @@
             <a:endParaRPr/>
           </a:p>
           <a:p>
-            <a:pPr indent="0" lvl="0" marL="0" rtl="0" algn="l">
+            <a:pPr marL="0" lvl="0" indent="0" algn="l" rtl="0">
               <a:lnSpc>
                 <a:spcPct val="110000"/>
               </a:lnSpc>
@@ -7347,9 +7483,6 @@
               <a:buSzPct val="100000"/>
               <a:buNone/>
             </a:pPr>
-            <a:r>
-              <a:t/>
-            </a:r>
             <a:endParaRPr sz="1400">
               <a:solidFill>
                 <a:schemeClr val="dk1"/>
@@ -7365,16 +7498,18 @@
       <p:pic>
         <p:nvPicPr>
           <p:cNvPr id="74" name="Google Shape;74;p3"/>
-          <p:cNvPicPr preferRelativeResize="0"/>
+          <p:cNvPicPr preferRelativeResize="0">
+            <a:picLocks noGrp="1"/>
+          </p:cNvPicPr>
           <p:nvPr>
-            <p:ph idx="2" type="pic"/>
+            <p:ph type="pic" idx="2"/>
           </p:nvPr>
         </p:nvPicPr>
         <p:blipFill rotWithShape="1">
           <a:blip r:embed="rId3">
             <a:alphaModFix/>
           </a:blip>
-          <a:srcRect b="0" l="11536" r="11536" t="0"/>
+          <a:srcRect l="11536" r="11536"/>
           <a:stretch/>
         </p:blipFill>
         <p:spPr>
@@ -7406,14 +7541,14 @@
             <a:avLst/>
           </a:prstGeom>
           <a:noFill/>
-          <a:ln cap="flat" cmpd="sng" w="9525">
+          <a:ln w="9525" cap="flat" cmpd="sng">
             <a:solidFill>
               <a:schemeClr val="accent6"/>
             </a:solidFill>
             <a:prstDash val="solid"/>
             <a:miter lim="800000"/>
-            <a:headEnd len="sm" w="sm" type="none"/>
-            <a:tailEnd len="sm" w="sm" type="none"/>
+            <a:headEnd type="none" w="sm" len="sm"/>
+            <a:tailEnd type="none" w="sm" len="sm"/>
           </a:ln>
         </p:spPr>
       </p:cxnSp>
@@ -7422,13 +7557,13 @@
   <p:clrMapOvr>
     <a:masterClrMapping/>
   </p:clrMapOvr>
-  <mc:AlternateContent>
+  <mc:AlternateContent xmlns:mc="http://schemas.openxmlformats.org/markup-compatibility/2006" xmlns:p14="http://schemas.microsoft.com/office/powerpoint/2010/main">
     <mc:Choice Requires="p14">
-      <p:transition spd="slow" p14:dur="700">
+      <p:transition spd="med" p14:dur="700">
         <p:fade/>
       </p:transition>
     </mc:Choice>
-    <mc:Fallback>
+    <mc:Fallback xmlns:ahyp="http://schemas.microsoft.com/office/drawing/2018/hyperlinkcolor" xmlns:p15="http://schemas.microsoft.com/office/powerpoint/2012/main" xmlns:com="http://schemas.openxmlformats.org/drawingml/2006/compatibility" xmlns:pvml="urn:schemas-microsoft-com:office:powerpoint" xmlns:v="urn:schemas-microsoft-com:vml" xmlns:o="urn:schemas-microsoft-com:office:office" xmlns:dgm="http://schemas.openxmlformats.org/drawingml/2006/diagram" xmlns:c="http://schemas.openxmlformats.org/drawingml/2006/chart" xmlns:mv="urn:schemas-microsoft-com:mac:vml" xmlns="">
       <p:transition spd="slow">
         <p:fade/>
       </p:transition>
@@ -7438,11 +7573,11 @@
 </file>
 
 <file path=ppt/slides/slide4.xml><?xml version="1.0" encoding="utf-8"?>
-<p:sld xmlns:a="http://schemas.openxmlformats.org/drawingml/2006/main" xmlns:r="http://schemas.openxmlformats.org/officeDocument/2006/relationships" xmlns:mc="http://schemas.openxmlformats.org/markup-compatibility/2006" xmlns:mv="urn:schemas-microsoft-com:mac:vml" xmlns:p="http://schemas.openxmlformats.org/presentationml/2006/main" xmlns:c="http://schemas.openxmlformats.org/drawingml/2006/chart" xmlns:dgm="http://schemas.openxmlformats.org/drawingml/2006/diagram" xmlns:o="urn:schemas-microsoft-com:office:office" xmlns:v="urn:schemas-microsoft-com:vml" xmlns:pvml="urn:schemas-microsoft-com:office:powerpoint" xmlns:com="http://schemas.openxmlformats.org/drawingml/2006/compatibility" xmlns:p14="http://schemas.microsoft.com/office/powerpoint/2010/main" xmlns:p15="http://schemas.microsoft.com/office/powerpoint/2012/main" xmlns:ahyp="http://schemas.microsoft.com/office/drawing/2018/hyperlinkcolor">
+<p:sld xmlns:a="http://schemas.openxmlformats.org/drawingml/2006/main" xmlns:r="http://schemas.openxmlformats.org/officeDocument/2006/relationships" xmlns:p="http://schemas.openxmlformats.org/presentationml/2006/main">
   <p:cSld>
     <p:spTree>
       <p:nvGrpSpPr>
-        <p:cNvPr id="79" name="Shape 79"/>
+        <p:cNvPr id="1" name="Shape 79"/>
         <p:cNvGrpSpPr/>
         <p:nvPr/>
       </p:nvGrpSpPr>
@@ -7457,9 +7592,11 @@
       <p:sp>
         <p:nvSpPr>
           <p:cNvPr id="80" name="Google Shape;80;p4"/>
-          <p:cNvSpPr txBox="1"/>
+          <p:cNvSpPr txBox="1">
+            <a:spLocks noGrp="1"/>
+          </p:cNvSpPr>
           <p:nvPr>
-            <p:ph idx="1" type="subTitle"/>
+            <p:ph type="subTitle" idx="1"/>
           </p:nvPr>
         </p:nvSpPr>
         <p:spPr>
@@ -7476,12 +7613,12 @@
           </a:ln>
         </p:spPr>
         <p:txBody>
-          <a:bodyPr anchorCtr="0" anchor="t" bIns="0" lIns="0" spcFirstLastPara="1" rIns="0" wrap="square" tIns="0">
+          <a:bodyPr spcFirstLastPara="1" wrap="square" lIns="0" tIns="0" rIns="0" bIns="0" anchor="t" anchorCtr="0">
             <a:noAutofit/>
           </a:bodyPr>
           <a:lstStyle/>
           <a:p>
-            <a:pPr indent="-228594" lvl="0" marL="228594" rtl="0" algn="l">
+            <a:pPr marL="228594" lvl="0" indent="-228594" algn="l" rtl="0">
               <a:lnSpc>
                 <a:spcPct val="100000"/>
               </a:lnSpc>
@@ -7498,17 +7635,17 @@
               <a:buNone/>
             </a:pPr>
             <a:r>
-              <a:rPr lang="en-GB"/>
-              <a:t>Assistant Professor | </a:t>
+              <a:rPr lang="en-GB" dirty="0"/>
+              <a:t>Associate Professor | </a:t>
             </a:r>
             <a:r>
-              <a:rPr b="1" lang="en-GB"/>
-              <a:t>University of Tartu (Estonia)</a:t>
+              <a:rPr lang="en-GB" b="1" dirty="0"/>
+              <a:t>INSA Lyon (France)</a:t>
             </a:r>
-            <a:endParaRPr/>
+            <a:endParaRPr dirty="0"/>
           </a:p>
           <a:p>
-            <a:pPr indent="-228594" lvl="0" marL="228594" rtl="0" algn="l">
+            <a:pPr marL="228594" lvl="0" indent="-228594" algn="l" rtl="0">
               <a:lnSpc>
                 <a:spcPct val="100000"/>
               </a:lnSpc>
@@ -7524,17 +7661,16 @@
               <a:buSzPts val="2400"/>
               <a:buNone/>
             </a:pPr>
-            <a:r>
-              <a:t/>
-            </a:r>
-            <a:endParaRPr/>
+            <a:endParaRPr dirty="0"/>
           </a:p>
         </p:txBody>
       </p:sp>
       <p:sp>
         <p:nvSpPr>
           <p:cNvPr id="81" name="Google Shape;81;p4"/>
-          <p:cNvSpPr txBox="1"/>
+          <p:cNvSpPr txBox="1">
+            <a:spLocks noGrp="1"/>
+          </p:cNvSpPr>
           <p:nvPr>
             <p:ph type="title"/>
           </p:nvPr>
@@ -7553,12 +7689,12 @@
           </a:ln>
         </p:spPr>
         <p:txBody>
-          <a:bodyPr anchorCtr="0" anchor="b" bIns="0" lIns="0" spcFirstLastPara="1" rIns="0" wrap="square" tIns="0">
+          <a:bodyPr spcFirstLastPara="1" wrap="square" lIns="0" tIns="0" rIns="0" bIns="0" anchor="b" anchorCtr="0">
             <a:noAutofit/>
           </a:bodyPr>
           <a:lstStyle/>
           <a:p>
-            <a:pPr indent="0" lvl="0" marL="0" rtl="0" algn="l">
+            <a:pPr marL="0" lvl="0" indent="0" algn="l" rtl="0">
               <a:lnSpc>
                 <a:spcPct val="90000"/>
               </a:lnSpc>
@@ -7586,9 +7722,11 @@
       <p:sp>
         <p:nvSpPr>
           <p:cNvPr id="82" name="Google Shape;82;p4"/>
-          <p:cNvSpPr txBox="1"/>
+          <p:cNvSpPr txBox="1">
+            <a:spLocks noGrp="1"/>
+          </p:cNvSpPr>
           <p:nvPr>
-            <p:ph idx="4294967295" type="body"/>
+            <p:ph type="body" idx="4294967295"/>
           </p:nvPr>
         </p:nvSpPr>
         <p:spPr>
@@ -7605,12 +7743,12 @@
           </a:ln>
         </p:spPr>
         <p:txBody>
-          <a:bodyPr anchorCtr="0" anchor="t" bIns="45700" lIns="91425" spcFirstLastPara="1" rIns="91425" wrap="square" tIns="45700">
+          <a:bodyPr spcFirstLastPara="1" wrap="square" lIns="91425" tIns="45700" rIns="91425" bIns="45700" anchor="t" anchorCtr="0">
             <a:normAutofit/>
           </a:bodyPr>
           <a:lstStyle/>
           <a:p>
-            <a:pPr indent="0" lvl="0" marL="0" rtl="0" algn="l">
+            <a:pPr marL="0" lvl="0" indent="0" algn="l" rtl="0">
               <a:lnSpc>
                 <a:spcPct val="90000"/>
               </a:lnSpc>
@@ -7641,7 +7779,7 @@
             </a:endParaRPr>
           </a:p>
           <a:p>
-            <a:pPr indent="0" lvl="0" marL="0" rtl="0" algn="l">
+            <a:pPr marL="0" lvl="0" indent="0" algn="l" rtl="0">
               <a:lnSpc>
                 <a:spcPct val="90000"/>
               </a:lnSpc>
@@ -7672,7 +7810,7 @@
             </a:endParaRPr>
           </a:p>
           <a:p>
-            <a:pPr indent="0" lvl="0" marL="0" rtl="0" algn="l">
+            <a:pPr marL="0" lvl="0" indent="0" algn="l" rtl="0">
               <a:lnSpc>
                 <a:spcPct val="90000"/>
               </a:lnSpc>
@@ -7703,9 +7841,11 @@
       <p:sp>
         <p:nvSpPr>
           <p:cNvPr id="83" name="Google Shape;83;p4"/>
-          <p:cNvSpPr txBox="1"/>
+          <p:cNvSpPr txBox="1">
+            <a:spLocks noGrp="1"/>
+          </p:cNvSpPr>
           <p:nvPr>
-            <p:ph idx="4294967295" type="body"/>
+            <p:ph type="body" idx="4294967295"/>
           </p:nvPr>
         </p:nvSpPr>
         <p:spPr>
@@ -7722,12 +7862,12 @@
           </a:ln>
         </p:spPr>
         <p:txBody>
-          <a:bodyPr anchorCtr="0" anchor="t" bIns="45700" lIns="91425" spcFirstLastPara="1" rIns="91425" wrap="square" tIns="45700">
+          <a:bodyPr spcFirstLastPara="1" wrap="square" lIns="91425" tIns="45700" rIns="91425" bIns="45700" anchor="t" anchorCtr="0">
             <a:normAutofit fontScale="92500" lnSpcReduction="20000"/>
           </a:bodyPr>
           <a:lstStyle/>
           <a:p>
-            <a:pPr indent="0" lvl="0" marL="0" rtl="0" algn="l">
+            <a:pPr marL="0" lvl="0" indent="0" algn="l" rtl="0">
               <a:lnSpc>
                 <a:spcPct val="100000"/>
               </a:lnSpc>
@@ -7744,19 +7884,21 @@
               <a:buNone/>
             </a:pPr>
             <a:r>
-              <a:rPr lang="en-GB"/>
+              <a:rPr lang="en-GB" dirty="0"/>
               <a:t>Contact</a:t>
             </a:r>
-            <a:endParaRPr/>
+            <a:endParaRPr dirty="0"/>
           </a:p>
         </p:txBody>
       </p:sp>
       <p:sp>
         <p:nvSpPr>
           <p:cNvPr id="84" name="Google Shape;84;p4"/>
-          <p:cNvSpPr txBox="1"/>
+          <p:cNvSpPr txBox="1">
+            <a:spLocks noGrp="1"/>
+          </p:cNvSpPr>
           <p:nvPr>
-            <p:ph idx="4294967295" type="body"/>
+            <p:ph type="body" idx="4294967295"/>
           </p:nvPr>
         </p:nvSpPr>
         <p:spPr>
@@ -7773,12 +7915,12 @@
           </a:ln>
         </p:spPr>
         <p:txBody>
-          <a:bodyPr anchorCtr="0" anchor="t" bIns="45700" lIns="91425" spcFirstLastPara="1" rIns="91425" wrap="square" tIns="45700">
+          <a:bodyPr spcFirstLastPara="1" wrap="square" lIns="91425" tIns="45700" rIns="91425" bIns="45700" anchor="t" anchorCtr="0">
             <a:normAutofit lnSpcReduction="10000"/>
           </a:bodyPr>
           <a:lstStyle/>
           <a:p>
-            <a:pPr indent="0" lvl="0" marL="0" rtl="0" algn="l">
+            <a:pPr marL="0" lvl="0" indent="0" algn="l" rtl="0">
               <a:lnSpc>
                 <a:spcPct val="110000"/>
               </a:lnSpc>
@@ -7809,7 +7951,7 @@
             <a:endParaRPr/>
           </a:p>
           <a:p>
-            <a:pPr indent="0" lvl="0" marL="0" rtl="0" algn="l">
+            <a:pPr marL="0" lvl="0" indent="0" algn="l" rtl="0">
               <a:lnSpc>
                 <a:spcPct val="110000"/>
               </a:lnSpc>
@@ -7840,7 +7982,7 @@
             <a:endParaRPr/>
           </a:p>
           <a:p>
-            <a:pPr indent="0" lvl="0" marL="0" rtl="0" algn="l">
+            <a:pPr marL="0" lvl="0" indent="0" algn="l" rtl="0">
               <a:lnSpc>
                 <a:spcPct val="110000"/>
               </a:lnSpc>
@@ -7871,7 +8013,7 @@
             <a:endParaRPr/>
           </a:p>
           <a:p>
-            <a:pPr indent="0" lvl="0" marL="0" rtl="0" algn="l">
+            <a:pPr marL="0" lvl="0" indent="0" algn="l" rtl="0">
               <a:lnSpc>
                 <a:spcPct val="110000"/>
               </a:lnSpc>
@@ -7887,9 +8029,6 @@
               <a:buSzPts val="1400"/>
               <a:buNone/>
             </a:pPr>
-            <a:r>
-              <a:t/>
-            </a:r>
             <a:endParaRPr sz="1400">
               <a:solidFill>
                 <a:schemeClr val="dk1"/>
@@ -7917,20 +8056,20 @@
             <a:avLst/>
           </a:prstGeom>
           <a:noFill/>
-          <a:ln cap="flat" cmpd="sng" w="9525">
+          <a:ln w="9525" cap="flat" cmpd="sng">
             <a:solidFill>
               <a:schemeClr val="accent6"/>
             </a:solidFill>
             <a:prstDash val="solid"/>
             <a:miter lim="800000"/>
-            <a:headEnd len="sm" w="sm" type="none"/>
-            <a:tailEnd len="sm" w="sm" type="none"/>
+            <a:headEnd type="none" w="sm" len="sm"/>
+            <a:tailEnd type="none" w="sm" len="sm"/>
           </a:ln>
         </p:spPr>
       </p:cxnSp>
       <p:pic>
         <p:nvPicPr>
-          <p:cNvPr descr="Riccardo Tommasini" id="86" name="Google Shape;86;p4"/>
+          <p:cNvPr id="86" name="Google Shape;86;p4" descr="Riccardo Tommasini"/>
           <p:cNvPicPr preferRelativeResize="0"/>
           <p:nvPr/>
         </p:nvPicPr>
@@ -7938,7 +8077,7 @@
           <a:blip r:embed="rId3">
             <a:alphaModFix/>
           </a:blip>
-          <a:srcRect b="0" l="11536" r="11536" t="0"/>
+          <a:srcRect l="11536" r="11536"/>
           <a:stretch/>
         </p:blipFill>
         <p:spPr>
@@ -7960,13 +8099,13 @@
   <p:clrMapOvr>
     <a:masterClrMapping/>
   </p:clrMapOvr>
-  <mc:AlternateContent>
+  <mc:AlternateContent xmlns:mc="http://schemas.openxmlformats.org/markup-compatibility/2006" xmlns:p14="http://schemas.microsoft.com/office/powerpoint/2010/main">
     <mc:Choice Requires="p14">
-      <p:transition spd="slow" p14:dur="700">
+      <p:transition spd="med" p14:dur="700">
         <p:fade/>
       </p:transition>
     </mc:Choice>
-    <mc:Fallback>
+    <mc:Fallback xmlns:ahyp="http://schemas.microsoft.com/office/drawing/2018/hyperlinkcolor" xmlns:p15="http://schemas.microsoft.com/office/powerpoint/2012/main" xmlns:com="http://schemas.openxmlformats.org/drawingml/2006/compatibility" xmlns:pvml="urn:schemas-microsoft-com:office:powerpoint" xmlns:v="urn:schemas-microsoft-com:vml" xmlns:o="urn:schemas-microsoft-com:office:office" xmlns:dgm="http://schemas.openxmlformats.org/drawingml/2006/diagram" xmlns:c="http://schemas.openxmlformats.org/drawingml/2006/chart" xmlns:mv="urn:schemas-microsoft-com:mac:vml" xmlns="">
       <p:transition spd="slow">
         <p:fade/>
       </p:transition>
@@ -7976,11 +8115,11 @@
 </file>
 
 <file path=ppt/slides/slide5.xml><?xml version="1.0" encoding="utf-8"?>
-<p:sld xmlns:a="http://schemas.openxmlformats.org/drawingml/2006/main" xmlns:r="http://schemas.openxmlformats.org/officeDocument/2006/relationships" xmlns:mc="http://schemas.openxmlformats.org/markup-compatibility/2006" xmlns:mv="urn:schemas-microsoft-com:mac:vml" xmlns:p="http://schemas.openxmlformats.org/presentationml/2006/main" xmlns:c="http://schemas.openxmlformats.org/drawingml/2006/chart" xmlns:dgm="http://schemas.openxmlformats.org/drawingml/2006/diagram" xmlns:o="urn:schemas-microsoft-com:office:office" xmlns:v="urn:schemas-microsoft-com:vml" xmlns:pvml="urn:schemas-microsoft-com:office:powerpoint" xmlns:com="http://schemas.openxmlformats.org/drawingml/2006/compatibility" xmlns:p14="http://schemas.microsoft.com/office/powerpoint/2010/main" xmlns:p15="http://schemas.microsoft.com/office/powerpoint/2012/main" xmlns:ahyp="http://schemas.microsoft.com/office/drawing/2018/hyperlinkcolor">
+<p:sld xmlns:a="http://schemas.openxmlformats.org/drawingml/2006/main" xmlns:r="http://schemas.openxmlformats.org/officeDocument/2006/relationships" xmlns:p="http://schemas.openxmlformats.org/presentationml/2006/main">
   <p:cSld>
     <p:spTree>
       <p:nvGrpSpPr>
-        <p:cNvPr id="90" name="Shape 90"/>
+        <p:cNvPr id="1" name="Shape 90"/>
         <p:cNvGrpSpPr/>
         <p:nvPr/>
       </p:nvGrpSpPr>
@@ -7995,7 +8134,9 @@
       <p:sp>
         <p:nvSpPr>
           <p:cNvPr id="91" name="Google Shape;91;p5"/>
-          <p:cNvSpPr txBox="1"/>
+          <p:cNvSpPr txBox="1">
+            <a:spLocks noGrp="1"/>
+          </p:cNvSpPr>
           <p:nvPr>
             <p:ph type="title"/>
           </p:nvPr>
@@ -8014,12 +8155,12 @@
           </a:ln>
         </p:spPr>
         <p:txBody>
-          <a:bodyPr anchorCtr="0" anchor="b" bIns="0" lIns="0" spcFirstLastPara="1" rIns="0" wrap="square" tIns="0">
+          <a:bodyPr spcFirstLastPara="1" wrap="square" lIns="0" tIns="0" rIns="0" bIns="0" anchor="b" anchorCtr="0">
             <a:noAutofit/>
           </a:bodyPr>
           <a:lstStyle/>
           <a:p>
-            <a:pPr indent="0" lvl="0" marL="0" rtl="0" algn="l">
+            <a:pPr marL="0" lvl="0" indent="0" algn="l" rtl="0">
               <a:lnSpc>
                 <a:spcPct val="90000"/>
               </a:lnSpc>
@@ -8064,12 +8205,12 @@
           </a:ln>
         </p:spPr>
         <p:txBody>
-          <a:bodyPr anchorCtr="0" anchor="t" bIns="0" lIns="0" spcFirstLastPara="1" rIns="0" wrap="square" tIns="0">
+          <a:bodyPr spcFirstLastPara="1" wrap="square" lIns="0" tIns="0" rIns="0" bIns="0" anchor="t" anchorCtr="0">
             <a:noAutofit/>
           </a:bodyPr>
           <a:lstStyle/>
           <a:p>
-            <a:pPr indent="-177800" lvl="0" marL="177800" marR="0" rtl="0" algn="l">
+            <a:pPr marL="177800" marR="0" lvl="0" indent="-177800" algn="l" rtl="0">
               <a:lnSpc>
                 <a:spcPct val="100000"/>
               </a:lnSpc>
@@ -8087,7 +8228,7 @@
               <a:buNone/>
             </a:pPr>
             <a:r>
-              <a:rPr b="1" i="0" lang="en-GB" sz="1800" u="none" cap="none" strike="noStrike">
+              <a:rPr lang="en-GB" sz="1800" b="1" i="0" u="none" strike="noStrike" cap="none">
                 <a:solidFill>
                   <a:schemeClr val="lt1"/>
                 </a:solidFill>
@@ -8101,7 +8242,7 @@
             <a:endParaRPr/>
           </a:p>
           <a:p>
-            <a:pPr indent="-177800" lvl="0" marL="177800" marR="0" rtl="0" algn="l">
+            <a:pPr marL="177800" marR="0" lvl="0" indent="-177800" algn="l" rtl="0">
               <a:lnSpc>
                 <a:spcPct val="100000"/>
               </a:lnSpc>
@@ -8119,7 +8260,7 @@
               <a:buNone/>
             </a:pPr>
             <a:r>
-              <a:rPr b="0" i="0" lang="en-GB" sz="1800" u="none" cap="none" strike="noStrike">
+              <a:rPr lang="en-GB" sz="1800" b="0" i="0" u="none" strike="noStrike" cap="none">
                 <a:solidFill>
                   <a:schemeClr val="lt1"/>
                 </a:solidFill>
@@ -8133,7 +8274,7 @@
             <a:endParaRPr/>
           </a:p>
           <a:p>
-            <a:pPr indent="-177800" lvl="0" marL="177800" marR="0" rtl="0" algn="l">
+            <a:pPr marL="177800" marR="0" lvl="0" indent="-177800" algn="l" rtl="0">
               <a:lnSpc>
                 <a:spcPct val="100000"/>
               </a:lnSpc>
@@ -8151,7 +8292,7 @@
               <a:buNone/>
             </a:pPr>
             <a:r>
-              <a:rPr b="0" i="0" lang="en-GB" sz="1800" u="none" cap="none" strike="noStrike">
+              <a:rPr lang="en-GB" sz="1800" b="0" i="0" u="none" strike="noStrike" cap="none">
                 <a:solidFill>
                   <a:schemeClr val="lt1"/>
                 </a:solidFill>
@@ -8165,7 +8306,7 @@
             <a:endParaRPr/>
           </a:p>
           <a:p>
-            <a:pPr indent="-177800" lvl="0" marL="177800" marR="0" rtl="0" algn="l">
+            <a:pPr marL="177800" marR="0" lvl="0" indent="-177800" algn="l" rtl="0">
               <a:lnSpc>
                 <a:spcPct val="100000"/>
               </a:lnSpc>
@@ -8183,7 +8324,7 @@
               <a:buNone/>
             </a:pPr>
             <a:r>
-              <a:rPr b="1" i="0" lang="en-GB" sz="1800" u="none" cap="none" strike="noStrike">
+              <a:rPr lang="en-GB" sz="1800" b="1" i="0" u="none" strike="noStrike" cap="none">
                 <a:solidFill>
                   <a:schemeClr val="lt1"/>
                 </a:solidFill>
@@ -8197,7 +8338,7 @@
             <a:endParaRPr/>
           </a:p>
           <a:p>
-            <a:pPr indent="-177800" lvl="0" marL="177800" marR="0" rtl="0" algn="l">
+            <a:pPr marL="177800" marR="0" lvl="0" indent="-177800" algn="l" rtl="0">
               <a:lnSpc>
                 <a:spcPct val="100000"/>
               </a:lnSpc>
@@ -8215,7 +8356,7 @@
               <a:buNone/>
             </a:pPr>
             <a:r>
-              <a:rPr b="0" i="0" lang="en-GB" sz="1800" u="none" cap="none" strike="noStrike">
+              <a:rPr lang="en-GB" sz="1800" b="0" i="0" u="none" strike="noStrike" cap="none">
                 <a:solidFill>
                   <a:schemeClr val="lt1"/>
                 </a:solidFill>
@@ -8226,7 +8367,7 @@
               </a:rPr>
               <a:t>Founder &amp; CEO @ Quantia Consulting</a:t>
             </a:r>
-            <a:endParaRPr b="0" i="0" sz="1800" u="none" cap="none" strike="noStrike">
+            <a:endParaRPr sz="1800" b="0" i="0" u="none" strike="noStrike" cap="none">
               <a:solidFill>
                 <a:schemeClr val="lt1"/>
               </a:solidFill>
@@ -8237,7 +8378,7 @@
             </a:endParaRPr>
           </a:p>
           <a:p>
-            <a:pPr indent="-177800" lvl="0" marL="177800" marR="0" rtl="0" algn="l">
+            <a:pPr marL="177800" marR="0" lvl="0" indent="-177800" algn="l" rtl="0">
               <a:lnSpc>
                 <a:spcPct val="100000"/>
               </a:lnSpc>
@@ -8255,7 +8396,7 @@
               <a:buNone/>
             </a:pPr>
             <a:r>
-              <a:rPr b="1" i="0" lang="en-GB" sz="1800" u="none" cap="none" strike="noStrike">
+              <a:rPr lang="en-GB" sz="1800" b="1" i="0" u="none" strike="noStrike" cap="none">
                 <a:solidFill>
                   <a:schemeClr val="lt1"/>
                 </a:solidFill>
@@ -8269,7 +8410,7 @@
             <a:endParaRPr/>
           </a:p>
           <a:p>
-            <a:pPr indent="-100013" lvl="0" marL="100013" marR="0" rtl="0" algn="l">
+            <a:pPr marL="100013" marR="0" lvl="0" indent="-100013" algn="l" rtl="0">
               <a:lnSpc>
                 <a:spcPct val="100000"/>
               </a:lnSpc>
@@ -8287,7 +8428,7 @@
               <a:buNone/>
             </a:pPr>
             <a:r>
-              <a:rPr b="0" i="0" lang="en-GB" sz="1800" u="none" cap="none" strike="noStrike">
+              <a:rPr lang="en-GB" sz="1800" b="0" i="0" u="none" strike="noStrike" cap="none">
                 <a:solidFill>
                   <a:schemeClr val="lt1"/>
                 </a:solidFill>
@@ -8307,13 +8448,13 @@
   <p:clrMapOvr>
     <a:masterClrMapping/>
   </p:clrMapOvr>
-  <mc:AlternateContent>
+  <mc:AlternateContent xmlns:mc="http://schemas.openxmlformats.org/markup-compatibility/2006" xmlns:p14="http://schemas.microsoft.com/office/powerpoint/2010/main">
     <mc:Choice Requires="p14">
-      <p:transition spd="slow" p14:dur="700">
+      <p:transition spd="med" p14:dur="700">
         <p:fade/>
       </p:transition>
     </mc:Choice>
-    <mc:Fallback>
+    <mc:Fallback xmlns:ahyp="http://schemas.microsoft.com/office/drawing/2018/hyperlinkcolor" xmlns:p15="http://schemas.microsoft.com/office/powerpoint/2012/main" xmlns:com="http://schemas.openxmlformats.org/drawingml/2006/compatibility" xmlns:pvml="urn:schemas-microsoft-com:office:powerpoint" xmlns:v="urn:schemas-microsoft-com:vml" xmlns:o="urn:schemas-microsoft-com:office:office" xmlns:dgm="http://schemas.openxmlformats.org/drawingml/2006/diagram" xmlns:c="http://schemas.openxmlformats.org/drawingml/2006/chart" xmlns:mv="urn:schemas-microsoft-com:mac:vml" xmlns="">
       <p:transition spd="slow">
         <p:fade/>
       </p:transition>
@@ -8323,7 +8464,288 @@
 </file>
 
 <file path=ppt/theme/theme1.xml><?xml version="1.0" encoding="utf-8"?>
-<a:theme xmlns:a="http://schemas.openxmlformats.org/drawingml/2006/main" xmlns:r="http://schemas.openxmlformats.org/officeDocument/2006/relationships">
+<a:theme xmlns:a="http://schemas.openxmlformats.org/drawingml/2006/main" name="InfluxDays Template">
+  <a:themeElements>
+    <a:clrScheme name="InfluxDays 2019">
+      <a:dk1>
+        <a:srgbClr val="000000"/>
+      </a:dk1>
+      <a:lt1>
+        <a:srgbClr val="FFFFFF"/>
+      </a:lt1>
+      <a:dk2>
+        <a:srgbClr val="13002C"/>
+      </a:dk2>
+      <a:lt2>
+        <a:srgbClr val="BEC2CC"/>
+      </a:lt2>
+      <a:accent1>
+        <a:srgbClr val="00C9FF"/>
+      </a:accent1>
+      <a:accent2>
+        <a:srgbClr val="D6F622"/>
+      </a:accent2>
+      <a:accent3>
+        <a:srgbClr val="BF2FE5"/>
+      </a:accent3>
+      <a:accent4>
+        <a:srgbClr val="155C06"/>
+      </a:accent4>
+      <a:accent5>
+        <a:srgbClr val="088C15"/>
+      </a:accent5>
+      <a:accent6>
+        <a:srgbClr val="59BB46"/>
+      </a:accent6>
+      <a:hlink>
+        <a:srgbClr val="0563C1"/>
+      </a:hlink>
+      <a:folHlink>
+        <a:srgbClr val="711C89"/>
+      </a:folHlink>
+    </a:clrScheme>
+    <a:fontScheme name="Office">
+      <a:majorFont>
+        <a:latin typeface="Arial"/>
+        <a:ea typeface=""/>
+        <a:cs typeface=""/>
+        <a:font script="Jpan" typeface="ＭＳ Ｐゴシック"/>
+        <a:font script="Hang" typeface="맑은 고딕"/>
+        <a:font script="Hans" typeface="宋体"/>
+        <a:font script="Hant" typeface="新細明體"/>
+        <a:font script="Arab" typeface="Times New Roman"/>
+        <a:font script="Hebr" typeface="Times New Roman"/>
+        <a:font script="Thai" typeface="Angsana New"/>
+        <a:font script="Ethi" typeface="Nyala"/>
+        <a:font script="Beng" typeface="Vrinda"/>
+        <a:font script="Gujr" typeface="Shruti"/>
+        <a:font script="Khmr" typeface="MoolBoran"/>
+        <a:font script="Knda" typeface="Tunga"/>
+        <a:font script="Guru" typeface="Raavi"/>
+        <a:font script="Cans" typeface="Euphemia"/>
+        <a:font script="Cher" typeface="Plantagenet Cherokee"/>
+        <a:font script="Yiii" typeface="Microsoft Yi Baiti"/>
+        <a:font script="Tibt" typeface="Microsoft Himalaya"/>
+        <a:font script="Thaa" typeface="MV Boli"/>
+        <a:font script="Deva" typeface="Mangal"/>
+        <a:font script="Telu" typeface="Gautami"/>
+        <a:font script="Taml" typeface="Latha"/>
+        <a:font script="Syrc" typeface="Estrangelo Edessa"/>
+        <a:font script="Orya" typeface="Kalinga"/>
+        <a:font script="Mlym" typeface="Kartika"/>
+        <a:font script="Laoo" typeface="DokChampa"/>
+        <a:font script="Sinh" typeface="Iskoola Pota"/>
+        <a:font script="Mong" typeface="Mongolian Baiti"/>
+        <a:font script="Viet" typeface="Times New Roman"/>
+        <a:font script="Uigh" typeface="Microsoft Uighur"/>
+        <a:font script="Geor" typeface="Sylfaen"/>
+      </a:majorFont>
+      <a:minorFont>
+        <a:latin typeface="Arial"/>
+        <a:ea typeface=""/>
+        <a:cs typeface=""/>
+        <a:font script="Jpan" typeface="ＭＳ Ｐゴシック"/>
+        <a:font script="Hang" typeface="맑은 고딕"/>
+        <a:font script="Hans" typeface="宋体"/>
+        <a:font script="Hant" typeface="新細明體"/>
+        <a:font script="Arab" typeface="Arial"/>
+        <a:font script="Hebr" typeface="Arial"/>
+        <a:font script="Thai" typeface="Cordia New"/>
+        <a:font script="Ethi" typeface="Nyala"/>
+        <a:font script="Beng" typeface="Vrinda"/>
+        <a:font script="Gujr" typeface="Shruti"/>
+        <a:font script="Khmr" typeface="DaunPenh"/>
+        <a:font script="Knda" typeface="Tunga"/>
+        <a:font script="Guru" typeface="Raavi"/>
+        <a:font script="Cans" typeface="Euphemia"/>
+        <a:font script="Cher" typeface="Plantagenet Cherokee"/>
+        <a:font script="Yiii" typeface="Microsoft Yi Baiti"/>
+        <a:font script="Tibt" typeface="Microsoft Himalaya"/>
+        <a:font script="Thaa" typeface="MV Boli"/>
+        <a:font script="Deva" typeface="Mangal"/>
+        <a:font script="Telu" typeface="Gautami"/>
+        <a:font script="Taml" typeface="Latha"/>
+        <a:font script="Syrc" typeface="Estrangelo Edessa"/>
+        <a:font script="Orya" typeface="Kalinga"/>
+        <a:font script="Mlym" typeface="Kartika"/>
+        <a:font script="Laoo" typeface="DokChampa"/>
+        <a:font script="Sinh" typeface="Iskoola Pota"/>
+        <a:font script="Mong" typeface="Mongolian Baiti"/>
+        <a:font script="Viet" typeface="Arial"/>
+        <a:font script="Uigh" typeface="Microsoft Uighur"/>
+        <a:font script="Geor" typeface="Sylfaen"/>
+      </a:minorFont>
+    </a:fontScheme>
+    <a:fmtScheme name="Office">
+      <a:fillStyleLst>
+        <a:solidFill>
+          <a:schemeClr val="phClr"/>
+        </a:solidFill>
+        <a:gradFill rotWithShape="1">
+          <a:gsLst>
+            <a:gs pos="0">
+              <a:schemeClr val="phClr">
+                <a:tint val="50000"/>
+                <a:satMod val="300000"/>
+              </a:schemeClr>
+            </a:gs>
+            <a:gs pos="35000">
+              <a:schemeClr val="phClr">
+                <a:tint val="37000"/>
+                <a:satMod val="300000"/>
+              </a:schemeClr>
+            </a:gs>
+            <a:gs pos="100000">
+              <a:schemeClr val="phClr">
+                <a:tint val="15000"/>
+                <a:satMod val="350000"/>
+              </a:schemeClr>
+            </a:gs>
+          </a:gsLst>
+          <a:lin ang="16200000" scaled="1"/>
+        </a:gradFill>
+        <a:gradFill rotWithShape="1">
+          <a:gsLst>
+            <a:gs pos="0">
+              <a:schemeClr val="phClr">
+                <a:tint val="100000"/>
+                <a:shade val="100000"/>
+                <a:satMod val="130000"/>
+              </a:schemeClr>
+            </a:gs>
+            <a:gs pos="100000">
+              <a:schemeClr val="phClr">
+                <a:tint val="50000"/>
+                <a:shade val="100000"/>
+                <a:satMod val="350000"/>
+              </a:schemeClr>
+            </a:gs>
+          </a:gsLst>
+          <a:lin ang="16200000" scaled="0"/>
+        </a:gradFill>
+      </a:fillStyleLst>
+      <a:lnStyleLst>
+        <a:ln w="9525" cap="flat" cmpd="sng" algn="ctr">
+          <a:solidFill>
+            <a:schemeClr val="phClr">
+              <a:shade val="95000"/>
+              <a:satMod val="105000"/>
+            </a:schemeClr>
+          </a:solidFill>
+          <a:prstDash val="solid"/>
+        </a:ln>
+        <a:ln w="25400" cap="flat" cmpd="sng" algn="ctr">
+          <a:solidFill>
+            <a:schemeClr val="phClr"/>
+          </a:solidFill>
+          <a:prstDash val="solid"/>
+        </a:ln>
+        <a:ln w="38100" cap="flat" cmpd="sng" algn="ctr">
+          <a:solidFill>
+            <a:schemeClr val="phClr"/>
+          </a:solidFill>
+          <a:prstDash val="solid"/>
+        </a:ln>
+      </a:lnStyleLst>
+      <a:effectStyleLst>
+        <a:effectStyle>
+          <a:effectLst>
+            <a:outerShdw blurRad="40000" dist="20000" dir="5400000" rotWithShape="0">
+              <a:srgbClr val="000000">
+                <a:alpha val="38000"/>
+              </a:srgbClr>
+            </a:outerShdw>
+          </a:effectLst>
+        </a:effectStyle>
+        <a:effectStyle>
+          <a:effectLst>
+            <a:outerShdw blurRad="40000" dist="23000" dir="5400000" rotWithShape="0">
+              <a:srgbClr val="000000">
+                <a:alpha val="35000"/>
+              </a:srgbClr>
+            </a:outerShdw>
+          </a:effectLst>
+        </a:effectStyle>
+        <a:effectStyle>
+          <a:effectLst>
+            <a:outerShdw blurRad="40000" dist="23000" dir="5400000" rotWithShape="0">
+              <a:srgbClr val="000000">
+                <a:alpha val="35000"/>
+              </a:srgbClr>
+            </a:outerShdw>
+          </a:effectLst>
+          <a:scene3d>
+            <a:camera prst="orthographicFront">
+              <a:rot lat="0" lon="0" rev="0"/>
+            </a:camera>
+            <a:lightRig rig="threePt" dir="t">
+              <a:rot lat="0" lon="0" rev="1200000"/>
+            </a:lightRig>
+          </a:scene3d>
+          <a:sp3d>
+            <a:bevelT w="63500" h="25400"/>
+          </a:sp3d>
+        </a:effectStyle>
+      </a:effectStyleLst>
+      <a:bgFillStyleLst>
+        <a:solidFill>
+          <a:schemeClr val="phClr"/>
+        </a:solidFill>
+        <a:gradFill rotWithShape="1">
+          <a:gsLst>
+            <a:gs pos="0">
+              <a:schemeClr val="phClr">
+                <a:tint val="40000"/>
+                <a:satMod val="350000"/>
+              </a:schemeClr>
+            </a:gs>
+            <a:gs pos="40000">
+              <a:schemeClr val="phClr">
+                <a:tint val="45000"/>
+                <a:shade val="99000"/>
+                <a:satMod val="350000"/>
+              </a:schemeClr>
+            </a:gs>
+            <a:gs pos="100000">
+              <a:schemeClr val="phClr">
+                <a:shade val="20000"/>
+                <a:satMod val="255000"/>
+              </a:schemeClr>
+            </a:gs>
+          </a:gsLst>
+          <a:path path="circle">
+            <a:fillToRect l="50000" t="-80000" r="50000" b="180000"/>
+          </a:path>
+        </a:gradFill>
+        <a:gradFill rotWithShape="1">
+          <a:gsLst>
+            <a:gs pos="0">
+              <a:schemeClr val="phClr">
+                <a:tint val="80000"/>
+                <a:satMod val="300000"/>
+              </a:schemeClr>
+            </a:gs>
+            <a:gs pos="100000">
+              <a:schemeClr val="phClr">
+                <a:shade val="30000"/>
+                <a:satMod val="200000"/>
+              </a:schemeClr>
+            </a:gs>
+          </a:gsLst>
+          <a:path path="circle">
+            <a:fillToRect l="50000" t="50000" r="50000" b="50000"/>
+          </a:path>
+        </a:gradFill>
+      </a:bgFillStyleLst>
+    </a:fmtScheme>
+  </a:themeElements>
+  <a:objectDefaults/>
+  <a:extraClrSchemeLst/>
+</a:theme>
+</file>
+
+<file path=ppt/theme/theme2.xml><?xml version="1.0" encoding="utf-8"?>
+<a:theme xmlns:a="http://schemas.openxmlformats.org/drawingml/2006/main">
   <a:themeElements>
     <a:clrScheme name="Default">
       <a:dk1>
@@ -8598,284 +9020,7 @@
       </a:bgFillStyleLst>
     </a:fmtScheme>
   </a:themeElements>
-</a:theme>
-</file>
-
-<file path=ppt/theme/theme2.xml><?xml version="1.0" encoding="utf-8"?>
-<a:theme xmlns:a="http://schemas.openxmlformats.org/drawingml/2006/main" xmlns:r="http://schemas.openxmlformats.org/officeDocument/2006/relationships" name="InfluxDays Template">
-  <a:themeElements>
-    <a:clrScheme name="InfluxDays 2019">
-      <a:dk1>
-        <a:srgbClr val="000000"/>
-      </a:dk1>
-      <a:lt1>
-        <a:srgbClr val="FFFFFF"/>
-      </a:lt1>
-      <a:dk2>
-        <a:srgbClr val="13002C"/>
-      </a:dk2>
-      <a:lt2>
-        <a:srgbClr val="BEC2CC"/>
-      </a:lt2>
-      <a:accent1>
-        <a:srgbClr val="00C9FF"/>
-      </a:accent1>
-      <a:accent2>
-        <a:srgbClr val="D6F622"/>
-      </a:accent2>
-      <a:accent3>
-        <a:srgbClr val="BF2FE5"/>
-      </a:accent3>
-      <a:accent4>
-        <a:srgbClr val="155C06"/>
-      </a:accent4>
-      <a:accent5>
-        <a:srgbClr val="088C15"/>
-      </a:accent5>
-      <a:accent6>
-        <a:srgbClr val="59BB46"/>
-      </a:accent6>
-      <a:hlink>
-        <a:srgbClr val="0563C1"/>
-      </a:hlink>
-      <a:folHlink>
-        <a:srgbClr val="711C89"/>
-      </a:folHlink>
-    </a:clrScheme>
-    <a:fontScheme name="Office">
-      <a:majorFont>
-        <a:latin typeface="Arial"/>
-        <a:ea typeface=""/>
-        <a:cs typeface=""/>
-        <a:font script="Jpan" typeface="ＭＳ Ｐゴシック"/>
-        <a:font script="Hang" typeface="맑은 고딕"/>
-        <a:font script="Hans" typeface="宋体"/>
-        <a:font script="Hant" typeface="新細明體"/>
-        <a:font script="Arab" typeface="Times New Roman"/>
-        <a:font script="Hebr" typeface="Times New Roman"/>
-        <a:font script="Thai" typeface="Angsana New"/>
-        <a:font script="Ethi" typeface="Nyala"/>
-        <a:font script="Beng" typeface="Vrinda"/>
-        <a:font script="Gujr" typeface="Shruti"/>
-        <a:font script="Khmr" typeface="MoolBoran"/>
-        <a:font script="Knda" typeface="Tunga"/>
-        <a:font script="Guru" typeface="Raavi"/>
-        <a:font script="Cans" typeface="Euphemia"/>
-        <a:font script="Cher" typeface="Plantagenet Cherokee"/>
-        <a:font script="Yiii" typeface="Microsoft Yi Baiti"/>
-        <a:font script="Tibt" typeface="Microsoft Himalaya"/>
-        <a:font script="Thaa" typeface="MV Boli"/>
-        <a:font script="Deva" typeface="Mangal"/>
-        <a:font script="Telu" typeface="Gautami"/>
-        <a:font script="Taml" typeface="Latha"/>
-        <a:font script="Syrc" typeface="Estrangelo Edessa"/>
-        <a:font script="Orya" typeface="Kalinga"/>
-        <a:font script="Mlym" typeface="Kartika"/>
-        <a:font script="Laoo" typeface="DokChampa"/>
-        <a:font script="Sinh" typeface="Iskoola Pota"/>
-        <a:font script="Mong" typeface="Mongolian Baiti"/>
-        <a:font script="Viet" typeface="Times New Roman"/>
-        <a:font script="Uigh" typeface="Microsoft Uighur"/>
-        <a:font script="Geor" typeface="Sylfaen"/>
-      </a:majorFont>
-      <a:minorFont>
-        <a:latin typeface="Arial"/>
-        <a:ea typeface=""/>
-        <a:cs typeface=""/>
-        <a:font script="Jpan" typeface="ＭＳ Ｐゴシック"/>
-        <a:font script="Hang" typeface="맑은 고딕"/>
-        <a:font script="Hans" typeface="宋体"/>
-        <a:font script="Hant" typeface="新細明體"/>
-        <a:font script="Arab" typeface="Arial"/>
-        <a:font script="Hebr" typeface="Arial"/>
-        <a:font script="Thai" typeface="Cordia New"/>
-        <a:font script="Ethi" typeface="Nyala"/>
-        <a:font script="Beng" typeface="Vrinda"/>
-        <a:font script="Gujr" typeface="Shruti"/>
-        <a:font script="Khmr" typeface="DaunPenh"/>
-        <a:font script="Knda" typeface="Tunga"/>
-        <a:font script="Guru" typeface="Raavi"/>
-        <a:font script="Cans" typeface="Euphemia"/>
-        <a:font script="Cher" typeface="Plantagenet Cherokee"/>
-        <a:font script="Yiii" typeface="Microsoft Yi Baiti"/>
-        <a:font script="Tibt" typeface="Microsoft Himalaya"/>
-        <a:font script="Thaa" typeface="MV Boli"/>
-        <a:font script="Deva" typeface="Mangal"/>
-        <a:font script="Telu" typeface="Gautami"/>
-        <a:font script="Taml" typeface="Latha"/>
-        <a:font script="Syrc" typeface="Estrangelo Edessa"/>
-        <a:font script="Orya" typeface="Kalinga"/>
-        <a:font script="Mlym" typeface="Kartika"/>
-        <a:font script="Laoo" typeface="DokChampa"/>
-        <a:font script="Sinh" typeface="Iskoola Pota"/>
-        <a:font script="Mong" typeface="Mongolian Baiti"/>
-        <a:font script="Viet" typeface="Arial"/>
-        <a:font script="Uigh" typeface="Microsoft Uighur"/>
-        <a:font script="Geor" typeface="Sylfaen"/>
-      </a:minorFont>
-    </a:fontScheme>
-    <a:fmtScheme name="Office">
-      <a:fillStyleLst>
-        <a:solidFill>
-          <a:schemeClr val="phClr"/>
-        </a:solidFill>
-        <a:gradFill rotWithShape="1">
-          <a:gsLst>
-            <a:gs pos="0">
-              <a:schemeClr val="phClr">
-                <a:tint val="50000"/>
-                <a:satMod val="300000"/>
-              </a:schemeClr>
-            </a:gs>
-            <a:gs pos="35000">
-              <a:schemeClr val="phClr">
-                <a:tint val="37000"/>
-                <a:satMod val="300000"/>
-              </a:schemeClr>
-            </a:gs>
-            <a:gs pos="100000">
-              <a:schemeClr val="phClr">
-                <a:tint val="15000"/>
-                <a:satMod val="350000"/>
-              </a:schemeClr>
-            </a:gs>
-          </a:gsLst>
-          <a:lin ang="16200000" scaled="1"/>
-        </a:gradFill>
-        <a:gradFill rotWithShape="1">
-          <a:gsLst>
-            <a:gs pos="0">
-              <a:schemeClr val="phClr">
-                <a:tint val="100000"/>
-                <a:shade val="100000"/>
-                <a:satMod val="130000"/>
-              </a:schemeClr>
-            </a:gs>
-            <a:gs pos="100000">
-              <a:schemeClr val="phClr">
-                <a:tint val="50000"/>
-                <a:shade val="100000"/>
-                <a:satMod val="350000"/>
-              </a:schemeClr>
-            </a:gs>
-          </a:gsLst>
-          <a:lin ang="16200000" scaled="0"/>
-        </a:gradFill>
-      </a:fillStyleLst>
-      <a:lnStyleLst>
-        <a:ln w="9525" cap="flat" cmpd="sng" algn="ctr">
-          <a:solidFill>
-            <a:schemeClr val="phClr">
-              <a:shade val="95000"/>
-              <a:satMod val="105000"/>
-            </a:schemeClr>
-          </a:solidFill>
-          <a:prstDash val="solid"/>
-        </a:ln>
-        <a:ln w="25400" cap="flat" cmpd="sng" algn="ctr">
-          <a:solidFill>
-            <a:schemeClr val="phClr"/>
-          </a:solidFill>
-          <a:prstDash val="solid"/>
-        </a:ln>
-        <a:ln w="38100" cap="flat" cmpd="sng" algn="ctr">
-          <a:solidFill>
-            <a:schemeClr val="phClr"/>
-          </a:solidFill>
-          <a:prstDash val="solid"/>
-        </a:ln>
-      </a:lnStyleLst>
-      <a:effectStyleLst>
-        <a:effectStyle>
-          <a:effectLst>
-            <a:outerShdw blurRad="40000" dist="20000" dir="5400000" rotWithShape="0">
-              <a:srgbClr val="000000">
-                <a:alpha val="38000"/>
-              </a:srgbClr>
-            </a:outerShdw>
-          </a:effectLst>
-        </a:effectStyle>
-        <a:effectStyle>
-          <a:effectLst>
-            <a:outerShdw blurRad="40000" dist="23000" dir="5400000" rotWithShape="0">
-              <a:srgbClr val="000000">
-                <a:alpha val="35000"/>
-              </a:srgbClr>
-            </a:outerShdw>
-          </a:effectLst>
-        </a:effectStyle>
-        <a:effectStyle>
-          <a:effectLst>
-            <a:outerShdw blurRad="40000" dist="23000" dir="5400000" rotWithShape="0">
-              <a:srgbClr val="000000">
-                <a:alpha val="35000"/>
-              </a:srgbClr>
-            </a:outerShdw>
-          </a:effectLst>
-          <a:scene3d>
-            <a:camera prst="orthographicFront">
-              <a:rot lat="0" lon="0" rev="0"/>
-            </a:camera>
-            <a:lightRig rig="threePt" dir="t">
-              <a:rot lat="0" lon="0" rev="1200000"/>
-            </a:lightRig>
-          </a:scene3d>
-          <a:sp3d>
-            <a:bevelT w="63500" h="25400"/>
-          </a:sp3d>
-        </a:effectStyle>
-      </a:effectStyleLst>
-      <a:bgFillStyleLst>
-        <a:solidFill>
-          <a:schemeClr val="phClr"/>
-        </a:solidFill>
-        <a:gradFill rotWithShape="1">
-          <a:gsLst>
-            <a:gs pos="0">
-              <a:schemeClr val="phClr">
-                <a:tint val="40000"/>
-                <a:satMod val="350000"/>
-              </a:schemeClr>
-            </a:gs>
-            <a:gs pos="40000">
-              <a:schemeClr val="phClr">
-                <a:tint val="45000"/>
-                <a:shade val="99000"/>
-                <a:satMod val="350000"/>
-              </a:schemeClr>
-            </a:gs>
-            <a:gs pos="100000">
-              <a:schemeClr val="phClr">
-                <a:shade val="20000"/>
-                <a:satMod val="255000"/>
-              </a:schemeClr>
-            </a:gs>
-          </a:gsLst>
-          <a:path path="circle">
-            <a:fillToRect l="50000" t="-80000" r="50000" b="180000"/>
-          </a:path>
-        </a:gradFill>
-        <a:gradFill rotWithShape="1">
-          <a:gsLst>
-            <a:gs pos="0">
-              <a:schemeClr val="phClr">
-                <a:tint val="80000"/>
-                <a:satMod val="300000"/>
-              </a:schemeClr>
-            </a:gs>
-            <a:gs pos="100000">
-              <a:schemeClr val="phClr">
-                <a:shade val="30000"/>
-                <a:satMod val="200000"/>
-              </a:schemeClr>
-            </a:gs>
-          </a:gsLst>
-          <a:path path="circle">
-            <a:fillToRect l="50000" t="50000" r="50000" b="50000"/>
-          </a:path>
-        </a:gradFill>
-      </a:bgFillStyleLst>
-    </a:fmtScheme>
-  </a:themeElements>
+  <a:objectDefaults/>
+  <a:extraClrSchemeLst/>
 </a:theme>
 </file>
--- a/Training-material/day 1/00_intro.pptx
+++ b/Training-material/day 1/00_intro.pptx
@@ -1,67 +1,53 @@
 
 <file path=ppt/presentation.xml><?xml version="1.0" encoding="utf-8"?>
-<p:presentation xmlns:a="http://schemas.openxmlformats.org/drawingml/2006/main" xmlns:r="http://schemas.openxmlformats.org/officeDocument/2006/relationships" xmlns:p="http://schemas.openxmlformats.org/presentationml/2006/main" strictFirstAndLastChars="0" embedTrueTypeFonts="1" saveSubsetFonts="1" autoCompressPictures="0">
+<p:presentation xmlns:a="http://schemas.openxmlformats.org/drawingml/2006/main" xmlns:r="http://schemas.openxmlformats.org/officeDocument/2006/relationships" xmlns:mc="http://schemas.openxmlformats.org/markup-compatibility/2006" xmlns:mv="urn:schemas-microsoft-com:mac:vml" xmlns:p="http://schemas.openxmlformats.org/presentationml/2006/main" xmlns:c="http://schemas.openxmlformats.org/drawingml/2006/chart" xmlns:dgm="http://schemas.openxmlformats.org/drawingml/2006/diagram" xmlns:o="urn:schemas-microsoft-com:office:office" xmlns:v="urn:schemas-microsoft-com:vml" xmlns:pvml="urn:schemas-microsoft-com:office:powerpoint" xmlns:com="http://schemas.openxmlformats.org/drawingml/2006/compatibility" xmlns:p14="http://schemas.microsoft.com/office/powerpoint/2010/main" xmlns:p15="http://schemas.microsoft.com/office/powerpoint/2012/main" xmlns:ahyp="http://schemas.microsoft.com/office/drawing/2018/hyperlinkcolor" autoCompressPictures="0" embedTrueTypeFonts="1" strictFirstAndLastChars="0" saveSubsetFonts="1">
   <p:sldMasterIdLst>
-    <p:sldMasterId id="2147483648" r:id="rId1"/>
+    <p:sldMasterId id="2147483648" r:id="rId3"/>
   </p:sldMasterIdLst>
   <p:notesMasterIdLst>
-    <p:notesMasterId r:id="rId7"/>
+    <p:notesMasterId r:id="rId4"/>
   </p:notesMasterIdLst>
   <p:sldIdLst>
-    <p:sldId id="256" r:id="rId2"/>
-    <p:sldId id="257" r:id="rId3"/>
-    <p:sldId id="258" r:id="rId4"/>
-    <p:sldId id="259" r:id="rId5"/>
-    <p:sldId id="260" r:id="rId6"/>
+    <p:sldId id="256" r:id="rId5"/>
+    <p:sldId id="257" r:id="rId6"/>
+    <p:sldId id="258" r:id="rId7"/>
+    <p:sldId id="259" r:id="rId8"/>
+    <p:sldId id="260" r:id="rId9"/>
   </p:sldIdLst>
-  <p:sldSz cx="12192000" cy="6858000"/>
+  <p:sldSz cy="6858000" cx="12192000"/>
   <p:notesSz cx="6858000" cy="9144000"/>
   <p:embeddedFontLst>
     <p:embeddedFont>
-      <p:font typeface="Calibri" panose="020F0502020204030204" pitchFamily="34" charset="0"/>
-      <p:regular r:id="rId8"/>
-      <p:bold r:id="rId9"/>
-      <p:italic r:id="rId10"/>
-      <p:boldItalic r:id="rId11"/>
+      <p:font typeface="Rubik Medium"/>
+      <p:regular r:id="rId10"/>
+      <p:bold r:id="rId11"/>
+      <p:italic r:id="rId12"/>
+      <p:boldItalic r:id="rId13"/>
     </p:embeddedFont>
     <p:embeddedFont>
-      <p:font typeface="Helvetica Neue" panose="02000503000000020004" pitchFamily="2" charset="0"/>
-      <p:regular r:id="rId12"/>
-      <p:bold r:id="rId13"/>
-      <p:italic r:id="rId14"/>
-      <p:boldItalic r:id="rId15"/>
+      <p:font typeface="Helvetica Neue"/>
+      <p:regular r:id="rId14"/>
+      <p:bold r:id="rId15"/>
+      <p:italic r:id="rId16"/>
+      <p:boldItalic r:id="rId17"/>
     </p:embeddedFont>
     <p:embeddedFont>
-      <p:font typeface="Helvetica Neue Light" panose="02000403000000020004" pitchFamily="2" charset="0"/>
-      <p:regular r:id="rId16"/>
-      <p:bold r:id="rId17"/>
-      <p:italic r:id="rId18"/>
-      <p:boldItalic r:id="rId19"/>
+      <p:font typeface="Rubik"/>
+      <p:regular r:id="rId18"/>
+      <p:bold r:id="rId19"/>
+      <p:italic r:id="rId20"/>
+      <p:boldItalic r:id="rId21"/>
     </p:embeddedFont>
     <p:embeddedFont>
-      <p:font typeface="Merriweather Sans" pitchFamily="2" charset="77"/>
-      <p:regular r:id="rId20"/>
-      <p:bold r:id="rId21"/>
-      <p:italic r:id="rId22"/>
-      <p:boldItalic r:id="rId23"/>
-    </p:embeddedFont>
-    <p:embeddedFont>
-      <p:font typeface="Rubik" pitchFamily="2" charset="-79"/>
-      <p:regular r:id="rId24"/>
-      <p:bold r:id="rId25"/>
-      <p:italic r:id="rId26"/>
-      <p:boldItalic r:id="rId27"/>
-    </p:embeddedFont>
-    <p:embeddedFont>
-      <p:font typeface="Rubik Medium" pitchFamily="2" charset="-79"/>
-      <p:regular r:id="rId28"/>
-      <p:bold r:id="rId29"/>
-      <p:italic r:id="rId30"/>
-      <p:boldItalic r:id="rId31"/>
+      <p:font typeface="Helvetica Neue Light"/>
+      <p:regular r:id="rId22"/>
+      <p:bold r:id="rId23"/>
+      <p:italic r:id="rId24"/>
+      <p:boldItalic r:id="rId25"/>
     </p:embeddedFont>
   </p:embeddedFontLst>
   <p:defaultTextStyle>
-    <a:defPPr marR="0" lvl="0" algn="l" rtl="0">
+    <a:defPPr lvl="0" marR="0" rtl="0" algn="l">
       <a:lnSpc>
         <a:spcPct val="100000"/>
       </a:lnSpc>
@@ -72,7 +58,7 @@
         <a:spcPts val="0"/>
       </a:spcAft>
     </a:defPPr>
-    <a:lvl1pPr marR="0" lvl="0" algn="l" rtl="0">
+    <a:lvl1pPr lvl="0" marR="0" rtl="0" algn="l">
       <a:lnSpc>
         <a:spcPct val="100000"/>
       </a:lnSpc>
@@ -86,7 +72,7 @@
         <a:srgbClr val="000000"/>
       </a:buClr>
       <a:buFont typeface="Arial"/>
-      <a:defRPr sz="1400" b="0" i="0" u="none" strike="noStrike" cap="none">
+      <a:defRPr b="0" i="0" sz="1400" u="none" cap="none" strike="noStrike">
         <a:solidFill>
           <a:srgbClr val="000000"/>
         </a:solidFill>
@@ -96,7 +82,7 @@
         <a:sym typeface="Arial"/>
       </a:defRPr>
     </a:lvl1pPr>
-    <a:lvl2pPr marR="0" lvl="1" algn="l" rtl="0">
+    <a:lvl2pPr lvl="1" marR="0" rtl="0" algn="l">
       <a:lnSpc>
         <a:spcPct val="100000"/>
       </a:lnSpc>
@@ -110,7 +96,7 @@
         <a:srgbClr val="000000"/>
       </a:buClr>
       <a:buFont typeface="Arial"/>
-      <a:defRPr sz="1400" b="0" i="0" u="none" strike="noStrike" cap="none">
+      <a:defRPr b="0" i="0" sz="1400" u="none" cap="none" strike="noStrike">
         <a:solidFill>
           <a:srgbClr val="000000"/>
         </a:solidFill>
@@ -120,7 +106,7 @@
         <a:sym typeface="Arial"/>
       </a:defRPr>
     </a:lvl2pPr>
-    <a:lvl3pPr marR="0" lvl="2" algn="l" rtl="0">
+    <a:lvl3pPr lvl="2" marR="0" rtl="0" algn="l">
       <a:lnSpc>
         <a:spcPct val="100000"/>
       </a:lnSpc>
@@ -134,7 +120,7 @@
         <a:srgbClr val="000000"/>
       </a:buClr>
       <a:buFont typeface="Arial"/>
-      <a:defRPr sz="1400" b="0" i="0" u="none" strike="noStrike" cap="none">
+      <a:defRPr b="0" i="0" sz="1400" u="none" cap="none" strike="noStrike">
         <a:solidFill>
           <a:srgbClr val="000000"/>
         </a:solidFill>
@@ -144,7 +130,7 @@
         <a:sym typeface="Arial"/>
       </a:defRPr>
     </a:lvl3pPr>
-    <a:lvl4pPr marR="0" lvl="3" algn="l" rtl="0">
+    <a:lvl4pPr lvl="3" marR="0" rtl="0" algn="l">
       <a:lnSpc>
         <a:spcPct val="100000"/>
       </a:lnSpc>
@@ -158,7 +144,7 @@
         <a:srgbClr val="000000"/>
       </a:buClr>
       <a:buFont typeface="Arial"/>
-      <a:defRPr sz="1400" b="0" i="0" u="none" strike="noStrike" cap="none">
+      <a:defRPr b="0" i="0" sz="1400" u="none" cap="none" strike="noStrike">
         <a:solidFill>
           <a:srgbClr val="000000"/>
         </a:solidFill>
@@ -168,7 +154,7 @@
         <a:sym typeface="Arial"/>
       </a:defRPr>
     </a:lvl4pPr>
-    <a:lvl5pPr marR="0" lvl="4" algn="l" rtl="0">
+    <a:lvl5pPr lvl="4" marR="0" rtl="0" algn="l">
       <a:lnSpc>
         <a:spcPct val="100000"/>
       </a:lnSpc>
@@ -182,7 +168,7 @@
         <a:srgbClr val="000000"/>
       </a:buClr>
       <a:buFont typeface="Arial"/>
-      <a:defRPr sz="1400" b="0" i="0" u="none" strike="noStrike" cap="none">
+      <a:defRPr b="0" i="0" sz="1400" u="none" cap="none" strike="noStrike">
         <a:solidFill>
           <a:srgbClr val="000000"/>
         </a:solidFill>
@@ -192,7 +178,7 @@
         <a:sym typeface="Arial"/>
       </a:defRPr>
     </a:lvl5pPr>
-    <a:lvl6pPr marR="0" lvl="5" algn="l" rtl="0">
+    <a:lvl6pPr lvl="5" marR="0" rtl="0" algn="l">
       <a:lnSpc>
         <a:spcPct val="100000"/>
       </a:lnSpc>
@@ -206,7 +192,7 @@
         <a:srgbClr val="000000"/>
       </a:buClr>
       <a:buFont typeface="Arial"/>
-      <a:defRPr sz="1400" b="0" i="0" u="none" strike="noStrike" cap="none">
+      <a:defRPr b="0" i="0" sz="1400" u="none" cap="none" strike="noStrike">
         <a:solidFill>
           <a:srgbClr val="000000"/>
         </a:solidFill>
@@ -216,7 +202,7 @@
         <a:sym typeface="Arial"/>
       </a:defRPr>
     </a:lvl6pPr>
-    <a:lvl7pPr marR="0" lvl="6" algn="l" rtl="0">
+    <a:lvl7pPr lvl="6" marR="0" rtl="0" algn="l">
       <a:lnSpc>
         <a:spcPct val="100000"/>
       </a:lnSpc>
@@ -230,7 +216,7 @@
         <a:srgbClr val="000000"/>
       </a:buClr>
       <a:buFont typeface="Arial"/>
-      <a:defRPr sz="1400" b="0" i="0" u="none" strike="noStrike" cap="none">
+      <a:defRPr b="0" i="0" sz="1400" u="none" cap="none" strike="noStrike">
         <a:solidFill>
           <a:srgbClr val="000000"/>
         </a:solidFill>
@@ -240,7 +226,7 @@
         <a:sym typeface="Arial"/>
       </a:defRPr>
     </a:lvl7pPr>
-    <a:lvl8pPr marR="0" lvl="7" algn="l" rtl="0">
+    <a:lvl8pPr lvl="7" marR="0" rtl="0" algn="l">
       <a:lnSpc>
         <a:spcPct val="100000"/>
       </a:lnSpc>
@@ -254,7 +240,7 @@
         <a:srgbClr val="000000"/>
       </a:buClr>
       <a:buFont typeface="Arial"/>
-      <a:defRPr sz="1400" b="0" i="0" u="none" strike="noStrike" cap="none">
+      <a:defRPr b="0" i="0" sz="1400" u="none" cap="none" strike="noStrike">
         <a:solidFill>
           <a:srgbClr val="000000"/>
         </a:solidFill>
@@ -264,7 +250,7 @@
         <a:sym typeface="Arial"/>
       </a:defRPr>
     </a:lvl8pPr>
-    <a:lvl9pPr marR="0" lvl="8" algn="l" rtl="0">
+    <a:lvl9pPr lvl="8" marR="0" rtl="0" algn="l">
       <a:lnSpc>
         <a:spcPct val="100000"/>
       </a:lnSpc>
@@ -278,7 +264,7 @@
         <a:srgbClr val="000000"/>
       </a:buClr>
       <a:buFont typeface="Arial"/>
-      <a:defRPr sz="1400" b="0" i="0" u="none" strike="noStrike" cap="none">
+      <a:defRPr b="0" i="0" sz="1400" u="none" cap="none" strike="noStrike">
         <a:solidFill>
           <a:srgbClr val="000000"/>
         </a:solidFill>
@@ -291,23 +277,25 @@
   </p:defaultTextStyle>
   <p:extLst>
     <p:ext uri="http://customooxmlschemas.google.com/">
-      <go:slidesCustomData xmlns:go="http://customooxmlschemas.google.com/" xmlns:ahyp="http://schemas.microsoft.com/office/drawing/2018/hyperlinkcolor" xmlns:p15="http://schemas.microsoft.com/office/powerpoint/2012/main" xmlns:p14="http://schemas.microsoft.com/office/powerpoint/2010/main" xmlns:com="http://schemas.openxmlformats.org/drawingml/2006/compatibility" xmlns:pvml="urn:schemas-microsoft-com:office:powerpoint" xmlns:v="urn:schemas-microsoft-com:vml" xmlns:o="urn:schemas-microsoft-com:office:office" xmlns:dgm="http://schemas.openxmlformats.org/drawingml/2006/diagram" xmlns:c="http://schemas.openxmlformats.org/drawingml/2006/chart" xmlns:mv="urn:schemas-microsoft-com:mac:vml" xmlns:mc="http://schemas.openxmlformats.org/markup-compatibility/2006" xmlns="" r:id="rId32" roundtripDataSignature="AMtx7mi087eNyXNdCFDRgZClvQsXLv6EvQ=="/>
+      <go:slidesCustomData xmlns:go="http://customooxmlschemas.google.com/" r:id="rId26" roundtripDataSignature="AMtx7mg3lOBfWtt4FAZwApZ87wpP8D8Uuw=="/>
     </p:ext>
   </p:extLst>
 </p:presentation>
 </file>
 
 <file path=ppt/notesMasters/notesMaster1.xml><?xml version="1.0" encoding="utf-8"?>
-<p:notesMaster xmlns:a="http://schemas.openxmlformats.org/drawingml/2006/main" xmlns:r="http://schemas.openxmlformats.org/officeDocument/2006/relationships" xmlns:p="http://schemas.openxmlformats.org/presentationml/2006/main">
+<p:notesMaster xmlns:a="http://schemas.openxmlformats.org/drawingml/2006/main" xmlns:r="http://schemas.openxmlformats.org/officeDocument/2006/relationships" xmlns:mc="http://schemas.openxmlformats.org/markup-compatibility/2006" xmlns:mv="urn:schemas-microsoft-com:mac:vml" xmlns:p="http://schemas.openxmlformats.org/presentationml/2006/main" xmlns:c="http://schemas.openxmlformats.org/drawingml/2006/chart" xmlns:dgm="http://schemas.openxmlformats.org/drawingml/2006/diagram" xmlns:o="urn:schemas-microsoft-com:office:office" xmlns:v="urn:schemas-microsoft-com:vml" xmlns:pvml="urn:schemas-microsoft-com:office:powerpoint" xmlns:com="http://schemas.openxmlformats.org/drawingml/2006/compatibility" xmlns:p14="http://schemas.microsoft.com/office/powerpoint/2010/main" xmlns:p15="http://schemas.microsoft.com/office/powerpoint/2012/main" xmlns:ahyp="http://schemas.microsoft.com/office/drawing/2018/hyperlinkcolor">
   <p:cSld>
     <p:bg>
-      <p:bgRef idx="1001">
-        <a:schemeClr val="bg1"/>
-      </p:bgRef>
+      <p:bgPr>
+        <a:solidFill>
+          <a:schemeClr val="lt1"/>
+        </a:solidFill>
+      </p:bgPr>
     </p:bg>
     <p:spTree>
       <p:nvGrpSpPr>
-        <p:cNvPr id="1" name="Shape 2"/>
+        <p:cNvPr id="2" name="Shape 2"/>
         <p:cNvGrpSpPr/>
         <p:nvPr/>
       </p:nvGrpSpPr>
@@ -322,11 +310,9 @@
       <p:sp>
         <p:nvSpPr>
           <p:cNvPr id="3" name="Google Shape;3;n"/>
-          <p:cNvSpPr>
-            <a:spLocks noGrp="1" noRot="1" noChangeAspect="1"/>
-          </p:cNvSpPr>
+          <p:cNvSpPr/>
           <p:nvPr>
-            <p:ph type="sldImg" idx="2"/>
+            <p:ph idx="2" type="sldImg"/>
           </p:nvPr>
         </p:nvSpPr>
         <p:spPr>
@@ -335,13 +321,9 @@
             <a:ext cx="4572225" cy="3429000"/>
           </a:xfrm>
           <a:custGeom>
-            <a:avLst/>
-            <a:gdLst/>
-            <a:ahLst/>
-            <a:cxnLst/>
-            <a:rect l="l" t="t" r="r" b="b"/>
+            <a:rect b="b" l="l" r="r" t="t"/>
             <a:pathLst>
-              <a:path w="120000" h="120000" extrusionOk="0">
+              <a:path extrusionOk="0" h="120000" w="120000">
                 <a:moveTo>
                   <a:pt x="0" y="0"/>
                 </a:moveTo>
@@ -359,25 +341,23 @@
             </a:pathLst>
           </a:custGeom>
           <a:noFill/>
-          <a:ln w="9525" cap="flat" cmpd="sng">
+          <a:ln cap="flat" cmpd="sng" w="9525">
             <a:solidFill>
               <a:srgbClr val="000000"/>
             </a:solidFill>
             <a:prstDash val="solid"/>
             <a:round/>
-            <a:headEnd type="none" w="sm" len="sm"/>
-            <a:tailEnd type="none" w="sm" len="sm"/>
+            <a:headEnd len="sm" w="sm" type="none"/>
+            <a:tailEnd len="sm" w="sm" type="none"/>
           </a:ln>
         </p:spPr>
       </p:sp>
       <p:sp>
         <p:nvSpPr>
           <p:cNvPr id="4" name="Google Shape;4;n"/>
-          <p:cNvSpPr txBox="1">
-            <a:spLocks noGrp="1"/>
-          </p:cNvSpPr>
+          <p:cNvSpPr txBox="1"/>
           <p:nvPr>
-            <p:ph type="body" idx="1"/>
+            <p:ph idx="1" type="body"/>
           </p:nvPr>
         </p:nvSpPr>
         <p:spPr>
@@ -394,120 +374,253 @@
           </a:ln>
         </p:spPr>
         <p:txBody>
-          <a:bodyPr spcFirstLastPara="1" wrap="square" lIns="91425" tIns="91425" rIns="91425" bIns="91425" anchor="t" anchorCtr="0">
+          <a:bodyPr anchorCtr="0" anchor="t" bIns="91425" lIns="91425" spcFirstLastPara="1" rIns="91425" wrap="square" tIns="91425">
             <a:noAutofit/>
           </a:bodyPr>
           <a:lstStyle>
-            <a:lvl1pPr marL="457200" lvl="0" indent="-298450">
-              <a:spcBef>
-                <a:spcPts val="0"/>
-              </a:spcBef>
-              <a:spcAft>
-                <a:spcPts val="0"/>
-              </a:spcAft>
+            <a:lvl1pPr indent="-298450" lvl="0" marL="457200" marR="0" rtl="0" algn="l">
+              <a:lnSpc>
+                <a:spcPct val="100000"/>
+              </a:lnSpc>
+              <a:spcBef>
+                <a:spcPts val="0"/>
+              </a:spcBef>
+              <a:spcAft>
+                <a:spcPts val="0"/>
+              </a:spcAft>
+              <a:buClr>
+                <a:srgbClr val="000000"/>
+              </a:buClr>
               <a:buSzPts val="1100"/>
+              <a:buFont typeface="Arial"/>
               <a:buChar char="●"/>
-              <a:defRPr sz="1100"/>
+              <a:defRPr b="0" i="0" sz="1100" u="none" cap="none" strike="noStrike">
+                <a:solidFill>
+                  <a:srgbClr val="000000"/>
+                </a:solidFill>
+                <a:latin typeface="Arial"/>
+                <a:ea typeface="Arial"/>
+                <a:cs typeface="Arial"/>
+                <a:sym typeface="Arial"/>
+              </a:defRPr>
             </a:lvl1pPr>
-            <a:lvl2pPr marL="914400" lvl="1" indent="-298450">
-              <a:spcBef>
-                <a:spcPts val="0"/>
-              </a:spcBef>
-              <a:spcAft>
-                <a:spcPts val="0"/>
-              </a:spcAft>
+            <a:lvl2pPr indent="-298450" lvl="1" marL="914400" marR="0" rtl="0" algn="l">
+              <a:lnSpc>
+                <a:spcPct val="100000"/>
+              </a:lnSpc>
+              <a:spcBef>
+                <a:spcPts val="0"/>
+              </a:spcBef>
+              <a:spcAft>
+                <a:spcPts val="0"/>
+              </a:spcAft>
+              <a:buClr>
+                <a:srgbClr val="000000"/>
+              </a:buClr>
               <a:buSzPts val="1100"/>
+              <a:buFont typeface="Arial"/>
               <a:buChar char="○"/>
-              <a:defRPr sz="1100"/>
+              <a:defRPr b="0" i="0" sz="1100" u="none" cap="none" strike="noStrike">
+                <a:solidFill>
+                  <a:srgbClr val="000000"/>
+                </a:solidFill>
+                <a:latin typeface="Arial"/>
+                <a:ea typeface="Arial"/>
+                <a:cs typeface="Arial"/>
+                <a:sym typeface="Arial"/>
+              </a:defRPr>
             </a:lvl2pPr>
-            <a:lvl3pPr marL="1371600" lvl="2" indent="-298450">
-              <a:spcBef>
-                <a:spcPts val="0"/>
-              </a:spcBef>
-              <a:spcAft>
-                <a:spcPts val="0"/>
-              </a:spcAft>
+            <a:lvl3pPr indent="-298450" lvl="2" marL="1371600" marR="0" rtl="0" algn="l">
+              <a:lnSpc>
+                <a:spcPct val="100000"/>
+              </a:lnSpc>
+              <a:spcBef>
+                <a:spcPts val="0"/>
+              </a:spcBef>
+              <a:spcAft>
+                <a:spcPts val="0"/>
+              </a:spcAft>
+              <a:buClr>
+                <a:srgbClr val="000000"/>
+              </a:buClr>
               <a:buSzPts val="1100"/>
+              <a:buFont typeface="Arial"/>
               <a:buChar char="■"/>
-              <a:defRPr sz="1100"/>
+              <a:defRPr b="0" i="0" sz="1100" u="none" cap="none" strike="noStrike">
+                <a:solidFill>
+                  <a:srgbClr val="000000"/>
+                </a:solidFill>
+                <a:latin typeface="Arial"/>
+                <a:ea typeface="Arial"/>
+                <a:cs typeface="Arial"/>
+                <a:sym typeface="Arial"/>
+              </a:defRPr>
             </a:lvl3pPr>
-            <a:lvl4pPr marL="1828800" lvl="3" indent="-298450">
-              <a:spcBef>
-                <a:spcPts val="0"/>
-              </a:spcBef>
-              <a:spcAft>
-                <a:spcPts val="0"/>
-              </a:spcAft>
+            <a:lvl4pPr indent="-298450" lvl="3" marL="1828800" marR="0" rtl="0" algn="l">
+              <a:lnSpc>
+                <a:spcPct val="100000"/>
+              </a:lnSpc>
+              <a:spcBef>
+                <a:spcPts val="0"/>
+              </a:spcBef>
+              <a:spcAft>
+                <a:spcPts val="0"/>
+              </a:spcAft>
+              <a:buClr>
+                <a:srgbClr val="000000"/>
+              </a:buClr>
               <a:buSzPts val="1100"/>
+              <a:buFont typeface="Arial"/>
               <a:buChar char="●"/>
-              <a:defRPr sz="1100"/>
+              <a:defRPr b="0" i="0" sz="1100" u="none" cap="none" strike="noStrike">
+                <a:solidFill>
+                  <a:srgbClr val="000000"/>
+                </a:solidFill>
+                <a:latin typeface="Arial"/>
+                <a:ea typeface="Arial"/>
+                <a:cs typeface="Arial"/>
+                <a:sym typeface="Arial"/>
+              </a:defRPr>
             </a:lvl4pPr>
-            <a:lvl5pPr marL="2286000" lvl="4" indent="-298450">
-              <a:spcBef>
-                <a:spcPts val="0"/>
-              </a:spcBef>
-              <a:spcAft>
-                <a:spcPts val="0"/>
-              </a:spcAft>
+            <a:lvl5pPr indent="-298450" lvl="4" marL="2286000" marR="0" rtl="0" algn="l">
+              <a:lnSpc>
+                <a:spcPct val="100000"/>
+              </a:lnSpc>
+              <a:spcBef>
+                <a:spcPts val="0"/>
+              </a:spcBef>
+              <a:spcAft>
+                <a:spcPts val="0"/>
+              </a:spcAft>
+              <a:buClr>
+                <a:srgbClr val="000000"/>
+              </a:buClr>
               <a:buSzPts val="1100"/>
+              <a:buFont typeface="Arial"/>
               <a:buChar char="○"/>
-              <a:defRPr sz="1100"/>
+              <a:defRPr b="0" i="0" sz="1100" u="none" cap="none" strike="noStrike">
+                <a:solidFill>
+                  <a:srgbClr val="000000"/>
+                </a:solidFill>
+                <a:latin typeface="Arial"/>
+                <a:ea typeface="Arial"/>
+                <a:cs typeface="Arial"/>
+                <a:sym typeface="Arial"/>
+              </a:defRPr>
             </a:lvl5pPr>
-            <a:lvl6pPr marL="2743200" lvl="5" indent="-298450">
-              <a:spcBef>
-                <a:spcPts val="0"/>
-              </a:spcBef>
-              <a:spcAft>
-                <a:spcPts val="0"/>
-              </a:spcAft>
+            <a:lvl6pPr indent="-298450" lvl="5" marL="2743200" marR="0" rtl="0" algn="l">
+              <a:lnSpc>
+                <a:spcPct val="100000"/>
+              </a:lnSpc>
+              <a:spcBef>
+                <a:spcPts val="0"/>
+              </a:spcBef>
+              <a:spcAft>
+                <a:spcPts val="0"/>
+              </a:spcAft>
+              <a:buClr>
+                <a:srgbClr val="000000"/>
+              </a:buClr>
               <a:buSzPts val="1100"/>
+              <a:buFont typeface="Arial"/>
               <a:buChar char="■"/>
-              <a:defRPr sz="1100"/>
+              <a:defRPr b="0" i="0" sz="1100" u="none" cap="none" strike="noStrike">
+                <a:solidFill>
+                  <a:srgbClr val="000000"/>
+                </a:solidFill>
+                <a:latin typeface="Arial"/>
+                <a:ea typeface="Arial"/>
+                <a:cs typeface="Arial"/>
+                <a:sym typeface="Arial"/>
+              </a:defRPr>
             </a:lvl6pPr>
-            <a:lvl7pPr marL="3200400" lvl="6" indent="-298450">
-              <a:spcBef>
-                <a:spcPts val="0"/>
-              </a:spcBef>
-              <a:spcAft>
-                <a:spcPts val="0"/>
-              </a:spcAft>
+            <a:lvl7pPr indent="-298450" lvl="6" marL="3200400" marR="0" rtl="0" algn="l">
+              <a:lnSpc>
+                <a:spcPct val="100000"/>
+              </a:lnSpc>
+              <a:spcBef>
+                <a:spcPts val="0"/>
+              </a:spcBef>
+              <a:spcAft>
+                <a:spcPts val="0"/>
+              </a:spcAft>
+              <a:buClr>
+                <a:srgbClr val="000000"/>
+              </a:buClr>
               <a:buSzPts val="1100"/>
+              <a:buFont typeface="Arial"/>
               <a:buChar char="●"/>
-              <a:defRPr sz="1100"/>
+              <a:defRPr b="0" i="0" sz="1100" u="none" cap="none" strike="noStrike">
+                <a:solidFill>
+                  <a:srgbClr val="000000"/>
+                </a:solidFill>
+                <a:latin typeface="Arial"/>
+                <a:ea typeface="Arial"/>
+                <a:cs typeface="Arial"/>
+                <a:sym typeface="Arial"/>
+              </a:defRPr>
             </a:lvl7pPr>
-            <a:lvl8pPr marL="3657600" lvl="7" indent="-298450">
-              <a:spcBef>
-                <a:spcPts val="0"/>
-              </a:spcBef>
-              <a:spcAft>
-                <a:spcPts val="0"/>
-              </a:spcAft>
+            <a:lvl8pPr indent="-298450" lvl="7" marL="3657600" marR="0" rtl="0" algn="l">
+              <a:lnSpc>
+                <a:spcPct val="100000"/>
+              </a:lnSpc>
+              <a:spcBef>
+                <a:spcPts val="0"/>
+              </a:spcBef>
+              <a:spcAft>
+                <a:spcPts val="0"/>
+              </a:spcAft>
+              <a:buClr>
+                <a:srgbClr val="000000"/>
+              </a:buClr>
               <a:buSzPts val="1100"/>
+              <a:buFont typeface="Arial"/>
               <a:buChar char="○"/>
-              <a:defRPr sz="1100"/>
+              <a:defRPr b="0" i="0" sz="1100" u="none" cap="none" strike="noStrike">
+                <a:solidFill>
+                  <a:srgbClr val="000000"/>
+                </a:solidFill>
+                <a:latin typeface="Arial"/>
+                <a:ea typeface="Arial"/>
+                <a:cs typeface="Arial"/>
+                <a:sym typeface="Arial"/>
+              </a:defRPr>
             </a:lvl8pPr>
-            <a:lvl9pPr marL="4114800" lvl="8" indent="-298450">
-              <a:spcBef>
-                <a:spcPts val="0"/>
-              </a:spcBef>
-              <a:spcAft>
-                <a:spcPts val="0"/>
-              </a:spcAft>
+            <a:lvl9pPr indent="-298450" lvl="8" marL="4114800" marR="0" rtl="0" algn="l">
+              <a:lnSpc>
+                <a:spcPct val="100000"/>
+              </a:lnSpc>
+              <a:spcBef>
+                <a:spcPts val="0"/>
+              </a:spcBef>
+              <a:spcAft>
+                <a:spcPts val="0"/>
+              </a:spcAft>
+              <a:buClr>
+                <a:srgbClr val="000000"/>
+              </a:buClr>
               <a:buSzPts val="1100"/>
+              <a:buFont typeface="Arial"/>
               <a:buChar char="■"/>
-              <a:defRPr sz="1100"/>
+              <a:defRPr b="0" i="0" sz="1100" u="none" cap="none" strike="noStrike">
+                <a:solidFill>
+                  <a:srgbClr val="000000"/>
+                </a:solidFill>
+                <a:latin typeface="Arial"/>
+                <a:ea typeface="Arial"/>
+                <a:cs typeface="Arial"/>
+                <a:sym typeface="Arial"/>
+              </a:defRPr>
             </a:lvl9pPr>
           </a:lstStyle>
-          <a:p>
-            <a:endParaRPr/>
-          </a:p>
+          <a:p/>
         </p:txBody>
       </p:sp>
     </p:spTree>
   </p:cSld>
-  <p:clrMap bg1="lt1" tx1="dk1" bg2="dk2" tx2="lt2" accent1="accent1" accent2="accent2" accent3="accent3" accent4="accent4" accent5="accent5" accent6="accent6" hlink="hlink" folHlink="folHlink"/>
+  <p:clrMap accent1="accent1" accent2="accent2" accent3="accent3" accent4="accent4" accent5="accent5" accent6="accent6" bg1="lt1" bg2="dk2" tx1="dk1" tx2="lt2" folHlink="folHlink" hlink="hlink"/>
   <p:notesStyle>
-    <a:defPPr marR="0" lvl="0" algn="l" rtl="0">
+    <a:defPPr lvl="0" marR="0" rtl="0" algn="l">
       <a:lnSpc>
         <a:spcPct val="100000"/>
       </a:lnSpc>
@@ -518,7 +631,7 @@
         <a:spcPts val="0"/>
       </a:spcAft>
     </a:defPPr>
-    <a:lvl1pPr marR="0" lvl="0" algn="l" rtl="0">
+    <a:lvl1pPr lvl="0" marR="0" rtl="0" algn="l">
       <a:lnSpc>
         <a:spcPct val="100000"/>
       </a:lnSpc>
@@ -532,7 +645,7 @@
         <a:srgbClr val="000000"/>
       </a:buClr>
       <a:buFont typeface="Arial"/>
-      <a:defRPr sz="1400" b="0" i="0" u="none" strike="noStrike" cap="none">
+      <a:defRPr b="0" i="0" sz="1400" u="none" cap="none" strike="noStrike">
         <a:solidFill>
           <a:srgbClr val="000000"/>
         </a:solidFill>
@@ -542,7 +655,7 @@
         <a:sym typeface="Arial"/>
       </a:defRPr>
     </a:lvl1pPr>
-    <a:lvl2pPr marR="0" lvl="1" algn="l" rtl="0">
+    <a:lvl2pPr lvl="1" marR="0" rtl="0" algn="l">
       <a:lnSpc>
         <a:spcPct val="100000"/>
       </a:lnSpc>
@@ -556,7 +669,7 @@
         <a:srgbClr val="000000"/>
       </a:buClr>
       <a:buFont typeface="Arial"/>
-      <a:defRPr sz="1400" b="0" i="0" u="none" strike="noStrike" cap="none">
+      <a:defRPr b="0" i="0" sz="1400" u="none" cap="none" strike="noStrike">
         <a:solidFill>
           <a:srgbClr val="000000"/>
         </a:solidFill>
@@ -566,7 +679,7 @@
         <a:sym typeface="Arial"/>
       </a:defRPr>
     </a:lvl2pPr>
-    <a:lvl3pPr marR="0" lvl="2" algn="l" rtl="0">
+    <a:lvl3pPr lvl="2" marR="0" rtl="0" algn="l">
       <a:lnSpc>
         <a:spcPct val="100000"/>
       </a:lnSpc>
@@ -580,7 +693,7 @@
         <a:srgbClr val="000000"/>
       </a:buClr>
       <a:buFont typeface="Arial"/>
-      <a:defRPr sz="1400" b="0" i="0" u="none" strike="noStrike" cap="none">
+      <a:defRPr b="0" i="0" sz="1400" u="none" cap="none" strike="noStrike">
         <a:solidFill>
           <a:srgbClr val="000000"/>
         </a:solidFill>
@@ -590,7 +703,7 @@
         <a:sym typeface="Arial"/>
       </a:defRPr>
     </a:lvl3pPr>
-    <a:lvl4pPr marR="0" lvl="3" algn="l" rtl="0">
+    <a:lvl4pPr lvl="3" marR="0" rtl="0" algn="l">
       <a:lnSpc>
         <a:spcPct val="100000"/>
       </a:lnSpc>
@@ -604,7 +717,7 @@
         <a:srgbClr val="000000"/>
       </a:buClr>
       <a:buFont typeface="Arial"/>
-      <a:defRPr sz="1400" b="0" i="0" u="none" strike="noStrike" cap="none">
+      <a:defRPr b="0" i="0" sz="1400" u="none" cap="none" strike="noStrike">
         <a:solidFill>
           <a:srgbClr val="000000"/>
         </a:solidFill>
@@ -614,7 +727,7 @@
         <a:sym typeface="Arial"/>
       </a:defRPr>
     </a:lvl4pPr>
-    <a:lvl5pPr marR="0" lvl="4" algn="l" rtl="0">
+    <a:lvl5pPr lvl="4" marR="0" rtl="0" algn="l">
       <a:lnSpc>
         <a:spcPct val="100000"/>
       </a:lnSpc>
@@ -628,7 +741,7 @@
         <a:srgbClr val="000000"/>
       </a:buClr>
       <a:buFont typeface="Arial"/>
-      <a:defRPr sz="1400" b="0" i="0" u="none" strike="noStrike" cap="none">
+      <a:defRPr b="0" i="0" sz="1400" u="none" cap="none" strike="noStrike">
         <a:solidFill>
           <a:srgbClr val="000000"/>
         </a:solidFill>
@@ -638,7 +751,7 @@
         <a:sym typeface="Arial"/>
       </a:defRPr>
     </a:lvl5pPr>
-    <a:lvl6pPr marR="0" lvl="5" algn="l" rtl="0">
+    <a:lvl6pPr lvl="5" marR="0" rtl="0" algn="l">
       <a:lnSpc>
         <a:spcPct val="100000"/>
       </a:lnSpc>
@@ -652,7 +765,7 @@
         <a:srgbClr val="000000"/>
       </a:buClr>
       <a:buFont typeface="Arial"/>
-      <a:defRPr sz="1400" b="0" i="0" u="none" strike="noStrike" cap="none">
+      <a:defRPr b="0" i="0" sz="1400" u="none" cap="none" strike="noStrike">
         <a:solidFill>
           <a:srgbClr val="000000"/>
         </a:solidFill>
@@ -662,7 +775,7 @@
         <a:sym typeface="Arial"/>
       </a:defRPr>
     </a:lvl6pPr>
-    <a:lvl7pPr marR="0" lvl="6" algn="l" rtl="0">
+    <a:lvl7pPr lvl="6" marR="0" rtl="0" algn="l">
       <a:lnSpc>
         <a:spcPct val="100000"/>
       </a:lnSpc>
@@ -676,7 +789,7 @@
         <a:srgbClr val="000000"/>
       </a:buClr>
       <a:buFont typeface="Arial"/>
-      <a:defRPr sz="1400" b="0" i="0" u="none" strike="noStrike" cap="none">
+      <a:defRPr b="0" i="0" sz="1400" u="none" cap="none" strike="noStrike">
         <a:solidFill>
           <a:srgbClr val="000000"/>
         </a:solidFill>
@@ -686,7 +799,7 @@
         <a:sym typeface="Arial"/>
       </a:defRPr>
     </a:lvl7pPr>
-    <a:lvl8pPr marR="0" lvl="7" algn="l" rtl="0">
+    <a:lvl8pPr lvl="7" marR="0" rtl="0" algn="l">
       <a:lnSpc>
         <a:spcPct val="100000"/>
       </a:lnSpc>
@@ -700,7 +813,7 @@
         <a:srgbClr val="000000"/>
       </a:buClr>
       <a:buFont typeface="Arial"/>
-      <a:defRPr sz="1400" b="0" i="0" u="none" strike="noStrike" cap="none">
+      <a:defRPr b="0" i="0" sz="1400" u="none" cap="none" strike="noStrike">
         <a:solidFill>
           <a:srgbClr val="000000"/>
         </a:solidFill>
@@ -710,7 +823,7 @@
         <a:sym typeface="Arial"/>
       </a:defRPr>
     </a:lvl8pPr>
-    <a:lvl9pPr marR="0" lvl="8" algn="l" rtl="0">
+    <a:lvl9pPr lvl="8" marR="0" rtl="0" algn="l">
       <a:lnSpc>
         <a:spcPct val="100000"/>
       </a:lnSpc>
@@ -724,7 +837,7 @@
         <a:srgbClr val="000000"/>
       </a:buClr>
       <a:buFont typeface="Arial"/>
-      <a:defRPr sz="1400" b="0" i="0" u="none" strike="noStrike" cap="none">
+      <a:defRPr b="0" i="0" sz="1400" u="none" cap="none" strike="noStrike">
         <a:solidFill>
           <a:srgbClr val="000000"/>
         </a:solidFill>
@@ -739,11 +852,11 @@
 </file>
 
 <file path=ppt/notesSlides/notesSlide1.xml><?xml version="1.0" encoding="utf-8"?>
-<p:notes xmlns:a="http://schemas.openxmlformats.org/drawingml/2006/main" xmlns:r="http://schemas.openxmlformats.org/officeDocument/2006/relationships" xmlns:p="http://schemas.openxmlformats.org/presentationml/2006/main" showMasterSp="0" showMasterPhAnim="0">
+<p:notes xmlns:a="http://schemas.openxmlformats.org/drawingml/2006/main" xmlns:r="http://schemas.openxmlformats.org/officeDocument/2006/relationships" xmlns:mc="http://schemas.openxmlformats.org/markup-compatibility/2006" xmlns:mv="urn:schemas-microsoft-com:mac:vml" xmlns:p="http://schemas.openxmlformats.org/presentationml/2006/main" xmlns:c="http://schemas.openxmlformats.org/drawingml/2006/chart" xmlns:dgm="http://schemas.openxmlformats.org/drawingml/2006/diagram" xmlns:o="urn:schemas-microsoft-com:office:office" xmlns:v="urn:schemas-microsoft-com:vml" xmlns:pvml="urn:schemas-microsoft-com:office:powerpoint" xmlns:com="http://schemas.openxmlformats.org/drawingml/2006/compatibility" xmlns:p14="http://schemas.microsoft.com/office/powerpoint/2010/main" xmlns:p15="http://schemas.microsoft.com/office/powerpoint/2012/main" xmlns:ahyp="http://schemas.microsoft.com/office/drawing/2018/hyperlinkcolor" showMasterPhAnim="0" showMasterSp="0">
   <p:cSld>
     <p:spTree>
       <p:nvGrpSpPr>
-        <p:cNvPr id="1" name="Shape 48"/>
+        <p:cNvPr id="48" name="Shape 48"/>
         <p:cNvGrpSpPr/>
         <p:nvPr/>
       </p:nvGrpSpPr>
@@ -758,11 +871,9 @@
       <p:sp>
         <p:nvSpPr>
           <p:cNvPr id="49" name="Google Shape;49;p1:notes"/>
-          <p:cNvSpPr txBox="1">
-            <a:spLocks noGrp="1"/>
-          </p:cNvSpPr>
+          <p:cNvSpPr txBox="1"/>
           <p:nvPr>
-            <p:ph type="body" idx="1"/>
+            <p:ph idx="1" type="body"/>
           </p:nvPr>
         </p:nvSpPr>
         <p:spPr>
@@ -773,22 +884,33 @@
           <a:prstGeom prst="rect">
             <a:avLst/>
           </a:prstGeom>
+          <a:noFill/>
+          <a:ln>
+            <a:noFill/>
+          </a:ln>
         </p:spPr>
         <p:txBody>
-          <a:bodyPr spcFirstLastPara="1" wrap="square" lIns="91425" tIns="91425" rIns="91425" bIns="91425" anchor="t" anchorCtr="0">
+          <a:bodyPr anchorCtr="0" anchor="t" bIns="91425" lIns="91425" spcFirstLastPara="1" rIns="91425" wrap="square" tIns="91425">
             <a:noAutofit/>
           </a:bodyPr>
           <a:lstStyle/>
           <a:p>
-            <a:pPr marL="0" lvl="0" indent="0" algn="l" rtl="0">
-              <a:spcBef>
-                <a:spcPts val="0"/>
-              </a:spcBef>
-              <a:spcAft>
-                <a:spcPts val="0"/>
-              </a:spcAft>
+            <a:pPr indent="0" lvl="0" marL="0" rtl="0" algn="l">
+              <a:lnSpc>
+                <a:spcPct val="100000"/>
+              </a:lnSpc>
+              <a:spcBef>
+                <a:spcPts val="0"/>
+              </a:spcBef>
+              <a:spcAft>
+                <a:spcPts val="0"/>
+              </a:spcAft>
+              <a:buSzPts val="1100"/>
               <a:buNone/>
             </a:pPr>
+            <a:r>
+              <a:t/>
+            </a:r>
             <a:endParaRPr/>
           </a:p>
         </p:txBody>
@@ -796,11 +918,9 @@
       <p:sp>
         <p:nvSpPr>
           <p:cNvPr id="50" name="Google Shape;50;p1:notes"/>
-          <p:cNvSpPr>
-            <a:spLocks noGrp="1" noRot="1" noChangeAspect="1"/>
-          </p:cNvSpPr>
+          <p:cNvSpPr/>
           <p:nvPr>
-            <p:ph type="sldImg" idx="2"/>
+            <p:ph idx="2" type="sldImg"/>
           </p:nvPr>
         </p:nvSpPr>
         <p:spPr>
@@ -809,13 +929,9 @@
             <a:ext cx="4572225" cy="3429000"/>
           </a:xfrm>
           <a:custGeom>
-            <a:avLst/>
-            <a:gdLst/>
-            <a:ahLst/>
-            <a:cxnLst/>
-            <a:rect l="l" t="t" r="r" b="b"/>
+            <a:rect b="b" l="l" r="r" t="t"/>
             <a:pathLst>
-              <a:path w="120000" h="120000" extrusionOk="0">
+              <a:path extrusionOk="0" h="120000" w="120000">
                 <a:moveTo>
                   <a:pt x="0" y="0"/>
                 </a:moveTo>
@@ -832,6 +948,16 @@
               </a:path>
             </a:pathLst>
           </a:custGeom>
+          <a:noFill/>
+          <a:ln cap="flat" cmpd="sng" w="9525">
+            <a:solidFill>
+              <a:srgbClr val="000000"/>
+            </a:solidFill>
+            <a:prstDash val="solid"/>
+            <a:round/>
+            <a:headEnd len="sm" w="sm" type="none"/>
+            <a:tailEnd len="sm" w="sm" type="none"/>
+          </a:ln>
         </p:spPr>
       </p:sp>
     </p:spTree>
@@ -843,11 +969,11 @@
 </file>
 
 <file path=ppt/notesSlides/notesSlide2.xml><?xml version="1.0" encoding="utf-8"?>
-<p:notes xmlns:a="http://schemas.openxmlformats.org/drawingml/2006/main" xmlns:r="http://schemas.openxmlformats.org/officeDocument/2006/relationships" xmlns:p="http://schemas.openxmlformats.org/presentationml/2006/main" showMasterSp="0" showMasterPhAnim="0">
+<p:notes xmlns:a="http://schemas.openxmlformats.org/drawingml/2006/main" xmlns:r="http://schemas.openxmlformats.org/officeDocument/2006/relationships" xmlns:mc="http://schemas.openxmlformats.org/markup-compatibility/2006" xmlns:mv="urn:schemas-microsoft-com:mac:vml" xmlns:p="http://schemas.openxmlformats.org/presentationml/2006/main" xmlns:c="http://schemas.openxmlformats.org/drawingml/2006/chart" xmlns:dgm="http://schemas.openxmlformats.org/drawingml/2006/diagram" xmlns:o="urn:schemas-microsoft-com:office:office" xmlns:v="urn:schemas-microsoft-com:vml" xmlns:pvml="urn:schemas-microsoft-com:office:powerpoint" xmlns:com="http://schemas.openxmlformats.org/drawingml/2006/compatibility" xmlns:p14="http://schemas.microsoft.com/office/powerpoint/2010/main" xmlns:p15="http://schemas.microsoft.com/office/powerpoint/2012/main" xmlns:ahyp="http://schemas.microsoft.com/office/drawing/2018/hyperlinkcolor" showMasterPhAnim="0" showMasterSp="0">
   <p:cSld>
     <p:spTree>
       <p:nvGrpSpPr>
-        <p:cNvPr id="1" name="Shape 54"/>
+        <p:cNvPr id="54" name="Shape 54"/>
         <p:cNvGrpSpPr/>
         <p:nvPr/>
       </p:nvGrpSpPr>
@@ -862,11 +988,9 @@
       <p:sp>
         <p:nvSpPr>
           <p:cNvPr id="55" name="Google Shape;55;p2:notes"/>
-          <p:cNvSpPr txBox="1">
-            <a:spLocks noGrp="1"/>
-          </p:cNvSpPr>
+          <p:cNvSpPr txBox="1"/>
           <p:nvPr>
-            <p:ph type="body" idx="1"/>
+            <p:ph idx="1" type="body"/>
           </p:nvPr>
         </p:nvSpPr>
         <p:spPr>
@@ -877,22 +1001,33 @@
           <a:prstGeom prst="rect">
             <a:avLst/>
           </a:prstGeom>
+          <a:noFill/>
+          <a:ln>
+            <a:noFill/>
+          </a:ln>
         </p:spPr>
         <p:txBody>
-          <a:bodyPr spcFirstLastPara="1" wrap="square" lIns="91425" tIns="91425" rIns="91425" bIns="91425" anchor="t" anchorCtr="0">
+          <a:bodyPr anchorCtr="0" anchor="t" bIns="91425" lIns="91425" spcFirstLastPara="1" rIns="91425" wrap="square" tIns="91425">
             <a:noAutofit/>
           </a:bodyPr>
           <a:lstStyle/>
           <a:p>
-            <a:pPr marL="0" lvl="0" indent="0" algn="l" rtl="0">
-              <a:spcBef>
-                <a:spcPts val="0"/>
-              </a:spcBef>
-              <a:spcAft>
-                <a:spcPts val="0"/>
-              </a:spcAft>
+            <a:pPr indent="0" lvl="0" marL="0" rtl="0" algn="l">
+              <a:lnSpc>
+                <a:spcPct val="100000"/>
+              </a:lnSpc>
+              <a:spcBef>
+                <a:spcPts val="0"/>
+              </a:spcBef>
+              <a:spcAft>
+                <a:spcPts val="0"/>
+              </a:spcAft>
+              <a:buSzPts val="1100"/>
               <a:buNone/>
             </a:pPr>
+            <a:r>
+              <a:t/>
+            </a:r>
             <a:endParaRPr/>
           </a:p>
         </p:txBody>
@@ -900,11 +1035,9 @@
       <p:sp>
         <p:nvSpPr>
           <p:cNvPr id="56" name="Google Shape;56;p2:notes"/>
-          <p:cNvSpPr>
-            <a:spLocks noGrp="1" noRot="1" noChangeAspect="1"/>
-          </p:cNvSpPr>
+          <p:cNvSpPr/>
           <p:nvPr>
-            <p:ph type="sldImg" idx="2"/>
+            <p:ph idx="2" type="sldImg"/>
           </p:nvPr>
         </p:nvSpPr>
         <p:spPr>
@@ -913,13 +1046,9 @@
             <a:ext cx="4572225" cy="3429000"/>
           </a:xfrm>
           <a:custGeom>
-            <a:avLst/>
-            <a:gdLst/>
-            <a:ahLst/>
-            <a:cxnLst/>
-            <a:rect l="l" t="t" r="r" b="b"/>
+            <a:rect b="b" l="l" r="r" t="t"/>
             <a:pathLst>
-              <a:path w="120000" h="120000" extrusionOk="0">
+              <a:path extrusionOk="0" h="120000" w="120000">
                 <a:moveTo>
                   <a:pt x="0" y="0"/>
                 </a:moveTo>
@@ -936,6 +1065,16 @@
               </a:path>
             </a:pathLst>
           </a:custGeom>
+          <a:noFill/>
+          <a:ln cap="flat" cmpd="sng" w="9525">
+            <a:solidFill>
+              <a:srgbClr val="000000"/>
+            </a:solidFill>
+            <a:prstDash val="solid"/>
+            <a:round/>
+            <a:headEnd len="sm" w="sm" type="none"/>
+            <a:tailEnd len="sm" w="sm" type="none"/>
+          </a:ln>
         </p:spPr>
       </p:sp>
     </p:spTree>
@@ -947,11 +1086,11 @@
 </file>
 
 <file path=ppt/notesSlides/notesSlide3.xml><?xml version="1.0" encoding="utf-8"?>
-<p:notes xmlns:a="http://schemas.openxmlformats.org/drawingml/2006/main" xmlns:r="http://schemas.openxmlformats.org/officeDocument/2006/relationships" xmlns:p="http://schemas.openxmlformats.org/presentationml/2006/main" showMasterSp="0" showMasterPhAnim="0">
+<p:notes xmlns:a="http://schemas.openxmlformats.org/drawingml/2006/main" xmlns:r="http://schemas.openxmlformats.org/officeDocument/2006/relationships" xmlns:mc="http://schemas.openxmlformats.org/markup-compatibility/2006" xmlns:mv="urn:schemas-microsoft-com:mac:vml" xmlns:p="http://schemas.openxmlformats.org/presentationml/2006/main" xmlns:c="http://schemas.openxmlformats.org/drawingml/2006/chart" xmlns:dgm="http://schemas.openxmlformats.org/drawingml/2006/diagram" xmlns:o="urn:schemas-microsoft-com:office:office" xmlns:v="urn:schemas-microsoft-com:vml" xmlns:pvml="urn:schemas-microsoft-com:office:powerpoint" xmlns:com="http://schemas.openxmlformats.org/drawingml/2006/compatibility" xmlns:p14="http://schemas.microsoft.com/office/powerpoint/2010/main" xmlns:p15="http://schemas.microsoft.com/office/powerpoint/2012/main" xmlns:ahyp="http://schemas.microsoft.com/office/drawing/2018/hyperlinkcolor" showMasterPhAnim="0" showMasterSp="0">
   <p:cSld>
     <p:spTree>
       <p:nvGrpSpPr>
-        <p:cNvPr id="1" name="Shape 65"/>
+        <p:cNvPr id="65" name="Shape 65"/>
         <p:cNvGrpSpPr/>
         <p:nvPr/>
       </p:nvGrpSpPr>
@@ -966,11 +1105,9 @@
       <p:sp>
         <p:nvSpPr>
           <p:cNvPr id="66" name="Google Shape;66;p3:notes"/>
-          <p:cNvSpPr txBox="1">
-            <a:spLocks noGrp="1"/>
-          </p:cNvSpPr>
+          <p:cNvSpPr txBox="1"/>
           <p:nvPr>
-            <p:ph type="body" idx="1"/>
+            <p:ph idx="1" type="body"/>
           </p:nvPr>
         </p:nvSpPr>
         <p:spPr>
@@ -981,22 +1118,33 @@
           <a:prstGeom prst="rect">
             <a:avLst/>
           </a:prstGeom>
+          <a:noFill/>
+          <a:ln>
+            <a:noFill/>
+          </a:ln>
         </p:spPr>
         <p:txBody>
-          <a:bodyPr spcFirstLastPara="1" wrap="square" lIns="91425" tIns="91425" rIns="91425" bIns="91425" anchor="t" anchorCtr="0">
+          <a:bodyPr anchorCtr="0" anchor="t" bIns="91425" lIns="91425" spcFirstLastPara="1" rIns="91425" wrap="square" tIns="91425">
             <a:noAutofit/>
           </a:bodyPr>
           <a:lstStyle/>
           <a:p>
-            <a:pPr marL="0" lvl="0" indent="0" algn="l" rtl="0">
-              <a:spcBef>
-                <a:spcPts val="0"/>
-              </a:spcBef>
-              <a:spcAft>
-                <a:spcPts val="0"/>
-              </a:spcAft>
+            <a:pPr indent="0" lvl="0" marL="0" rtl="0" algn="l">
+              <a:lnSpc>
+                <a:spcPct val="100000"/>
+              </a:lnSpc>
+              <a:spcBef>
+                <a:spcPts val="0"/>
+              </a:spcBef>
+              <a:spcAft>
+                <a:spcPts val="0"/>
+              </a:spcAft>
+              <a:buSzPts val="1100"/>
               <a:buNone/>
             </a:pPr>
+            <a:r>
+              <a:t/>
+            </a:r>
             <a:endParaRPr/>
           </a:p>
         </p:txBody>
@@ -1004,11 +1152,9 @@
       <p:sp>
         <p:nvSpPr>
           <p:cNvPr id="67" name="Google Shape;67;p3:notes"/>
-          <p:cNvSpPr>
-            <a:spLocks noGrp="1" noRot="1" noChangeAspect="1"/>
-          </p:cNvSpPr>
+          <p:cNvSpPr/>
           <p:nvPr>
-            <p:ph type="sldImg" idx="2"/>
+            <p:ph idx="2" type="sldImg"/>
           </p:nvPr>
         </p:nvSpPr>
         <p:spPr>
@@ -1017,13 +1163,9 @@
             <a:ext cx="4572225" cy="3429000"/>
           </a:xfrm>
           <a:custGeom>
-            <a:avLst/>
-            <a:gdLst/>
-            <a:ahLst/>
-            <a:cxnLst/>
-            <a:rect l="l" t="t" r="r" b="b"/>
+            <a:rect b="b" l="l" r="r" t="t"/>
             <a:pathLst>
-              <a:path w="120000" h="120000" extrusionOk="0">
+              <a:path extrusionOk="0" h="120000" w="120000">
                 <a:moveTo>
                   <a:pt x="0" y="0"/>
                 </a:moveTo>
@@ -1040,6 +1182,16 @@
               </a:path>
             </a:pathLst>
           </a:custGeom>
+          <a:noFill/>
+          <a:ln cap="flat" cmpd="sng" w="9525">
+            <a:solidFill>
+              <a:srgbClr val="000000"/>
+            </a:solidFill>
+            <a:prstDash val="solid"/>
+            <a:round/>
+            <a:headEnd len="sm" w="sm" type="none"/>
+            <a:tailEnd len="sm" w="sm" type="none"/>
+          </a:ln>
         </p:spPr>
       </p:sp>
     </p:spTree>
@@ -1051,11 +1203,11 @@
 </file>
 
 <file path=ppt/notesSlides/notesSlide4.xml><?xml version="1.0" encoding="utf-8"?>
-<p:notes xmlns:a="http://schemas.openxmlformats.org/drawingml/2006/main" xmlns:r="http://schemas.openxmlformats.org/officeDocument/2006/relationships" xmlns:p="http://schemas.openxmlformats.org/presentationml/2006/main" showMasterSp="0" showMasterPhAnim="0">
+<p:notes xmlns:a="http://schemas.openxmlformats.org/drawingml/2006/main" xmlns:r="http://schemas.openxmlformats.org/officeDocument/2006/relationships" xmlns:mc="http://schemas.openxmlformats.org/markup-compatibility/2006" xmlns:mv="urn:schemas-microsoft-com:mac:vml" xmlns:p="http://schemas.openxmlformats.org/presentationml/2006/main" xmlns:c="http://schemas.openxmlformats.org/drawingml/2006/chart" xmlns:dgm="http://schemas.openxmlformats.org/drawingml/2006/diagram" xmlns:o="urn:schemas-microsoft-com:office:office" xmlns:v="urn:schemas-microsoft-com:vml" xmlns:pvml="urn:schemas-microsoft-com:office:powerpoint" xmlns:com="http://schemas.openxmlformats.org/drawingml/2006/compatibility" xmlns:p14="http://schemas.microsoft.com/office/powerpoint/2010/main" xmlns:p15="http://schemas.microsoft.com/office/powerpoint/2012/main" xmlns:ahyp="http://schemas.microsoft.com/office/drawing/2018/hyperlinkcolor" showMasterPhAnim="0" showMasterSp="0">
   <p:cSld>
     <p:spTree>
       <p:nvGrpSpPr>
-        <p:cNvPr id="1" name="Shape 76"/>
+        <p:cNvPr id="76" name="Shape 76"/>
         <p:cNvGrpSpPr/>
         <p:nvPr/>
       </p:nvGrpSpPr>
@@ -1070,11 +1222,9 @@
       <p:sp>
         <p:nvSpPr>
           <p:cNvPr id="77" name="Google Shape;77;p4:notes"/>
-          <p:cNvSpPr txBox="1">
-            <a:spLocks noGrp="1"/>
-          </p:cNvSpPr>
+          <p:cNvSpPr txBox="1"/>
           <p:nvPr>
-            <p:ph type="body" idx="1"/>
+            <p:ph idx="1" type="body"/>
           </p:nvPr>
         </p:nvSpPr>
         <p:spPr>
@@ -1085,22 +1235,33 @@
           <a:prstGeom prst="rect">
             <a:avLst/>
           </a:prstGeom>
+          <a:noFill/>
+          <a:ln>
+            <a:noFill/>
+          </a:ln>
         </p:spPr>
         <p:txBody>
-          <a:bodyPr spcFirstLastPara="1" wrap="square" lIns="91425" tIns="91425" rIns="91425" bIns="91425" anchor="t" anchorCtr="0">
+          <a:bodyPr anchorCtr="0" anchor="t" bIns="91425" lIns="91425" spcFirstLastPara="1" rIns="91425" wrap="square" tIns="91425">
             <a:noAutofit/>
           </a:bodyPr>
           <a:lstStyle/>
           <a:p>
-            <a:pPr marL="0" lvl="0" indent="0" algn="l" rtl="0">
-              <a:spcBef>
-                <a:spcPts val="0"/>
-              </a:spcBef>
-              <a:spcAft>
-                <a:spcPts val="0"/>
-              </a:spcAft>
+            <a:pPr indent="0" lvl="0" marL="0" rtl="0" algn="l">
+              <a:lnSpc>
+                <a:spcPct val="100000"/>
+              </a:lnSpc>
+              <a:spcBef>
+                <a:spcPts val="0"/>
+              </a:spcBef>
+              <a:spcAft>
+                <a:spcPts val="0"/>
+              </a:spcAft>
+              <a:buSzPts val="1100"/>
               <a:buNone/>
             </a:pPr>
+            <a:r>
+              <a:t/>
+            </a:r>
             <a:endParaRPr/>
           </a:p>
         </p:txBody>
@@ -1108,11 +1269,9 @@
       <p:sp>
         <p:nvSpPr>
           <p:cNvPr id="78" name="Google Shape;78;p4:notes"/>
-          <p:cNvSpPr>
-            <a:spLocks noGrp="1" noRot="1" noChangeAspect="1"/>
-          </p:cNvSpPr>
+          <p:cNvSpPr/>
           <p:nvPr>
-            <p:ph type="sldImg" idx="2"/>
+            <p:ph idx="2" type="sldImg"/>
           </p:nvPr>
         </p:nvSpPr>
         <p:spPr>
@@ -1121,13 +1280,9 @@
             <a:ext cx="6096000" cy="3429000"/>
           </a:xfrm>
           <a:custGeom>
-            <a:avLst/>
-            <a:gdLst/>
-            <a:ahLst/>
-            <a:cxnLst/>
-            <a:rect l="l" t="t" r="r" b="b"/>
+            <a:rect b="b" l="l" r="r" t="t"/>
             <a:pathLst>
-              <a:path w="120000" h="120000" extrusionOk="0">
+              <a:path extrusionOk="0" h="120000" w="120000">
                 <a:moveTo>
                   <a:pt x="0" y="0"/>
                 </a:moveTo>
@@ -1144,6 +1299,16 @@
               </a:path>
             </a:pathLst>
           </a:custGeom>
+          <a:noFill/>
+          <a:ln cap="flat" cmpd="sng" w="9525">
+            <a:solidFill>
+              <a:srgbClr val="000000"/>
+            </a:solidFill>
+            <a:prstDash val="solid"/>
+            <a:round/>
+            <a:headEnd len="sm" w="sm" type="none"/>
+            <a:tailEnd len="sm" w="sm" type="none"/>
+          </a:ln>
         </p:spPr>
       </p:sp>
     </p:spTree>
@@ -1155,11 +1320,11 @@
 </file>
 
 <file path=ppt/notesSlides/notesSlide5.xml><?xml version="1.0" encoding="utf-8"?>
-<p:notes xmlns:a="http://schemas.openxmlformats.org/drawingml/2006/main" xmlns:r="http://schemas.openxmlformats.org/officeDocument/2006/relationships" xmlns:p="http://schemas.openxmlformats.org/presentationml/2006/main" showMasterSp="0" showMasterPhAnim="0">
+<p:notes xmlns:a="http://schemas.openxmlformats.org/drawingml/2006/main" xmlns:r="http://schemas.openxmlformats.org/officeDocument/2006/relationships" xmlns:mc="http://schemas.openxmlformats.org/markup-compatibility/2006" xmlns:mv="urn:schemas-microsoft-com:mac:vml" xmlns:p="http://schemas.openxmlformats.org/presentationml/2006/main" xmlns:c="http://schemas.openxmlformats.org/drawingml/2006/chart" xmlns:dgm="http://schemas.openxmlformats.org/drawingml/2006/diagram" xmlns:o="urn:schemas-microsoft-com:office:office" xmlns:v="urn:schemas-microsoft-com:vml" xmlns:pvml="urn:schemas-microsoft-com:office:powerpoint" xmlns:com="http://schemas.openxmlformats.org/drawingml/2006/compatibility" xmlns:p14="http://schemas.microsoft.com/office/powerpoint/2010/main" xmlns:p15="http://schemas.microsoft.com/office/powerpoint/2012/main" xmlns:ahyp="http://schemas.microsoft.com/office/drawing/2018/hyperlinkcolor" showMasterPhAnim="0" showMasterSp="0">
   <p:cSld>
     <p:spTree>
       <p:nvGrpSpPr>
-        <p:cNvPr id="1" name="Shape 87"/>
+        <p:cNvPr id="87" name="Shape 87"/>
         <p:cNvGrpSpPr/>
         <p:nvPr/>
       </p:nvGrpSpPr>
@@ -1174,11 +1339,9 @@
       <p:sp>
         <p:nvSpPr>
           <p:cNvPr id="88" name="Google Shape;88;p5:notes"/>
-          <p:cNvSpPr txBox="1">
-            <a:spLocks noGrp="1"/>
-          </p:cNvSpPr>
+          <p:cNvSpPr txBox="1"/>
           <p:nvPr>
-            <p:ph type="body" idx="1"/>
+            <p:ph idx="1" type="body"/>
           </p:nvPr>
         </p:nvSpPr>
         <p:spPr>
@@ -1189,22 +1352,33 @@
           <a:prstGeom prst="rect">
             <a:avLst/>
           </a:prstGeom>
+          <a:noFill/>
+          <a:ln>
+            <a:noFill/>
+          </a:ln>
         </p:spPr>
         <p:txBody>
-          <a:bodyPr spcFirstLastPara="1" wrap="square" lIns="91425" tIns="91425" rIns="91425" bIns="91425" anchor="t" anchorCtr="0">
+          <a:bodyPr anchorCtr="0" anchor="t" bIns="91425" lIns="91425" spcFirstLastPara="1" rIns="91425" wrap="square" tIns="91425">
             <a:noAutofit/>
           </a:bodyPr>
           <a:lstStyle/>
           <a:p>
-            <a:pPr marL="0" lvl="0" indent="0" algn="l" rtl="0">
-              <a:spcBef>
-                <a:spcPts val="0"/>
-              </a:spcBef>
-              <a:spcAft>
-                <a:spcPts val="0"/>
-              </a:spcAft>
+            <a:pPr indent="0" lvl="0" marL="0" rtl="0" algn="l">
+              <a:lnSpc>
+                <a:spcPct val="100000"/>
+              </a:lnSpc>
+              <a:spcBef>
+                <a:spcPts val="0"/>
+              </a:spcBef>
+              <a:spcAft>
+                <a:spcPts val="0"/>
+              </a:spcAft>
+              <a:buSzPts val="1100"/>
               <a:buNone/>
             </a:pPr>
+            <a:r>
+              <a:t/>
+            </a:r>
             <a:endParaRPr/>
           </a:p>
         </p:txBody>
@@ -1212,11 +1386,9 @@
       <p:sp>
         <p:nvSpPr>
           <p:cNvPr id="89" name="Google Shape;89;p5:notes"/>
-          <p:cNvSpPr>
-            <a:spLocks noGrp="1" noRot="1" noChangeAspect="1"/>
-          </p:cNvSpPr>
+          <p:cNvSpPr/>
           <p:nvPr>
-            <p:ph type="sldImg" idx="2"/>
+            <p:ph idx="2" type="sldImg"/>
           </p:nvPr>
         </p:nvSpPr>
         <p:spPr>
@@ -1225,13 +1397,9 @@
             <a:ext cx="4572225" cy="3429000"/>
           </a:xfrm>
           <a:custGeom>
-            <a:avLst/>
-            <a:gdLst/>
-            <a:ahLst/>
-            <a:cxnLst/>
-            <a:rect l="l" t="t" r="r" b="b"/>
+            <a:rect b="b" l="l" r="r" t="t"/>
             <a:pathLst>
-              <a:path w="120000" h="120000" extrusionOk="0">
+              <a:path extrusionOk="0" h="120000" w="120000">
                 <a:moveTo>
                   <a:pt x="0" y="0"/>
                 </a:moveTo>
@@ -1248,6 +1416,16 @@
               </a:path>
             </a:pathLst>
           </a:custGeom>
+          <a:noFill/>
+          <a:ln cap="flat" cmpd="sng" w="9525">
+            <a:solidFill>
+              <a:srgbClr val="000000"/>
+            </a:solidFill>
+            <a:prstDash val="solid"/>
+            <a:round/>
+            <a:headEnd len="sm" w="sm" type="none"/>
+            <a:tailEnd len="sm" w="sm" type="none"/>
+          </a:ln>
         </p:spPr>
       </p:sp>
     </p:spTree>
@@ -1259,19 +1437,18 @@
 </file>
 
 <file path=ppt/slideLayouts/slideLayout1.xml><?xml version="1.0" encoding="utf-8"?>
-<p:sldLayout xmlns:a="http://schemas.openxmlformats.org/drawingml/2006/main" xmlns:r="http://schemas.openxmlformats.org/officeDocument/2006/relationships" xmlns:p="http://schemas.openxmlformats.org/presentationml/2006/main" showMasterSp="0" matchingName="Title Slide">
+<p:sldLayout xmlns:a="http://schemas.openxmlformats.org/drawingml/2006/main" xmlns:r="http://schemas.openxmlformats.org/officeDocument/2006/relationships" xmlns:mc="http://schemas.openxmlformats.org/markup-compatibility/2006" xmlns:mv="urn:schemas-microsoft-com:mac:vml" xmlns:p="http://schemas.openxmlformats.org/presentationml/2006/main" xmlns:c="http://schemas.openxmlformats.org/drawingml/2006/chart" xmlns:dgm="http://schemas.openxmlformats.org/drawingml/2006/diagram" xmlns:o="urn:schemas-microsoft-com:office:office" xmlns:v="urn:schemas-microsoft-com:vml" xmlns:pvml="urn:schemas-microsoft-com:office:powerpoint" xmlns:com="http://schemas.openxmlformats.org/drawingml/2006/compatibility" xmlns:p14="http://schemas.microsoft.com/office/powerpoint/2010/main" xmlns:p15="http://schemas.microsoft.com/office/powerpoint/2012/main" xmlns:ahyp="http://schemas.microsoft.com/office/drawing/2018/hyperlinkcolor" matchingName="Title Slide" showMasterSp="0">
   <p:cSld name="Title Slide">
     <p:bg>
       <p:bgPr>
         <a:solidFill>
           <a:schemeClr val="lt1"/>
         </a:solidFill>
-        <a:effectLst/>
       </p:bgPr>
     </p:bg>
     <p:spTree>
       <p:nvGrpSpPr>
-        <p:cNvPr id="1" name="Shape 11"/>
+        <p:cNvPr id="11" name="Shape 11"/>
         <p:cNvGrpSpPr/>
         <p:nvPr/>
       </p:nvGrpSpPr>
@@ -1285,7 +1462,7 @@
       </p:grpSpPr>
       <p:pic>
         <p:nvPicPr>
-          <p:cNvPr id="12" name="Google Shape;12;p7" descr="Shape, rectangle&#10;&#10;Description automatically generated"/>
+          <p:cNvPr descr="Shape, rectangle&#10;&#10;Description automatically generated" id="12" name="Google Shape;12;p7"/>
           <p:cNvPicPr preferRelativeResize="0"/>
           <p:nvPr/>
         </p:nvPicPr>
@@ -1293,7 +1470,7 @@
           <a:blip r:embed="rId2">
             <a:alphaModFix/>
           </a:blip>
-          <a:srcRect/>
+          <a:srcRect b="0" l="0" r="0" t="0"/>
           <a:stretch/>
         </p:blipFill>
         <p:spPr>
@@ -1312,7 +1489,7 @@
       </p:pic>
       <p:pic>
         <p:nvPicPr>
-          <p:cNvPr id="13" name="Google Shape;13;p7" descr="Background pattern&#10;&#10;Description automatically generated"/>
+          <p:cNvPr descr="Background pattern&#10;&#10;Description automatically generated" id="13" name="Google Shape;13;p7"/>
           <p:cNvPicPr preferRelativeResize="0"/>
           <p:nvPr/>
         </p:nvPicPr>
@@ -1320,7 +1497,7 @@
           <a:blip r:embed="rId3">
             <a:alphaModFix/>
           </a:blip>
-          <a:srcRect/>
+          <a:srcRect b="0" l="0" r="0" t="0"/>
           <a:stretch/>
         </p:blipFill>
         <p:spPr>
@@ -1339,7 +1516,7 @@
       </p:pic>
       <p:pic>
         <p:nvPicPr>
-          <p:cNvPr id="14" name="Google Shape;14;p7" descr="A picture containing text, clipart&#10;&#10;Description automatically generated"/>
+          <p:cNvPr descr="A picture containing text, clipart&#10;&#10;Description automatically generated" id="14" name="Google Shape;14;p7"/>
           <p:cNvPicPr preferRelativeResize="0"/>
           <p:nvPr/>
         </p:nvPicPr>
@@ -1347,7 +1524,7 @@
           <a:blip r:embed="rId4">
             <a:alphaModFix/>
           </a:blip>
-          <a:srcRect/>
+          <a:srcRect b="0" l="0" r="0" t="0"/>
           <a:stretch/>
         </p:blipFill>
         <p:spPr>
@@ -1367,11 +1544,9 @@
       <p:sp>
         <p:nvSpPr>
           <p:cNvPr id="15" name="Google Shape;15;p7"/>
-          <p:cNvSpPr txBox="1">
-            <a:spLocks noGrp="1"/>
-          </p:cNvSpPr>
+          <p:cNvSpPr txBox="1"/>
           <p:nvPr>
-            <p:ph type="subTitle" idx="1"/>
+            <p:ph idx="1" type="subTitle"/>
           </p:nvPr>
         </p:nvSpPr>
         <p:spPr>
@@ -1388,7 +1563,7 @@
           </a:ln>
         </p:spPr>
         <p:txBody>
-          <a:bodyPr spcFirstLastPara="1" wrap="square" lIns="0" tIns="0" rIns="0" bIns="0" anchor="t" anchorCtr="0">
+          <a:bodyPr anchorCtr="0" anchor="t" bIns="0" lIns="0" spcFirstLastPara="1" rIns="0" wrap="square" tIns="0">
             <a:noAutofit/>
           </a:bodyPr>
           <a:lstStyle>
@@ -1465,7 +1640,7 @@
                 <a:srgbClr val="2C2C38"/>
               </a:buClr>
               <a:buSzPts val="1800"/>
-              <a:buChar char="▫︎"/>
+              <a:buChar char="▫"/>
               <a:defRPr/>
             </a:lvl4pPr>
             <a:lvl5pPr lvl="4" algn="l">
@@ -1554,17 +1729,13 @@
               <a:defRPr/>
             </a:lvl9pPr>
           </a:lstStyle>
-          <a:p>
-            <a:endParaRPr/>
-          </a:p>
+          <a:p/>
         </p:txBody>
       </p:sp>
       <p:sp>
         <p:nvSpPr>
           <p:cNvPr id="16" name="Google Shape;16;p7"/>
-          <p:cNvSpPr txBox="1">
-            <a:spLocks noGrp="1"/>
-          </p:cNvSpPr>
+          <p:cNvSpPr txBox="1"/>
           <p:nvPr>
             <p:ph type="title"/>
           </p:nvPr>
@@ -1583,7 +1754,7 @@
           </a:ln>
         </p:spPr>
         <p:txBody>
-          <a:bodyPr spcFirstLastPara="1" wrap="square" lIns="0" tIns="0" rIns="0" bIns="0" anchor="b" anchorCtr="0">
+          <a:bodyPr anchorCtr="0" anchor="b" bIns="0" lIns="0" spcFirstLastPara="1" rIns="0" wrap="square" tIns="0">
             <a:noAutofit/>
           </a:bodyPr>
           <a:lstStyle>
@@ -1603,7 +1774,7 @@
               <a:buSzPts val="4000"/>
               <a:buFont typeface="Rubik Medium"/>
               <a:buNone/>
-              <a:defRPr sz="4000" b="0" i="0" u="none">
+              <a:defRPr b="0" i="0" sz="4000" u="none">
                 <a:solidFill>
                   <a:schemeClr val="lt1"/>
                 </a:solidFill>
@@ -1613,7 +1784,10 @@
                 <a:sym typeface="Rubik Medium"/>
               </a:defRPr>
             </a:lvl1pPr>
-            <a:lvl2pPr lvl="1">
+            <a:lvl2pPr lvl="1" algn="l">
+              <a:lnSpc>
+                <a:spcPct val="100000"/>
+              </a:lnSpc>
               <a:spcBef>
                 <a:spcPts val="0"/>
               </a:spcBef>
@@ -1624,7 +1798,10 @@
               <a:buNone/>
               <a:defRPr/>
             </a:lvl2pPr>
-            <a:lvl3pPr lvl="2">
+            <a:lvl3pPr lvl="2" algn="l">
+              <a:lnSpc>
+                <a:spcPct val="100000"/>
+              </a:lnSpc>
               <a:spcBef>
                 <a:spcPts val="0"/>
               </a:spcBef>
@@ -1635,7 +1812,10 @@
               <a:buNone/>
               <a:defRPr/>
             </a:lvl3pPr>
-            <a:lvl4pPr lvl="3">
+            <a:lvl4pPr lvl="3" algn="l">
+              <a:lnSpc>
+                <a:spcPct val="100000"/>
+              </a:lnSpc>
               <a:spcBef>
                 <a:spcPts val="0"/>
               </a:spcBef>
@@ -1646,7 +1826,10 @@
               <a:buNone/>
               <a:defRPr/>
             </a:lvl4pPr>
-            <a:lvl5pPr lvl="4">
+            <a:lvl5pPr lvl="4" algn="l">
+              <a:lnSpc>
+                <a:spcPct val="100000"/>
+              </a:lnSpc>
               <a:spcBef>
                 <a:spcPts val="0"/>
               </a:spcBef>
@@ -1657,7 +1840,10 @@
               <a:buNone/>
               <a:defRPr/>
             </a:lvl5pPr>
-            <a:lvl6pPr lvl="5">
+            <a:lvl6pPr lvl="5" algn="l">
+              <a:lnSpc>
+                <a:spcPct val="100000"/>
+              </a:lnSpc>
               <a:spcBef>
                 <a:spcPts val="0"/>
               </a:spcBef>
@@ -1668,7 +1854,10 @@
               <a:buNone/>
               <a:defRPr/>
             </a:lvl6pPr>
-            <a:lvl7pPr lvl="6">
+            <a:lvl7pPr lvl="6" algn="l">
+              <a:lnSpc>
+                <a:spcPct val="100000"/>
+              </a:lnSpc>
               <a:spcBef>
                 <a:spcPts val="0"/>
               </a:spcBef>
@@ -1679,7 +1868,10 @@
               <a:buNone/>
               <a:defRPr/>
             </a:lvl7pPr>
-            <a:lvl8pPr lvl="7">
+            <a:lvl8pPr lvl="7" algn="l">
+              <a:lnSpc>
+                <a:spcPct val="100000"/>
+              </a:lnSpc>
               <a:spcBef>
                 <a:spcPts val="0"/>
               </a:spcBef>
@@ -1690,7 +1882,10 @@
               <a:buNone/>
               <a:defRPr/>
             </a:lvl8pPr>
-            <a:lvl9pPr lvl="8">
+            <a:lvl9pPr lvl="8" algn="l">
+              <a:lnSpc>
+                <a:spcPct val="100000"/>
+              </a:lnSpc>
               <a:spcBef>
                 <a:spcPts val="0"/>
               </a:spcBef>
@@ -1702,9 +1897,7 @@
               <a:defRPr/>
             </a:lvl9pPr>
           </a:lstStyle>
-          <a:p>
-            <a:endParaRPr/>
-          </a:p>
+          <a:p/>
         </p:txBody>
       </p:sp>
       <p:cxnSp>
@@ -1722,16 +1915,16 @@
             <a:avLst/>
           </a:prstGeom>
           <a:noFill/>
-          <a:ln w="9525" cap="flat" cmpd="sng">
+          <a:ln cap="flat" cmpd="sng" w="9525">
             <a:solidFill>
               <a:schemeClr val="lt1">
-                <a:alpha val="50980"/>
+                <a:alpha val="50588"/>
               </a:schemeClr>
             </a:solidFill>
             <a:prstDash val="solid"/>
             <a:miter lim="800000"/>
-            <a:headEnd type="none" w="sm" len="sm"/>
-            <a:tailEnd type="none" w="sm" len="sm"/>
+            <a:headEnd len="sm" w="sm" type="none"/>
+            <a:tailEnd len="sm" w="sm" type="none"/>
           </a:ln>
         </p:spPr>
       </p:cxnSp>
@@ -1740,13 +1933,13 @@
   <p:clrMapOvr>
     <a:masterClrMapping/>
   </p:clrMapOvr>
-  <mc:AlternateContent xmlns:mc="http://schemas.openxmlformats.org/markup-compatibility/2006" xmlns:p14="http://schemas.microsoft.com/office/powerpoint/2010/main">
+  <mc:AlternateContent>
     <mc:Choice Requires="p14">
-      <p:transition spd="med" p14:dur="700">
+      <p:transition spd="slow" p14:dur="700">
         <p:fade/>
       </p:transition>
     </mc:Choice>
-    <mc:Fallback xmlns:ahyp="http://schemas.microsoft.com/office/drawing/2018/hyperlinkcolor" xmlns:p15="http://schemas.microsoft.com/office/powerpoint/2012/main" xmlns:com="http://schemas.openxmlformats.org/drawingml/2006/compatibility" xmlns:pvml="urn:schemas-microsoft-com:office:powerpoint" xmlns:v="urn:schemas-microsoft-com:vml" xmlns:o="urn:schemas-microsoft-com:office:office" xmlns:dgm="http://schemas.openxmlformats.org/drawingml/2006/diagram" xmlns:c="http://schemas.openxmlformats.org/drawingml/2006/chart" xmlns:mv="urn:schemas-microsoft-com:mac:vml" xmlns="">
+    <mc:Fallback>
       <p:transition spd="slow">
         <p:fade/>
       </p:transition>
@@ -1754,7 +1947,7 @@
   </mc:AlternateContent>
   <p:extLst>
     <p:ext uri="{DCECCB84-F9BA-43D5-87BE-67443E8EF086}">
-      <p15:sldGuideLst xmlns:p15="http://schemas.microsoft.com/office/powerpoint/2012/main">
+      <p15:sldGuideLst>
         <p15:guide id="1" orient="horz" pos="1620">
           <p15:clr>
             <a:srgbClr val="FBAE40"/>
@@ -1772,19 +1965,18 @@
 </file>
 
 <file path=ppt/slideLayouts/slideLayout2.xml><?xml version="1.0" encoding="utf-8"?>
-<p:sldLayout xmlns:a="http://schemas.openxmlformats.org/drawingml/2006/main" xmlns:r="http://schemas.openxmlformats.org/officeDocument/2006/relationships" xmlns:p="http://schemas.openxmlformats.org/presentationml/2006/main" showMasterSp="0" matchingName="Chapter Slide">
+<p:sldLayout xmlns:a="http://schemas.openxmlformats.org/drawingml/2006/main" xmlns:r="http://schemas.openxmlformats.org/officeDocument/2006/relationships" xmlns:mc="http://schemas.openxmlformats.org/markup-compatibility/2006" xmlns:mv="urn:schemas-microsoft-com:mac:vml" xmlns:p="http://schemas.openxmlformats.org/presentationml/2006/main" xmlns:c="http://schemas.openxmlformats.org/drawingml/2006/chart" xmlns:dgm="http://schemas.openxmlformats.org/drawingml/2006/diagram" xmlns:o="urn:schemas-microsoft-com:office:office" xmlns:v="urn:schemas-microsoft-com:vml" xmlns:pvml="urn:schemas-microsoft-com:office:powerpoint" xmlns:com="http://schemas.openxmlformats.org/drawingml/2006/compatibility" xmlns:p14="http://schemas.microsoft.com/office/powerpoint/2010/main" xmlns:p15="http://schemas.microsoft.com/office/powerpoint/2012/main" xmlns:ahyp="http://schemas.microsoft.com/office/drawing/2018/hyperlinkcolor" matchingName="Chapter Slide" showMasterSp="0">
   <p:cSld name="Chapter Slide">
     <p:bg>
       <p:bgPr>
         <a:solidFill>
           <a:schemeClr val="lt1"/>
         </a:solidFill>
-        <a:effectLst/>
       </p:bgPr>
     </p:bg>
     <p:spTree>
       <p:nvGrpSpPr>
-        <p:cNvPr id="1" name="Shape 18"/>
+        <p:cNvPr id="18" name="Shape 18"/>
         <p:cNvGrpSpPr/>
         <p:nvPr/>
       </p:nvGrpSpPr>
@@ -1799,11 +1991,9 @@
       <p:sp>
         <p:nvSpPr>
           <p:cNvPr id="19" name="Google Shape;19;p8"/>
-          <p:cNvSpPr txBox="1">
-            <a:spLocks noGrp="1"/>
-          </p:cNvSpPr>
+          <p:cNvSpPr txBox="1"/>
           <p:nvPr>
-            <p:ph type="subTitle" idx="1"/>
+            <p:ph idx="1" type="subTitle"/>
           </p:nvPr>
         </p:nvSpPr>
         <p:spPr>
@@ -1820,7 +2010,7 @@
           </a:ln>
         </p:spPr>
         <p:txBody>
-          <a:bodyPr spcFirstLastPara="1" wrap="square" lIns="0" tIns="0" rIns="0" bIns="0" anchor="t" anchorCtr="0">
+          <a:bodyPr anchorCtr="0" anchor="t" bIns="0" lIns="0" spcFirstLastPara="1" rIns="0" wrap="square" tIns="0">
             <a:noAutofit/>
           </a:bodyPr>
           <a:lstStyle>
@@ -1897,7 +2087,7 @@
                 <a:srgbClr val="2C2C38"/>
               </a:buClr>
               <a:buSzPts val="1800"/>
-              <a:buChar char="▫︎"/>
+              <a:buChar char="▫"/>
               <a:defRPr/>
             </a:lvl4pPr>
             <a:lvl5pPr lvl="4" algn="l">
@@ -1986,17 +2176,13 @@
               <a:defRPr/>
             </a:lvl9pPr>
           </a:lstStyle>
-          <a:p>
-            <a:endParaRPr/>
-          </a:p>
+          <a:p/>
         </p:txBody>
       </p:sp>
       <p:sp>
         <p:nvSpPr>
           <p:cNvPr id="20" name="Google Shape;20;p8"/>
-          <p:cNvSpPr txBox="1">
-            <a:spLocks noGrp="1"/>
-          </p:cNvSpPr>
+          <p:cNvSpPr txBox="1"/>
           <p:nvPr>
             <p:ph type="title"/>
           </p:nvPr>
@@ -2015,7 +2201,7 @@
           </a:ln>
         </p:spPr>
         <p:txBody>
-          <a:bodyPr spcFirstLastPara="1" wrap="square" lIns="0" tIns="0" rIns="0" bIns="0" anchor="b" anchorCtr="0">
+          <a:bodyPr anchorCtr="0" anchor="b" bIns="0" lIns="0" spcFirstLastPara="1" rIns="0" wrap="square" tIns="0">
             <a:noAutofit/>
           </a:bodyPr>
           <a:lstStyle>
@@ -2035,7 +2221,7 @@
               <a:buSzPts val="4800"/>
               <a:buFont typeface="Rubik Medium"/>
               <a:buNone/>
-              <a:defRPr sz="4800" b="0" i="0" u="none">
+              <a:defRPr b="0" i="0" sz="4800" u="none">
                 <a:solidFill>
                   <a:schemeClr val="dk1"/>
                 </a:solidFill>
@@ -2045,7 +2231,10 @@
                 <a:sym typeface="Rubik Medium"/>
               </a:defRPr>
             </a:lvl1pPr>
-            <a:lvl2pPr lvl="1">
+            <a:lvl2pPr lvl="1" algn="l">
+              <a:lnSpc>
+                <a:spcPct val="100000"/>
+              </a:lnSpc>
               <a:spcBef>
                 <a:spcPts val="0"/>
               </a:spcBef>
@@ -2056,7 +2245,10 @@
               <a:buNone/>
               <a:defRPr/>
             </a:lvl2pPr>
-            <a:lvl3pPr lvl="2">
+            <a:lvl3pPr lvl="2" algn="l">
+              <a:lnSpc>
+                <a:spcPct val="100000"/>
+              </a:lnSpc>
               <a:spcBef>
                 <a:spcPts val="0"/>
               </a:spcBef>
@@ -2067,7 +2259,10 @@
               <a:buNone/>
               <a:defRPr/>
             </a:lvl3pPr>
-            <a:lvl4pPr lvl="3">
+            <a:lvl4pPr lvl="3" algn="l">
+              <a:lnSpc>
+                <a:spcPct val="100000"/>
+              </a:lnSpc>
               <a:spcBef>
                 <a:spcPts val="0"/>
               </a:spcBef>
@@ -2078,7 +2273,10 @@
               <a:buNone/>
               <a:defRPr/>
             </a:lvl4pPr>
-            <a:lvl5pPr lvl="4">
+            <a:lvl5pPr lvl="4" algn="l">
+              <a:lnSpc>
+                <a:spcPct val="100000"/>
+              </a:lnSpc>
               <a:spcBef>
                 <a:spcPts val="0"/>
               </a:spcBef>
@@ -2089,7 +2287,10 @@
               <a:buNone/>
               <a:defRPr/>
             </a:lvl5pPr>
-            <a:lvl6pPr lvl="5">
+            <a:lvl6pPr lvl="5" algn="l">
+              <a:lnSpc>
+                <a:spcPct val="100000"/>
+              </a:lnSpc>
               <a:spcBef>
                 <a:spcPts val="0"/>
               </a:spcBef>
@@ -2100,7 +2301,10 @@
               <a:buNone/>
               <a:defRPr/>
             </a:lvl6pPr>
-            <a:lvl7pPr lvl="6">
+            <a:lvl7pPr lvl="6" algn="l">
+              <a:lnSpc>
+                <a:spcPct val="100000"/>
+              </a:lnSpc>
               <a:spcBef>
                 <a:spcPts val="0"/>
               </a:spcBef>
@@ -2111,7 +2315,10 @@
               <a:buNone/>
               <a:defRPr/>
             </a:lvl7pPr>
-            <a:lvl8pPr lvl="7">
+            <a:lvl8pPr lvl="7" algn="l">
+              <a:lnSpc>
+                <a:spcPct val="100000"/>
+              </a:lnSpc>
               <a:spcBef>
                 <a:spcPts val="0"/>
               </a:spcBef>
@@ -2122,7 +2329,10 @@
               <a:buNone/>
               <a:defRPr/>
             </a:lvl8pPr>
-            <a:lvl9pPr lvl="8">
+            <a:lvl9pPr lvl="8" algn="l">
+              <a:lnSpc>
+                <a:spcPct val="100000"/>
+              </a:lnSpc>
               <a:spcBef>
                 <a:spcPts val="0"/>
               </a:spcBef>
@@ -2134,14 +2344,12 @@
               <a:defRPr/>
             </a:lvl9pPr>
           </a:lstStyle>
-          <a:p>
-            <a:endParaRPr/>
-          </a:p>
+          <a:p/>
         </p:txBody>
       </p:sp>
       <p:pic>
         <p:nvPicPr>
-          <p:cNvPr id="21" name="Google Shape;21;p8" descr="Shape, rectangle&#10;&#10;Description automatically generated"/>
+          <p:cNvPr descr="Shape, rectangle&#10;&#10;Description automatically generated" id="21" name="Google Shape;21;p8"/>
           <p:cNvPicPr preferRelativeResize="0"/>
           <p:nvPr/>
         </p:nvPicPr>
@@ -2149,7 +2357,7 @@
           <a:blip r:embed="rId2">
             <a:alphaModFix/>
           </a:blip>
-          <a:srcRect/>
+          <a:srcRect b="0" l="0" r="0" t="0"/>
           <a:stretch/>
         </p:blipFill>
         <p:spPr>
@@ -2168,7 +2376,7 @@
       </p:pic>
       <p:pic>
         <p:nvPicPr>
-          <p:cNvPr id="22" name="Google Shape;22;p8" descr="A picture containing text, clipart&#10;&#10;Description automatically generated"/>
+          <p:cNvPr descr="A picture containing text, clipart&#10;&#10;Description automatically generated" id="22" name="Google Shape;22;p8"/>
           <p:cNvPicPr preferRelativeResize="0"/>
           <p:nvPr/>
         </p:nvPicPr>
@@ -2176,7 +2384,7 @@
           <a:blip r:embed="rId3">
             <a:alphaModFix/>
           </a:blip>
-          <a:srcRect/>
+          <a:srcRect b="0" l="0" r="0" t="0"/>
           <a:stretch/>
         </p:blipFill>
         <p:spPr>
@@ -2195,7 +2403,7 @@
       </p:pic>
       <p:pic>
         <p:nvPicPr>
-          <p:cNvPr id="23" name="Google Shape;23;p8" descr="Background pattern&#10;&#10;Description automatically generated"/>
+          <p:cNvPr descr="Background pattern&#10;&#10;Description automatically generated" id="23" name="Google Shape;23;p8"/>
           <p:cNvPicPr preferRelativeResize="0"/>
           <p:nvPr/>
         </p:nvPicPr>
@@ -2203,7 +2411,7 @@
           <a:blip r:embed="rId4">
             <a:alphaModFix/>
           </a:blip>
-          <a:srcRect/>
+          <a:srcRect b="0" l="0" r="0" t="0"/>
           <a:stretch/>
         </p:blipFill>
         <p:spPr>
@@ -2225,13 +2433,13 @@
   <p:clrMapOvr>
     <a:masterClrMapping/>
   </p:clrMapOvr>
-  <mc:AlternateContent xmlns:mc="http://schemas.openxmlformats.org/markup-compatibility/2006" xmlns:p14="http://schemas.microsoft.com/office/powerpoint/2010/main">
+  <mc:AlternateContent>
     <mc:Choice Requires="p14">
-      <p:transition spd="med" p14:dur="700">
+      <p:transition spd="slow" p14:dur="700">
         <p:fade/>
       </p:transition>
     </mc:Choice>
-    <mc:Fallback xmlns:ahyp="http://schemas.microsoft.com/office/drawing/2018/hyperlinkcolor" xmlns:p15="http://schemas.microsoft.com/office/powerpoint/2012/main" xmlns:com="http://schemas.openxmlformats.org/drawingml/2006/compatibility" xmlns:pvml="urn:schemas-microsoft-com:office:powerpoint" xmlns:v="urn:schemas-microsoft-com:vml" xmlns:o="urn:schemas-microsoft-com:office:office" xmlns:dgm="http://schemas.openxmlformats.org/drawingml/2006/diagram" xmlns:c="http://schemas.openxmlformats.org/drawingml/2006/chart" xmlns:mv="urn:schemas-microsoft-com:mac:vml" xmlns="">
+    <mc:Fallback>
       <p:transition spd="slow">
         <p:fade/>
       </p:transition>
@@ -2239,7 +2447,7 @@
   </mc:AlternateContent>
   <p:extLst>
     <p:ext uri="{DCECCB84-F9BA-43D5-87BE-67443E8EF086}">
-      <p15:sldGuideLst xmlns:p15="http://schemas.microsoft.com/office/powerpoint/2012/main">
+      <p15:sldGuideLst>
         <p15:guide id="1" orient="horz" pos="1620">
           <p15:clr>
             <a:srgbClr val="FBAE40"/>
@@ -2257,19 +2465,18 @@
 </file>
 
 <file path=ppt/slideLayouts/slideLayout3.xml><?xml version="1.0" encoding="utf-8"?>
-<p:sldLayout xmlns:a="http://schemas.openxmlformats.org/drawingml/2006/main" xmlns:r="http://schemas.openxmlformats.org/officeDocument/2006/relationships" xmlns:p="http://schemas.openxmlformats.org/presentationml/2006/main" matchingName="Title and Content 1">
+<p:sldLayout xmlns:a="http://schemas.openxmlformats.org/drawingml/2006/main" xmlns:r="http://schemas.openxmlformats.org/officeDocument/2006/relationships" xmlns:mc="http://schemas.openxmlformats.org/markup-compatibility/2006" xmlns:mv="urn:schemas-microsoft-com:mac:vml" xmlns:p="http://schemas.openxmlformats.org/presentationml/2006/main" xmlns:c="http://schemas.openxmlformats.org/drawingml/2006/chart" xmlns:dgm="http://schemas.openxmlformats.org/drawingml/2006/diagram" xmlns:o="urn:schemas-microsoft-com:office:office" xmlns:v="urn:schemas-microsoft-com:vml" xmlns:pvml="urn:schemas-microsoft-com:office:powerpoint" xmlns:com="http://schemas.openxmlformats.org/drawingml/2006/compatibility" xmlns:p14="http://schemas.microsoft.com/office/powerpoint/2010/main" xmlns:p15="http://schemas.microsoft.com/office/powerpoint/2012/main" xmlns:ahyp="http://schemas.microsoft.com/office/drawing/2018/hyperlinkcolor" matchingName="Title and Content 1">
   <p:cSld name="Title and Content 1">
     <p:bg>
       <p:bgPr>
         <a:solidFill>
           <a:schemeClr val="lt1"/>
         </a:solidFill>
-        <a:effectLst/>
       </p:bgPr>
     </p:bg>
     <p:spTree>
       <p:nvGrpSpPr>
-        <p:cNvPr id="1" name="Shape 24"/>
+        <p:cNvPr id="24" name="Shape 24"/>
         <p:cNvGrpSpPr/>
         <p:nvPr/>
       </p:nvGrpSpPr>
@@ -2284,9 +2491,7 @@
       <p:sp>
         <p:nvSpPr>
           <p:cNvPr id="25" name="Google Shape;25;p9"/>
-          <p:cNvSpPr txBox="1">
-            <a:spLocks noGrp="1"/>
-          </p:cNvSpPr>
+          <p:cNvSpPr txBox="1"/>
           <p:nvPr>
             <p:ph type="title"/>
           </p:nvPr>
@@ -2305,7 +2510,7 @@
           </a:ln>
         </p:spPr>
         <p:txBody>
-          <a:bodyPr spcFirstLastPara="1" wrap="square" lIns="91425" tIns="45700" rIns="91425" bIns="45700" anchor="ctr" anchorCtr="0">
+          <a:bodyPr anchorCtr="0" anchor="ctr" bIns="45700" lIns="91425" spcFirstLastPara="1" rIns="91425" wrap="square" tIns="45700">
             <a:normAutofit/>
           </a:bodyPr>
           <a:lstStyle>
@@ -2325,7 +2530,7 @@
               <a:buSzPts val="2133"/>
               <a:buFont typeface="Rubik"/>
               <a:buNone/>
-              <a:defRPr sz="2133" b="0">
+              <a:defRPr b="0" sz="2133">
                 <a:solidFill>
                   <a:schemeClr val="dk1"/>
                 </a:solidFill>
@@ -2335,7 +2540,10 @@
                 <a:sym typeface="Rubik"/>
               </a:defRPr>
             </a:lvl1pPr>
-            <a:lvl2pPr lvl="1">
+            <a:lvl2pPr lvl="1" algn="l">
+              <a:lnSpc>
+                <a:spcPct val="100000"/>
+              </a:lnSpc>
               <a:spcBef>
                 <a:spcPts val="0"/>
               </a:spcBef>
@@ -2346,7 +2554,10 @@
               <a:buNone/>
               <a:defRPr/>
             </a:lvl2pPr>
-            <a:lvl3pPr lvl="2">
+            <a:lvl3pPr lvl="2" algn="l">
+              <a:lnSpc>
+                <a:spcPct val="100000"/>
+              </a:lnSpc>
               <a:spcBef>
                 <a:spcPts val="0"/>
               </a:spcBef>
@@ -2357,7 +2568,10 @@
               <a:buNone/>
               <a:defRPr/>
             </a:lvl3pPr>
-            <a:lvl4pPr lvl="3">
+            <a:lvl4pPr lvl="3" algn="l">
+              <a:lnSpc>
+                <a:spcPct val="100000"/>
+              </a:lnSpc>
               <a:spcBef>
                 <a:spcPts val="0"/>
               </a:spcBef>
@@ -2368,7 +2582,10 @@
               <a:buNone/>
               <a:defRPr/>
             </a:lvl4pPr>
-            <a:lvl5pPr lvl="4">
+            <a:lvl5pPr lvl="4" algn="l">
+              <a:lnSpc>
+                <a:spcPct val="100000"/>
+              </a:lnSpc>
               <a:spcBef>
                 <a:spcPts val="0"/>
               </a:spcBef>
@@ -2379,7 +2596,10 @@
               <a:buNone/>
               <a:defRPr/>
             </a:lvl5pPr>
-            <a:lvl6pPr lvl="5">
+            <a:lvl6pPr lvl="5" algn="l">
+              <a:lnSpc>
+                <a:spcPct val="100000"/>
+              </a:lnSpc>
               <a:spcBef>
                 <a:spcPts val="0"/>
               </a:spcBef>
@@ -2390,7 +2610,10 @@
               <a:buNone/>
               <a:defRPr/>
             </a:lvl6pPr>
-            <a:lvl7pPr lvl="6">
+            <a:lvl7pPr lvl="6" algn="l">
+              <a:lnSpc>
+                <a:spcPct val="100000"/>
+              </a:lnSpc>
               <a:spcBef>
                 <a:spcPts val="0"/>
               </a:spcBef>
@@ -2401,7 +2624,10 @@
               <a:buNone/>
               <a:defRPr/>
             </a:lvl7pPr>
-            <a:lvl8pPr lvl="7">
+            <a:lvl8pPr lvl="7" algn="l">
+              <a:lnSpc>
+                <a:spcPct val="100000"/>
+              </a:lnSpc>
               <a:spcBef>
                 <a:spcPts val="0"/>
               </a:spcBef>
@@ -2412,7 +2638,10 @@
               <a:buNone/>
               <a:defRPr/>
             </a:lvl8pPr>
-            <a:lvl9pPr lvl="8">
+            <a:lvl9pPr lvl="8" algn="l">
+              <a:lnSpc>
+                <a:spcPct val="100000"/>
+              </a:lnSpc>
               <a:spcBef>
                 <a:spcPts val="0"/>
               </a:spcBef>
@@ -2424,19 +2653,15 @@
               <a:defRPr/>
             </a:lvl9pPr>
           </a:lstStyle>
-          <a:p>
-            <a:endParaRPr/>
-          </a:p>
+          <a:p/>
         </p:txBody>
       </p:sp>
       <p:sp>
         <p:nvSpPr>
           <p:cNvPr id="26" name="Google Shape;26;p9"/>
-          <p:cNvSpPr txBox="1">
-            <a:spLocks noGrp="1"/>
-          </p:cNvSpPr>
+          <p:cNvSpPr txBox="1"/>
           <p:nvPr>
-            <p:ph type="body" idx="1"/>
+            <p:ph idx="1" type="body"/>
           </p:nvPr>
         </p:nvSpPr>
         <p:spPr>
@@ -2453,11 +2678,11 @@
           </a:ln>
         </p:spPr>
         <p:txBody>
-          <a:bodyPr spcFirstLastPara="1" wrap="square" lIns="91425" tIns="45700" rIns="91425" bIns="45700" anchor="t" anchorCtr="0">
+          <a:bodyPr anchorCtr="0" anchor="t" bIns="45700" lIns="91425" spcFirstLastPara="1" rIns="91425" wrap="square" tIns="45700">
             <a:normAutofit/>
           </a:bodyPr>
           <a:lstStyle>
-            <a:lvl1pPr marL="457200" lvl="0" indent="-228600" algn="l">
+            <a:lvl1pPr indent="-228600" lvl="0" marL="457200" algn="l">
               <a:lnSpc>
                 <a:spcPct val="100000"/>
               </a:lnSpc>
@@ -2483,7 +2708,7 @@
                 <a:sym typeface="Rubik"/>
               </a:defRPr>
             </a:lvl1pPr>
-            <a:lvl2pPr marL="914400" lvl="1" indent="-228600" algn="l">
+            <a:lvl2pPr indent="-228600" lvl="1" marL="914400" algn="l">
               <a:lnSpc>
                 <a:spcPct val="100000"/>
               </a:lnSpc>
@@ -2508,7 +2733,7 @@
                 <a:sym typeface="Rubik"/>
               </a:defRPr>
             </a:lvl2pPr>
-            <a:lvl3pPr marL="1371600" lvl="2" indent="-355600" algn="l">
+            <a:lvl3pPr indent="-355600" lvl="2" marL="1371600" algn="l">
               <a:lnSpc>
                 <a:spcPct val="100000"/>
               </a:lnSpc>
@@ -2533,7 +2758,7 @@
                 <a:sym typeface="Rubik"/>
               </a:defRPr>
             </a:lvl3pPr>
-            <a:lvl4pPr marL="1828800" lvl="3" indent="-342900" algn="l">
+            <a:lvl4pPr indent="-342900" lvl="3" marL="1828800" algn="l">
               <a:lnSpc>
                 <a:spcPct val="100000"/>
               </a:lnSpc>
@@ -2547,7 +2772,7 @@
                 <a:schemeClr val="dk1"/>
               </a:buClr>
               <a:buSzPts val="1800"/>
-              <a:buChar char="▫︎"/>
+              <a:buChar char="▫"/>
               <a:defRPr>
                 <a:solidFill>
                   <a:schemeClr val="dk1"/>
@@ -2558,7 +2783,7 @@
                 <a:sym typeface="Rubik"/>
               </a:defRPr>
             </a:lvl4pPr>
-            <a:lvl5pPr marL="2286000" lvl="4" indent="-342900" algn="l">
+            <a:lvl5pPr indent="-342900" lvl="4" marL="2286000" algn="l">
               <a:lnSpc>
                 <a:spcPct val="100000"/>
               </a:lnSpc>
@@ -2583,7 +2808,7 @@
                 <a:sym typeface="Rubik"/>
               </a:defRPr>
             </a:lvl5pPr>
-            <a:lvl6pPr marL="2743200" lvl="5" indent="-342900" algn="l">
+            <a:lvl6pPr indent="-342900" lvl="5" marL="2743200" algn="l">
               <a:lnSpc>
                 <a:spcPct val="90000"/>
               </a:lnSpc>
@@ -2600,7 +2825,7 @@
               <a:buChar char="•"/>
               <a:defRPr/>
             </a:lvl6pPr>
-            <a:lvl7pPr marL="3200400" lvl="6" indent="-342900" algn="l">
+            <a:lvl7pPr indent="-342900" lvl="6" marL="3200400" algn="l">
               <a:lnSpc>
                 <a:spcPct val="90000"/>
               </a:lnSpc>
@@ -2617,7 +2842,7 @@
               <a:buChar char="•"/>
               <a:defRPr/>
             </a:lvl7pPr>
-            <a:lvl8pPr marL="3657600" lvl="7" indent="-342900" algn="l">
+            <a:lvl8pPr indent="-342900" lvl="7" marL="3657600" algn="l">
               <a:lnSpc>
                 <a:spcPct val="90000"/>
               </a:lnSpc>
@@ -2634,7 +2859,7 @@
               <a:buChar char="•"/>
               <a:defRPr/>
             </a:lvl8pPr>
-            <a:lvl9pPr marL="4114800" lvl="8" indent="-342900" algn="l">
+            <a:lvl9pPr indent="-342900" lvl="8" marL="4114800" algn="l">
               <a:lnSpc>
                 <a:spcPct val="90000"/>
               </a:lnSpc>
@@ -2652,9 +2877,7 @@
               <a:defRPr/>
             </a:lvl9pPr>
           </a:lstStyle>
-          <a:p>
-            <a:endParaRPr/>
-          </a:p>
+          <a:p/>
         </p:txBody>
       </p:sp>
     </p:spTree>
@@ -2662,13 +2885,13 @@
   <p:clrMapOvr>
     <a:masterClrMapping/>
   </p:clrMapOvr>
-  <mc:AlternateContent xmlns:mc="http://schemas.openxmlformats.org/markup-compatibility/2006" xmlns:p14="http://schemas.microsoft.com/office/powerpoint/2010/main">
+  <mc:AlternateContent>
     <mc:Choice Requires="p14">
-      <p:transition spd="med" p14:dur="700">
+      <p:transition spd="slow" p14:dur="700">
         <p:fade/>
       </p:transition>
     </mc:Choice>
-    <mc:Fallback xmlns:ahyp="http://schemas.microsoft.com/office/drawing/2018/hyperlinkcolor" xmlns:p15="http://schemas.microsoft.com/office/powerpoint/2012/main" xmlns:com="http://schemas.openxmlformats.org/drawingml/2006/compatibility" xmlns:pvml="urn:schemas-microsoft-com:office:powerpoint" xmlns:v="urn:schemas-microsoft-com:vml" xmlns:o="urn:schemas-microsoft-com:office:office" xmlns:dgm="http://schemas.openxmlformats.org/drawingml/2006/diagram" xmlns:c="http://schemas.openxmlformats.org/drawingml/2006/chart" xmlns:mv="urn:schemas-microsoft-com:mac:vml" xmlns="">
+    <mc:Fallback>
       <p:transition spd="slow">
         <p:fade/>
       </p:transition>
@@ -2676,7 +2899,7 @@
   </mc:AlternateContent>
   <p:extLst>
     <p:ext uri="{DCECCB84-F9BA-43D5-87BE-67443E8EF086}">
-      <p15:sldGuideLst xmlns:p15="http://schemas.microsoft.com/office/powerpoint/2012/main">
+      <p15:sldGuideLst>
         <p15:guide id="1" orient="horz" pos="1620">
           <p15:clr>
             <a:srgbClr val="FBAE40"/>
@@ -2694,19 +2917,18 @@
 </file>
 
 <file path=ppt/slideLayouts/slideLayout4.xml><?xml version="1.0" encoding="utf-8"?>
-<p:sldLayout xmlns:a="http://schemas.openxmlformats.org/drawingml/2006/main" xmlns:r="http://schemas.openxmlformats.org/officeDocument/2006/relationships" xmlns:p="http://schemas.openxmlformats.org/presentationml/2006/main" matchingName="Title and Content 2">
+<p:sldLayout xmlns:a="http://schemas.openxmlformats.org/drawingml/2006/main" xmlns:r="http://schemas.openxmlformats.org/officeDocument/2006/relationships" xmlns:mc="http://schemas.openxmlformats.org/markup-compatibility/2006" xmlns:mv="urn:schemas-microsoft-com:mac:vml" xmlns:p="http://schemas.openxmlformats.org/presentationml/2006/main" xmlns:c="http://schemas.openxmlformats.org/drawingml/2006/chart" xmlns:dgm="http://schemas.openxmlformats.org/drawingml/2006/diagram" xmlns:o="urn:schemas-microsoft-com:office:office" xmlns:v="urn:schemas-microsoft-com:vml" xmlns:pvml="urn:schemas-microsoft-com:office:powerpoint" xmlns:com="http://schemas.openxmlformats.org/drawingml/2006/compatibility" xmlns:p14="http://schemas.microsoft.com/office/powerpoint/2010/main" xmlns:p15="http://schemas.microsoft.com/office/powerpoint/2012/main" xmlns:ahyp="http://schemas.microsoft.com/office/drawing/2018/hyperlinkcolor" matchingName="Title and Content 2">
   <p:cSld name="Title and Content 2">
     <p:bg>
       <p:bgPr>
         <a:solidFill>
           <a:schemeClr val="lt1"/>
         </a:solidFill>
-        <a:effectLst/>
       </p:bgPr>
     </p:bg>
     <p:spTree>
       <p:nvGrpSpPr>
-        <p:cNvPr id="1" name="Shape 27"/>
+        <p:cNvPr id="27" name="Shape 27"/>
         <p:cNvGrpSpPr/>
         <p:nvPr/>
       </p:nvGrpSpPr>
@@ -2721,9 +2943,7 @@
       <p:sp>
         <p:nvSpPr>
           <p:cNvPr id="28" name="Google Shape;28;p10"/>
-          <p:cNvSpPr txBox="1">
-            <a:spLocks noGrp="1"/>
-          </p:cNvSpPr>
+          <p:cNvSpPr txBox="1"/>
           <p:nvPr>
             <p:ph type="title"/>
           </p:nvPr>
@@ -2742,7 +2962,7 @@
           </a:ln>
         </p:spPr>
         <p:txBody>
-          <a:bodyPr spcFirstLastPara="1" wrap="square" lIns="91425" tIns="45700" rIns="91425" bIns="45700" anchor="ctr" anchorCtr="0">
+          <a:bodyPr anchorCtr="0" anchor="ctr" bIns="45700" lIns="91425" spcFirstLastPara="1" rIns="91425" wrap="square" tIns="45700">
             <a:normAutofit/>
           </a:bodyPr>
           <a:lstStyle>
@@ -2762,7 +2982,7 @@
               <a:buSzPts val="2133"/>
               <a:buFont typeface="Rubik"/>
               <a:buNone/>
-              <a:defRPr sz="2133" b="0">
+              <a:defRPr b="0" sz="2133">
                 <a:solidFill>
                   <a:schemeClr val="dk1"/>
                 </a:solidFill>
@@ -2772,7 +2992,10 @@
                 <a:sym typeface="Rubik"/>
               </a:defRPr>
             </a:lvl1pPr>
-            <a:lvl2pPr lvl="1">
+            <a:lvl2pPr lvl="1" algn="l">
+              <a:lnSpc>
+                <a:spcPct val="100000"/>
+              </a:lnSpc>
               <a:spcBef>
                 <a:spcPts val="0"/>
               </a:spcBef>
@@ -2783,7 +3006,10 @@
               <a:buNone/>
               <a:defRPr/>
             </a:lvl2pPr>
-            <a:lvl3pPr lvl="2">
+            <a:lvl3pPr lvl="2" algn="l">
+              <a:lnSpc>
+                <a:spcPct val="100000"/>
+              </a:lnSpc>
               <a:spcBef>
                 <a:spcPts val="0"/>
               </a:spcBef>
@@ -2794,7 +3020,10 @@
               <a:buNone/>
               <a:defRPr/>
             </a:lvl3pPr>
-            <a:lvl4pPr lvl="3">
+            <a:lvl4pPr lvl="3" algn="l">
+              <a:lnSpc>
+                <a:spcPct val="100000"/>
+              </a:lnSpc>
               <a:spcBef>
                 <a:spcPts val="0"/>
               </a:spcBef>
@@ -2805,7 +3034,10 @@
               <a:buNone/>
               <a:defRPr/>
             </a:lvl4pPr>
-            <a:lvl5pPr lvl="4">
+            <a:lvl5pPr lvl="4" algn="l">
+              <a:lnSpc>
+                <a:spcPct val="100000"/>
+              </a:lnSpc>
               <a:spcBef>
                 <a:spcPts val="0"/>
               </a:spcBef>
@@ -2816,7 +3048,10 @@
               <a:buNone/>
               <a:defRPr/>
             </a:lvl5pPr>
-            <a:lvl6pPr lvl="5">
+            <a:lvl6pPr lvl="5" algn="l">
+              <a:lnSpc>
+                <a:spcPct val="100000"/>
+              </a:lnSpc>
               <a:spcBef>
                 <a:spcPts val="0"/>
               </a:spcBef>
@@ -2827,7 +3062,10 @@
               <a:buNone/>
               <a:defRPr/>
             </a:lvl6pPr>
-            <a:lvl7pPr lvl="6">
+            <a:lvl7pPr lvl="6" algn="l">
+              <a:lnSpc>
+                <a:spcPct val="100000"/>
+              </a:lnSpc>
               <a:spcBef>
                 <a:spcPts val="0"/>
               </a:spcBef>
@@ -2838,7 +3076,10 @@
               <a:buNone/>
               <a:defRPr/>
             </a:lvl7pPr>
-            <a:lvl8pPr lvl="7">
+            <a:lvl8pPr lvl="7" algn="l">
+              <a:lnSpc>
+                <a:spcPct val="100000"/>
+              </a:lnSpc>
               <a:spcBef>
                 <a:spcPts val="0"/>
               </a:spcBef>
@@ -2849,7 +3090,10 @@
               <a:buNone/>
               <a:defRPr/>
             </a:lvl8pPr>
-            <a:lvl9pPr lvl="8">
+            <a:lvl9pPr lvl="8" algn="l">
+              <a:lnSpc>
+                <a:spcPct val="100000"/>
+              </a:lnSpc>
               <a:spcBef>
                 <a:spcPts val="0"/>
               </a:spcBef>
@@ -2861,19 +3105,15 @@
               <a:defRPr/>
             </a:lvl9pPr>
           </a:lstStyle>
-          <a:p>
-            <a:endParaRPr/>
-          </a:p>
+          <a:p/>
         </p:txBody>
       </p:sp>
       <p:sp>
         <p:nvSpPr>
           <p:cNvPr id="29" name="Google Shape;29;p10"/>
-          <p:cNvSpPr txBox="1">
-            <a:spLocks noGrp="1"/>
-          </p:cNvSpPr>
+          <p:cNvSpPr txBox="1"/>
           <p:nvPr>
-            <p:ph type="body" idx="1"/>
+            <p:ph idx="1" type="body"/>
           </p:nvPr>
         </p:nvSpPr>
         <p:spPr>
@@ -2890,11 +3130,11 @@
           </a:ln>
         </p:spPr>
         <p:txBody>
-          <a:bodyPr spcFirstLastPara="1" wrap="square" lIns="91425" tIns="45700" rIns="91425" bIns="45700" anchor="t" anchorCtr="0">
+          <a:bodyPr anchorCtr="0" anchor="t" bIns="45700" lIns="91425" spcFirstLastPara="1" rIns="91425" wrap="square" tIns="45700">
             <a:normAutofit/>
           </a:bodyPr>
           <a:lstStyle>
-            <a:lvl1pPr marL="457200" lvl="0" indent="-228600" algn="l">
+            <a:lvl1pPr indent="-228600" lvl="0" marL="457200" algn="l">
               <a:lnSpc>
                 <a:spcPct val="100000"/>
               </a:lnSpc>
@@ -2920,7 +3160,7 @@
                 <a:sym typeface="Rubik"/>
               </a:defRPr>
             </a:lvl1pPr>
-            <a:lvl2pPr marL="914400" lvl="1" indent="-381000" algn="l">
+            <a:lvl2pPr indent="-381000" lvl="1" marL="914400" algn="l">
               <a:lnSpc>
                 <a:spcPct val="100000"/>
               </a:lnSpc>
@@ -2945,7 +3185,7 @@
                 <a:sym typeface="Rubik"/>
               </a:defRPr>
             </a:lvl2pPr>
-            <a:lvl3pPr marL="1371600" lvl="2" indent="-355600" algn="l">
+            <a:lvl3pPr indent="-355600" lvl="2" marL="1371600" algn="l">
               <a:lnSpc>
                 <a:spcPct val="100000"/>
               </a:lnSpc>
@@ -2970,7 +3210,7 @@
                 <a:sym typeface="Rubik"/>
               </a:defRPr>
             </a:lvl3pPr>
-            <a:lvl4pPr marL="1828800" lvl="3" indent="-342900" algn="l">
+            <a:lvl4pPr indent="-342900" lvl="3" marL="1828800" algn="l">
               <a:lnSpc>
                 <a:spcPct val="100000"/>
               </a:lnSpc>
@@ -2984,7 +3224,7 @@
                 <a:schemeClr val="dk1"/>
               </a:buClr>
               <a:buSzPts val="1800"/>
-              <a:buChar char="▫︎"/>
+              <a:buChar char="▫"/>
               <a:defRPr>
                 <a:solidFill>
                   <a:schemeClr val="dk1"/>
@@ -2995,7 +3235,7 @@
                 <a:sym typeface="Rubik"/>
               </a:defRPr>
             </a:lvl4pPr>
-            <a:lvl5pPr marL="2286000" lvl="4" indent="-342900" algn="l">
+            <a:lvl5pPr indent="-342900" lvl="4" marL="2286000" algn="l">
               <a:lnSpc>
                 <a:spcPct val="100000"/>
               </a:lnSpc>
@@ -3020,7 +3260,7 @@
                 <a:sym typeface="Rubik"/>
               </a:defRPr>
             </a:lvl5pPr>
-            <a:lvl6pPr marL="2743200" lvl="5" indent="-342900" algn="l">
+            <a:lvl6pPr indent="-342900" lvl="5" marL="2743200" algn="l">
               <a:lnSpc>
                 <a:spcPct val="90000"/>
               </a:lnSpc>
@@ -3037,7 +3277,7 @@
               <a:buChar char="•"/>
               <a:defRPr/>
             </a:lvl6pPr>
-            <a:lvl7pPr marL="3200400" lvl="6" indent="-342900" algn="l">
+            <a:lvl7pPr indent="-342900" lvl="6" marL="3200400" algn="l">
               <a:lnSpc>
                 <a:spcPct val="90000"/>
               </a:lnSpc>
@@ -3054,7 +3294,7 @@
               <a:buChar char="•"/>
               <a:defRPr/>
             </a:lvl7pPr>
-            <a:lvl8pPr marL="3657600" lvl="7" indent="-342900" algn="l">
+            <a:lvl8pPr indent="-342900" lvl="7" marL="3657600" algn="l">
               <a:lnSpc>
                 <a:spcPct val="90000"/>
               </a:lnSpc>
@@ -3071,7 +3311,7 @@
               <a:buChar char="•"/>
               <a:defRPr/>
             </a:lvl8pPr>
-            <a:lvl9pPr marL="4114800" lvl="8" indent="-342900" algn="l">
+            <a:lvl9pPr indent="-342900" lvl="8" marL="4114800" algn="l">
               <a:lnSpc>
                 <a:spcPct val="90000"/>
               </a:lnSpc>
@@ -3089,9 +3329,7 @@
               <a:defRPr/>
             </a:lvl9pPr>
           </a:lstStyle>
-          <a:p>
-            <a:endParaRPr/>
-          </a:p>
+          <a:p/>
         </p:txBody>
       </p:sp>
     </p:spTree>
@@ -3099,13 +3337,13 @@
   <p:clrMapOvr>
     <a:masterClrMapping/>
   </p:clrMapOvr>
-  <mc:AlternateContent xmlns:mc="http://schemas.openxmlformats.org/markup-compatibility/2006" xmlns:p14="http://schemas.microsoft.com/office/powerpoint/2010/main">
+  <mc:AlternateContent>
     <mc:Choice Requires="p14">
-      <p:transition spd="med" p14:dur="700">
+      <p:transition spd="slow" p14:dur="700">
         <p:fade/>
       </p:transition>
     </mc:Choice>
-    <mc:Fallback xmlns:ahyp="http://schemas.microsoft.com/office/drawing/2018/hyperlinkcolor" xmlns:p15="http://schemas.microsoft.com/office/powerpoint/2012/main" xmlns:com="http://schemas.openxmlformats.org/drawingml/2006/compatibility" xmlns:pvml="urn:schemas-microsoft-com:office:powerpoint" xmlns:v="urn:schemas-microsoft-com:vml" xmlns:o="urn:schemas-microsoft-com:office:office" xmlns:dgm="http://schemas.openxmlformats.org/drawingml/2006/diagram" xmlns:c="http://schemas.openxmlformats.org/drawingml/2006/chart" xmlns:mv="urn:schemas-microsoft-com:mac:vml" xmlns="">
+    <mc:Fallback>
       <p:transition spd="slow">
         <p:fade/>
       </p:transition>
@@ -3113,7 +3351,7 @@
   </mc:AlternateContent>
   <p:extLst>
     <p:ext uri="{DCECCB84-F9BA-43D5-87BE-67443E8EF086}">
-      <p15:sldGuideLst xmlns:p15="http://schemas.microsoft.com/office/powerpoint/2012/main">
+      <p15:sldGuideLst>
         <p15:guide id="1" orient="horz" pos="1620">
           <p15:clr>
             <a:srgbClr val="FBAE40"/>
@@ -3131,19 +3369,18 @@
 </file>
 
 <file path=ppt/slideLayouts/slideLayout5.xml><?xml version="1.0" encoding="utf-8"?>
-<p:sldLayout xmlns:a="http://schemas.openxmlformats.org/drawingml/2006/main" xmlns:r="http://schemas.openxmlformats.org/officeDocument/2006/relationships" xmlns:p="http://schemas.openxmlformats.org/presentationml/2006/main" matchingName="Blank White">
+<p:sldLayout xmlns:a="http://schemas.openxmlformats.org/drawingml/2006/main" xmlns:r="http://schemas.openxmlformats.org/officeDocument/2006/relationships" xmlns:mc="http://schemas.openxmlformats.org/markup-compatibility/2006" xmlns:mv="urn:schemas-microsoft-com:mac:vml" xmlns:p="http://schemas.openxmlformats.org/presentationml/2006/main" xmlns:c="http://schemas.openxmlformats.org/drawingml/2006/chart" xmlns:dgm="http://schemas.openxmlformats.org/drawingml/2006/diagram" xmlns:o="urn:schemas-microsoft-com:office:office" xmlns:v="urn:schemas-microsoft-com:vml" xmlns:pvml="urn:schemas-microsoft-com:office:powerpoint" xmlns:com="http://schemas.openxmlformats.org/drawingml/2006/compatibility" xmlns:p14="http://schemas.microsoft.com/office/powerpoint/2010/main" xmlns:p15="http://schemas.microsoft.com/office/powerpoint/2012/main" xmlns:ahyp="http://schemas.microsoft.com/office/drawing/2018/hyperlinkcolor" matchingName="Blank White">
   <p:cSld name="Blank White">
     <p:bg>
       <p:bgPr>
         <a:solidFill>
           <a:schemeClr val="lt1"/>
         </a:solidFill>
-        <a:effectLst/>
       </p:bgPr>
     </p:bg>
     <p:spTree>
       <p:nvGrpSpPr>
-        <p:cNvPr id="1" name="Shape 30"/>
+        <p:cNvPr id="30" name="Shape 30"/>
         <p:cNvGrpSpPr/>
         <p:nvPr/>
       </p:nvGrpSpPr>
@@ -3160,13 +3397,13 @@
   <p:clrMapOvr>
     <a:masterClrMapping/>
   </p:clrMapOvr>
-  <mc:AlternateContent xmlns:mc="http://schemas.openxmlformats.org/markup-compatibility/2006" xmlns:p14="http://schemas.microsoft.com/office/powerpoint/2010/main">
+  <mc:AlternateContent>
     <mc:Choice Requires="p14">
-      <p:transition spd="med" p14:dur="700">
+      <p:transition spd="slow" p14:dur="700">
         <p:fade/>
       </p:transition>
     </mc:Choice>
-    <mc:Fallback xmlns:ahyp="http://schemas.microsoft.com/office/drawing/2018/hyperlinkcolor" xmlns:p15="http://schemas.microsoft.com/office/powerpoint/2012/main" xmlns:com="http://schemas.openxmlformats.org/drawingml/2006/compatibility" xmlns:pvml="urn:schemas-microsoft-com:office:powerpoint" xmlns:v="urn:schemas-microsoft-com:vml" xmlns:o="urn:schemas-microsoft-com:office:office" xmlns:dgm="http://schemas.openxmlformats.org/drawingml/2006/diagram" xmlns:c="http://schemas.openxmlformats.org/drawingml/2006/chart" xmlns:mv="urn:schemas-microsoft-com:mac:vml" xmlns="">
+    <mc:Fallback>
       <p:transition spd="slow">
         <p:fade/>
       </p:transition>
@@ -3174,7 +3411,7 @@
   </mc:AlternateContent>
   <p:extLst>
     <p:ext uri="{DCECCB84-F9BA-43D5-87BE-67443E8EF086}">
-      <p15:sldGuideLst xmlns:p15="http://schemas.microsoft.com/office/powerpoint/2012/main">
+      <p15:sldGuideLst>
         <p15:guide id="1" orient="horz" pos="1620">
           <p15:clr>
             <a:srgbClr val="FBAE40"/>
@@ -3192,19 +3429,18 @@
 </file>
 
 <file path=ppt/slideLayouts/slideLayout6.xml><?xml version="1.0" encoding="utf-8"?>
-<p:sldLayout xmlns:a="http://schemas.openxmlformats.org/drawingml/2006/main" xmlns:r="http://schemas.openxmlformats.org/officeDocument/2006/relationships" xmlns:p="http://schemas.openxmlformats.org/presentationml/2006/main" matchingName="Background Dark">
+<p:sldLayout xmlns:a="http://schemas.openxmlformats.org/drawingml/2006/main" xmlns:r="http://schemas.openxmlformats.org/officeDocument/2006/relationships" xmlns:mc="http://schemas.openxmlformats.org/markup-compatibility/2006" xmlns:mv="urn:schemas-microsoft-com:mac:vml" xmlns:p="http://schemas.openxmlformats.org/presentationml/2006/main" xmlns:c="http://schemas.openxmlformats.org/drawingml/2006/chart" xmlns:dgm="http://schemas.openxmlformats.org/drawingml/2006/diagram" xmlns:o="urn:schemas-microsoft-com:office:office" xmlns:v="urn:schemas-microsoft-com:vml" xmlns:pvml="urn:schemas-microsoft-com:office:powerpoint" xmlns:com="http://schemas.openxmlformats.org/drawingml/2006/compatibility" xmlns:p14="http://schemas.microsoft.com/office/powerpoint/2010/main" xmlns:p15="http://schemas.microsoft.com/office/powerpoint/2012/main" xmlns:ahyp="http://schemas.microsoft.com/office/drawing/2018/hyperlinkcolor" matchingName="Background Dark">
   <p:cSld name="Background Dark">
     <p:bg>
       <p:bgPr>
         <a:solidFill>
           <a:schemeClr val="lt1"/>
         </a:solidFill>
-        <a:effectLst/>
       </p:bgPr>
     </p:bg>
     <p:spTree>
       <p:nvGrpSpPr>
-        <p:cNvPr id="1" name="Shape 31"/>
+        <p:cNvPr id="31" name="Shape 31"/>
         <p:cNvGrpSpPr/>
         <p:nvPr/>
       </p:nvGrpSpPr>
@@ -3218,7 +3454,7 @@
       </p:grpSpPr>
       <p:pic>
         <p:nvPicPr>
-          <p:cNvPr id="32" name="Google Shape;32;p12" descr="Shape, rectangle&#10;&#10;Description automatically generated"/>
+          <p:cNvPr descr="Shape, rectangle&#10;&#10;Description automatically generated" id="32" name="Google Shape;32;p12"/>
           <p:cNvPicPr preferRelativeResize="0"/>
           <p:nvPr/>
         </p:nvPicPr>
@@ -3226,7 +3462,7 @@
           <a:blip r:embed="rId2">
             <a:alphaModFix/>
           </a:blip>
-          <a:srcRect/>
+          <a:srcRect b="0" l="0" r="0" t="0"/>
           <a:stretch/>
         </p:blipFill>
         <p:spPr>
@@ -3248,13 +3484,13 @@
   <p:clrMapOvr>
     <a:masterClrMapping/>
   </p:clrMapOvr>
-  <mc:AlternateContent xmlns:mc="http://schemas.openxmlformats.org/markup-compatibility/2006" xmlns:p14="http://schemas.microsoft.com/office/powerpoint/2010/main">
+  <mc:AlternateContent>
     <mc:Choice Requires="p14">
-      <p:transition spd="med" p14:dur="700">
+      <p:transition spd="slow" p14:dur="700">
         <p:fade/>
       </p:transition>
     </mc:Choice>
-    <mc:Fallback xmlns:ahyp="http://schemas.microsoft.com/office/drawing/2018/hyperlinkcolor" xmlns:p15="http://schemas.microsoft.com/office/powerpoint/2012/main" xmlns:com="http://schemas.openxmlformats.org/drawingml/2006/compatibility" xmlns:pvml="urn:schemas-microsoft-com:office:powerpoint" xmlns:v="urn:schemas-microsoft-com:vml" xmlns:o="urn:schemas-microsoft-com:office:office" xmlns:dgm="http://schemas.openxmlformats.org/drawingml/2006/diagram" xmlns:c="http://schemas.openxmlformats.org/drawingml/2006/chart" xmlns:mv="urn:schemas-microsoft-com:mac:vml" xmlns="">
+    <mc:Fallback>
       <p:transition spd="slow">
         <p:fade/>
       </p:transition>
@@ -3262,7 +3498,7 @@
   </mc:AlternateContent>
   <p:extLst>
     <p:ext uri="{DCECCB84-F9BA-43D5-87BE-67443E8EF086}">
-      <p15:sldGuideLst xmlns:p15="http://schemas.microsoft.com/office/powerpoint/2012/main">
+      <p15:sldGuideLst>
         <p15:guide id="1" orient="horz" pos="1620">
           <p15:clr>
             <a:srgbClr val="FBAE40"/>
@@ -3280,19 +3516,18 @@
 </file>
 
 <file path=ppt/slideLayouts/slideLayout7.xml><?xml version="1.0" encoding="utf-8"?>
-<p:sldLayout xmlns:a="http://schemas.openxmlformats.org/drawingml/2006/main" xmlns:r="http://schemas.openxmlformats.org/officeDocument/2006/relationships" xmlns:p="http://schemas.openxmlformats.org/presentationml/2006/main" showMasterSp="0" matchingName="Big Message Dark">
+<p:sldLayout xmlns:a="http://schemas.openxmlformats.org/drawingml/2006/main" xmlns:r="http://schemas.openxmlformats.org/officeDocument/2006/relationships" xmlns:mc="http://schemas.openxmlformats.org/markup-compatibility/2006" xmlns:mv="urn:schemas-microsoft-com:mac:vml" xmlns:p="http://schemas.openxmlformats.org/presentationml/2006/main" xmlns:c="http://schemas.openxmlformats.org/drawingml/2006/chart" xmlns:dgm="http://schemas.openxmlformats.org/drawingml/2006/diagram" xmlns:o="urn:schemas-microsoft-com:office:office" xmlns:v="urn:schemas-microsoft-com:vml" xmlns:pvml="urn:schemas-microsoft-com:office:powerpoint" xmlns:com="http://schemas.openxmlformats.org/drawingml/2006/compatibility" xmlns:p14="http://schemas.microsoft.com/office/powerpoint/2010/main" xmlns:p15="http://schemas.microsoft.com/office/powerpoint/2012/main" xmlns:ahyp="http://schemas.microsoft.com/office/drawing/2018/hyperlinkcolor" matchingName="Big Message Dark" showMasterSp="0">
   <p:cSld name="Big Message Dark">
     <p:bg>
       <p:bgPr>
         <a:solidFill>
           <a:schemeClr val="lt1"/>
         </a:solidFill>
-        <a:effectLst/>
       </p:bgPr>
     </p:bg>
     <p:spTree>
       <p:nvGrpSpPr>
-        <p:cNvPr id="1" name="Shape 33"/>
+        <p:cNvPr id="33" name="Shape 33"/>
         <p:cNvGrpSpPr/>
         <p:nvPr/>
       </p:nvGrpSpPr>
@@ -3306,7 +3541,7 @@
       </p:grpSpPr>
       <p:pic>
         <p:nvPicPr>
-          <p:cNvPr id="34" name="Google Shape;34;p13" descr="Shape, rectangle&#10;&#10;Description automatically generated"/>
+          <p:cNvPr descr="Shape, rectangle&#10;&#10;Description automatically generated" id="34" name="Google Shape;34;p13"/>
           <p:cNvPicPr preferRelativeResize="0"/>
           <p:nvPr/>
         </p:nvPicPr>
@@ -3314,7 +3549,7 @@
           <a:blip r:embed="rId2">
             <a:alphaModFix/>
           </a:blip>
-          <a:srcRect/>
+          <a:srcRect b="0" l="0" r="0" t="0"/>
           <a:stretch/>
         </p:blipFill>
         <p:spPr>
@@ -3333,7 +3568,7 @@
       </p:pic>
       <p:pic>
         <p:nvPicPr>
-          <p:cNvPr id="35" name="Google Shape;35;p13" descr="A picture containing text, clipart&#10;&#10;Description automatically generated"/>
+          <p:cNvPr descr="A picture containing text, clipart&#10;&#10;Description automatically generated" id="35" name="Google Shape;35;p13"/>
           <p:cNvPicPr preferRelativeResize="0"/>
           <p:nvPr/>
         </p:nvPicPr>
@@ -3341,7 +3576,7 @@
           <a:blip r:embed="rId3">
             <a:alphaModFix/>
           </a:blip>
-          <a:srcRect/>
+          <a:srcRect b="0" l="0" r="0" t="0"/>
           <a:stretch/>
         </p:blipFill>
         <p:spPr>
@@ -3361,9 +3596,7 @@
       <p:sp>
         <p:nvSpPr>
           <p:cNvPr id="36" name="Google Shape;36;p13"/>
-          <p:cNvSpPr txBox="1">
-            <a:spLocks noGrp="1"/>
-          </p:cNvSpPr>
+          <p:cNvSpPr txBox="1"/>
           <p:nvPr>
             <p:ph type="title"/>
           </p:nvPr>
@@ -3382,7 +3615,7 @@
           </a:ln>
         </p:spPr>
         <p:txBody>
-          <a:bodyPr spcFirstLastPara="1" wrap="square" lIns="0" tIns="0" rIns="0" bIns="0" anchor="b" anchorCtr="0">
+          <a:bodyPr anchorCtr="0" anchor="b" bIns="0" lIns="0" spcFirstLastPara="1" rIns="0" wrap="square" tIns="0">
             <a:noAutofit/>
           </a:bodyPr>
           <a:lstStyle>
@@ -3402,7 +3635,7 @@
               <a:buSzPts val="6400"/>
               <a:buFont typeface="Rubik"/>
               <a:buNone/>
-              <a:defRPr sz="6400" b="0" i="0" u="none">
+              <a:defRPr b="0" i="0" sz="6400" u="none">
                 <a:solidFill>
                   <a:schemeClr val="lt1"/>
                 </a:solidFill>
@@ -3412,7 +3645,10 @@
                 <a:sym typeface="Rubik"/>
               </a:defRPr>
             </a:lvl1pPr>
-            <a:lvl2pPr lvl="1">
+            <a:lvl2pPr lvl="1" algn="l">
+              <a:lnSpc>
+                <a:spcPct val="100000"/>
+              </a:lnSpc>
               <a:spcBef>
                 <a:spcPts val="0"/>
               </a:spcBef>
@@ -3423,7 +3659,10 @@
               <a:buNone/>
               <a:defRPr/>
             </a:lvl2pPr>
-            <a:lvl3pPr lvl="2">
+            <a:lvl3pPr lvl="2" algn="l">
+              <a:lnSpc>
+                <a:spcPct val="100000"/>
+              </a:lnSpc>
               <a:spcBef>
                 <a:spcPts val="0"/>
               </a:spcBef>
@@ -3434,7 +3673,10 @@
               <a:buNone/>
               <a:defRPr/>
             </a:lvl3pPr>
-            <a:lvl4pPr lvl="3">
+            <a:lvl4pPr lvl="3" algn="l">
+              <a:lnSpc>
+                <a:spcPct val="100000"/>
+              </a:lnSpc>
               <a:spcBef>
                 <a:spcPts val="0"/>
               </a:spcBef>
@@ -3445,7 +3687,10 @@
               <a:buNone/>
               <a:defRPr/>
             </a:lvl4pPr>
-            <a:lvl5pPr lvl="4">
+            <a:lvl5pPr lvl="4" algn="l">
+              <a:lnSpc>
+                <a:spcPct val="100000"/>
+              </a:lnSpc>
               <a:spcBef>
                 <a:spcPts val="0"/>
               </a:spcBef>
@@ -3456,7 +3701,10 @@
               <a:buNone/>
               <a:defRPr/>
             </a:lvl5pPr>
-            <a:lvl6pPr lvl="5">
+            <a:lvl6pPr lvl="5" algn="l">
+              <a:lnSpc>
+                <a:spcPct val="100000"/>
+              </a:lnSpc>
               <a:spcBef>
                 <a:spcPts val="0"/>
               </a:spcBef>
@@ -3467,7 +3715,10 @@
               <a:buNone/>
               <a:defRPr/>
             </a:lvl6pPr>
-            <a:lvl7pPr lvl="6">
+            <a:lvl7pPr lvl="6" algn="l">
+              <a:lnSpc>
+                <a:spcPct val="100000"/>
+              </a:lnSpc>
               <a:spcBef>
                 <a:spcPts val="0"/>
               </a:spcBef>
@@ -3478,7 +3729,10 @@
               <a:buNone/>
               <a:defRPr/>
             </a:lvl7pPr>
-            <a:lvl8pPr lvl="7">
+            <a:lvl8pPr lvl="7" algn="l">
+              <a:lnSpc>
+                <a:spcPct val="100000"/>
+              </a:lnSpc>
               <a:spcBef>
                 <a:spcPts val="0"/>
               </a:spcBef>
@@ -3489,7 +3743,10 @@
               <a:buNone/>
               <a:defRPr/>
             </a:lvl8pPr>
-            <a:lvl9pPr lvl="8">
+            <a:lvl9pPr lvl="8" algn="l">
+              <a:lnSpc>
+                <a:spcPct val="100000"/>
+              </a:lnSpc>
               <a:spcBef>
                 <a:spcPts val="0"/>
               </a:spcBef>
@@ -3501,9 +3758,7 @@
               <a:defRPr/>
             </a:lvl9pPr>
           </a:lstStyle>
-          <a:p>
-            <a:endParaRPr/>
-          </a:p>
+          <a:p/>
         </p:txBody>
       </p:sp>
     </p:spTree>
@@ -3511,13 +3766,13 @@
   <p:clrMapOvr>
     <a:masterClrMapping/>
   </p:clrMapOvr>
-  <mc:AlternateContent xmlns:mc="http://schemas.openxmlformats.org/markup-compatibility/2006" xmlns:p14="http://schemas.microsoft.com/office/powerpoint/2010/main">
+  <mc:AlternateContent>
     <mc:Choice Requires="p14">
-      <p:transition spd="med" p14:dur="700">
+      <p:transition spd="slow" p14:dur="700">
         <p:fade/>
       </p:transition>
     </mc:Choice>
-    <mc:Fallback xmlns:ahyp="http://schemas.microsoft.com/office/drawing/2018/hyperlinkcolor" xmlns:p15="http://schemas.microsoft.com/office/powerpoint/2012/main" xmlns:com="http://schemas.openxmlformats.org/drawingml/2006/compatibility" xmlns:pvml="urn:schemas-microsoft-com:office:powerpoint" xmlns:v="urn:schemas-microsoft-com:vml" xmlns:o="urn:schemas-microsoft-com:office:office" xmlns:dgm="http://schemas.openxmlformats.org/drawingml/2006/diagram" xmlns:c="http://schemas.openxmlformats.org/drawingml/2006/chart" xmlns:mv="urn:schemas-microsoft-com:mac:vml" xmlns="">
+    <mc:Fallback>
       <p:transition spd="slow">
         <p:fade/>
       </p:transition>
@@ -3525,7 +3780,7 @@
   </mc:AlternateContent>
   <p:extLst>
     <p:ext uri="{DCECCB84-F9BA-43D5-87BE-67443E8EF086}">
-      <p15:sldGuideLst xmlns:p15="http://schemas.microsoft.com/office/powerpoint/2012/main">
+      <p15:sldGuideLst>
         <p15:guide id="1" orient="horz" pos="1620">
           <p15:clr>
             <a:srgbClr val="FBAE40"/>
@@ -3543,19 +3798,18 @@
 </file>
 
 <file path=ppt/slideLayouts/slideLayout8.xml><?xml version="1.0" encoding="utf-8"?>
-<p:sldLayout xmlns:a="http://schemas.openxmlformats.org/drawingml/2006/main" xmlns:r="http://schemas.openxmlformats.org/officeDocument/2006/relationships" xmlns:p="http://schemas.openxmlformats.org/presentationml/2006/main" matchingName="Speaker">
+<p:sldLayout xmlns:a="http://schemas.openxmlformats.org/drawingml/2006/main" xmlns:r="http://schemas.openxmlformats.org/officeDocument/2006/relationships" xmlns:mc="http://schemas.openxmlformats.org/markup-compatibility/2006" xmlns:mv="urn:schemas-microsoft-com:mac:vml" xmlns:p="http://schemas.openxmlformats.org/presentationml/2006/main" xmlns:c="http://schemas.openxmlformats.org/drawingml/2006/chart" xmlns:dgm="http://schemas.openxmlformats.org/drawingml/2006/diagram" xmlns:o="urn:schemas-microsoft-com:office:office" xmlns:v="urn:schemas-microsoft-com:vml" xmlns:pvml="urn:schemas-microsoft-com:office:powerpoint" xmlns:com="http://schemas.openxmlformats.org/drawingml/2006/compatibility" xmlns:p14="http://schemas.microsoft.com/office/powerpoint/2010/main" xmlns:p15="http://schemas.microsoft.com/office/powerpoint/2012/main" xmlns:ahyp="http://schemas.microsoft.com/office/drawing/2018/hyperlinkcolor" matchingName="Speaker">
   <p:cSld name="Speaker">
     <p:bg>
       <p:bgPr>
         <a:solidFill>
           <a:schemeClr val="lt1"/>
         </a:solidFill>
-        <a:effectLst/>
       </p:bgPr>
     </p:bg>
     <p:spTree>
       <p:nvGrpSpPr>
-        <p:cNvPr id="1" name="Shape 37"/>
+        <p:cNvPr id="37" name="Shape 37"/>
         <p:cNvGrpSpPr/>
         <p:nvPr/>
       </p:nvGrpSpPr>
@@ -3589,21 +3843,32 @@
           </a:ln>
         </p:spPr>
         <p:txBody>
-          <a:bodyPr spcFirstLastPara="1" wrap="square" lIns="91425" tIns="45700" rIns="91425" bIns="45700" anchor="t" anchorCtr="0">
+          <a:bodyPr anchorCtr="0" anchor="t" bIns="45700" lIns="91425" spcFirstLastPara="1" rIns="91425" wrap="square" tIns="45700">
             <a:noAutofit/>
           </a:bodyPr>
           <a:lstStyle/>
           <a:p>
-            <a:pPr marL="0" marR="0" lvl="0" indent="0" algn="ctr" rtl="0">
-              <a:spcBef>
-                <a:spcPts val="0"/>
-              </a:spcBef>
-              <a:spcAft>
-                <a:spcPts val="0"/>
-              </a:spcAft>
+            <a:pPr indent="0" lvl="0" marL="0" marR="0" rtl="0" algn="ctr">
+              <a:lnSpc>
+                <a:spcPct val="100000"/>
+              </a:lnSpc>
+              <a:spcBef>
+                <a:spcPts val="0"/>
+              </a:spcBef>
+              <a:spcAft>
+                <a:spcPts val="0"/>
+              </a:spcAft>
+              <a:buClr>
+                <a:srgbClr val="000000"/>
+              </a:buClr>
+              <a:buSzPts val="1800"/>
+              <a:buFont typeface="Arial"/>
               <a:buNone/>
             </a:pPr>
-            <a:endParaRPr sz="1800" b="0" i="0" u="none" strike="noStrike" cap="none">
+            <a:r>
+              <a:t/>
+            </a:r>
+            <a:endParaRPr b="0" i="0" sz="1800" u="none" cap="none" strike="noStrike">
               <a:solidFill>
                 <a:srgbClr val="000000"/>
               </a:solidFill>
@@ -3625,7 +3890,7 @@
           <a:blip r:embed="rId2">
             <a:alphaModFix/>
           </a:blip>
-          <a:srcRect t="57361" b="3841"/>
+          <a:srcRect b="3841" l="0" r="0" t="57361"/>
           <a:stretch/>
         </p:blipFill>
         <p:spPr>
@@ -3652,7 +3917,7 @@
           <a:blip r:embed="rId3">
             <a:alphaModFix/>
           </a:blip>
-          <a:srcRect/>
+          <a:srcRect b="0" l="0" r="0" t="0"/>
           <a:stretch/>
         </p:blipFill>
         <p:spPr>
@@ -3681,13 +3946,9 @@
             <a:ext cx="12192000" cy="2781628"/>
           </a:xfrm>
           <a:custGeom>
-            <a:avLst/>
-            <a:gdLst/>
-            <a:ahLst/>
-            <a:cxnLst/>
-            <a:rect l="l" t="t" r="r" b="b"/>
+            <a:rect b="b" l="l" r="r" t="t"/>
             <a:pathLst>
-              <a:path w="12192000" h="2781628" extrusionOk="0">
+              <a:path extrusionOk="0" h="2781628" w="12192000">
                 <a:moveTo>
                   <a:pt x="12192000" y="0"/>
                 </a:moveTo>
@@ -3715,21 +3976,32 @@
           </a:ln>
         </p:spPr>
         <p:txBody>
-          <a:bodyPr spcFirstLastPara="1" wrap="square" lIns="91425" tIns="45700" rIns="91425" bIns="45700" anchor="t" anchorCtr="0">
+          <a:bodyPr anchorCtr="0" anchor="t" bIns="45700" lIns="91425" spcFirstLastPara="1" rIns="91425" wrap="square" tIns="45700">
             <a:noAutofit/>
           </a:bodyPr>
           <a:lstStyle/>
           <a:p>
-            <a:pPr marL="0" marR="0" lvl="0" indent="0" algn="ctr" rtl="0">
-              <a:spcBef>
-                <a:spcPts val="0"/>
-              </a:spcBef>
-              <a:spcAft>
-                <a:spcPts val="0"/>
-              </a:spcAft>
+            <a:pPr indent="0" lvl="0" marL="0" marR="0" rtl="0" algn="ctr">
+              <a:lnSpc>
+                <a:spcPct val="100000"/>
+              </a:lnSpc>
+              <a:spcBef>
+                <a:spcPts val="0"/>
+              </a:spcBef>
+              <a:spcAft>
+                <a:spcPts val="0"/>
+              </a:spcAft>
+              <a:buClr>
+                <a:srgbClr val="000000"/>
+              </a:buClr>
+              <a:buSzPts val="1800"/>
+              <a:buFont typeface="Arial"/>
               <a:buNone/>
             </a:pPr>
-            <a:endParaRPr sz="1800" b="0" i="0" u="none" strike="noStrike" cap="none">
+            <a:r>
+              <a:t/>
+            </a:r>
+            <a:endParaRPr b="0" i="0" sz="1800" u="none" cap="none" strike="noStrike">
               <a:solidFill>
                 <a:srgbClr val="000000"/>
               </a:solidFill>
@@ -3744,9 +4016,7 @@
       <p:sp>
         <p:nvSpPr>
           <p:cNvPr id="42" name="Google Shape;42;p14"/>
-          <p:cNvSpPr txBox="1">
-            <a:spLocks noGrp="1"/>
-          </p:cNvSpPr>
+          <p:cNvSpPr txBox="1"/>
           <p:nvPr>
             <p:ph type="title"/>
           </p:nvPr>
@@ -3765,7 +4035,7 @@
           </a:ln>
         </p:spPr>
         <p:txBody>
-          <a:bodyPr spcFirstLastPara="1" wrap="square" lIns="91425" tIns="0" rIns="91425" bIns="0" anchor="b" anchorCtr="0">
+          <a:bodyPr anchorCtr="0" anchor="b" bIns="0" lIns="91425" spcFirstLastPara="1" rIns="91425" wrap="square" tIns="0">
             <a:noAutofit/>
           </a:bodyPr>
           <a:lstStyle>
@@ -3785,14 +4055,17 @@
               <a:buSzPts val="2800"/>
               <a:buFont typeface="Rubik"/>
               <a:buNone/>
-              <a:defRPr sz="2800" b="1" i="0">
+              <a:defRPr b="1" i="0" sz="2800">
                 <a:latin typeface="Rubik"/>
                 <a:ea typeface="Rubik"/>
                 <a:cs typeface="Rubik"/>
                 <a:sym typeface="Rubik"/>
               </a:defRPr>
             </a:lvl1pPr>
-            <a:lvl2pPr lvl="1">
+            <a:lvl2pPr lvl="1" algn="l">
+              <a:lnSpc>
+                <a:spcPct val="100000"/>
+              </a:lnSpc>
               <a:spcBef>
                 <a:spcPts val="0"/>
               </a:spcBef>
@@ -3803,7 +4076,10 @@
               <a:buNone/>
               <a:defRPr/>
             </a:lvl2pPr>
-            <a:lvl3pPr lvl="2">
+            <a:lvl3pPr lvl="2" algn="l">
+              <a:lnSpc>
+                <a:spcPct val="100000"/>
+              </a:lnSpc>
               <a:spcBef>
                 <a:spcPts val="0"/>
               </a:spcBef>
@@ -3814,7 +4090,10 @@
               <a:buNone/>
               <a:defRPr/>
             </a:lvl3pPr>
-            <a:lvl4pPr lvl="3">
+            <a:lvl4pPr lvl="3" algn="l">
+              <a:lnSpc>
+                <a:spcPct val="100000"/>
+              </a:lnSpc>
               <a:spcBef>
                 <a:spcPts val="0"/>
               </a:spcBef>
@@ -3825,7 +4104,10 @@
               <a:buNone/>
               <a:defRPr/>
             </a:lvl4pPr>
-            <a:lvl5pPr lvl="4">
+            <a:lvl5pPr lvl="4" algn="l">
+              <a:lnSpc>
+                <a:spcPct val="100000"/>
+              </a:lnSpc>
               <a:spcBef>
                 <a:spcPts val="0"/>
               </a:spcBef>
@@ -3836,7 +4118,10 @@
               <a:buNone/>
               <a:defRPr/>
             </a:lvl5pPr>
-            <a:lvl6pPr lvl="5">
+            <a:lvl6pPr lvl="5" algn="l">
+              <a:lnSpc>
+                <a:spcPct val="100000"/>
+              </a:lnSpc>
               <a:spcBef>
                 <a:spcPts val="0"/>
               </a:spcBef>
@@ -3847,7 +4132,10 @@
               <a:buNone/>
               <a:defRPr/>
             </a:lvl6pPr>
-            <a:lvl7pPr lvl="6">
+            <a:lvl7pPr lvl="6" algn="l">
+              <a:lnSpc>
+                <a:spcPct val="100000"/>
+              </a:lnSpc>
               <a:spcBef>
                 <a:spcPts val="0"/>
               </a:spcBef>
@@ -3858,7 +4146,10 @@
               <a:buNone/>
               <a:defRPr/>
             </a:lvl7pPr>
-            <a:lvl8pPr lvl="7">
+            <a:lvl8pPr lvl="7" algn="l">
+              <a:lnSpc>
+                <a:spcPct val="100000"/>
+              </a:lnSpc>
               <a:spcBef>
                 <a:spcPts val="0"/>
               </a:spcBef>
@@ -3869,7 +4160,10 @@
               <a:buNone/>
               <a:defRPr/>
             </a:lvl8pPr>
-            <a:lvl9pPr lvl="8">
+            <a:lvl9pPr lvl="8" algn="l">
+              <a:lnSpc>
+                <a:spcPct val="100000"/>
+              </a:lnSpc>
               <a:spcBef>
                 <a:spcPts val="0"/>
               </a:spcBef>
@@ -3881,19 +4175,15 @@
               <a:defRPr/>
             </a:lvl9pPr>
           </a:lstStyle>
-          <a:p>
-            <a:endParaRPr/>
-          </a:p>
+          <a:p/>
         </p:txBody>
       </p:sp>
       <p:sp>
         <p:nvSpPr>
           <p:cNvPr id="43" name="Google Shape;43;p14"/>
-          <p:cNvSpPr txBox="1">
-            <a:spLocks noGrp="1"/>
-          </p:cNvSpPr>
+          <p:cNvSpPr txBox="1"/>
           <p:nvPr>
-            <p:ph type="body" idx="1"/>
+            <p:ph idx="1" type="body"/>
           </p:nvPr>
         </p:nvSpPr>
         <p:spPr>
@@ -3910,11 +4200,11 @@
           </a:ln>
         </p:spPr>
         <p:txBody>
-          <a:bodyPr spcFirstLastPara="1" wrap="square" lIns="91425" tIns="0" rIns="91425" bIns="0" anchor="t" anchorCtr="0">
+          <a:bodyPr anchorCtr="0" anchor="t" bIns="0" lIns="91425" spcFirstLastPara="1" rIns="91425" wrap="square" tIns="0">
             <a:noAutofit/>
           </a:bodyPr>
           <a:lstStyle>
-            <a:lvl1pPr marL="457200" lvl="0" indent="-228600" algn="l">
+            <a:lvl1pPr indent="-228600" lvl="0" marL="457200" algn="l">
               <a:lnSpc>
                 <a:spcPct val="100000"/>
               </a:lnSpc>
@@ -3929,14 +4219,14 @@
               </a:buClr>
               <a:buSzPts val="2000"/>
               <a:buNone/>
-              <a:defRPr sz="2000" b="0" i="0">
+              <a:defRPr b="0" i="0" sz="2000">
                 <a:latin typeface="Rubik"/>
                 <a:ea typeface="Rubik"/>
                 <a:cs typeface="Rubik"/>
                 <a:sym typeface="Rubik"/>
               </a:defRPr>
             </a:lvl1pPr>
-            <a:lvl2pPr marL="914400" lvl="1" indent="-342900" algn="l">
+            <a:lvl2pPr indent="-342900" lvl="1" marL="914400" algn="l">
               <a:lnSpc>
                 <a:spcPct val="100000"/>
               </a:lnSpc>
@@ -3953,7 +4243,7 @@
               <a:buChar char="–"/>
               <a:defRPr/>
             </a:lvl2pPr>
-            <a:lvl3pPr marL="1371600" lvl="2" indent="-342900" algn="l">
+            <a:lvl3pPr indent="-342900" lvl="2" marL="1371600" algn="l">
               <a:lnSpc>
                 <a:spcPct val="100000"/>
               </a:lnSpc>
@@ -3970,7 +4260,7 @@
               <a:buChar char="•"/>
               <a:defRPr/>
             </a:lvl3pPr>
-            <a:lvl4pPr marL="1828800" lvl="3" indent="-342900" algn="l">
+            <a:lvl4pPr indent="-342900" lvl="3" marL="1828800" algn="l">
               <a:lnSpc>
                 <a:spcPct val="100000"/>
               </a:lnSpc>
@@ -3984,10 +4274,10 @@
                 <a:srgbClr val="2C2C38"/>
               </a:buClr>
               <a:buSzPts val="1800"/>
-              <a:buChar char="▫︎"/>
+              <a:buChar char="▫"/>
               <a:defRPr/>
             </a:lvl4pPr>
-            <a:lvl5pPr marL="2286000" lvl="4" indent="-342900" algn="l">
+            <a:lvl5pPr indent="-342900" lvl="4" marL="2286000" algn="l">
               <a:lnSpc>
                 <a:spcPct val="100000"/>
               </a:lnSpc>
@@ -4004,7 +4294,7 @@
               <a:buChar char="-"/>
               <a:defRPr/>
             </a:lvl5pPr>
-            <a:lvl6pPr marL="2743200" lvl="5" indent="-342900" algn="l">
+            <a:lvl6pPr indent="-342900" lvl="5" marL="2743200" algn="l">
               <a:lnSpc>
                 <a:spcPct val="90000"/>
               </a:lnSpc>
@@ -4021,7 +4311,7 @@
               <a:buChar char="•"/>
               <a:defRPr/>
             </a:lvl6pPr>
-            <a:lvl7pPr marL="3200400" lvl="6" indent="-342900" algn="l">
+            <a:lvl7pPr indent="-342900" lvl="6" marL="3200400" algn="l">
               <a:lnSpc>
                 <a:spcPct val="90000"/>
               </a:lnSpc>
@@ -4038,7 +4328,7 @@
               <a:buChar char="•"/>
               <a:defRPr/>
             </a:lvl7pPr>
-            <a:lvl8pPr marL="3657600" lvl="7" indent="-342900" algn="l">
+            <a:lvl8pPr indent="-342900" lvl="7" marL="3657600" algn="l">
               <a:lnSpc>
                 <a:spcPct val="90000"/>
               </a:lnSpc>
@@ -4055,7 +4345,7 @@
               <a:buChar char="•"/>
               <a:defRPr/>
             </a:lvl8pPr>
-            <a:lvl9pPr marL="4114800" lvl="8" indent="-342900" algn="l">
+            <a:lvl9pPr indent="-342900" lvl="8" marL="4114800" algn="l">
               <a:lnSpc>
                 <a:spcPct val="90000"/>
               </a:lnSpc>
@@ -4073,19 +4363,15 @@
               <a:defRPr/>
             </a:lvl9pPr>
           </a:lstStyle>
-          <a:p>
-            <a:endParaRPr/>
-          </a:p>
+          <a:p/>
         </p:txBody>
       </p:sp>
       <p:sp>
         <p:nvSpPr>
           <p:cNvPr id="44" name="Google Shape;44;p14"/>
-          <p:cNvSpPr txBox="1">
-            <a:spLocks noGrp="1"/>
-          </p:cNvSpPr>
+          <p:cNvSpPr txBox="1"/>
           <p:nvPr>
-            <p:ph type="body" idx="2"/>
+            <p:ph idx="2" type="body"/>
           </p:nvPr>
         </p:nvSpPr>
         <p:spPr>
@@ -4102,11 +4388,11 @@
           </a:ln>
         </p:spPr>
         <p:txBody>
-          <a:bodyPr spcFirstLastPara="1" wrap="square" lIns="91425" tIns="45700" rIns="91425" bIns="45700" anchor="t" anchorCtr="0">
+          <a:bodyPr anchorCtr="0" anchor="t" bIns="45700" lIns="91425" spcFirstLastPara="1" rIns="91425" wrap="square" tIns="45700">
             <a:noAutofit/>
           </a:bodyPr>
           <a:lstStyle>
-            <a:lvl1pPr marL="457200" lvl="0" indent="-228600" algn="l">
+            <a:lvl1pPr indent="-228600" lvl="0" marL="457200" algn="l">
               <a:lnSpc>
                 <a:spcPct val="100000"/>
               </a:lnSpc>
@@ -4121,14 +4407,14 @@
               </a:buClr>
               <a:buSzPts val="1400"/>
               <a:buNone/>
-              <a:defRPr sz="1400" b="0" i="0">
+              <a:defRPr b="0" i="0" sz="1400">
                 <a:latin typeface="Rubik"/>
                 <a:ea typeface="Rubik"/>
                 <a:cs typeface="Rubik"/>
                 <a:sym typeface="Rubik"/>
               </a:defRPr>
             </a:lvl1pPr>
-            <a:lvl2pPr marL="914400" lvl="1" indent="-342900" algn="l">
+            <a:lvl2pPr indent="-342900" lvl="1" marL="914400" algn="l">
               <a:lnSpc>
                 <a:spcPct val="100000"/>
               </a:lnSpc>
@@ -4145,7 +4431,7 @@
               <a:buChar char="–"/>
               <a:defRPr/>
             </a:lvl2pPr>
-            <a:lvl3pPr marL="1371600" lvl="2" indent="-342900" algn="l">
+            <a:lvl3pPr indent="-342900" lvl="2" marL="1371600" algn="l">
               <a:lnSpc>
                 <a:spcPct val="100000"/>
               </a:lnSpc>
@@ -4162,7 +4448,7 @@
               <a:buChar char="•"/>
               <a:defRPr/>
             </a:lvl3pPr>
-            <a:lvl4pPr marL="1828800" lvl="3" indent="-342900" algn="l">
+            <a:lvl4pPr indent="-342900" lvl="3" marL="1828800" algn="l">
               <a:lnSpc>
                 <a:spcPct val="100000"/>
               </a:lnSpc>
@@ -4176,10 +4462,10 @@
                 <a:srgbClr val="2C2C38"/>
               </a:buClr>
               <a:buSzPts val="1800"/>
-              <a:buChar char="▫︎"/>
+              <a:buChar char="▫"/>
               <a:defRPr/>
             </a:lvl4pPr>
-            <a:lvl5pPr marL="2286000" lvl="4" indent="-342900" algn="l">
+            <a:lvl5pPr indent="-342900" lvl="4" marL="2286000" algn="l">
               <a:lnSpc>
                 <a:spcPct val="100000"/>
               </a:lnSpc>
@@ -4196,7 +4482,7 @@
               <a:buChar char="-"/>
               <a:defRPr/>
             </a:lvl5pPr>
-            <a:lvl6pPr marL="2743200" lvl="5" indent="-342900" algn="l">
+            <a:lvl6pPr indent="-342900" lvl="5" marL="2743200" algn="l">
               <a:lnSpc>
                 <a:spcPct val="90000"/>
               </a:lnSpc>
@@ -4213,7 +4499,7 @@
               <a:buChar char="•"/>
               <a:defRPr/>
             </a:lvl6pPr>
-            <a:lvl7pPr marL="3200400" lvl="6" indent="-342900" algn="l">
+            <a:lvl7pPr indent="-342900" lvl="6" marL="3200400" algn="l">
               <a:lnSpc>
                 <a:spcPct val="90000"/>
               </a:lnSpc>
@@ -4230,7 +4516,7 @@
               <a:buChar char="•"/>
               <a:defRPr/>
             </a:lvl7pPr>
-            <a:lvl8pPr marL="3657600" lvl="7" indent="-342900" algn="l">
+            <a:lvl8pPr indent="-342900" lvl="7" marL="3657600" algn="l">
               <a:lnSpc>
                 <a:spcPct val="90000"/>
               </a:lnSpc>
@@ -4247,7 +4533,7 @@
               <a:buChar char="•"/>
               <a:defRPr/>
             </a:lvl8pPr>
-            <a:lvl9pPr marL="4114800" lvl="8" indent="-342900" algn="l">
+            <a:lvl9pPr indent="-342900" lvl="8" marL="4114800" algn="l">
               <a:lnSpc>
                 <a:spcPct val="90000"/>
               </a:lnSpc>
@@ -4265,19 +4551,15 @@
               <a:defRPr/>
             </a:lvl9pPr>
           </a:lstStyle>
-          <a:p>
-            <a:endParaRPr/>
-          </a:p>
+          <a:p/>
         </p:txBody>
       </p:sp>
       <p:sp>
         <p:nvSpPr>
           <p:cNvPr id="45" name="Google Shape;45;p14"/>
-          <p:cNvSpPr txBox="1">
-            <a:spLocks noGrp="1"/>
-          </p:cNvSpPr>
+          <p:cNvSpPr txBox="1"/>
           <p:nvPr>
-            <p:ph type="body" idx="3"/>
+            <p:ph idx="3" type="body"/>
           </p:nvPr>
         </p:nvSpPr>
         <p:spPr>
@@ -4294,11 +4576,11 @@
           </a:ln>
         </p:spPr>
         <p:txBody>
-          <a:bodyPr spcFirstLastPara="1" wrap="square" lIns="91425" tIns="45700" rIns="91425" bIns="45700" anchor="t" anchorCtr="0">
+          <a:bodyPr anchorCtr="0" anchor="t" bIns="45700" lIns="91425" spcFirstLastPara="1" rIns="91425" wrap="square" tIns="45700">
             <a:noAutofit/>
           </a:bodyPr>
           <a:lstStyle>
-            <a:lvl1pPr marL="457200" lvl="0" indent="-228600" algn="l">
+            <a:lvl1pPr indent="-228600" lvl="0" marL="457200" algn="l">
               <a:lnSpc>
                 <a:spcPct val="100000"/>
               </a:lnSpc>
@@ -4313,14 +4595,14 @@
               </a:buClr>
               <a:buSzPts val="2000"/>
               <a:buNone/>
-              <a:defRPr sz="2000" b="0" i="0">
+              <a:defRPr b="0" i="0" sz="2000">
                 <a:latin typeface="Rubik Medium"/>
                 <a:ea typeface="Rubik Medium"/>
                 <a:cs typeface="Rubik Medium"/>
                 <a:sym typeface="Rubik Medium"/>
               </a:defRPr>
             </a:lvl1pPr>
-            <a:lvl2pPr marL="914400" lvl="1" indent="-342900" algn="l">
+            <a:lvl2pPr indent="-342900" lvl="1" marL="914400" algn="l">
               <a:lnSpc>
                 <a:spcPct val="100000"/>
               </a:lnSpc>
@@ -4337,7 +4619,7 @@
               <a:buChar char="–"/>
               <a:defRPr/>
             </a:lvl2pPr>
-            <a:lvl3pPr marL="1371600" lvl="2" indent="-342900" algn="l">
+            <a:lvl3pPr indent="-342900" lvl="2" marL="1371600" algn="l">
               <a:lnSpc>
                 <a:spcPct val="100000"/>
               </a:lnSpc>
@@ -4354,7 +4636,7 @@
               <a:buChar char="•"/>
               <a:defRPr/>
             </a:lvl3pPr>
-            <a:lvl4pPr marL="1828800" lvl="3" indent="-342900" algn="l">
+            <a:lvl4pPr indent="-342900" lvl="3" marL="1828800" algn="l">
               <a:lnSpc>
                 <a:spcPct val="100000"/>
               </a:lnSpc>
@@ -4368,10 +4650,10 @@
                 <a:srgbClr val="2C2C38"/>
               </a:buClr>
               <a:buSzPts val="1800"/>
-              <a:buChar char="▫︎"/>
+              <a:buChar char="▫"/>
               <a:defRPr/>
             </a:lvl4pPr>
-            <a:lvl5pPr marL="2286000" lvl="4" indent="-342900" algn="l">
+            <a:lvl5pPr indent="-342900" lvl="4" marL="2286000" algn="l">
               <a:lnSpc>
                 <a:spcPct val="100000"/>
               </a:lnSpc>
@@ -4388,7 +4670,7 @@
               <a:buChar char="-"/>
               <a:defRPr/>
             </a:lvl5pPr>
-            <a:lvl6pPr marL="2743200" lvl="5" indent="-342900" algn="l">
+            <a:lvl6pPr indent="-342900" lvl="5" marL="2743200" algn="l">
               <a:lnSpc>
                 <a:spcPct val="90000"/>
               </a:lnSpc>
@@ -4405,7 +4687,7 @@
               <a:buChar char="•"/>
               <a:defRPr/>
             </a:lvl6pPr>
-            <a:lvl7pPr marL="3200400" lvl="6" indent="-342900" algn="l">
+            <a:lvl7pPr indent="-342900" lvl="6" marL="3200400" algn="l">
               <a:lnSpc>
                 <a:spcPct val="90000"/>
               </a:lnSpc>
@@ -4422,7 +4704,7 @@
               <a:buChar char="•"/>
               <a:defRPr/>
             </a:lvl7pPr>
-            <a:lvl8pPr marL="3657600" lvl="7" indent="-342900" algn="l">
+            <a:lvl8pPr indent="-342900" lvl="7" marL="3657600" algn="l">
               <a:lnSpc>
                 <a:spcPct val="90000"/>
               </a:lnSpc>
@@ -4439,7 +4721,7 @@
               <a:buChar char="•"/>
               <a:defRPr/>
             </a:lvl8pPr>
-            <a:lvl9pPr marL="4114800" lvl="8" indent="-342900" algn="l">
+            <a:lvl9pPr indent="-342900" lvl="8" marL="4114800" algn="l">
               <a:lnSpc>
                 <a:spcPct val="90000"/>
               </a:lnSpc>
@@ -4457,19 +4739,15 @@
               <a:defRPr/>
             </a:lvl9pPr>
           </a:lstStyle>
-          <a:p>
-            <a:endParaRPr/>
-          </a:p>
+          <a:p/>
         </p:txBody>
       </p:sp>
       <p:sp>
         <p:nvSpPr>
           <p:cNvPr id="46" name="Google Shape;46;p14"/>
-          <p:cNvSpPr>
-            <a:spLocks noGrp="1"/>
-          </p:cNvSpPr>
+          <p:cNvSpPr/>
           <p:nvPr>
-            <p:ph type="pic" idx="4"/>
+            <p:ph idx="4" type="pic"/>
           </p:nvPr>
         </p:nvSpPr>
         <p:spPr>
@@ -4489,11 +4767,9 @@
       <p:sp>
         <p:nvSpPr>
           <p:cNvPr id="47" name="Google Shape;47;p14"/>
-          <p:cNvSpPr txBox="1">
-            <a:spLocks noGrp="1"/>
-          </p:cNvSpPr>
+          <p:cNvSpPr txBox="1"/>
           <p:nvPr>
-            <p:ph type="body" idx="5"/>
+            <p:ph idx="5" type="body"/>
           </p:nvPr>
         </p:nvSpPr>
         <p:spPr>
@@ -4510,11 +4786,11 @@
           </a:ln>
         </p:spPr>
         <p:txBody>
-          <a:bodyPr spcFirstLastPara="1" wrap="square" lIns="91425" tIns="45700" rIns="91425" bIns="45700" anchor="t" anchorCtr="0">
+          <a:bodyPr anchorCtr="0" anchor="t" bIns="45700" lIns="91425" spcFirstLastPara="1" rIns="91425" wrap="square" tIns="45700">
             <a:noAutofit/>
           </a:bodyPr>
           <a:lstStyle>
-            <a:lvl1pPr marL="457200" lvl="0" indent="-228600" algn="l">
+            <a:lvl1pPr indent="-228600" lvl="0" marL="457200" algn="l">
               <a:lnSpc>
                 <a:spcPct val="100000"/>
               </a:lnSpc>
@@ -4531,7 +4807,7 @@
               <a:buNone/>
               <a:defRPr sz="1400"/>
             </a:lvl1pPr>
-            <a:lvl2pPr marL="914400" lvl="1" indent="-342900" algn="l">
+            <a:lvl2pPr indent="-342900" lvl="1" marL="914400" algn="l">
               <a:lnSpc>
                 <a:spcPct val="100000"/>
               </a:lnSpc>
@@ -4548,7 +4824,7 @@
               <a:buChar char="–"/>
               <a:defRPr/>
             </a:lvl2pPr>
-            <a:lvl3pPr marL="1371600" lvl="2" indent="-342900" algn="l">
+            <a:lvl3pPr indent="-342900" lvl="2" marL="1371600" algn="l">
               <a:lnSpc>
                 <a:spcPct val="100000"/>
               </a:lnSpc>
@@ -4565,7 +4841,7 @@
               <a:buChar char="•"/>
               <a:defRPr/>
             </a:lvl3pPr>
-            <a:lvl4pPr marL="1828800" lvl="3" indent="-342900" algn="l">
+            <a:lvl4pPr indent="-342900" lvl="3" marL="1828800" algn="l">
               <a:lnSpc>
                 <a:spcPct val="100000"/>
               </a:lnSpc>
@@ -4579,10 +4855,10 @@
                 <a:srgbClr val="2C2C38"/>
               </a:buClr>
               <a:buSzPts val="1800"/>
-              <a:buChar char="▫︎"/>
+              <a:buChar char="▫"/>
               <a:defRPr/>
             </a:lvl4pPr>
-            <a:lvl5pPr marL="2286000" lvl="4" indent="-342900" algn="l">
+            <a:lvl5pPr indent="-342900" lvl="4" marL="2286000" algn="l">
               <a:lnSpc>
                 <a:spcPct val="100000"/>
               </a:lnSpc>
@@ -4599,7 +4875,7 @@
               <a:buChar char="-"/>
               <a:defRPr/>
             </a:lvl5pPr>
-            <a:lvl6pPr marL="2743200" lvl="5" indent="-342900" algn="l">
+            <a:lvl6pPr indent="-342900" lvl="5" marL="2743200" algn="l">
               <a:lnSpc>
                 <a:spcPct val="90000"/>
               </a:lnSpc>
@@ -4616,7 +4892,7 @@
               <a:buChar char="•"/>
               <a:defRPr/>
             </a:lvl6pPr>
-            <a:lvl7pPr marL="3200400" lvl="6" indent="-342900" algn="l">
+            <a:lvl7pPr indent="-342900" lvl="6" marL="3200400" algn="l">
               <a:lnSpc>
                 <a:spcPct val="90000"/>
               </a:lnSpc>
@@ -4633,7 +4909,7 @@
               <a:buChar char="•"/>
               <a:defRPr/>
             </a:lvl7pPr>
-            <a:lvl8pPr marL="3657600" lvl="7" indent="-342900" algn="l">
+            <a:lvl8pPr indent="-342900" lvl="7" marL="3657600" algn="l">
               <a:lnSpc>
                 <a:spcPct val="90000"/>
               </a:lnSpc>
@@ -4650,7 +4926,7 @@
               <a:buChar char="•"/>
               <a:defRPr/>
             </a:lvl8pPr>
-            <a:lvl9pPr marL="4114800" lvl="8" indent="-342900" algn="l">
+            <a:lvl9pPr indent="-342900" lvl="8" marL="4114800" algn="l">
               <a:lnSpc>
                 <a:spcPct val="90000"/>
               </a:lnSpc>
@@ -4668,9 +4944,7 @@
               <a:defRPr/>
             </a:lvl9pPr>
           </a:lstStyle>
-          <a:p>
-            <a:endParaRPr/>
-          </a:p>
+          <a:p/>
         </p:txBody>
       </p:sp>
     </p:spTree>
@@ -4678,13 +4952,13 @@
   <p:clrMapOvr>
     <a:masterClrMapping/>
   </p:clrMapOvr>
-  <mc:AlternateContent xmlns:mc="http://schemas.openxmlformats.org/markup-compatibility/2006" xmlns:p14="http://schemas.microsoft.com/office/powerpoint/2010/main">
+  <mc:AlternateContent>
     <mc:Choice Requires="p14">
-      <p:transition spd="med" p14:dur="700">
+      <p:transition spd="slow" p14:dur="700">
         <p:fade/>
       </p:transition>
     </mc:Choice>
-    <mc:Fallback xmlns:ahyp="http://schemas.microsoft.com/office/drawing/2018/hyperlinkcolor" xmlns:p15="http://schemas.microsoft.com/office/powerpoint/2012/main" xmlns:com="http://schemas.openxmlformats.org/drawingml/2006/compatibility" xmlns:pvml="urn:schemas-microsoft-com:office:powerpoint" xmlns:v="urn:schemas-microsoft-com:vml" xmlns:o="urn:schemas-microsoft-com:office:office" xmlns:dgm="http://schemas.openxmlformats.org/drawingml/2006/diagram" xmlns:c="http://schemas.openxmlformats.org/drawingml/2006/chart" xmlns:mv="urn:schemas-microsoft-com:mac:vml" xmlns="">
+    <mc:Fallback>
       <p:transition spd="slow">
         <p:fade/>
       </p:transition>
@@ -4692,7 +4966,7 @@
   </mc:AlternateContent>
   <p:extLst>
     <p:ext uri="{DCECCB84-F9BA-43D5-87BE-67443E8EF086}">
-      <p15:sldGuideLst xmlns:p15="http://schemas.microsoft.com/office/powerpoint/2012/main">
+      <p15:sldGuideLst>
         <p15:guide id="1" orient="horz" pos="2160">
           <p15:clr>
             <a:srgbClr val="FBAE40"/>
@@ -4710,19 +4984,18 @@
 </file>
 
 <file path=ppt/slideMasters/slideMaster1.xml><?xml version="1.0" encoding="utf-8"?>
-<p:sldMaster xmlns:a="http://schemas.openxmlformats.org/drawingml/2006/main" xmlns:r="http://schemas.openxmlformats.org/officeDocument/2006/relationships" xmlns:p="http://schemas.openxmlformats.org/presentationml/2006/main">
+<p:sldMaster xmlns:a="http://schemas.openxmlformats.org/drawingml/2006/main" xmlns:r="http://schemas.openxmlformats.org/officeDocument/2006/relationships" xmlns:mc="http://schemas.openxmlformats.org/markup-compatibility/2006" xmlns:mv="urn:schemas-microsoft-com:mac:vml" xmlns:p="http://schemas.openxmlformats.org/presentationml/2006/main" xmlns:c="http://schemas.openxmlformats.org/drawingml/2006/chart" xmlns:dgm="http://schemas.openxmlformats.org/drawingml/2006/diagram" xmlns:o="urn:schemas-microsoft-com:office:office" xmlns:v="urn:schemas-microsoft-com:vml" xmlns:pvml="urn:schemas-microsoft-com:office:powerpoint" xmlns:com="http://schemas.openxmlformats.org/drawingml/2006/compatibility" xmlns:p14="http://schemas.microsoft.com/office/powerpoint/2010/main" xmlns:p15="http://schemas.microsoft.com/office/powerpoint/2012/main" xmlns:ahyp="http://schemas.microsoft.com/office/drawing/2018/hyperlinkcolor">
   <p:cSld>
     <p:bg>
       <p:bgPr>
         <a:solidFill>
           <a:schemeClr val="lt1"/>
         </a:solidFill>
-        <a:effectLst/>
       </p:bgPr>
     </p:bg>
     <p:spTree>
       <p:nvGrpSpPr>
-        <p:cNvPr id="1" name="Shape 5"/>
+        <p:cNvPr id="5" name="Shape 5"/>
         <p:cNvGrpSpPr/>
         <p:nvPr/>
       </p:nvGrpSpPr>
@@ -4741,10 +5014,10 @@
           <p:nvPr/>
         </p:nvPicPr>
         <p:blipFill rotWithShape="1">
-          <a:blip r:embed="rId10">
+          <a:blip r:embed="rId1">
             <a:alphaModFix/>
           </a:blip>
-          <a:srcRect/>
+          <a:srcRect b="0" l="0" r="0" t="0"/>
           <a:stretch/>
         </p:blipFill>
         <p:spPr>
@@ -4764,9 +5037,7 @@
       <p:sp>
         <p:nvSpPr>
           <p:cNvPr id="7" name="Google Shape;7;p6"/>
-          <p:cNvSpPr txBox="1">
-            <a:spLocks noGrp="1"/>
-          </p:cNvSpPr>
+          <p:cNvSpPr txBox="1"/>
           <p:nvPr>
             <p:ph type="title"/>
           </p:nvPr>
@@ -4785,11 +5056,11 @@
           </a:ln>
         </p:spPr>
         <p:txBody>
-          <a:bodyPr spcFirstLastPara="1" wrap="square" lIns="91425" tIns="45700" rIns="91425" bIns="45700" anchor="ctr" anchorCtr="0">
+          <a:bodyPr anchorCtr="0" anchor="ctr" bIns="45700" lIns="91425" spcFirstLastPara="1" rIns="91425" wrap="square" tIns="45700">
             <a:normAutofit/>
           </a:bodyPr>
           <a:lstStyle>
-            <a:lvl1pPr marR="0" lvl="0" algn="l" rtl="0">
+            <a:lvl1pPr lvl="0" marR="0" rtl="0" algn="l">
               <a:lnSpc>
                 <a:spcPct val="90000"/>
               </a:lnSpc>
@@ -4805,7 +5076,7 @@
               <a:buSzPts val="3200"/>
               <a:buFont typeface="Rubik Medium"/>
               <a:buNone/>
-              <a:defRPr sz="3200" b="0" i="0" u="none" strike="noStrike" cap="none">
+              <a:defRPr b="0" i="0" sz="3200" u="none" cap="none" strike="noStrike">
                 <a:solidFill>
                   <a:srgbClr val="2C2C38"/>
                 </a:solidFill>
@@ -4815,108 +5086,224 @@
                 <a:sym typeface="Rubik Medium"/>
               </a:defRPr>
             </a:lvl1pPr>
-            <a:lvl2pPr lvl="1">
-              <a:spcBef>
-                <a:spcPts val="0"/>
-              </a:spcBef>
-              <a:spcAft>
-                <a:spcPts val="0"/>
-              </a:spcAft>
+            <a:lvl2pPr lvl="1" marR="0" rtl="0" algn="l">
+              <a:lnSpc>
+                <a:spcPct val="100000"/>
+              </a:lnSpc>
+              <a:spcBef>
+                <a:spcPts val="0"/>
+              </a:spcBef>
+              <a:spcAft>
+                <a:spcPts val="0"/>
+              </a:spcAft>
+              <a:buClr>
+                <a:srgbClr val="000000"/>
+              </a:buClr>
               <a:buSzPts val="1400"/>
-              <a:buNone/>
-              <a:defRPr sz="1800"/>
+              <a:buFont typeface="Arial"/>
+              <a:buNone/>
+              <a:defRPr b="0" i="0" sz="1800" u="none" cap="none" strike="noStrike">
+                <a:solidFill>
+                  <a:srgbClr val="000000"/>
+                </a:solidFill>
+                <a:latin typeface="Arial"/>
+                <a:ea typeface="Arial"/>
+                <a:cs typeface="Arial"/>
+                <a:sym typeface="Arial"/>
+              </a:defRPr>
             </a:lvl2pPr>
-            <a:lvl3pPr lvl="2">
-              <a:spcBef>
-                <a:spcPts val="0"/>
-              </a:spcBef>
-              <a:spcAft>
-                <a:spcPts val="0"/>
-              </a:spcAft>
+            <a:lvl3pPr lvl="2" marR="0" rtl="0" algn="l">
+              <a:lnSpc>
+                <a:spcPct val="100000"/>
+              </a:lnSpc>
+              <a:spcBef>
+                <a:spcPts val="0"/>
+              </a:spcBef>
+              <a:spcAft>
+                <a:spcPts val="0"/>
+              </a:spcAft>
+              <a:buClr>
+                <a:srgbClr val="000000"/>
+              </a:buClr>
               <a:buSzPts val="1400"/>
-              <a:buNone/>
-              <a:defRPr sz="1800"/>
+              <a:buFont typeface="Arial"/>
+              <a:buNone/>
+              <a:defRPr b="0" i="0" sz="1800" u="none" cap="none" strike="noStrike">
+                <a:solidFill>
+                  <a:srgbClr val="000000"/>
+                </a:solidFill>
+                <a:latin typeface="Arial"/>
+                <a:ea typeface="Arial"/>
+                <a:cs typeface="Arial"/>
+                <a:sym typeface="Arial"/>
+              </a:defRPr>
             </a:lvl3pPr>
-            <a:lvl4pPr lvl="3">
-              <a:spcBef>
-                <a:spcPts val="0"/>
-              </a:spcBef>
-              <a:spcAft>
-                <a:spcPts val="0"/>
-              </a:spcAft>
+            <a:lvl4pPr lvl="3" marR="0" rtl="0" algn="l">
+              <a:lnSpc>
+                <a:spcPct val="100000"/>
+              </a:lnSpc>
+              <a:spcBef>
+                <a:spcPts val="0"/>
+              </a:spcBef>
+              <a:spcAft>
+                <a:spcPts val="0"/>
+              </a:spcAft>
+              <a:buClr>
+                <a:srgbClr val="000000"/>
+              </a:buClr>
               <a:buSzPts val="1400"/>
-              <a:buNone/>
-              <a:defRPr sz="1800"/>
+              <a:buFont typeface="Arial"/>
+              <a:buNone/>
+              <a:defRPr b="0" i="0" sz="1800" u="none" cap="none" strike="noStrike">
+                <a:solidFill>
+                  <a:srgbClr val="000000"/>
+                </a:solidFill>
+                <a:latin typeface="Arial"/>
+                <a:ea typeface="Arial"/>
+                <a:cs typeface="Arial"/>
+                <a:sym typeface="Arial"/>
+              </a:defRPr>
             </a:lvl4pPr>
-            <a:lvl5pPr lvl="4">
-              <a:spcBef>
-                <a:spcPts val="0"/>
-              </a:spcBef>
-              <a:spcAft>
-                <a:spcPts val="0"/>
-              </a:spcAft>
+            <a:lvl5pPr lvl="4" marR="0" rtl="0" algn="l">
+              <a:lnSpc>
+                <a:spcPct val="100000"/>
+              </a:lnSpc>
+              <a:spcBef>
+                <a:spcPts val="0"/>
+              </a:spcBef>
+              <a:spcAft>
+                <a:spcPts val="0"/>
+              </a:spcAft>
+              <a:buClr>
+                <a:srgbClr val="000000"/>
+              </a:buClr>
               <a:buSzPts val="1400"/>
-              <a:buNone/>
-              <a:defRPr sz="1800"/>
+              <a:buFont typeface="Arial"/>
+              <a:buNone/>
+              <a:defRPr b="0" i="0" sz="1800" u="none" cap="none" strike="noStrike">
+                <a:solidFill>
+                  <a:srgbClr val="000000"/>
+                </a:solidFill>
+                <a:latin typeface="Arial"/>
+                <a:ea typeface="Arial"/>
+                <a:cs typeface="Arial"/>
+                <a:sym typeface="Arial"/>
+              </a:defRPr>
             </a:lvl5pPr>
-            <a:lvl6pPr lvl="5">
-              <a:spcBef>
-                <a:spcPts val="0"/>
-              </a:spcBef>
-              <a:spcAft>
-                <a:spcPts val="0"/>
-              </a:spcAft>
+            <a:lvl6pPr lvl="5" marR="0" rtl="0" algn="l">
+              <a:lnSpc>
+                <a:spcPct val="100000"/>
+              </a:lnSpc>
+              <a:spcBef>
+                <a:spcPts val="0"/>
+              </a:spcBef>
+              <a:spcAft>
+                <a:spcPts val="0"/>
+              </a:spcAft>
+              <a:buClr>
+                <a:srgbClr val="000000"/>
+              </a:buClr>
               <a:buSzPts val="1400"/>
-              <a:buNone/>
-              <a:defRPr sz="1800"/>
+              <a:buFont typeface="Arial"/>
+              <a:buNone/>
+              <a:defRPr b="0" i="0" sz="1800" u="none" cap="none" strike="noStrike">
+                <a:solidFill>
+                  <a:srgbClr val="000000"/>
+                </a:solidFill>
+                <a:latin typeface="Arial"/>
+                <a:ea typeface="Arial"/>
+                <a:cs typeface="Arial"/>
+                <a:sym typeface="Arial"/>
+              </a:defRPr>
             </a:lvl6pPr>
-            <a:lvl7pPr lvl="6">
-              <a:spcBef>
-                <a:spcPts val="0"/>
-              </a:spcBef>
-              <a:spcAft>
-                <a:spcPts val="0"/>
-              </a:spcAft>
+            <a:lvl7pPr lvl="6" marR="0" rtl="0" algn="l">
+              <a:lnSpc>
+                <a:spcPct val="100000"/>
+              </a:lnSpc>
+              <a:spcBef>
+                <a:spcPts val="0"/>
+              </a:spcBef>
+              <a:spcAft>
+                <a:spcPts val="0"/>
+              </a:spcAft>
+              <a:buClr>
+                <a:srgbClr val="000000"/>
+              </a:buClr>
               <a:buSzPts val="1400"/>
-              <a:buNone/>
-              <a:defRPr sz="1800"/>
+              <a:buFont typeface="Arial"/>
+              <a:buNone/>
+              <a:defRPr b="0" i="0" sz="1800" u="none" cap="none" strike="noStrike">
+                <a:solidFill>
+                  <a:srgbClr val="000000"/>
+                </a:solidFill>
+                <a:latin typeface="Arial"/>
+                <a:ea typeface="Arial"/>
+                <a:cs typeface="Arial"/>
+                <a:sym typeface="Arial"/>
+              </a:defRPr>
             </a:lvl7pPr>
-            <a:lvl8pPr lvl="7">
-              <a:spcBef>
-                <a:spcPts val="0"/>
-              </a:spcBef>
-              <a:spcAft>
-                <a:spcPts val="0"/>
-              </a:spcAft>
+            <a:lvl8pPr lvl="7" marR="0" rtl="0" algn="l">
+              <a:lnSpc>
+                <a:spcPct val="100000"/>
+              </a:lnSpc>
+              <a:spcBef>
+                <a:spcPts val="0"/>
+              </a:spcBef>
+              <a:spcAft>
+                <a:spcPts val="0"/>
+              </a:spcAft>
+              <a:buClr>
+                <a:srgbClr val="000000"/>
+              </a:buClr>
               <a:buSzPts val="1400"/>
-              <a:buNone/>
-              <a:defRPr sz="1800"/>
+              <a:buFont typeface="Arial"/>
+              <a:buNone/>
+              <a:defRPr b="0" i="0" sz="1800" u="none" cap="none" strike="noStrike">
+                <a:solidFill>
+                  <a:srgbClr val="000000"/>
+                </a:solidFill>
+                <a:latin typeface="Arial"/>
+                <a:ea typeface="Arial"/>
+                <a:cs typeface="Arial"/>
+                <a:sym typeface="Arial"/>
+              </a:defRPr>
             </a:lvl8pPr>
-            <a:lvl9pPr lvl="8">
-              <a:spcBef>
-                <a:spcPts val="0"/>
-              </a:spcBef>
-              <a:spcAft>
-                <a:spcPts val="0"/>
-              </a:spcAft>
+            <a:lvl9pPr lvl="8" marR="0" rtl="0" algn="l">
+              <a:lnSpc>
+                <a:spcPct val="100000"/>
+              </a:lnSpc>
+              <a:spcBef>
+                <a:spcPts val="0"/>
+              </a:spcBef>
+              <a:spcAft>
+                <a:spcPts val="0"/>
+              </a:spcAft>
+              <a:buClr>
+                <a:srgbClr val="000000"/>
+              </a:buClr>
               <a:buSzPts val="1400"/>
-              <a:buNone/>
-              <a:defRPr sz="1800"/>
+              <a:buFont typeface="Arial"/>
+              <a:buNone/>
+              <a:defRPr b="0" i="0" sz="1800" u="none" cap="none" strike="noStrike">
+                <a:solidFill>
+                  <a:srgbClr val="000000"/>
+                </a:solidFill>
+                <a:latin typeface="Arial"/>
+                <a:ea typeface="Arial"/>
+                <a:cs typeface="Arial"/>
+                <a:sym typeface="Arial"/>
+              </a:defRPr>
             </a:lvl9pPr>
           </a:lstStyle>
-          <a:p>
-            <a:endParaRPr/>
-          </a:p>
+          <a:p/>
         </p:txBody>
       </p:sp>
       <p:sp>
         <p:nvSpPr>
           <p:cNvPr id="8" name="Google Shape;8;p6"/>
-          <p:cNvSpPr txBox="1">
-            <a:spLocks noGrp="1"/>
-          </p:cNvSpPr>
+          <p:cNvSpPr txBox="1"/>
           <p:nvPr>
-            <p:ph type="body" idx="1"/>
+            <p:ph idx="1" type="body"/>
           </p:nvPr>
         </p:nvSpPr>
         <p:spPr>
@@ -4933,11 +5320,11 @@
           </a:ln>
         </p:spPr>
         <p:txBody>
-          <a:bodyPr spcFirstLastPara="1" wrap="square" lIns="91425" tIns="45700" rIns="91425" bIns="45700" anchor="t" anchorCtr="0">
+          <a:bodyPr anchorCtr="0" anchor="t" bIns="45700" lIns="91425" spcFirstLastPara="1" rIns="91425" wrap="square" tIns="45700">
             <a:normAutofit/>
           </a:bodyPr>
           <a:lstStyle>
-            <a:lvl1pPr marL="457200" marR="0" lvl="0" indent="-406400" algn="l" rtl="0">
+            <a:lvl1pPr indent="-406400" lvl="0" marL="457200" marR="0" rtl="0" algn="l">
               <a:lnSpc>
                 <a:spcPct val="100000"/>
               </a:lnSpc>
@@ -4953,7 +5340,7 @@
               <a:buSzPts val="2800"/>
               <a:buFont typeface="Arial"/>
               <a:buChar char="•"/>
-              <a:defRPr sz="2800" b="0" i="0" u="none" strike="noStrike" cap="none">
+              <a:defRPr b="0" i="0" sz="2800" u="none" cap="none" strike="noStrike">
                 <a:solidFill>
                   <a:srgbClr val="2C2C38"/>
                 </a:solidFill>
@@ -4963,7 +5350,7 @@
                 <a:sym typeface="Rubik"/>
               </a:defRPr>
             </a:lvl1pPr>
-            <a:lvl2pPr marL="914400" marR="0" lvl="1" indent="-381000" algn="l" rtl="0">
+            <a:lvl2pPr indent="-381000" lvl="1" marL="914400" marR="0" rtl="0" algn="l">
               <a:lnSpc>
                 <a:spcPct val="100000"/>
               </a:lnSpc>
@@ -4979,7 +5366,7 @@
               <a:buSzPts val="2400"/>
               <a:buFont typeface="Helvetica Neue"/>
               <a:buChar char="–"/>
-              <a:defRPr sz="2400" b="0" i="0" u="none" strike="noStrike" cap="none">
+              <a:defRPr b="0" i="0" sz="2400" u="none" cap="none" strike="noStrike">
                 <a:solidFill>
                   <a:srgbClr val="2C2C38"/>
                 </a:solidFill>
@@ -4989,7 +5376,7 @@
                 <a:sym typeface="Rubik"/>
               </a:defRPr>
             </a:lvl2pPr>
-            <a:lvl3pPr marL="1371600" marR="0" lvl="2" indent="-355600" algn="l" rtl="0">
+            <a:lvl3pPr indent="-355600" lvl="2" marL="1371600" marR="0" rtl="0" algn="l">
               <a:lnSpc>
                 <a:spcPct val="100000"/>
               </a:lnSpc>
@@ -5005,7 +5392,7 @@
               <a:buSzPts val="2000"/>
               <a:buFont typeface="Arial"/>
               <a:buChar char="•"/>
-              <a:defRPr sz="2000" b="0" i="0" u="none" strike="noStrike" cap="none">
+              <a:defRPr b="0" i="0" sz="2000" u="none" cap="none" strike="noStrike">
                 <a:solidFill>
                   <a:srgbClr val="2C2C38"/>
                 </a:solidFill>
@@ -5015,7 +5402,7 @@
                 <a:sym typeface="Rubik"/>
               </a:defRPr>
             </a:lvl3pPr>
-            <a:lvl4pPr marL="1828800" marR="0" lvl="3" indent="-342900" algn="l" rtl="0">
+            <a:lvl4pPr indent="-342900" lvl="3" marL="1828800" marR="0" rtl="0" algn="l">
               <a:lnSpc>
                 <a:spcPct val="100000"/>
               </a:lnSpc>
@@ -5031,7 +5418,7 @@
               <a:buSzPts val="1800"/>
               <a:buFont typeface="Merriweather Sans"/>
               <a:buChar char="▫︎"/>
-              <a:defRPr sz="1800" b="0" i="0" u="none" strike="noStrike" cap="none">
+              <a:defRPr b="0" i="0" sz="1800" u="none" cap="none" strike="noStrike">
                 <a:solidFill>
                   <a:srgbClr val="2C2C38"/>
                 </a:solidFill>
@@ -5041,7 +5428,7 @@
                 <a:sym typeface="Rubik"/>
               </a:defRPr>
             </a:lvl4pPr>
-            <a:lvl5pPr marL="2286000" marR="0" lvl="4" indent="-342900" algn="l" rtl="0">
+            <a:lvl5pPr indent="-342900" lvl="4" marL="2286000" marR="0" rtl="0" algn="l">
               <a:lnSpc>
                 <a:spcPct val="100000"/>
               </a:lnSpc>
@@ -5057,7 +5444,7 @@
               <a:buSzPts val="1800"/>
               <a:buFont typeface="Arial"/>
               <a:buChar char="-"/>
-              <a:defRPr sz="1800" b="0" i="0" u="none" strike="noStrike" cap="none">
+              <a:defRPr b="0" i="0" sz="1800" u="none" cap="none" strike="noStrike">
                 <a:solidFill>
                   <a:srgbClr val="2C2C38"/>
                 </a:solidFill>
@@ -5067,7 +5454,7 @@
                 <a:sym typeface="Rubik"/>
               </a:defRPr>
             </a:lvl5pPr>
-            <a:lvl6pPr marL="2743200" marR="0" lvl="5" indent="-342900" algn="l" rtl="0">
+            <a:lvl6pPr indent="-342900" lvl="5" marL="2743200" marR="0" rtl="0" algn="l">
               <a:lnSpc>
                 <a:spcPct val="90000"/>
               </a:lnSpc>
@@ -5083,7 +5470,7 @@
               <a:buSzPts val="1800"/>
               <a:buFont typeface="Arial"/>
               <a:buChar char="•"/>
-              <a:defRPr sz="1800" b="0" i="0" u="none" strike="noStrike" cap="none">
+              <a:defRPr b="0" i="0" sz="1800" u="none" cap="none" strike="noStrike">
                 <a:solidFill>
                   <a:schemeClr val="dk1"/>
                 </a:solidFill>
@@ -5093,7 +5480,7 @@
                 <a:sym typeface="Calibri"/>
               </a:defRPr>
             </a:lvl6pPr>
-            <a:lvl7pPr marL="3200400" marR="0" lvl="6" indent="-342900" algn="l" rtl="0">
+            <a:lvl7pPr indent="-342900" lvl="6" marL="3200400" marR="0" rtl="0" algn="l">
               <a:lnSpc>
                 <a:spcPct val="90000"/>
               </a:lnSpc>
@@ -5109,7 +5496,7 @@
               <a:buSzPts val="1800"/>
               <a:buFont typeface="Arial"/>
               <a:buChar char="•"/>
-              <a:defRPr sz="1800" b="0" i="0" u="none" strike="noStrike" cap="none">
+              <a:defRPr b="0" i="0" sz="1800" u="none" cap="none" strike="noStrike">
                 <a:solidFill>
                   <a:schemeClr val="dk1"/>
                 </a:solidFill>
@@ -5119,7 +5506,7 @@
                 <a:sym typeface="Calibri"/>
               </a:defRPr>
             </a:lvl7pPr>
-            <a:lvl8pPr marL="3657600" marR="0" lvl="7" indent="-342900" algn="l" rtl="0">
+            <a:lvl8pPr indent="-342900" lvl="7" marL="3657600" marR="0" rtl="0" algn="l">
               <a:lnSpc>
                 <a:spcPct val="90000"/>
               </a:lnSpc>
@@ -5135,7 +5522,7 @@
               <a:buSzPts val="1800"/>
               <a:buFont typeface="Arial"/>
               <a:buChar char="•"/>
-              <a:defRPr sz="1800" b="0" i="0" u="none" strike="noStrike" cap="none">
+              <a:defRPr b="0" i="0" sz="1800" u="none" cap="none" strike="noStrike">
                 <a:solidFill>
                   <a:schemeClr val="dk1"/>
                 </a:solidFill>
@@ -5145,7 +5532,7 @@
                 <a:sym typeface="Calibri"/>
               </a:defRPr>
             </a:lvl8pPr>
-            <a:lvl9pPr marL="4114800" marR="0" lvl="8" indent="-342900" algn="l" rtl="0">
+            <a:lvl9pPr indent="-342900" lvl="8" marL="4114800" marR="0" rtl="0" algn="l">
               <a:lnSpc>
                 <a:spcPct val="90000"/>
               </a:lnSpc>
@@ -5161,7 +5548,7 @@
               <a:buSzPts val="1800"/>
               <a:buFont typeface="Arial"/>
               <a:buChar char="•"/>
-              <a:defRPr sz="1800" b="0" i="0" u="none" strike="noStrike" cap="none">
+              <a:defRPr b="0" i="0" sz="1800" u="none" cap="none" strike="noStrike">
                 <a:solidFill>
                   <a:schemeClr val="dk1"/>
                 </a:solidFill>
@@ -5172,9 +5559,7 @@
               </a:defRPr>
             </a:lvl9pPr>
           </a:lstStyle>
-          <a:p>
-            <a:endParaRPr/>
-          </a:p>
+          <a:p/>
         </p:txBody>
       </p:sp>
       <p:sp>
@@ -5197,12 +5582,12 @@
           </a:ln>
         </p:spPr>
         <p:txBody>
-          <a:bodyPr spcFirstLastPara="1" wrap="square" lIns="0" tIns="0" rIns="0" bIns="0" anchor="t" anchorCtr="0">
+          <a:bodyPr anchorCtr="0" anchor="t" bIns="0" lIns="0" spcFirstLastPara="1" rIns="0" wrap="square" tIns="0">
             <a:noAutofit/>
           </a:bodyPr>
           <a:lstStyle/>
           <a:p>
-            <a:pPr marL="0" marR="0" lvl="0" indent="0" algn="ctr" rtl="0">
+            <a:pPr indent="0" lvl="0" marL="0" marR="0" rtl="0" algn="ctr">
               <a:lnSpc>
                 <a:spcPct val="100000"/>
               </a:lnSpc>
@@ -5220,7 +5605,7 @@
               <a:buNone/>
             </a:pPr>
             <a:r>
-              <a:rPr lang="en-GB" sz="900" b="0" i="0" u="none" strike="noStrike" cap="none">
+              <a:rPr b="0" i="0" lang="en-GB" sz="900" u="none" cap="none" strike="noStrike">
                 <a:solidFill>
                   <a:schemeClr val="lt1"/>
                 </a:solidFill>
@@ -5231,7 +5616,7 @@
               </a:rPr>
               <a:t>© 2021 InfluxData. All rights reserved. </a:t>
             </a:r>
-            <a:endParaRPr sz="900" b="0" i="0" u="none" strike="noStrike" cap="none">
+            <a:endParaRPr b="0" i="0" sz="900" u="none" cap="none" strike="noStrike">
               <a:solidFill>
                 <a:schemeClr val="lt1"/>
               </a:solidFill>
@@ -5263,12 +5648,12 @@
           </a:ln>
         </p:spPr>
         <p:txBody>
-          <a:bodyPr spcFirstLastPara="1" wrap="square" lIns="0" tIns="0" rIns="0" bIns="0" anchor="t" anchorCtr="0">
+          <a:bodyPr anchorCtr="0" anchor="t" bIns="0" lIns="0" spcFirstLastPara="1" rIns="0" wrap="square" tIns="0">
             <a:noAutofit/>
           </a:bodyPr>
           <a:lstStyle/>
           <a:p>
-            <a:pPr marL="0" marR="0" lvl="0" indent="0" algn="r" rtl="0">
+            <a:pPr indent="0" lvl="0" marL="0" marR="0" rtl="0" algn="r">
               <a:lnSpc>
                 <a:spcPct val="100000"/>
               </a:lnSpc>
@@ -5286,7 +5671,7 @@
               <a:buNone/>
             </a:pPr>
             <a:fld id="{00000000-1234-1234-1234-123412341234}" type="slidenum">
-              <a:rPr lang="en-GB" sz="900" b="0" i="0" u="none" strike="noStrike" cap="none">
+              <a:rPr b="0" i="0" lang="en-GB" sz="900" u="none" cap="none" strike="noStrike">
                 <a:solidFill>
                   <a:schemeClr val="lt1"/>
                 </a:solidFill>
@@ -5297,7 +5682,7 @@
               </a:rPr>
               <a:t>‹#›</a:t>
             </a:fld>
-            <a:endParaRPr sz="900" b="0" i="0" u="none" strike="noStrike" cap="none">
+            <a:endParaRPr b="0" i="0" sz="900" u="none" cap="none" strike="noStrike">
               <a:solidFill>
                 <a:schemeClr val="lt1"/>
               </a:solidFill>
@@ -5308,16 +5693,27 @@
             </a:endParaRPr>
           </a:p>
           <a:p>
-            <a:pPr marL="0" marR="0" lvl="0" indent="0" algn="r" rtl="0">
-              <a:spcBef>
-                <a:spcPts val="0"/>
-              </a:spcBef>
-              <a:spcAft>
-                <a:spcPts val="0"/>
-              </a:spcAft>
+            <a:pPr indent="0" lvl="0" marL="0" marR="0" rtl="0" algn="r">
+              <a:lnSpc>
+                <a:spcPct val="100000"/>
+              </a:lnSpc>
+              <a:spcBef>
+                <a:spcPts val="0"/>
+              </a:spcBef>
+              <a:spcAft>
+                <a:spcPts val="0"/>
+              </a:spcAft>
+              <a:buClr>
+                <a:srgbClr val="000000"/>
+              </a:buClr>
+              <a:buSzPts val="900"/>
+              <a:buFont typeface="Arial"/>
               <a:buNone/>
             </a:pPr>
-            <a:endParaRPr sz="900" b="0" i="0" u="none" strike="noStrike" cap="none">
+            <a:r>
+              <a:t/>
+            </a:r>
+            <a:endParaRPr b="0" i="0" sz="900" u="none" cap="none" strike="noStrike">
               <a:solidFill>
                 <a:schemeClr val="lt1"/>
               </a:solidFill>
@@ -5331,33 +5727,33 @@
       </p:sp>
     </p:spTree>
   </p:cSld>
-  <p:clrMap bg1="lt1" tx1="dk1" bg2="dk2" tx2="lt2" accent1="accent1" accent2="accent2" accent3="accent3" accent4="accent4" accent5="accent5" accent6="accent6" hlink="hlink" folHlink="folHlink"/>
+  <p:clrMap accent1="accent1" accent2="accent2" accent3="accent3" accent4="accent4" accent5="accent5" accent6="accent6" bg1="lt1" bg2="dk2" tx1="dk1" tx2="lt2" folHlink="folHlink" hlink="hlink"/>
   <p:sldLayoutIdLst>
-    <p:sldLayoutId id="2147483649" r:id="rId1"/>
-    <p:sldLayoutId id="2147483650" r:id="rId2"/>
-    <p:sldLayoutId id="2147483651" r:id="rId3"/>
-    <p:sldLayoutId id="2147483652" r:id="rId4"/>
-    <p:sldLayoutId id="2147483653" r:id="rId5"/>
-    <p:sldLayoutId id="2147483654" r:id="rId6"/>
-    <p:sldLayoutId id="2147483655" r:id="rId7"/>
-    <p:sldLayoutId id="2147483656" r:id="rId8"/>
+    <p:sldLayoutId id="2147483649" r:id="rId2"/>
+    <p:sldLayoutId id="2147483650" r:id="rId3"/>
+    <p:sldLayoutId id="2147483651" r:id="rId4"/>
+    <p:sldLayoutId id="2147483652" r:id="rId5"/>
+    <p:sldLayoutId id="2147483653" r:id="rId6"/>
+    <p:sldLayoutId id="2147483654" r:id="rId7"/>
+    <p:sldLayoutId id="2147483655" r:id="rId8"/>
+    <p:sldLayoutId id="2147483656" r:id="rId9"/>
   </p:sldLayoutIdLst>
-  <mc:AlternateContent xmlns:mc="http://schemas.openxmlformats.org/markup-compatibility/2006" xmlns:p14="http://schemas.microsoft.com/office/powerpoint/2010/main">
+  <mc:AlternateContent>
     <mc:Choice Requires="p14">
-      <p:transition spd="med" p14:dur="700">
+      <p:transition spd="slow" p14:dur="700">
         <p:fade/>
       </p:transition>
     </mc:Choice>
-    <mc:Fallback xmlns:ahyp="http://schemas.microsoft.com/office/drawing/2018/hyperlinkcolor" xmlns:p15="http://schemas.microsoft.com/office/powerpoint/2012/main" xmlns:com="http://schemas.openxmlformats.org/drawingml/2006/compatibility" xmlns:pvml="urn:schemas-microsoft-com:office:powerpoint" xmlns:v="urn:schemas-microsoft-com:vml" xmlns:o="urn:schemas-microsoft-com:office:office" xmlns:dgm="http://schemas.openxmlformats.org/drawingml/2006/diagram" xmlns:c="http://schemas.openxmlformats.org/drawingml/2006/chart" xmlns:mv="urn:schemas-microsoft-com:mac:vml" xmlns="">
+    <mc:Fallback>
       <p:transition spd="slow">
         <p:fade/>
       </p:transition>
     </mc:Fallback>
   </mc:AlternateContent>
-  <p:hf hdr="0" ftr="0" dt="0"/>
+  <p:hf dt="0" ftr="0" hdr="0"/>
   <p:txStyles>
     <p:titleStyle>
-      <a:defPPr marR="0" lvl="0" algn="l" rtl="0">
+      <a:defPPr lvl="0" marR="0" rtl="0" algn="l">
         <a:lnSpc>
           <a:spcPct val="100000"/>
         </a:lnSpc>
@@ -5368,7 +5764,7 @@
           <a:spcPts val="0"/>
         </a:spcAft>
       </a:defPPr>
-      <a:lvl1pPr marR="0" lvl="0" algn="l" rtl="0">
+      <a:lvl1pPr lvl="0" marR="0" rtl="0" algn="l">
         <a:lnSpc>
           <a:spcPct val="100000"/>
         </a:lnSpc>
@@ -5382,7 +5778,7 @@
           <a:srgbClr val="000000"/>
         </a:buClr>
         <a:buFont typeface="Arial"/>
-        <a:defRPr sz="1400" b="0" i="0" u="none" strike="noStrike" cap="none">
+        <a:defRPr b="0" i="0" sz="1400" u="none" cap="none" strike="noStrike">
           <a:solidFill>
             <a:srgbClr val="000000"/>
           </a:solidFill>
@@ -5392,7 +5788,7 @@
           <a:sym typeface="Arial"/>
         </a:defRPr>
       </a:lvl1pPr>
-      <a:lvl2pPr marR="0" lvl="1" algn="l" rtl="0">
+      <a:lvl2pPr lvl="1" marR="0" rtl="0" algn="l">
         <a:lnSpc>
           <a:spcPct val="100000"/>
         </a:lnSpc>
@@ -5406,7 +5802,7 @@
           <a:srgbClr val="000000"/>
         </a:buClr>
         <a:buFont typeface="Arial"/>
-        <a:defRPr sz="1400" b="0" i="0" u="none" strike="noStrike" cap="none">
+        <a:defRPr b="0" i="0" sz="1400" u="none" cap="none" strike="noStrike">
           <a:solidFill>
             <a:srgbClr val="000000"/>
           </a:solidFill>
@@ -5416,7 +5812,7 @@
           <a:sym typeface="Arial"/>
         </a:defRPr>
       </a:lvl2pPr>
-      <a:lvl3pPr marR="0" lvl="2" algn="l" rtl="0">
+      <a:lvl3pPr lvl="2" marR="0" rtl="0" algn="l">
         <a:lnSpc>
           <a:spcPct val="100000"/>
         </a:lnSpc>
@@ -5430,7 +5826,7 @@
           <a:srgbClr val="000000"/>
         </a:buClr>
         <a:buFont typeface="Arial"/>
-        <a:defRPr sz="1400" b="0" i="0" u="none" strike="noStrike" cap="none">
+        <a:defRPr b="0" i="0" sz="1400" u="none" cap="none" strike="noStrike">
           <a:solidFill>
             <a:srgbClr val="000000"/>
           </a:solidFill>
@@ -5440,7 +5836,7 @@
           <a:sym typeface="Arial"/>
         </a:defRPr>
       </a:lvl3pPr>
-      <a:lvl4pPr marR="0" lvl="3" algn="l" rtl="0">
+      <a:lvl4pPr lvl="3" marR="0" rtl="0" algn="l">
         <a:lnSpc>
           <a:spcPct val="100000"/>
         </a:lnSpc>
@@ -5454,7 +5850,7 @@
           <a:srgbClr val="000000"/>
         </a:buClr>
         <a:buFont typeface="Arial"/>
-        <a:defRPr sz="1400" b="0" i="0" u="none" strike="noStrike" cap="none">
+        <a:defRPr b="0" i="0" sz="1400" u="none" cap="none" strike="noStrike">
           <a:solidFill>
             <a:srgbClr val="000000"/>
           </a:solidFill>
@@ -5464,7 +5860,7 @@
           <a:sym typeface="Arial"/>
         </a:defRPr>
       </a:lvl4pPr>
-      <a:lvl5pPr marR="0" lvl="4" algn="l" rtl="0">
+      <a:lvl5pPr lvl="4" marR="0" rtl="0" algn="l">
         <a:lnSpc>
           <a:spcPct val="100000"/>
         </a:lnSpc>
@@ -5478,7 +5874,7 @@
           <a:srgbClr val="000000"/>
         </a:buClr>
         <a:buFont typeface="Arial"/>
-        <a:defRPr sz="1400" b="0" i="0" u="none" strike="noStrike" cap="none">
+        <a:defRPr b="0" i="0" sz="1400" u="none" cap="none" strike="noStrike">
           <a:solidFill>
             <a:srgbClr val="000000"/>
           </a:solidFill>
@@ -5488,7 +5884,7 @@
           <a:sym typeface="Arial"/>
         </a:defRPr>
       </a:lvl5pPr>
-      <a:lvl6pPr marR="0" lvl="5" algn="l" rtl="0">
+      <a:lvl6pPr lvl="5" marR="0" rtl="0" algn="l">
         <a:lnSpc>
           <a:spcPct val="100000"/>
         </a:lnSpc>
@@ -5502,7 +5898,7 @@
           <a:srgbClr val="000000"/>
         </a:buClr>
         <a:buFont typeface="Arial"/>
-        <a:defRPr sz="1400" b="0" i="0" u="none" strike="noStrike" cap="none">
+        <a:defRPr b="0" i="0" sz="1400" u="none" cap="none" strike="noStrike">
           <a:solidFill>
             <a:srgbClr val="000000"/>
           </a:solidFill>
@@ -5512,7 +5908,7 @@
           <a:sym typeface="Arial"/>
         </a:defRPr>
       </a:lvl6pPr>
-      <a:lvl7pPr marR="0" lvl="6" algn="l" rtl="0">
+      <a:lvl7pPr lvl="6" marR="0" rtl="0" algn="l">
         <a:lnSpc>
           <a:spcPct val="100000"/>
         </a:lnSpc>
@@ -5526,7 +5922,7 @@
           <a:srgbClr val="000000"/>
         </a:buClr>
         <a:buFont typeface="Arial"/>
-        <a:defRPr sz="1400" b="0" i="0" u="none" strike="noStrike" cap="none">
+        <a:defRPr b="0" i="0" sz="1400" u="none" cap="none" strike="noStrike">
           <a:solidFill>
             <a:srgbClr val="000000"/>
           </a:solidFill>
@@ -5536,7 +5932,7 @@
           <a:sym typeface="Arial"/>
         </a:defRPr>
       </a:lvl7pPr>
-      <a:lvl8pPr marR="0" lvl="7" algn="l" rtl="0">
+      <a:lvl8pPr lvl="7" marR="0" rtl="0" algn="l">
         <a:lnSpc>
           <a:spcPct val="100000"/>
         </a:lnSpc>
@@ -5550,7 +5946,7 @@
           <a:srgbClr val="000000"/>
         </a:buClr>
         <a:buFont typeface="Arial"/>
-        <a:defRPr sz="1400" b="0" i="0" u="none" strike="noStrike" cap="none">
+        <a:defRPr b="0" i="0" sz="1400" u="none" cap="none" strike="noStrike">
           <a:solidFill>
             <a:srgbClr val="000000"/>
           </a:solidFill>
@@ -5560,7 +5956,7 @@
           <a:sym typeface="Arial"/>
         </a:defRPr>
       </a:lvl8pPr>
-      <a:lvl9pPr marR="0" lvl="8" algn="l" rtl="0">
+      <a:lvl9pPr lvl="8" marR="0" rtl="0" algn="l">
         <a:lnSpc>
           <a:spcPct val="100000"/>
         </a:lnSpc>
@@ -5574,7 +5970,7 @@
           <a:srgbClr val="000000"/>
         </a:buClr>
         <a:buFont typeface="Arial"/>
-        <a:defRPr sz="1400" b="0" i="0" u="none" strike="noStrike" cap="none">
+        <a:defRPr b="0" i="0" sz="1400" u="none" cap="none" strike="noStrike">
           <a:solidFill>
             <a:srgbClr val="000000"/>
           </a:solidFill>
@@ -5586,7 +5982,7 @@
       </a:lvl9pPr>
     </p:titleStyle>
     <p:bodyStyle>
-      <a:defPPr marR="0" lvl="0" algn="l" rtl="0">
+      <a:defPPr lvl="0" marR="0" rtl="0" algn="l">
         <a:lnSpc>
           <a:spcPct val="100000"/>
         </a:lnSpc>
@@ -5597,7 +5993,7 @@
           <a:spcPts val="0"/>
         </a:spcAft>
       </a:defPPr>
-      <a:lvl1pPr marR="0" lvl="0" algn="l" rtl="0">
+      <a:lvl1pPr lvl="0" marR="0" rtl="0" algn="l">
         <a:lnSpc>
           <a:spcPct val="100000"/>
         </a:lnSpc>
@@ -5611,7 +6007,7 @@
           <a:srgbClr val="000000"/>
         </a:buClr>
         <a:buFont typeface="Arial"/>
-        <a:defRPr sz="1400" b="0" i="0" u="none" strike="noStrike" cap="none">
+        <a:defRPr b="0" i="0" sz="1400" u="none" cap="none" strike="noStrike">
           <a:solidFill>
             <a:srgbClr val="000000"/>
           </a:solidFill>
@@ -5621,7 +6017,7 @@
           <a:sym typeface="Arial"/>
         </a:defRPr>
       </a:lvl1pPr>
-      <a:lvl2pPr marR="0" lvl="1" algn="l" rtl="0">
+      <a:lvl2pPr lvl="1" marR="0" rtl="0" algn="l">
         <a:lnSpc>
           <a:spcPct val="100000"/>
         </a:lnSpc>
@@ -5635,7 +6031,7 @@
           <a:srgbClr val="000000"/>
         </a:buClr>
         <a:buFont typeface="Arial"/>
-        <a:defRPr sz="1400" b="0" i="0" u="none" strike="noStrike" cap="none">
+        <a:defRPr b="0" i="0" sz="1400" u="none" cap="none" strike="noStrike">
           <a:solidFill>
             <a:srgbClr val="000000"/>
           </a:solidFill>
@@ -5645,7 +6041,7 @@
           <a:sym typeface="Arial"/>
         </a:defRPr>
       </a:lvl2pPr>
-      <a:lvl3pPr marR="0" lvl="2" algn="l" rtl="0">
+      <a:lvl3pPr lvl="2" marR="0" rtl="0" algn="l">
         <a:lnSpc>
           <a:spcPct val="100000"/>
         </a:lnSpc>
@@ -5659,7 +6055,7 @@
           <a:srgbClr val="000000"/>
         </a:buClr>
         <a:buFont typeface="Arial"/>
-        <a:defRPr sz="1400" b="0" i="0" u="none" strike="noStrike" cap="none">
+        <a:defRPr b="0" i="0" sz="1400" u="none" cap="none" strike="noStrike">
           <a:solidFill>
             <a:srgbClr val="000000"/>
           </a:solidFill>
@@ -5669,7 +6065,7 @@
           <a:sym typeface="Arial"/>
         </a:defRPr>
       </a:lvl3pPr>
-      <a:lvl4pPr marR="0" lvl="3" algn="l" rtl="0">
+      <a:lvl4pPr lvl="3" marR="0" rtl="0" algn="l">
         <a:lnSpc>
           <a:spcPct val="100000"/>
         </a:lnSpc>
@@ -5683,7 +6079,7 @@
           <a:srgbClr val="000000"/>
         </a:buClr>
         <a:buFont typeface="Arial"/>
-        <a:defRPr sz="1400" b="0" i="0" u="none" strike="noStrike" cap="none">
+        <a:defRPr b="0" i="0" sz="1400" u="none" cap="none" strike="noStrike">
           <a:solidFill>
             <a:srgbClr val="000000"/>
           </a:solidFill>
@@ -5693,7 +6089,7 @@
           <a:sym typeface="Arial"/>
         </a:defRPr>
       </a:lvl4pPr>
-      <a:lvl5pPr marR="0" lvl="4" algn="l" rtl="0">
+      <a:lvl5pPr lvl="4" marR="0" rtl="0" algn="l">
         <a:lnSpc>
           <a:spcPct val="100000"/>
         </a:lnSpc>
@@ -5707,7 +6103,7 @@
           <a:srgbClr val="000000"/>
         </a:buClr>
         <a:buFont typeface="Arial"/>
-        <a:defRPr sz="1400" b="0" i="0" u="none" strike="noStrike" cap="none">
+        <a:defRPr b="0" i="0" sz="1400" u="none" cap="none" strike="noStrike">
           <a:solidFill>
             <a:srgbClr val="000000"/>
           </a:solidFill>
@@ -5717,7 +6113,7 @@
           <a:sym typeface="Arial"/>
         </a:defRPr>
       </a:lvl5pPr>
-      <a:lvl6pPr marR="0" lvl="5" algn="l" rtl="0">
+      <a:lvl6pPr lvl="5" marR="0" rtl="0" algn="l">
         <a:lnSpc>
           <a:spcPct val="100000"/>
         </a:lnSpc>
@@ -5731,7 +6127,7 @@
           <a:srgbClr val="000000"/>
         </a:buClr>
         <a:buFont typeface="Arial"/>
-        <a:defRPr sz="1400" b="0" i="0" u="none" strike="noStrike" cap="none">
+        <a:defRPr b="0" i="0" sz="1400" u="none" cap="none" strike="noStrike">
           <a:solidFill>
             <a:srgbClr val="000000"/>
           </a:solidFill>
@@ -5741,7 +6137,7 @@
           <a:sym typeface="Arial"/>
         </a:defRPr>
       </a:lvl6pPr>
-      <a:lvl7pPr marR="0" lvl="6" algn="l" rtl="0">
+      <a:lvl7pPr lvl="6" marR="0" rtl="0" algn="l">
         <a:lnSpc>
           <a:spcPct val="100000"/>
         </a:lnSpc>
@@ -5755,7 +6151,7 @@
           <a:srgbClr val="000000"/>
         </a:buClr>
         <a:buFont typeface="Arial"/>
-        <a:defRPr sz="1400" b="0" i="0" u="none" strike="noStrike" cap="none">
+        <a:defRPr b="0" i="0" sz="1400" u="none" cap="none" strike="noStrike">
           <a:solidFill>
             <a:srgbClr val="000000"/>
           </a:solidFill>
@@ -5765,7 +6161,7 @@
           <a:sym typeface="Arial"/>
         </a:defRPr>
       </a:lvl7pPr>
-      <a:lvl8pPr marR="0" lvl="7" algn="l" rtl="0">
+      <a:lvl8pPr lvl="7" marR="0" rtl="0" algn="l">
         <a:lnSpc>
           <a:spcPct val="100000"/>
         </a:lnSpc>
@@ -5779,7 +6175,7 @@
           <a:srgbClr val="000000"/>
         </a:buClr>
         <a:buFont typeface="Arial"/>
-        <a:defRPr sz="1400" b="0" i="0" u="none" strike="noStrike" cap="none">
+        <a:defRPr b="0" i="0" sz="1400" u="none" cap="none" strike="noStrike">
           <a:solidFill>
             <a:srgbClr val="000000"/>
           </a:solidFill>
@@ -5789,7 +6185,7 @@
           <a:sym typeface="Arial"/>
         </a:defRPr>
       </a:lvl8pPr>
-      <a:lvl9pPr marR="0" lvl="8" algn="l" rtl="0">
+      <a:lvl9pPr lvl="8" marR="0" rtl="0" algn="l">
         <a:lnSpc>
           <a:spcPct val="100000"/>
         </a:lnSpc>
@@ -5803,7 +6199,7 @@
           <a:srgbClr val="000000"/>
         </a:buClr>
         <a:buFont typeface="Arial"/>
-        <a:defRPr sz="1400" b="0" i="0" u="none" strike="noStrike" cap="none">
+        <a:defRPr b="0" i="0" sz="1400" u="none" cap="none" strike="noStrike">
           <a:solidFill>
             <a:srgbClr val="000000"/>
           </a:solidFill>
@@ -5815,7 +6211,7 @@
       </a:lvl9pPr>
     </p:bodyStyle>
     <p:otherStyle>
-      <a:defPPr marR="0" lvl="0" algn="l" rtl="0">
+      <a:defPPr lvl="0" marR="0" rtl="0" algn="l">
         <a:lnSpc>
           <a:spcPct val="100000"/>
         </a:lnSpc>
@@ -5826,7 +6222,7 @@
           <a:spcPts val="0"/>
         </a:spcAft>
       </a:defPPr>
-      <a:lvl1pPr marR="0" lvl="0" algn="l" rtl="0">
+      <a:lvl1pPr lvl="0" marR="0" rtl="0" algn="l">
         <a:lnSpc>
           <a:spcPct val="100000"/>
         </a:lnSpc>
@@ -5840,7 +6236,7 @@
           <a:srgbClr val="000000"/>
         </a:buClr>
         <a:buFont typeface="Arial"/>
-        <a:defRPr sz="1400" b="0" i="0" u="none" strike="noStrike" cap="none">
+        <a:defRPr b="0" i="0" sz="1400" u="none" cap="none" strike="noStrike">
           <a:solidFill>
             <a:srgbClr val="000000"/>
           </a:solidFill>
@@ -5850,7 +6246,7 @@
           <a:sym typeface="Arial"/>
         </a:defRPr>
       </a:lvl1pPr>
-      <a:lvl2pPr marR="0" lvl="1" algn="l" rtl="0">
+      <a:lvl2pPr lvl="1" marR="0" rtl="0" algn="l">
         <a:lnSpc>
           <a:spcPct val="100000"/>
         </a:lnSpc>
@@ -5864,7 +6260,7 @@
           <a:srgbClr val="000000"/>
         </a:buClr>
         <a:buFont typeface="Arial"/>
-        <a:defRPr sz="1400" b="0" i="0" u="none" strike="noStrike" cap="none">
+        <a:defRPr b="0" i="0" sz="1400" u="none" cap="none" strike="noStrike">
           <a:solidFill>
             <a:srgbClr val="000000"/>
           </a:solidFill>
@@ -5874,7 +6270,7 @@
           <a:sym typeface="Arial"/>
         </a:defRPr>
       </a:lvl2pPr>
-      <a:lvl3pPr marR="0" lvl="2" algn="l" rtl="0">
+      <a:lvl3pPr lvl="2" marR="0" rtl="0" algn="l">
         <a:lnSpc>
           <a:spcPct val="100000"/>
         </a:lnSpc>
@@ -5888,7 +6284,7 @@
           <a:srgbClr val="000000"/>
         </a:buClr>
         <a:buFont typeface="Arial"/>
-        <a:defRPr sz="1400" b="0" i="0" u="none" strike="noStrike" cap="none">
+        <a:defRPr b="0" i="0" sz="1400" u="none" cap="none" strike="noStrike">
           <a:solidFill>
             <a:srgbClr val="000000"/>
           </a:solidFill>
@@ -5898,7 +6294,7 @@
           <a:sym typeface="Arial"/>
         </a:defRPr>
       </a:lvl3pPr>
-      <a:lvl4pPr marR="0" lvl="3" algn="l" rtl="0">
+      <a:lvl4pPr lvl="3" marR="0" rtl="0" algn="l">
         <a:lnSpc>
           <a:spcPct val="100000"/>
         </a:lnSpc>
@@ -5912,7 +6308,7 @@
           <a:srgbClr val="000000"/>
         </a:buClr>
         <a:buFont typeface="Arial"/>
-        <a:defRPr sz="1400" b="0" i="0" u="none" strike="noStrike" cap="none">
+        <a:defRPr b="0" i="0" sz="1400" u="none" cap="none" strike="noStrike">
           <a:solidFill>
             <a:srgbClr val="000000"/>
           </a:solidFill>
@@ -5922,7 +6318,7 @@
           <a:sym typeface="Arial"/>
         </a:defRPr>
       </a:lvl4pPr>
-      <a:lvl5pPr marR="0" lvl="4" algn="l" rtl="0">
+      <a:lvl5pPr lvl="4" marR="0" rtl="0" algn="l">
         <a:lnSpc>
           <a:spcPct val="100000"/>
         </a:lnSpc>
@@ -5936,7 +6332,7 @@
           <a:srgbClr val="000000"/>
         </a:buClr>
         <a:buFont typeface="Arial"/>
-        <a:defRPr sz="1400" b="0" i="0" u="none" strike="noStrike" cap="none">
+        <a:defRPr b="0" i="0" sz="1400" u="none" cap="none" strike="noStrike">
           <a:solidFill>
             <a:srgbClr val="000000"/>
           </a:solidFill>
@@ -5946,7 +6342,7 @@
           <a:sym typeface="Arial"/>
         </a:defRPr>
       </a:lvl5pPr>
-      <a:lvl6pPr marR="0" lvl="5" algn="l" rtl="0">
+      <a:lvl6pPr lvl="5" marR="0" rtl="0" algn="l">
         <a:lnSpc>
           <a:spcPct val="100000"/>
         </a:lnSpc>
@@ -5960,7 +6356,7 @@
           <a:srgbClr val="000000"/>
         </a:buClr>
         <a:buFont typeface="Arial"/>
-        <a:defRPr sz="1400" b="0" i="0" u="none" strike="noStrike" cap="none">
+        <a:defRPr b="0" i="0" sz="1400" u="none" cap="none" strike="noStrike">
           <a:solidFill>
             <a:srgbClr val="000000"/>
           </a:solidFill>
@@ -5970,7 +6366,7 @@
           <a:sym typeface="Arial"/>
         </a:defRPr>
       </a:lvl6pPr>
-      <a:lvl7pPr marR="0" lvl="6" algn="l" rtl="0">
+      <a:lvl7pPr lvl="6" marR="0" rtl="0" algn="l">
         <a:lnSpc>
           <a:spcPct val="100000"/>
         </a:lnSpc>
@@ -5984,7 +6380,7 @@
           <a:srgbClr val="000000"/>
         </a:buClr>
         <a:buFont typeface="Arial"/>
-        <a:defRPr sz="1400" b="0" i="0" u="none" strike="noStrike" cap="none">
+        <a:defRPr b="0" i="0" sz="1400" u="none" cap="none" strike="noStrike">
           <a:solidFill>
             <a:srgbClr val="000000"/>
           </a:solidFill>
@@ -5994,7 +6390,7 @@
           <a:sym typeface="Arial"/>
         </a:defRPr>
       </a:lvl7pPr>
-      <a:lvl8pPr marR="0" lvl="7" algn="l" rtl="0">
+      <a:lvl8pPr lvl="7" marR="0" rtl="0" algn="l">
         <a:lnSpc>
           <a:spcPct val="100000"/>
         </a:lnSpc>
@@ -6008,7 +6404,7 @@
           <a:srgbClr val="000000"/>
         </a:buClr>
         <a:buFont typeface="Arial"/>
-        <a:defRPr sz="1400" b="0" i="0" u="none" strike="noStrike" cap="none">
+        <a:defRPr b="0" i="0" sz="1400" u="none" cap="none" strike="noStrike">
           <a:solidFill>
             <a:srgbClr val="000000"/>
           </a:solidFill>
@@ -6018,7 +6414,7 @@
           <a:sym typeface="Arial"/>
         </a:defRPr>
       </a:lvl8pPr>
-      <a:lvl9pPr marR="0" lvl="8" algn="l" rtl="0">
+      <a:lvl9pPr lvl="8" marR="0" rtl="0" algn="l">
         <a:lnSpc>
           <a:spcPct val="100000"/>
         </a:lnSpc>
@@ -6032,7 +6428,7 @@
           <a:srgbClr val="000000"/>
         </a:buClr>
         <a:buFont typeface="Arial"/>
-        <a:defRPr sz="1400" b="0" i="0" u="none" strike="noStrike" cap="none">
+        <a:defRPr b="0" i="0" sz="1400" u="none" cap="none" strike="noStrike">
           <a:solidFill>
             <a:srgbClr val="000000"/>
           </a:solidFill>
@@ -6048,11 +6444,11 @@
 </file>
 
 <file path=ppt/slides/slide1.xml><?xml version="1.0" encoding="utf-8"?>
-<p:sld xmlns:a="http://schemas.openxmlformats.org/drawingml/2006/main" xmlns:r="http://schemas.openxmlformats.org/officeDocument/2006/relationships" xmlns:p="http://schemas.openxmlformats.org/presentationml/2006/main">
+<p:sld xmlns:a="http://schemas.openxmlformats.org/drawingml/2006/main" xmlns:r="http://schemas.openxmlformats.org/officeDocument/2006/relationships" xmlns:mc="http://schemas.openxmlformats.org/markup-compatibility/2006" xmlns:mv="urn:schemas-microsoft-com:mac:vml" xmlns:p="http://schemas.openxmlformats.org/presentationml/2006/main" xmlns:c="http://schemas.openxmlformats.org/drawingml/2006/chart" xmlns:dgm="http://schemas.openxmlformats.org/drawingml/2006/diagram" xmlns:o="urn:schemas-microsoft-com:office:office" xmlns:v="urn:schemas-microsoft-com:vml" xmlns:pvml="urn:schemas-microsoft-com:office:powerpoint" xmlns:com="http://schemas.openxmlformats.org/drawingml/2006/compatibility" xmlns:p14="http://schemas.microsoft.com/office/powerpoint/2010/main" xmlns:p15="http://schemas.microsoft.com/office/powerpoint/2012/main" xmlns:ahyp="http://schemas.microsoft.com/office/drawing/2018/hyperlinkcolor">
   <p:cSld>
     <p:spTree>
       <p:nvGrpSpPr>
-        <p:cNvPr id="1" name="Shape 51"/>
+        <p:cNvPr id="51" name="Shape 51"/>
         <p:cNvGrpSpPr/>
         <p:nvPr/>
       </p:nvGrpSpPr>
@@ -6067,9 +6463,7 @@
       <p:sp>
         <p:nvSpPr>
           <p:cNvPr id="52" name="Google Shape;52;p1"/>
-          <p:cNvSpPr txBox="1">
-            <a:spLocks noGrp="1"/>
-          </p:cNvSpPr>
+          <p:cNvSpPr txBox="1"/>
           <p:nvPr>
             <p:ph type="title"/>
           </p:nvPr>
@@ -6088,12 +6482,12 @@
           </a:ln>
         </p:spPr>
         <p:txBody>
-          <a:bodyPr spcFirstLastPara="1" wrap="square" lIns="0" tIns="0" rIns="0" bIns="0" anchor="b" anchorCtr="0">
+          <a:bodyPr anchorCtr="0" anchor="b" bIns="0" lIns="0" spcFirstLastPara="1" rIns="0" wrap="square" tIns="0">
             <a:noAutofit/>
           </a:bodyPr>
           <a:lstStyle/>
           <a:p>
-            <a:pPr marL="0" lvl="0" indent="0" algn="l" rtl="0">
+            <a:pPr indent="0" lvl="0" marL="0" rtl="0" algn="l">
               <a:lnSpc>
                 <a:spcPct val="90000"/>
               </a:lnSpc>
@@ -6138,12 +6532,15 @@
           </a:ln>
         </p:spPr>
         <p:txBody>
-          <a:bodyPr spcFirstLastPara="1" wrap="square" lIns="0" tIns="0" rIns="0" bIns="0" anchor="t" anchorCtr="0">
+          <a:bodyPr anchorCtr="0" anchor="t" bIns="0" lIns="0" spcFirstLastPara="1" rIns="0" wrap="square" tIns="0">
             <a:noAutofit/>
           </a:bodyPr>
           <a:lstStyle/>
           <a:p>
-            <a:pPr marL="177800" lvl="0" indent="-177800" algn="l" rtl="0">
+            <a:pPr indent="-177800" lvl="0" marL="177800" marR="0" rtl="0" algn="l">
+              <a:lnSpc>
+                <a:spcPct val="100000"/>
+              </a:lnSpc>
               <a:spcBef>
                 <a:spcPts val="0"/>
               </a:spcBef>
@@ -6158,7 +6555,7 @@
               <a:buNone/>
             </a:pPr>
             <a:r>
-              <a:rPr lang="en-GB" sz="1800" b="1">
+              <a:rPr b="1" i="0" lang="en-GB" sz="1800" u="none" cap="none" strike="noStrike">
                 <a:solidFill>
                   <a:schemeClr val="lt1"/>
                 </a:solidFill>
@@ -6169,10 +6566,21 @@
               </a:rPr>
               <a:t>Emanuele Della Valle</a:t>
             </a:r>
-            <a:endParaRPr/>
+            <a:endParaRPr b="0" i="0" sz="1400" u="none" cap="none" strike="noStrike">
+              <a:solidFill>
+                <a:srgbClr val="000000"/>
+              </a:solidFill>
+              <a:latin typeface="Arial"/>
+              <a:ea typeface="Arial"/>
+              <a:cs typeface="Arial"/>
+              <a:sym typeface="Arial"/>
+            </a:endParaRPr>
           </a:p>
           <a:p>
-            <a:pPr marL="177800" lvl="0" indent="-177800" algn="l" rtl="0">
+            <a:pPr indent="-177800" lvl="0" marL="177800" marR="0" rtl="0" algn="l">
+              <a:lnSpc>
+                <a:spcPct val="100000"/>
+              </a:lnSpc>
               <a:spcBef>
                 <a:spcPts val="0"/>
               </a:spcBef>
@@ -6186,6 +6594,218 @@
               <a:buFont typeface="Arial"/>
               <a:buNone/>
             </a:pPr>
+            <a:r>
+              <a:rPr b="0" i="0" lang="en-GB" sz="1800" u="none" cap="none" strike="noStrike">
+                <a:solidFill>
+                  <a:schemeClr val="lt1"/>
+                </a:solidFill>
+                <a:latin typeface="Helvetica Neue Light"/>
+                <a:ea typeface="Helvetica Neue Light"/>
+                <a:cs typeface="Helvetica Neue Light"/>
+                <a:sym typeface="Helvetica Neue Light"/>
+              </a:rPr>
+              <a:t>Prof. @ Politecnico di Milano </a:t>
+            </a:r>
+            <a:endParaRPr b="0" i="0" sz="1400" u="none" cap="none" strike="noStrike">
+              <a:solidFill>
+                <a:srgbClr val="000000"/>
+              </a:solidFill>
+              <a:latin typeface="Arial"/>
+              <a:ea typeface="Arial"/>
+              <a:cs typeface="Arial"/>
+              <a:sym typeface="Arial"/>
+            </a:endParaRPr>
+          </a:p>
+          <a:p>
+            <a:pPr indent="-177800" lvl="0" marL="177800" marR="0" rtl="0" algn="l">
+              <a:lnSpc>
+                <a:spcPct val="100000"/>
+              </a:lnSpc>
+              <a:spcBef>
+                <a:spcPts val="0"/>
+              </a:spcBef>
+              <a:spcAft>
+                <a:spcPts val="0"/>
+              </a:spcAft>
+              <a:buClr>
+                <a:schemeClr val="lt1"/>
+              </a:buClr>
+              <a:buSzPts val="1800"/>
+              <a:buFont typeface="Arial"/>
+              <a:buNone/>
+            </a:pPr>
+            <a:r>
+              <a:rPr b="0" i="0" lang="en-GB" sz="1800" u="none" cap="none" strike="noStrike">
+                <a:solidFill>
+                  <a:schemeClr val="lt1"/>
+                </a:solidFill>
+                <a:latin typeface="Helvetica Neue Light"/>
+                <a:ea typeface="Helvetica Neue Light"/>
+                <a:cs typeface="Helvetica Neue Light"/>
+                <a:sym typeface="Helvetica Neue Light"/>
+              </a:rPr>
+              <a:t>Founder &amp; Partner @ Quantia Consulting</a:t>
+            </a:r>
+            <a:endParaRPr b="0" i="0" sz="1400" u="none" cap="none" strike="noStrike">
+              <a:solidFill>
+                <a:srgbClr val="000000"/>
+              </a:solidFill>
+              <a:latin typeface="Arial"/>
+              <a:ea typeface="Arial"/>
+              <a:cs typeface="Arial"/>
+              <a:sym typeface="Arial"/>
+            </a:endParaRPr>
+          </a:p>
+          <a:p>
+            <a:pPr indent="-177800" lvl="0" marL="177800" marR="0" rtl="0" algn="l">
+              <a:lnSpc>
+                <a:spcPct val="100000"/>
+              </a:lnSpc>
+              <a:spcBef>
+                <a:spcPts val="0"/>
+              </a:spcBef>
+              <a:spcAft>
+                <a:spcPts val="0"/>
+              </a:spcAft>
+              <a:buClr>
+                <a:srgbClr val="2C2C38"/>
+              </a:buClr>
+              <a:buSzPts val="2100"/>
+              <a:buFont typeface="Arial"/>
+              <a:buNone/>
+            </a:pPr>
+            <a:r>
+              <a:rPr b="1" i="0" lang="en-GB" sz="1800" u="none" cap="none" strike="noStrike">
+                <a:solidFill>
+                  <a:schemeClr val="lt1"/>
+                </a:solidFill>
+                <a:latin typeface="Helvetica Neue Light"/>
+                <a:ea typeface="Helvetica Neue Light"/>
+                <a:cs typeface="Helvetica Neue Light"/>
+                <a:sym typeface="Helvetica Neue Light"/>
+              </a:rPr>
+              <a:t>Marco Balduini</a:t>
+            </a:r>
+            <a:endParaRPr b="0" i="0" sz="1400" u="none" cap="none" strike="noStrike">
+              <a:solidFill>
+                <a:srgbClr val="000000"/>
+              </a:solidFill>
+              <a:latin typeface="Arial"/>
+              <a:ea typeface="Arial"/>
+              <a:cs typeface="Arial"/>
+              <a:sym typeface="Arial"/>
+            </a:endParaRPr>
+          </a:p>
+          <a:p>
+            <a:pPr indent="-177800" lvl="0" marL="177800" marR="0" rtl="0" algn="l">
+              <a:lnSpc>
+                <a:spcPct val="100000"/>
+              </a:lnSpc>
+              <a:spcBef>
+                <a:spcPts val="0"/>
+              </a:spcBef>
+              <a:spcAft>
+                <a:spcPts val="0"/>
+              </a:spcAft>
+              <a:buClr>
+                <a:srgbClr val="2C2C38"/>
+              </a:buClr>
+              <a:buSzPts val="2100"/>
+              <a:buFont typeface="Arial"/>
+              <a:buNone/>
+            </a:pPr>
+            <a:r>
+              <a:rPr b="0" i="0" lang="en-GB" sz="1800" u="none" cap="none" strike="noStrike">
+                <a:solidFill>
+                  <a:schemeClr val="lt1"/>
+                </a:solidFill>
+                <a:latin typeface="Helvetica Neue Light"/>
+                <a:ea typeface="Helvetica Neue Light"/>
+                <a:cs typeface="Helvetica Neue Light"/>
+                <a:sym typeface="Helvetica Neue Light"/>
+              </a:rPr>
+              <a:t>Founder &amp; CEO @ Quantia Consulting</a:t>
+            </a:r>
+            <a:endParaRPr b="0" i="0" sz="1800" u="none" cap="none" strike="noStrike">
+              <a:solidFill>
+                <a:schemeClr val="lt1"/>
+              </a:solidFill>
+              <a:latin typeface="Helvetica Neue Light"/>
+              <a:ea typeface="Helvetica Neue Light"/>
+              <a:cs typeface="Helvetica Neue Light"/>
+              <a:sym typeface="Helvetica Neue Light"/>
+            </a:endParaRPr>
+          </a:p>
+          <a:p>
+            <a:pPr indent="-177800" lvl="0" marL="177800" marR="0" rtl="0" algn="l">
+              <a:lnSpc>
+                <a:spcPct val="100000"/>
+              </a:lnSpc>
+              <a:spcBef>
+                <a:spcPts val="0"/>
+              </a:spcBef>
+              <a:spcAft>
+                <a:spcPts val="0"/>
+              </a:spcAft>
+              <a:buClr>
+                <a:srgbClr val="2C2C38"/>
+              </a:buClr>
+              <a:buSzPts val="2100"/>
+              <a:buFont typeface="Arial"/>
+              <a:buNone/>
+            </a:pPr>
+            <a:r>
+              <a:rPr b="1" i="0" lang="en-GB" sz="1800" u="none" cap="none" strike="noStrike">
+                <a:solidFill>
+                  <a:schemeClr val="lt1"/>
+                </a:solidFill>
+                <a:latin typeface="Helvetica Neue Light"/>
+                <a:ea typeface="Helvetica Neue Light"/>
+                <a:cs typeface="Helvetica Neue Light"/>
+                <a:sym typeface="Helvetica Neue Light"/>
+              </a:rPr>
+              <a:t>Riccardo Tommasini</a:t>
+            </a:r>
+            <a:endParaRPr b="0" i="0" sz="1400" u="none" cap="none" strike="noStrike">
+              <a:solidFill>
+                <a:srgbClr val="000000"/>
+              </a:solidFill>
+              <a:latin typeface="Arial"/>
+              <a:ea typeface="Arial"/>
+              <a:cs typeface="Arial"/>
+              <a:sym typeface="Arial"/>
+            </a:endParaRPr>
+          </a:p>
+          <a:p>
+            <a:pPr indent="-100012" lvl="0" marL="100012" marR="0" rtl="0" algn="l">
+              <a:lnSpc>
+                <a:spcPct val="100000"/>
+              </a:lnSpc>
+              <a:spcBef>
+                <a:spcPts val="0"/>
+              </a:spcBef>
+              <a:spcAft>
+                <a:spcPts val="0"/>
+              </a:spcAft>
+              <a:buClr>
+                <a:srgbClr val="2C2C38"/>
+              </a:buClr>
+              <a:buSzPts val="2100"/>
+              <a:buFont typeface="Arial"/>
+              <a:buNone/>
+            </a:pPr>
+            <a:r>
+              <a:rPr b="0" i="0" lang="en-GB" sz="1800" u="none" cap="none" strike="noStrike">
+                <a:solidFill>
+                  <a:schemeClr val="lt1"/>
+                </a:solidFill>
+                <a:latin typeface="Helvetica Neue Light"/>
+                <a:ea typeface="Helvetica Neue Light"/>
+                <a:cs typeface="Helvetica Neue Light"/>
+                <a:sym typeface="Helvetica Neue Light"/>
+              </a:rPr>
+              <a:t>Prof. @ </a:t>
+            </a:r>
             <a:r>
               <a:rPr lang="en-GB" sz="1800">
                 <a:solidFill>
@@ -6196,107 +6816,23 @@
                 <a:cs typeface="Helvetica Neue Light"/>
                 <a:sym typeface="Helvetica Neue Light"/>
               </a:rPr>
-              <a:t>Prof. @ Politecnico di Milano </a:t>
+              <a:t>INSA Lyon (France)</a:t>
             </a:r>
-            <a:endParaRPr/>
-          </a:p>
-          <a:p>
-            <a:pPr marL="177800" lvl="0" indent="-177800" algn="l" rtl="0">
-              <a:spcBef>
-                <a:spcPts val="0"/>
-              </a:spcBef>
-              <a:spcAft>
-                <a:spcPts val="0"/>
-              </a:spcAft>
-              <a:buClr>
-                <a:schemeClr val="lt1"/>
-              </a:buClr>
-              <a:buSzPts val="1800"/>
-              <a:buFont typeface="Arial"/>
-              <a:buNone/>
-            </a:pPr>
-            <a:r>
-              <a:rPr lang="en-GB" sz="1800">
-                <a:solidFill>
-                  <a:schemeClr val="lt1"/>
-                </a:solidFill>
-                <a:latin typeface="Helvetica Neue Light"/>
-                <a:ea typeface="Helvetica Neue Light"/>
-                <a:cs typeface="Helvetica Neue Light"/>
-                <a:sym typeface="Helvetica Neue Light"/>
-              </a:rPr>
-              <a:t>Founder &amp; Partner @ Quantia Consulting</a:t>
-            </a:r>
-            <a:endParaRPr/>
-          </a:p>
-          <a:p>
-            <a:pPr marL="177800" lvl="0" indent="-177800" algn="l" rtl="0">
-              <a:spcBef>
-                <a:spcPts val="0"/>
-              </a:spcBef>
-              <a:spcAft>
-                <a:spcPts val="0"/>
-              </a:spcAft>
-              <a:buClr>
-                <a:srgbClr val="2C2C38"/>
-              </a:buClr>
-              <a:buSzPts val="2100"/>
-              <a:buFont typeface="Arial"/>
-              <a:buNone/>
-            </a:pPr>
-            <a:r>
-              <a:rPr lang="en-GB" sz="1800" b="1">
-                <a:solidFill>
-                  <a:schemeClr val="lt1"/>
-                </a:solidFill>
-                <a:latin typeface="Helvetica Neue Light"/>
-                <a:ea typeface="Helvetica Neue Light"/>
-                <a:cs typeface="Helvetica Neue Light"/>
-                <a:sym typeface="Helvetica Neue Light"/>
-              </a:rPr>
-              <a:t>Marco Balduini</a:t>
-            </a:r>
-            <a:endParaRPr/>
-          </a:p>
-          <a:p>
-            <a:pPr marL="177800" lvl="0" indent="-177800" algn="l" rtl="0">
-              <a:spcBef>
-                <a:spcPts val="0"/>
-              </a:spcBef>
-              <a:spcAft>
-                <a:spcPts val="0"/>
-              </a:spcAft>
-              <a:buClr>
-                <a:srgbClr val="2C2C38"/>
-              </a:buClr>
-              <a:buSzPts val="2100"/>
-              <a:buFont typeface="Arial"/>
-              <a:buNone/>
-            </a:pPr>
-            <a:r>
-              <a:rPr lang="en-GB" sz="1800">
-                <a:solidFill>
-                  <a:schemeClr val="lt1"/>
-                </a:solidFill>
-                <a:latin typeface="Helvetica Neue Light"/>
-                <a:ea typeface="Helvetica Neue Light"/>
-                <a:cs typeface="Helvetica Neue Light"/>
-                <a:sym typeface="Helvetica Neue Light"/>
-              </a:rPr>
-              <a:t>Founder &amp; CEO @ Quantia Consulting</a:t>
-            </a:r>
-            <a:endParaRPr sz="1800">
+            <a:endParaRPr b="0" i="0" sz="1400" u="none" cap="none" strike="noStrike">
               <a:solidFill>
-                <a:schemeClr val="lt1"/>
+                <a:srgbClr val="000000"/>
               </a:solidFill>
-              <a:latin typeface="Helvetica Neue Light"/>
-              <a:ea typeface="Helvetica Neue Light"/>
-              <a:cs typeface="Helvetica Neue Light"/>
-              <a:sym typeface="Helvetica Neue Light"/>
+              <a:latin typeface="Arial"/>
+              <a:ea typeface="Arial"/>
+              <a:cs typeface="Arial"/>
+              <a:sym typeface="Arial"/>
             </a:endParaRPr>
           </a:p>
           <a:p>
-            <a:pPr marL="177800" lvl="0" indent="-177800" algn="l" rtl="0">
+            <a:pPr indent="-100012" lvl="0" marL="100012" marR="0" rtl="0" algn="l">
+              <a:lnSpc>
+                <a:spcPct val="100000"/>
+              </a:lnSpc>
               <a:spcBef>
                 <a:spcPts val="0"/>
               </a:spcBef>
@@ -6311,67 +6847,9 @@
               <a:buNone/>
             </a:pPr>
             <a:r>
-              <a:rPr lang="en-GB" sz="1800" b="1">
-                <a:solidFill>
-                  <a:schemeClr val="lt1"/>
-                </a:solidFill>
-                <a:latin typeface="Helvetica Neue Light"/>
-                <a:ea typeface="Helvetica Neue Light"/>
-                <a:cs typeface="Helvetica Neue Light"/>
-                <a:sym typeface="Helvetica Neue Light"/>
-              </a:rPr>
-              <a:t>Riccardo Tommasini</a:t>
+              <a:t/>
             </a:r>
-            <a:endParaRPr/>
-          </a:p>
-          <a:p>
-            <a:pPr marL="100012" lvl="0" indent="-100012" algn="l" rtl="0">
-              <a:spcBef>
-                <a:spcPts val="0"/>
-              </a:spcBef>
-              <a:spcAft>
-                <a:spcPts val="0"/>
-              </a:spcAft>
-              <a:buClr>
-                <a:srgbClr val="2C2C38"/>
-              </a:buClr>
-              <a:buSzPts val="2100"/>
-              <a:buFont typeface="Arial"/>
-              <a:buNone/>
-            </a:pPr>
-            <a:r>
-              <a:rPr lang="en-GB" sz="1800">
-                <a:solidFill>
-                  <a:schemeClr val="lt1"/>
-                </a:solidFill>
-                <a:latin typeface="Helvetica Neue Light"/>
-                <a:ea typeface="Helvetica Neue Light"/>
-                <a:cs typeface="Helvetica Neue Light"/>
-                <a:sym typeface="Helvetica Neue Light"/>
-              </a:rPr>
-              <a:t>Prof. @ University of Tartu</a:t>
-            </a:r>
-            <a:endParaRPr/>
-          </a:p>
-          <a:p>
-            <a:pPr marL="100012" marR="0" lvl="0" indent="-100012" algn="l" rtl="0">
-              <a:lnSpc>
-                <a:spcPct val="100000"/>
-              </a:lnSpc>
-              <a:spcBef>
-                <a:spcPts val="0"/>
-              </a:spcBef>
-              <a:spcAft>
-                <a:spcPts val="0"/>
-              </a:spcAft>
-              <a:buClr>
-                <a:srgbClr val="2C2C38"/>
-              </a:buClr>
-              <a:buSzPts val="2100"/>
-              <a:buFont typeface="Arial"/>
-              <a:buNone/>
-            </a:pPr>
-            <a:endParaRPr sz="1800" b="1">
+            <a:endParaRPr b="1" i="0" sz="1800" u="none" cap="none" strike="noStrike">
               <a:solidFill>
                 <a:schemeClr val="lt1"/>
               </a:solidFill>
@@ -6388,13 +6866,13 @@
   <p:clrMapOvr>
     <a:masterClrMapping/>
   </p:clrMapOvr>
-  <mc:AlternateContent xmlns:mc="http://schemas.openxmlformats.org/markup-compatibility/2006" xmlns:p14="http://schemas.microsoft.com/office/powerpoint/2010/main">
+  <mc:AlternateContent>
     <mc:Choice Requires="p14">
-      <p:transition spd="med" p14:dur="700">
+      <p:transition spd="slow" p14:dur="700">
         <p:fade/>
       </p:transition>
     </mc:Choice>
-    <mc:Fallback xmlns:ahyp="http://schemas.microsoft.com/office/drawing/2018/hyperlinkcolor" xmlns:p15="http://schemas.microsoft.com/office/powerpoint/2012/main" xmlns:com="http://schemas.openxmlformats.org/drawingml/2006/compatibility" xmlns:pvml="urn:schemas-microsoft-com:office:powerpoint" xmlns:v="urn:schemas-microsoft-com:vml" xmlns:o="urn:schemas-microsoft-com:office:office" xmlns:dgm="http://schemas.openxmlformats.org/drawingml/2006/diagram" xmlns:c="http://schemas.openxmlformats.org/drawingml/2006/chart" xmlns:mv="urn:schemas-microsoft-com:mac:vml" xmlns="">
+    <mc:Fallback>
       <p:transition spd="slow">
         <p:fade/>
       </p:transition>
@@ -6404,11 +6882,11 @@
 </file>
 
 <file path=ppt/slides/slide2.xml><?xml version="1.0" encoding="utf-8"?>
-<p:sld xmlns:a="http://schemas.openxmlformats.org/drawingml/2006/main" xmlns:r="http://schemas.openxmlformats.org/officeDocument/2006/relationships" xmlns:p="http://schemas.openxmlformats.org/presentationml/2006/main">
+<p:sld xmlns:a="http://schemas.openxmlformats.org/drawingml/2006/main" xmlns:r="http://schemas.openxmlformats.org/officeDocument/2006/relationships" xmlns:mc="http://schemas.openxmlformats.org/markup-compatibility/2006" xmlns:mv="urn:schemas-microsoft-com:mac:vml" xmlns:p="http://schemas.openxmlformats.org/presentationml/2006/main" xmlns:c="http://schemas.openxmlformats.org/drawingml/2006/chart" xmlns:dgm="http://schemas.openxmlformats.org/drawingml/2006/diagram" xmlns:o="urn:schemas-microsoft-com:office:office" xmlns:v="urn:schemas-microsoft-com:vml" xmlns:pvml="urn:schemas-microsoft-com:office:powerpoint" xmlns:com="http://schemas.openxmlformats.org/drawingml/2006/compatibility" xmlns:p14="http://schemas.microsoft.com/office/powerpoint/2010/main" xmlns:p15="http://schemas.microsoft.com/office/powerpoint/2012/main" xmlns:ahyp="http://schemas.microsoft.com/office/drawing/2018/hyperlinkcolor">
   <p:cSld>
     <p:spTree>
       <p:nvGrpSpPr>
-        <p:cNvPr id="1" name="Shape 57"/>
+        <p:cNvPr id="57" name="Shape 57"/>
         <p:cNvGrpSpPr/>
         <p:nvPr/>
       </p:nvGrpSpPr>
@@ -6423,11 +6901,9 @@
       <p:sp>
         <p:nvSpPr>
           <p:cNvPr id="58" name="Google Shape;58;p2"/>
-          <p:cNvSpPr txBox="1">
-            <a:spLocks noGrp="1"/>
-          </p:cNvSpPr>
+          <p:cNvSpPr txBox="1"/>
           <p:nvPr>
-            <p:ph type="subTitle" idx="1"/>
+            <p:ph idx="1" type="subTitle"/>
           </p:nvPr>
         </p:nvSpPr>
         <p:spPr>
@@ -6444,12 +6920,12 @@
           </a:ln>
         </p:spPr>
         <p:txBody>
-          <a:bodyPr spcFirstLastPara="1" wrap="square" lIns="0" tIns="0" rIns="0" bIns="0" anchor="t" anchorCtr="0">
+          <a:bodyPr anchorCtr="0" anchor="t" bIns="0" lIns="0" spcFirstLastPara="1" rIns="0" wrap="square" tIns="0">
             <a:noAutofit/>
           </a:bodyPr>
           <a:lstStyle/>
           <a:p>
-            <a:pPr marL="228594" lvl="0" indent="-228594" algn="l" rtl="0">
+            <a:pPr indent="-228594" lvl="0" marL="228594" rtl="0" algn="l">
               <a:lnSpc>
                 <a:spcPct val="100000"/>
               </a:lnSpc>
@@ -6470,13 +6946,13 @@
               <a:t>Associate Professor | </a:t>
             </a:r>
             <a:r>
-              <a:rPr lang="en-GB" b="1"/>
+              <a:rPr b="1" lang="en-GB"/>
               <a:t>Politecnico di Milano</a:t>
             </a:r>
             <a:endParaRPr/>
           </a:p>
           <a:p>
-            <a:pPr marL="228594" lvl="0" indent="-228594" algn="l" rtl="0">
+            <a:pPr indent="-228594" lvl="0" marL="228594" rtl="0" algn="l">
               <a:lnSpc>
                 <a:spcPct val="100000"/>
               </a:lnSpc>
@@ -6497,13 +6973,13 @@
               <a:t>Founder &amp; Partner | </a:t>
             </a:r>
             <a:r>
-              <a:rPr lang="en-GB" b="1"/>
+              <a:rPr b="1" lang="en-GB"/>
               <a:t>Quantia Consulting</a:t>
             </a:r>
             <a:endParaRPr/>
           </a:p>
           <a:p>
-            <a:pPr marL="228594" lvl="0" indent="-228594" algn="l" rtl="0">
+            <a:pPr indent="-228594" lvl="0" marL="228594" rtl="0" algn="l">
               <a:lnSpc>
                 <a:spcPct val="100000"/>
               </a:lnSpc>
@@ -6519,10 +6995,13 @@
               <a:buSzPts val="2400"/>
               <a:buNone/>
             </a:pPr>
+            <a:r>
+              <a:t/>
+            </a:r>
             <a:endParaRPr b="1"/>
           </a:p>
           <a:p>
-            <a:pPr marL="228594" lvl="0" indent="-228594" algn="l" rtl="0">
+            <a:pPr indent="-228594" lvl="0" marL="228594" rtl="0" algn="l">
               <a:lnSpc>
                 <a:spcPct val="100000"/>
               </a:lnSpc>
@@ -6538,6 +7017,9 @@
               <a:buSzPts val="2400"/>
               <a:buNone/>
             </a:pPr>
+            <a:r>
+              <a:t/>
+            </a:r>
             <a:endParaRPr/>
           </a:p>
         </p:txBody>
@@ -6545,9 +7027,7 @@
       <p:sp>
         <p:nvSpPr>
           <p:cNvPr id="59" name="Google Shape;59;p2"/>
-          <p:cNvSpPr txBox="1">
-            <a:spLocks noGrp="1"/>
-          </p:cNvSpPr>
+          <p:cNvSpPr txBox="1"/>
           <p:nvPr>
             <p:ph type="title"/>
           </p:nvPr>
@@ -6566,12 +7046,12 @@
           </a:ln>
         </p:spPr>
         <p:txBody>
-          <a:bodyPr spcFirstLastPara="1" wrap="square" lIns="0" tIns="0" rIns="0" bIns="0" anchor="b" anchorCtr="0">
+          <a:bodyPr anchorCtr="0" anchor="b" bIns="0" lIns="0" spcFirstLastPara="1" rIns="0" wrap="square" tIns="0">
             <a:noAutofit/>
           </a:bodyPr>
           <a:lstStyle/>
           <a:p>
-            <a:pPr marL="0" lvl="0" indent="0" algn="l" rtl="0">
+            <a:pPr indent="0" lvl="0" marL="0" rtl="0" algn="l">
               <a:lnSpc>
                 <a:spcPct val="90000"/>
               </a:lnSpc>
@@ -6599,11 +7079,9 @@
       <p:sp>
         <p:nvSpPr>
           <p:cNvPr id="60" name="Google Shape;60;p2"/>
-          <p:cNvSpPr txBox="1">
-            <a:spLocks noGrp="1"/>
-          </p:cNvSpPr>
+          <p:cNvSpPr txBox="1"/>
           <p:nvPr>
-            <p:ph type="body" idx="4294967295"/>
+            <p:ph idx="4294967295" type="body"/>
           </p:nvPr>
         </p:nvSpPr>
         <p:spPr>
@@ -6620,12 +7098,12 @@
           </a:ln>
         </p:spPr>
         <p:txBody>
-          <a:bodyPr spcFirstLastPara="1" wrap="square" lIns="91425" tIns="45700" rIns="91425" bIns="45700" anchor="t" anchorCtr="0">
+          <a:bodyPr anchorCtr="0" anchor="t" bIns="45700" lIns="91425" spcFirstLastPara="1" rIns="91425" wrap="square" tIns="45700">
             <a:normAutofit/>
           </a:bodyPr>
           <a:lstStyle/>
           <a:p>
-            <a:pPr marL="0" lvl="0" indent="0" algn="l" rtl="0">
+            <a:pPr indent="0" lvl="0" marL="0" rtl="0" algn="l">
               <a:lnSpc>
                 <a:spcPct val="90000"/>
               </a:lnSpc>
@@ -6656,7 +7134,7 @@
             </a:endParaRPr>
           </a:p>
           <a:p>
-            <a:pPr marL="0" lvl="0" indent="0" algn="l" rtl="0">
+            <a:pPr indent="0" lvl="0" marL="0" rtl="0" algn="l">
               <a:lnSpc>
                 <a:spcPct val="90000"/>
               </a:lnSpc>
@@ -6683,7 +7161,7 @@
             <a:endParaRPr/>
           </a:p>
           <a:p>
-            <a:pPr marL="0" lvl="0" indent="0" algn="l" rtl="0">
+            <a:pPr indent="0" lvl="0" marL="0" rtl="0" algn="l">
               <a:lnSpc>
                 <a:spcPct val="90000"/>
               </a:lnSpc>
@@ -6714,7 +7192,7 @@
             </a:endParaRPr>
           </a:p>
           <a:p>
-            <a:pPr marL="0" lvl="0" indent="0" algn="l" rtl="0">
+            <a:pPr indent="0" lvl="0" marL="0" rtl="0" algn="l">
               <a:lnSpc>
                 <a:spcPct val="90000"/>
               </a:lnSpc>
@@ -6745,11 +7223,9 @@
       <p:sp>
         <p:nvSpPr>
           <p:cNvPr id="61" name="Google Shape;61;p2"/>
-          <p:cNvSpPr txBox="1">
-            <a:spLocks noGrp="1"/>
-          </p:cNvSpPr>
+          <p:cNvSpPr txBox="1"/>
           <p:nvPr>
-            <p:ph type="body" idx="4294967295"/>
+            <p:ph idx="4294967295" type="body"/>
           </p:nvPr>
         </p:nvSpPr>
         <p:spPr>
@@ -6766,12 +7242,12 @@
           </a:ln>
         </p:spPr>
         <p:txBody>
-          <a:bodyPr spcFirstLastPara="1" wrap="square" lIns="91425" tIns="45700" rIns="91425" bIns="45700" anchor="t" anchorCtr="0">
+          <a:bodyPr anchorCtr="0" anchor="t" bIns="45700" lIns="91425" spcFirstLastPara="1" rIns="91425" wrap="square" tIns="45700">
             <a:normAutofit fontScale="92500" lnSpcReduction="20000"/>
           </a:bodyPr>
           <a:lstStyle/>
           <a:p>
-            <a:pPr marL="0" lvl="0" indent="0" algn="l" rtl="0">
+            <a:pPr indent="0" lvl="0" marL="0" rtl="0" algn="l">
               <a:lnSpc>
                 <a:spcPct val="100000"/>
               </a:lnSpc>
@@ -6798,11 +7274,9 @@
       <p:sp>
         <p:nvSpPr>
           <p:cNvPr id="62" name="Google Shape;62;p2"/>
-          <p:cNvSpPr txBox="1">
-            <a:spLocks noGrp="1"/>
-          </p:cNvSpPr>
+          <p:cNvSpPr txBox="1"/>
           <p:nvPr>
-            <p:ph type="body" idx="4294967295"/>
+            <p:ph idx="4294967295" type="body"/>
           </p:nvPr>
         </p:nvSpPr>
         <p:spPr>
@@ -6819,12 +7293,12 @@
           </a:ln>
         </p:spPr>
         <p:txBody>
-          <a:bodyPr spcFirstLastPara="1" wrap="square" lIns="91425" tIns="45700" rIns="91425" bIns="45700" anchor="t" anchorCtr="0">
+          <a:bodyPr anchorCtr="0" anchor="t" bIns="45700" lIns="91425" spcFirstLastPara="1" rIns="91425" wrap="square" tIns="45700">
             <a:normAutofit fontScale="85000" lnSpcReduction="20000"/>
           </a:bodyPr>
           <a:lstStyle/>
           <a:p>
-            <a:pPr marL="0" lvl="0" indent="0" algn="l" rtl="0">
+            <a:pPr indent="0" lvl="0" marL="0" rtl="0" algn="l">
               <a:lnSpc>
                 <a:spcPct val="110000"/>
               </a:lnSpc>
@@ -6855,7 +7329,7 @@
             <a:endParaRPr/>
           </a:p>
           <a:p>
-            <a:pPr marL="0" lvl="0" indent="0" algn="l" rtl="0">
+            <a:pPr indent="0" lvl="0" marL="0" rtl="0" algn="l">
               <a:lnSpc>
                 <a:spcPct val="110000"/>
               </a:lnSpc>
@@ -6886,7 +7360,7 @@
             <a:endParaRPr/>
           </a:p>
           <a:p>
-            <a:pPr marL="0" lvl="0" indent="0" algn="l" rtl="0">
+            <a:pPr indent="0" lvl="0" marL="0" rtl="0" algn="l">
               <a:lnSpc>
                 <a:spcPct val="110000"/>
               </a:lnSpc>
@@ -6928,19 +7402,17 @@
       </p:sp>
       <p:pic>
         <p:nvPicPr>
-          <p:cNvPr id="63" name="Google Shape;63;p2" descr="Emanuele Della Valle's photo"/>
-          <p:cNvPicPr preferRelativeResize="0">
-            <a:picLocks noGrp="1"/>
-          </p:cNvPicPr>
+          <p:cNvPr descr="Emanuele Della Valle's photo" id="63" name="Google Shape;63;p2"/>
+          <p:cNvPicPr preferRelativeResize="0"/>
           <p:nvPr>
-            <p:ph type="pic" idx="2"/>
+            <p:ph idx="2" type="pic"/>
           </p:nvPr>
         </p:nvPicPr>
         <p:blipFill rotWithShape="1">
           <a:blip r:embed="rId3">
             <a:alphaModFix/>
           </a:blip>
-          <a:srcRect l="4365" t="-319" r="18706" b="319"/>
+          <a:srcRect b="319" l="4365" r="18705" t="-319"/>
           <a:stretch/>
         </p:blipFill>
         <p:spPr>
@@ -6972,14 +7444,14 @@
             <a:avLst/>
           </a:prstGeom>
           <a:noFill/>
-          <a:ln w="9525" cap="flat" cmpd="sng">
+          <a:ln cap="flat" cmpd="sng" w="9525">
             <a:solidFill>
               <a:schemeClr val="accent6"/>
             </a:solidFill>
             <a:prstDash val="solid"/>
             <a:miter lim="800000"/>
-            <a:headEnd type="none" w="sm" len="sm"/>
-            <a:tailEnd type="none" w="sm" len="sm"/>
+            <a:headEnd len="sm" w="sm" type="none"/>
+            <a:tailEnd len="sm" w="sm" type="none"/>
           </a:ln>
         </p:spPr>
       </p:cxnSp>
@@ -6988,13 +7460,13 @@
   <p:clrMapOvr>
     <a:masterClrMapping/>
   </p:clrMapOvr>
-  <mc:AlternateContent xmlns:mc="http://schemas.openxmlformats.org/markup-compatibility/2006" xmlns:p14="http://schemas.microsoft.com/office/powerpoint/2010/main">
+  <mc:AlternateContent>
     <mc:Choice Requires="p14">
-      <p:transition spd="med" p14:dur="700">
+      <p:transition spd="slow" p14:dur="700">
         <p:fade/>
       </p:transition>
     </mc:Choice>
-    <mc:Fallback xmlns:ahyp="http://schemas.microsoft.com/office/drawing/2018/hyperlinkcolor" xmlns:p15="http://schemas.microsoft.com/office/powerpoint/2012/main" xmlns:com="http://schemas.openxmlformats.org/drawingml/2006/compatibility" xmlns:pvml="urn:schemas-microsoft-com:office:powerpoint" xmlns:v="urn:schemas-microsoft-com:vml" xmlns:o="urn:schemas-microsoft-com:office:office" xmlns:dgm="http://schemas.openxmlformats.org/drawingml/2006/diagram" xmlns:c="http://schemas.openxmlformats.org/drawingml/2006/chart" xmlns:mv="urn:schemas-microsoft-com:mac:vml" xmlns="">
+    <mc:Fallback>
       <p:transition spd="slow">
         <p:fade/>
       </p:transition>
@@ -7004,11 +7476,11 @@
 </file>
 
 <file path=ppt/slides/slide3.xml><?xml version="1.0" encoding="utf-8"?>
-<p:sld xmlns:a="http://schemas.openxmlformats.org/drawingml/2006/main" xmlns:r="http://schemas.openxmlformats.org/officeDocument/2006/relationships" xmlns:p="http://schemas.openxmlformats.org/presentationml/2006/main">
+<p:sld xmlns:a="http://schemas.openxmlformats.org/drawingml/2006/main" xmlns:r="http://schemas.openxmlformats.org/officeDocument/2006/relationships" xmlns:mc="http://schemas.openxmlformats.org/markup-compatibility/2006" xmlns:mv="urn:schemas-microsoft-com:mac:vml" xmlns:p="http://schemas.openxmlformats.org/presentationml/2006/main" xmlns:c="http://schemas.openxmlformats.org/drawingml/2006/chart" xmlns:dgm="http://schemas.openxmlformats.org/drawingml/2006/diagram" xmlns:o="urn:schemas-microsoft-com:office:office" xmlns:v="urn:schemas-microsoft-com:vml" xmlns:pvml="urn:schemas-microsoft-com:office:powerpoint" xmlns:com="http://schemas.openxmlformats.org/drawingml/2006/compatibility" xmlns:p14="http://schemas.microsoft.com/office/powerpoint/2010/main" xmlns:p15="http://schemas.microsoft.com/office/powerpoint/2012/main" xmlns:ahyp="http://schemas.microsoft.com/office/drawing/2018/hyperlinkcolor">
   <p:cSld>
     <p:spTree>
       <p:nvGrpSpPr>
-        <p:cNvPr id="1" name="Shape 68"/>
+        <p:cNvPr id="68" name="Shape 68"/>
         <p:cNvGrpSpPr/>
         <p:nvPr/>
       </p:nvGrpSpPr>
@@ -7023,11 +7495,9 @@
       <p:sp>
         <p:nvSpPr>
           <p:cNvPr id="69" name="Google Shape;69;p3"/>
-          <p:cNvSpPr txBox="1">
-            <a:spLocks noGrp="1"/>
-          </p:cNvSpPr>
+          <p:cNvSpPr txBox="1"/>
           <p:nvPr>
-            <p:ph type="subTitle" idx="1"/>
+            <p:ph idx="1" type="subTitle"/>
           </p:nvPr>
         </p:nvSpPr>
         <p:spPr>
@@ -7044,12 +7514,12 @@
           </a:ln>
         </p:spPr>
         <p:txBody>
-          <a:bodyPr spcFirstLastPara="1" wrap="square" lIns="0" tIns="0" rIns="0" bIns="0" anchor="t" anchorCtr="0">
+          <a:bodyPr anchorCtr="0" anchor="t" bIns="0" lIns="0" spcFirstLastPara="1" rIns="0" wrap="square" tIns="0">
             <a:noAutofit/>
           </a:bodyPr>
           <a:lstStyle/>
           <a:p>
-            <a:pPr marL="228594" lvl="0" indent="-228594" algn="l" rtl="0">
+            <a:pPr indent="-228594" lvl="0" marL="228594" rtl="0" algn="l">
               <a:lnSpc>
                 <a:spcPct val="100000"/>
               </a:lnSpc>
@@ -7070,13 +7540,13 @@
               <a:t>Founder &amp; CEO | </a:t>
             </a:r>
             <a:r>
-              <a:rPr lang="en-GB" b="1"/>
+              <a:rPr b="1" lang="en-GB"/>
               <a:t>Quantia Consulting</a:t>
             </a:r>
             <a:endParaRPr/>
           </a:p>
           <a:p>
-            <a:pPr marL="228594" lvl="0" indent="-228594" algn="l" rtl="0">
+            <a:pPr indent="-228594" lvl="0" marL="228594" rtl="0" algn="l">
               <a:lnSpc>
                 <a:spcPct val="100000"/>
               </a:lnSpc>
@@ -7092,6 +7562,9 @@
               <a:buSzPts val="2400"/>
               <a:buNone/>
             </a:pPr>
+            <a:r>
+              <a:t/>
+            </a:r>
             <a:endParaRPr/>
           </a:p>
         </p:txBody>
@@ -7099,9 +7572,7 @@
       <p:sp>
         <p:nvSpPr>
           <p:cNvPr id="70" name="Google Shape;70;p3"/>
-          <p:cNvSpPr txBox="1">
-            <a:spLocks noGrp="1"/>
-          </p:cNvSpPr>
+          <p:cNvSpPr txBox="1"/>
           <p:nvPr>
             <p:ph type="title"/>
           </p:nvPr>
@@ -7120,12 +7591,12 @@
           </a:ln>
         </p:spPr>
         <p:txBody>
-          <a:bodyPr spcFirstLastPara="1" wrap="square" lIns="0" tIns="0" rIns="0" bIns="0" anchor="b" anchorCtr="0">
+          <a:bodyPr anchorCtr="0" anchor="b" bIns="0" lIns="0" spcFirstLastPara="1" rIns="0" wrap="square" tIns="0">
             <a:noAutofit/>
           </a:bodyPr>
           <a:lstStyle/>
           <a:p>
-            <a:pPr marL="0" lvl="0" indent="0" algn="l" rtl="0">
+            <a:pPr indent="0" lvl="0" marL="0" rtl="0" algn="l">
               <a:lnSpc>
                 <a:spcPct val="90000"/>
               </a:lnSpc>
@@ -7153,11 +7624,9 @@
       <p:sp>
         <p:nvSpPr>
           <p:cNvPr id="71" name="Google Shape;71;p3"/>
-          <p:cNvSpPr txBox="1">
-            <a:spLocks noGrp="1"/>
-          </p:cNvSpPr>
+          <p:cNvSpPr txBox="1"/>
           <p:nvPr>
-            <p:ph type="body" idx="4294967295"/>
+            <p:ph idx="4294967295" type="body"/>
           </p:nvPr>
         </p:nvSpPr>
         <p:spPr>
@@ -7174,12 +7643,12 @@
           </a:ln>
         </p:spPr>
         <p:txBody>
-          <a:bodyPr spcFirstLastPara="1" wrap="square" lIns="91425" tIns="45700" rIns="91425" bIns="45700" anchor="t" anchorCtr="0">
+          <a:bodyPr anchorCtr="0" anchor="t" bIns="45700" lIns="91425" spcFirstLastPara="1" rIns="91425" wrap="square" tIns="45700">
             <a:normAutofit/>
           </a:bodyPr>
           <a:lstStyle/>
           <a:p>
-            <a:pPr marL="0" lvl="0" indent="0" algn="l" rtl="0">
+            <a:pPr indent="0" lvl="0" marL="0" rtl="0" algn="l">
               <a:lnSpc>
                 <a:spcPct val="90000"/>
               </a:lnSpc>
@@ -7210,7 +7679,7 @@
             </a:endParaRPr>
           </a:p>
           <a:p>
-            <a:pPr marL="0" lvl="0" indent="0" algn="l" rtl="0">
+            <a:pPr indent="0" lvl="0" marL="0" rtl="0" algn="l">
               <a:lnSpc>
                 <a:spcPct val="90000"/>
               </a:lnSpc>
@@ -7237,7 +7706,7 @@
             <a:endParaRPr/>
           </a:p>
           <a:p>
-            <a:pPr marL="0" lvl="0" indent="0" algn="l" rtl="0">
+            <a:pPr indent="0" lvl="0" marL="0" rtl="0" algn="l">
               <a:lnSpc>
                 <a:spcPct val="90000"/>
               </a:lnSpc>
@@ -7264,7 +7733,7 @@
             <a:endParaRPr/>
           </a:p>
           <a:p>
-            <a:pPr marL="0" lvl="0" indent="0" algn="l" rtl="0">
+            <a:pPr indent="0" lvl="0" marL="0" rtl="0" algn="l">
               <a:lnSpc>
                 <a:spcPct val="90000"/>
               </a:lnSpc>
@@ -7295,11 +7764,9 @@
       <p:sp>
         <p:nvSpPr>
           <p:cNvPr id="72" name="Google Shape;72;p3"/>
-          <p:cNvSpPr txBox="1">
-            <a:spLocks noGrp="1"/>
-          </p:cNvSpPr>
+          <p:cNvSpPr txBox="1"/>
           <p:nvPr>
-            <p:ph type="body" idx="4294967295"/>
+            <p:ph idx="4294967295" type="body"/>
           </p:nvPr>
         </p:nvSpPr>
         <p:spPr>
@@ -7316,12 +7783,12 @@
           </a:ln>
         </p:spPr>
         <p:txBody>
-          <a:bodyPr spcFirstLastPara="1" wrap="square" lIns="91425" tIns="45700" rIns="91425" bIns="45700" anchor="t" anchorCtr="0">
+          <a:bodyPr anchorCtr="0" anchor="t" bIns="45700" lIns="91425" spcFirstLastPara="1" rIns="91425" wrap="square" tIns="45700">
             <a:normAutofit fontScale="92500" lnSpcReduction="20000"/>
           </a:bodyPr>
           <a:lstStyle/>
           <a:p>
-            <a:pPr marL="0" lvl="0" indent="0" algn="l" rtl="0">
+            <a:pPr indent="0" lvl="0" marL="0" rtl="0" algn="l">
               <a:lnSpc>
                 <a:spcPct val="100000"/>
               </a:lnSpc>
@@ -7348,11 +7815,9 @@
       <p:sp>
         <p:nvSpPr>
           <p:cNvPr id="73" name="Google Shape;73;p3"/>
-          <p:cNvSpPr txBox="1">
-            <a:spLocks noGrp="1"/>
-          </p:cNvSpPr>
+          <p:cNvSpPr txBox="1"/>
           <p:nvPr>
-            <p:ph type="body" idx="4294967295"/>
+            <p:ph idx="4294967295" type="body"/>
           </p:nvPr>
         </p:nvSpPr>
         <p:spPr>
@@ -7369,12 +7834,12 @@
           </a:ln>
         </p:spPr>
         <p:txBody>
-          <a:bodyPr spcFirstLastPara="1" wrap="square" lIns="91425" tIns="45700" rIns="91425" bIns="45700" anchor="t" anchorCtr="0">
+          <a:bodyPr anchorCtr="0" anchor="t" bIns="45700" lIns="91425" spcFirstLastPara="1" rIns="91425" wrap="square" tIns="45700">
             <a:normAutofit fontScale="85000" lnSpcReduction="10000"/>
           </a:bodyPr>
           <a:lstStyle/>
           <a:p>
-            <a:pPr marL="0" lvl="0" indent="0" algn="l" rtl="0">
+            <a:pPr indent="0" lvl="0" marL="0" rtl="0" algn="l">
               <a:lnSpc>
                 <a:spcPct val="110000"/>
               </a:lnSpc>
@@ -7405,7 +7870,7 @@
             <a:endParaRPr/>
           </a:p>
           <a:p>
-            <a:pPr marL="0" lvl="0" indent="0" algn="l" rtl="0">
+            <a:pPr indent="0" lvl="0" marL="0" rtl="0" algn="l">
               <a:lnSpc>
                 <a:spcPct val="110000"/>
               </a:lnSpc>
@@ -7436,7 +7901,7 @@
             <a:endParaRPr/>
           </a:p>
           <a:p>
-            <a:pPr marL="0" lvl="0" indent="0" algn="l" rtl="0">
+            <a:pPr indent="0" lvl="0" marL="0" rtl="0" algn="l">
               <a:lnSpc>
                 <a:spcPct val="110000"/>
               </a:lnSpc>
@@ -7467,7 +7932,7 @@
             <a:endParaRPr/>
           </a:p>
           <a:p>
-            <a:pPr marL="0" lvl="0" indent="0" algn="l" rtl="0">
+            <a:pPr indent="0" lvl="0" marL="0" rtl="0" algn="l">
               <a:lnSpc>
                 <a:spcPct val="110000"/>
               </a:lnSpc>
@@ -7483,6 +7948,9 @@
               <a:buSzPct val="100000"/>
               <a:buNone/>
             </a:pPr>
+            <a:r>
+              <a:t/>
+            </a:r>
             <a:endParaRPr sz="1400">
               <a:solidFill>
                 <a:schemeClr val="dk1"/>
@@ -7498,18 +7966,16 @@
       <p:pic>
         <p:nvPicPr>
           <p:cNvPr id="74" name="Google Shape;74;p3"/>
-          <p:cNvPicPr preferRelativeResize="0">
-            <a:picLocks noGrp="1"/>
-          </p:cNvPicPr>
+          <p:cNvPicPr preferRelativeResize="0"/>
           <p:nvPr>
-            <p:ph type="pic" idx="2"/>
+            <p:ph idx="2" type="pic"/>
           </p:nvPr>
         </p:nvPicPr>
         <p:blipFill rotWithShape="1">
           <a:blip r:embed="rId3">
             <a:alphaModFix/>
           </a:blip>
-          <a:srcRect l="11536" r="11536"/>
+          <a:srcRect b="0" l="11536" r="11536" t="0"/>
           <a:stretch/>
         </p:blipFill>
         <p:spPr>
@@ -7541,14 +8007,14 @@
             <a:avLst/>
           </a:prstGeom>
           <a:noFill/>
-          <a:ln w="9525" cap="flat" cmpd="sng">
+          <a:ln cap="flat" cmpd="sng" w="9525">
             <a:solidFill>
               <a:schemeClr val="accent6"/>
             </a:solidFill>
             <a:prstDash val="solid"/>
             <a:miter lim="800000"/>
-            <a:headEnd type="none" w="sm" len="sm"/>
-            <a:tailEnd type="none" w="sm" len="sm"/>
+            <a:headEnd len="sm" w="sm" type="none"/>
+            <a:tailEnd len="sm" w="sm" type="none"/>
           </a:ln>
         </p:spPr>
       </p:cxnSp>
@@ -7557,13 +8023,13 @@
   <p:clrMapOvr>
     <a:masterClrMapping/>
   </p:clrMapOvr>
-  <mc:AlternateContent xmlns:mc="http://schemas.openxmlformats.org/markup-compatibility/2006" xmlns:p14="http://schemas.microsoft.com/office/powerpoint/2010/main">
+  <mc:AlternateContent>
     <mc:Choice Requires="p14">
-      <p:transition spd="med" p14:dur="700">
+      <p:transition spd="slow" p14:dur="700">
         <p:fade/>
       </p:transition>
     </mc:Choice>
-    <mc:Fallback xmlns:ahyp="http://schemas.microsoft.com/office/drawing/2018/hyperlinkcolor" xmlns:p15="http://schemas.microsoft.com/office/powerpoint/2012/main" xmlns:com="http://schemas.openxmlformats.org/drawingml/2006/compatibility" xmlns:pvml="urn:schemas-microsoft-com:office:powerpoint" xmlns:v="urn:schemas-microsoft-com:vml" xmlns:o="urn:schemas-microsoft-com:office:office" xmlns:dgm="http://schemas.openxmlformats.org/drawingml/2006/diagram" xmlns:c="http://schemas.openxmlformats.org/drawingml/2006/chart" xmlns:mv="urn:schemas-microsoft-com:mac:vml" xmlns="">
+    <mc:Fallback>
       <p:transition spd="slow">
         <p:fade/>
       </p:transition>
@@ -7573,11 +8039,11 @@
 </file>
 
 <file path=ppt/slides/slide4.xml><?xml version="1.0" encoding="utf-8"?>
-<p:sld xmlns:a="http://schemas.openxmlformats.org/drawingml/2006/main" xmlns:r="http://schemas.openxmlformats.org/officeDocument/2006/relationships" xmlns:p="http://schemas.openxmlformats.org/presentationml/2006/main">
+<p:sld xmlns:a="http://schemas.openxmlformats.org/drawingml/2006/main" xmlns:r="http://schemas.openxmlformats.org/officeDocument/2006/relationships" xmlns:mc="http://schemas.openxmlformats.org/markup-compatibility/2006" xmlns:mv="urn:schemas-microsoft-com:mac:vml" xmlns:p="http://schemas.openxmlformats.org/presentationml/2006/main" xmlns:c="http://schemas.openxmlformats.org/drawingml/2006/chart" xmlns:dgm="http://schemas.openxmlformats.org/drawingml/2006/diagram" xmlns:o="urn:schemas-microsoft-com:office:office" xmlns:v="urn:schemas-microsoft-com:vml" xmlns:pvml="urn:schemas-microsoft-com:office:powerpoint" xmlns:com="http://schemas.openxmlformats.org/drawingml/2006/compatibility" xmlns:p14="http://schemas.microsoft.com/office/powerpoint/2010/main" xmlns:p15="http://schemas.microsoft.com/office/powerpoint/2012/main" xmlns:ahyp="http://schemas.microsoft.com/office/drawing/2018/hyperlinkcolor">
   <p:cSld>
     <p:spTree>
       <p:nvGrpSpPr>
-        <p:cNvPr id="1" name="Shape 79"/>
+        <p:cNvPr id="79" name="Shape 79"/>
         <p:cNvGrpSpPr/>
         <p:nvPr/>
       </p:nvGrpSpPr>
@@ -7592,11 +8058,9 @@
       <p:sp>
         <p:nvSpPr>
           <p:cNvPr id="80" name="Google Shape;80;p4"/>
-          <p:cNvSpPr txBox="1">
-            <a:spLocks noGrp="1"/>
-          </p:cNvSpPr>
+          <p:cNvSpPr txBox="1"/>
           <p:nvPr>
-            <p:ph type="subTitle" idx="1"/>
+            <p:ph idx="1" type="subTitle"/>
           </p:nvPr>
         </p:nvSpPr>
         <p:spPr>
@@ -7613,12 +8077,12 @@
           </a:ln>
         </p:spPr>
         <p:txBody>
-          <a:bodyPr spcFirstLastPara="1" wrap="square" lIns="0" tIns="0" rIns="0" bIns="0" anchor="t" anchorCtr="0">
+          <a:bodyPr anchorCtr="0" anchor="t" bIns="0" lIns="0" spcFirstLastPara="1" rIns="0" wrap="square" tIns="0">
             <a:noAutofit/>
           </a:bodyPr>
           <a:lstStyle/>
           <a:p>
-            <a:pPr marL="228594" lvl="0" indent="-228594" algn="l" rtl="0">
+            <a:pPr indent="-228594" lvl="0" marL="228594" rtl="0" algn="l">
               <a:lnSpc>
                 <a:spcPct val="100000"/>
               </a:lnSpc>
@@ -7635,17 +8099,17 @@
               <a:buNone/>
             </a:pPr>
             <a:r>
-              <a:rPr lang="en-GB" dirty="0"/>
+              <a:rPr lang="en-GB"/>
               <a:t>Associate Professor | </a:t>
             </a:r>
             <a:r>
-              <a:rPr lang="en-GB" b="1" dirty="0"/>
+              <a:rPr b="1" lang="en-GB"/>
               <a:t>INSA Lyon (France)</a:t>
             </a:r>
-            <a:endParaRPr dirty="0"/>
+            <a:endParaRPr/>
           </a:p>
           <a:p>
-            <a:pPr marL="228594" lvl="0" indent="-228594" algn="l" rtl="0">
+            <a:pPr indent="-228594" lvl="0" marL="228594" rtl="0" algn="l">
               <a:lnSpc>
                 <a:spcPct val="100000"/>
               </a:lnSpc>
@@ -7661,16 +8125,17 @@
               <a:buSzPts val="2400"/>
               <a:buNone/>
             </a:pPr>
-            <a:endParaRPr dirty="0"/>
+            <a:r>
+              <a:t/>
+            </a:r>
+            <a:endParaRPr/>
           </a:p>
         </p:txBody>
       </p:sp>
       <p:sp>
         <p:nvSpPr>
           <p:cNvPr id="81" name="Google Shape;81;p4"/>
-          <p:cNvSpPr txBox="1">
-            <a:spLocks noGrp="1"/>
-          </p:cNvSpPr>
+          <p:cNvSpPr txBox="1"/>
           <p:nvPr>
             <p:ph type="title"/>
           </p:nvPr>
@@ -7689,12 +8154,12 @@
           </a:ln>
         </p:spPr>
         <p:txBody>
-          <a:bodyPr spcFirstLastPara="1" wrap="square" lIns="0" tIns="0" rIns="0" bIns="0" anchor="b" anchorCtr="0">
+          <a:bodyPr anchorCtr="0" anchor="b" bIns="0" lIns="0" spcFirstLastPara="1" rIns="0" wrap="square" tIns="0">
             <a:noAutofit/>
           </a:bodyPr>
           <a:lstStyle/>
           <a:p>
-            <a:pPr marL="0" lvl="0" indent="0" algn="l" rtl="0">
+            <a:pPr indent="0" lvl="0" marL="0" rtl="0" algn="l">
               <a:lnSpc>
                 <a:spcPct val="90000"/>
               </a:lnSpc>
@@ -7722,11 +8187,9 @@
       <p:sp>
         <p:nvSpPr>
           <p:cNvPr id="82" name="Google Shape;82;p4"/>
-          <p:cNvSpPr txBox="1">
-            <a:spLocks noGrp="1"/>
-          </p:cNvSpPr>
+          <p:cNvSpPr txBox="1"/>
           <p:nvPr>
-            <p:ph type="body" idx="4294967295"/>
+            <p:ph idx="4294967295" type="body"/>
           </p:nvPr>
         </p:nvSpPr>
         <p:spPr>
@@ -7743,12 +8206,12 @@
           </a:ln>
         </p:spPr>
         <p:txBody>
-          <a:bodyPr spcFirstLastPara="1" wrap="square" lIns="91425" tIns="45700" rIns="91425" bIns="45700" anchor="t" anchorCtr="0">
+          <a:bodyPr anchorCtr="0" anchor="t" bIns="45700" lIns="91425" spcFirstLastPara="1" rIns="91425" wrap="square" tIns="45700">
             <a:normAutofit/>
           </a:bodyPr>
           <a:lstStyle/>
           <a:p>
-            <a:pPr marL="0" lvl="0" indent="0" algn="l" rtl="0">
+            <a:pPr indent="0" lvl="0" marL="0" rtl="0" algn="l">
               <a:lnSpc>
                 <a:spcPct val="90000"/>
               </a:lnSpc>
@@ -7779,7 +8242,7 @@
             </a:endParaRPr>
           </a:p>
           <a:p>
-            <a:pPr marL="0" lvl="0" indent="0" algn="l" rtl="0">
+            <a:pPr indent="0" lvl="0" marL="0" rtl="0" algn="l">
               <a:lnSpc>
                 <a:spcPct val="90000"/>
               </a:lnSpc>
@@ -7810,7 +8273,7 @@
             </a:endParaRPr>
           </a:p>
           <a:p>
-            <a:pPr marL="0" lvl="0" indent="0" algn="l" rtl="0">
+            <a:pPr indent="0" lvl="0" marL="0" rtl="0" algn="l">
               <a:lnSpc>
                 <a:spcPct val="90000"/>
               </a:lnSpc>
@@ -7841,11 +8304,9 @@
       <p:sp>
         <p:nvSpPr>
           <p:cNvPr id="83" name="Google Shape;83;p4"/>
-          <p:cNvSpPr txBox="1">
-            <a:spLocks noGrp="1"/>
-          </p:cNvSpPr>
+          <p:cNvSpPr txBox="1"/>
           <p:nvPr>
-            <p:ph type="body" idx="4294967295"/>
+            <p:ph idx="4294967295" type="body"/>
           </p:nvPr>
         </p:nvSpPr>
         <p:spPr>
@@ -7862,12 +8323,12 @@
           </a:ln>
         </p:spPr>
         <p:txBody>
-          <a:bodyPr spcFirstLastPara="1" wrap="square" lIns="91425" tIns="45700" rIns="91425" bIns="45700" anchor="t" anchorCtr="0">
+          <a:bodyPr anchorCtr="0" anchor="t" bIns="45700" lIns="91425" spcFirstLastPara="1" rIns="91425" wrap="square" tIns="45700">
             <a:normAutofit fontScale="92500" lnSpcReduction="20000"/>
           </a:bodyPr>
           <a:lstStyle/>
           <a:p>
-            <a:pPr marL="0" lvl="0" indent="0" algn="l" rtl="0">
+            <a:pPr indent="0" lvl="0" marL="0" rtl="0" algn="l">
               <a:lnSpc>
                 <a:spcPct val="100000"/>
               </a:lnSpc>
@@ -7884,21 +8345,19 @@
               <a:buNone/>
             </a:pPr>
             <a:r>
-              <a:rPr lang="en-GB" dirty="0"/>
+              <a:rPr lang="en-GB"/>
               <a:t>Contact</a:t>
             </a:r>
-            <a:endParaRPr dirty="0"/>
+            <a:endParaRPr/>
           </a:p>
         </p:txBody>
       </p:sp>
       <p:sp>
         <p:nvSpPr>
           <p:cNvPr id="84" name="Google Shape;84;p4"/>
-          <p:cNvSpPr txBox="1">
-            <a:spLocks noGrp="1"/>
-          </p:cNvSpPr>
+          <p:cNvSpPr txBox="1"/>
           <p:nvPr>
-            <p:ph type="body" idx="4294967295"/>
+            <p:ph idx="4294967295" type="body"/>
           </p:nvPr>
         </p:nvSpPr>
         <p:spPr>
@@ -7915,12 +8374,12 @@
           </a:ln>
         </p:spPr>
         <p:txBody>
-          <a:bodyPr spcFirstLastPara="1" wrap="square" lIns="91425" tIns="45700" rIns="91425" bIns="45700" anchor="t" anchorCtr="0">
+          <a:bodyPr anchorCtr="0" anchor="t" bIns="45700" lIns="91425" spcFirstLastPara="1" rIns="91425" wrap="square" tIns="45700">
             <a:normAutofit lnSpcReduction="10000"/>
           </a:bodyPr>
           <a:lstStyle/>
           <a:p>
-            <a:pPr marL="0" lvl="0" indent="0" algn="l" rtl="0">
+            <a:pPr indent="0" lvl="0" marL="0" rtl="0" algn="l">
               <a:lnSpc>
                 <a:spcPct val="110000"/>
               </a:lnSpc>
@@ -7951,7 +8410,7 @@
             <a:endParaRPr/>
           </a:p>
           <a:p>
-            <a:pPr marL="0" lvl="0" indent="0" algn="l" rtl="0">
+            <a:pPr indent="0" lvl="0" marL="0" rtl="0" algn="l">
               <a:lnSpc>
                 <a:spcPct val="110000"/>
               </a:lnSpc>
@@ -7982,7 +8441,7 @@
             <a:endParaRPr/>
           </a:p>
           <a:p>
-            <a:pPr marL="0" lvl="0" indent="0" algn="l" rtl="0">
+            <a:pPr indent="0" lvl="0" marL="0" rtl="0" algn="l">
               <a:lnSpc>
                 <a:spcPct val="110000"/>
               </a:lnSpc>
@@ -8013,7 +8472,7 @@
             <a:endParaRPr/>
           </a:p>
           <a:p>
-            <a:pPr marL="0" lvl="0" indent="0" algn="l" rtl="0">
+            <a:pPr indent="0" lvl="0" marL="0" rtl="0" algn="l">
               <a:lnSpc>
                 <a:spcPct val="110000"/>
               </a:lnSpc>
@@ -8029,6 +8488,9 @@
               <a:buSzPts val="1400"/>
               <a:buNone/>
             </a:pPr>
+            <a:r>
+              <a:t/>
+            </a:r>
             <a:endParaRPr sz="1400">
               <a:solidFill>
                 <a:schemeClr val="dk1"/>
@@ -8056,34 +8518,35 @@
             <a:avLst/>
           </a:prstGeom>
           <a:noFill/>
-          <a:ln w="9525" cap="flat" cmpd="sng">
+          <a:ln cap="flat" cmpd="sng" w="9525">
             <a:solidFill>
               <a:schemeClr val="accent6"/>
             </a:solidFill>
             <a:prstDash val="solid"/>
             <a:miter lim="800000"/>
-            <a:headEnd type="none" w="sm" len="sm"/>
-            <a:tailEnd type="none" w="sm" len="sm"/>
+            <a:headEnd len="sm" w="sm" type="none"/>
+            <a:tailEnd len="sm" w="sm" type="none"/>
           </a:ln>
         </p:spPr>
       </p:cxnSp>
       <p:pic>
         <p:nvPicPr>
-          <p:cNvPr id="86" name="Google Shape;86;p4" descr="Riccardo Tommasini"/>
+          <p:cNvPr id="86" name="Google Shape;86;p4"/>
           <p:cNvPicPr preferRelativeResize="0"/>
           <p:nvPr/>
         </p:nvPicPr>
-        <p:blipFill rotWithShape="1">
+        <p:blipFill>
           <a:blip r:embed="rId3">
             <a:alphaModFix/>
           </a:blip>
-          <a:srcRect l="11536" r="11536"/>
-          <a:stretch/>
+          <a:stretch>
+            <a:fillRect/>
+          </a:stretch>
         </p:blipFill>
         <p:spPr>
           <a:xfrm>
-            <a:off x="9147031" y="129305"/>
-            <a:ext cx="2906116" cy="3777677"/>
+            <a:off x="9165525" y="152400"/>
+            <a:ext cx="2874076" cy="4312151"/>
           </a:xfrm>
           <a:prstGeom prst="rect">
             <a:avLst/>
@@ -8099,13 +8562,13 @@
   <p:clrMapOvr>
     <a:masterClrMapping/>
   </p:clrMapOvr>
-  <mc:AlternateContent xmlns:mc="http://schemas.openxmlformats.org/markup-compatibility/2006" xmlns:p14="http://schemas.microsoft.com/office/powerpoint/2010/main">
+  <mc:AlternateContent>
     <mc:Choice Requires="p14">
-      <p:transition spd="med" p14:dur="700">
+      <p:transition spd="slow" p14:dur="700">
         <p:fade/>
       </p:transition>
     </mc:Choice>
-    <mc:Fallback xmlns:ahyp="http://schemas.microsoft.com/office/drawing/2018/hyperlinkcolor" xmlns:p15="http://schemas.microsoft.com/office/powerpoint/2012/main" xmlns:com="http://schemas.openxmlformats.org/drawingml/2006/compatibility" xmlns:pvml="urn:schemas-microsoft-com:office:powerpoint" xmlns:v="urn:schemas-microsoft-com:vml" xmlns:o="urn:schemas-microsoft-com:office:office" xmlns:dgm="http://schemas.openxmlformats.org/drawingml/2006/diagram" xmlns:c="http://schemas.openxmlformats.org/drawingml/2006/chart" xmlns:mv="urn:schemas-microsoft-com:mac:vml" xmlns="">
+    <mc:Fallback>
       <p:transition spd="slow">
         <p:fade/>
       </p:transition>
@@ -8115,11 +8578,11 @@
 </file>
 
 <file path=ppt/slides/slide5.xml><?xml version="1.0" encoding="utf-8"?>
-<p:sld xmlns:a="http://schemas.openxmlformats.org/drawingml/2006/main" xmlns:r="http://schemas.openxmlformats.org/officeDocument/2006/relationships" xmlns:p="http://schemas.openxmlformats.org/presentationml/2006/main">
+<p:sld xmlns:a="http://schemas.openxmlformats.org/drawingml/2006/main" xmlns:r="http://schemas.openxmlformats.org/officeDocument/2006/relationships" xmlns:mc="http://schemas.openxmlformats.org/markup-compatibility/2006" xmlns:mv="urn:schemas-microsoft-com:mac:vml" xmlns:p="http://schemas.openxmlformats.org/presentationml/2006/main" xmlns:c="http://schemas.openxmlformats.org/drawingml/2006/chart" xmlns:dgm="http://schemas.openxmlformats.org/drawingml/2006/diagram" xmlns:o="urn:schemas-microsoft-com:office:office" xmlns:v="urn:schemas-microsoft-com:vml" xmlns:pvml="urn:schemas-microsoft-com:office:powerpoint" xmlns:com="http://schemas.openxmlformats.org/drawingml/2006/compatibility" xmlns:p14="http://schemas.microsoft.com/office/powerpoint/2010/main" xmlns:p15="http://schemas.microsoft.com/office/powerpoint/2012/main" xmlns:ahyp="http://schemas.microsoft.com/office/drawing/2018/hyperlinkcolor">
   <p:cSld>
     <p:spTree>
       <p:nvGrpSpPr>
-        <p:cNvPr id="1" name="Shape 90"/>
+        <p:cNvPr id="90" name="Shape 90"/>
         <p:cNvGrpSpPr/>
         <p:nvPr/>
       </p:nvGrpSpPr>
@@ -8134,9 +8597,7 @@
       <p:sp>
         <p:nvSpPr>
           <p:cNvPr id="91" name="Google Shape;91;p5"/>
-          <p:cNvSpPr txBox="1">
-            <a:spLocks noGrp="1"/>
-          </p:cNvSpPr>
+          <p:cNvSpPr txBox="1"/>
           <p:nvPr>
             <p:ph type="title"/>
           </p:nvPr>
@@ -8155,12 +8616,12 @@
           </a:ln>
         </p:spPr>
         <p:txBody>
-          <a:bodyPr spcFirstLastPara="1" wrap="square" lIns="0" tIns="0" rIns="0" bIns="0" anchor="b" anchorCtr="0">
+          <a:bodyPr anchorCtr="0" anchor="b" bIns="0" lIns="0" spcFirstLastPara="1" rIns="0" wrap="square" tIns="0">
             <a:noAutofit/>
           </a:bodyPr>
           <a:lstStyle/>
           <a:p>
-            <a:pPr marL="0" lvl="0" indent="0" algn="l" rtl="0">
+            <a:pPr indent="0" lvl="0" marL="0" rtl="0" algn="l">
               <a:lnSpc>
                 <a:spcPct val="90000"/>
               </a:lnSpc>
@@ -8193,8 +8654,8 @@
         </p:nvSpPr>
         <p:spPr>
           <a:xfrm>
-            <a:off x="960229" y="4725451"/>
-            <a:ext cx="5297138" cy="777687"/>
+            <a:off x="960225" y="4725448"/>
+            <a:ext cx="5297100" cy="1976100"/>
           </a:xfrm>
           <a:prstGeom prst="rect">
             <a:avLst/>
@@ -8205,12 +8666,12 @@
           </a:ln>
         </p:spPr>
         <p:txBody>
-          <a:bodyPr spcFirstLastPara="1" wrap="square" lIns="0" tIns="0" rIns="0" bIns="0" anchor="t" anchorCtr="0">
+          <a:bodyPr anchorCtr="0" anchor="t" bIns="0" lIns="0" spcFirstLastPara="1" rIns="0" wrap="square" tIns="0">
             <a:noAutofit/>
           </a:bodyPr>
           <a:lstStyle/>
           <a:p>
-            <a:pPr marL="177800" marR="0" lvl="0" indent="-177800" algn="l" rtl="0">
+            <a:pPr indent="-177800" lvl="0" marL="177800" marR="0" rtl="0" algn="l">
               <a:lnSpc>
                 <a:spcPct val="100000"/>
               </a:lnSpc>
@@ -8228,7 +8689,7 @@
               <a:buNone/>
             </a:pPr>
             <a:r>
-              <a:rPr lang="en-GB" sz="1800" b="1" i="0" u="none" strike="noStrike" cap="none">
+              <a:rPr b="1" i="0" lang="en-GB" sz="1800" u="none" cap="none" strike="noStrike">
                 <a:solidFill>
                   <a:schemeClr val="lt1"/>
                 </a:solidFill>
@@ -8239,10 +8700,18 @@
               </a:rPr>
               <a:t>Emanuele Della Valle</a:t>
             </a:r>
-            <a:endParaRPr/>
+            <a:endParaRPr b="0" i="0" sz="1400" u="none" cap="none" strike="noStrike">
+              <a:solidFill>
+                <a:srgbClr val="000000"/>
+              </a:solidFill>
+              <a:latin typeface="Arial"/>
+              <a:ea typeface="Arial"/>
+              <a:cs typeface="Arial"/>
+              <a:sym typeface="Arial"/>
+            </a:endParaRPr>
           </a:p>
           <a:p>
-            <a:pPr marL="177800" marR="0" lvl="0" indent="-177800" algn="l" rtl="0">
+            <a:pPr indent="-177800" lvl="0" marL="177800" marR="0" rtl="0" algn="l">
               <a:lnSpc>
                 <a:spcPct val="100000"/>
               </a:lnSpc>
@@ -8260,7 +8729,7 @@
               <a:buNone/>
             </a:pPr>
             <a:r>
-              <a:rPr lang="en-GB" sz="1800" b="0" i="0" u="none" strike="noStrike" cap="none">
+              <a:rPr b="0" i="0" lang="en-GB" sz="1800" u="none" cap="none" strike="noStrike">
                 <a:solidFill>
                   <a:schemeClr val="lt1"/>
                 </a:solidFill>
@@ -8271,10 +8740,18 @@
               </a:rPr>
               <a:t>Prof. @ Politecnico di Milano </a:t>
             </a:r>
-            <a:endParaRPr/>
+            <a:endParaRPr b="0" i="0" sz="1400" u="none" cap="none" strike="noStrike">
+              <a:solidFill>
+                <a:srgbClr val="000000"/>
+              </a:solidFill>
+              <a:latin typeface="Arial"/>
+              <a:ea typeface="Arial"/>
+              <a:cs typeface="Arial"/>
+              <a:sym typeface="Arial"/>
+            </a:endParaRPr>
           </a:p>
           <a:p>
-            <a:pPr marL="177800" marR="0" lvl="0" indent="-177800" algn="l" rtl="0">
+            <a:pPr indent="-177800" lvl="0" marL="177800" marR="0" rtl="0" algn="l">
               <a:lnSpc>
                 <a:spcPct val="100000"/>
               </a:lnSpc>
@@ -8292,7 +8769,7 @@
               <a:buNone/>
             </a:pPr>
             <a:r>
-              <a:rPr lang="en-GB" sz="1800" b="0" i="0" u="none" strike="noStrike" cap="none">
+              <a:rPr b="0" i="0" lang="en-GB" sz="1800" u="none" cap="none" strike="noStrike">
                 <a:solidFill>
                   <a:schemeClr val="lt1"/>
                 </a:solidFill>
@@ -8303,10 +8780,18 @@
               </a:rPr>
               <a:t>Founder &amp; Partner @ Quantia Consulting</a:t>
             </a:r>
-            <a:endParaRPr/>
+            <a:endParaRPr b="0" i="0" sz="1400" u="none" cap="none" strike="noStrike">
+              <a:solidFill>
+                <a:srgbClr val="000000"/>
+              </a:solidFill>
+              <a:latin typeface="Arial"/>
+              <a:ea typeface="Arial"/>
+              <a:cs typeface="Arial"/>
+              <a:sym typeface="Arial"/>
+            </a:endParaRPr>
           </a:p>
           <a:p>
-            <a:pPr marL="177800" marR="0" lvl="0" indent="-177800" algn="l" rtl="0">
+            <a:pPr indent="-177800" lvl="0" marL="177800" marR="0" rtl="0" algn="l">
               <a:lnSpc>
                 <a:spcPct val="100000"/>
               </a:lnSpc>
@@ -8324,7 +8809,7 @@
               <a:buNone/>
             </a:pPr>
             <a:r>
-              <a:rPr lang="en-GB" sz="1800" b="1" i="0" u="none" strike="noStrike" cap="none">
+              <a:rPr b="1" i="0" lang="en-GB" sz="1800" u="none" cap="none" strike="noStrike">
                 <a:solidFill>
                   <a:schemeClr val="lt1"/>
                 </a:solidFill>
@@ -8335,10 +8820,18 @@
               </a:rPr>
               <a:t>Marco Balduini</a:t>
             </a:r>
-            <a:endParaRPr/>
+            <a:endParaRPr b="0" i="0" sz="1400" u="none" cap="none" strike="noStrike">
+              <a:solidFill>
+                <a:srgbClr val="000000"/>
+              </a:solidFill>
+              <a:latin typeface="Arial"/>
+              <a:ea typeface="Arial"/>
+              <a:cs typeface="Arial"/>
+              <a:sym typeface="Arial"/>
+            </a:endParaRPr>
           </a:p>
           <a:p>
-            <a:pPr marL="177800" marR="0" lvl="0" indent="-177800" algn="l" rtl="0">
+            <a:pPr indent="-177800" lvl="0" marL="177800" marR="0" rtl="0" algn="l">
               <a:lnSpc>
                 <a:spcPct val="100000"/>
               </a:lnSpc>
@@ -8356,7 +8849,7 @@
               <a:buNone/>
             </a:pPr>
             <a:r>
-              <a:rPr lang="en-GB" sz="1800" b="0" i="0" u="none" strike="noStrike" cap="none">
+              <a:rPr b="0" i="0" lang="en-GB" sz="1800" u="none" cap="none" strike="noStrike">
                 <a:solidFill>
                   <a:schemeClr val="lt1"/>
                 </a:solidFill>
@@ -8367,7 +8860,7 @@
               </a:rPr>
               <a:t>Founder &amp; CEO @ Quantia Consulting</a:t>
             </a:r>
-            <a:endParaRPr sz="1800" b="0" i="0" u="none" strike="noStrike" cap="none">
+            <a:endParaRPr b="0" i="0" sz="1800" u="none" cap="none" strike="noStrike">
               <a:solidFill>
                 <a:schemeClr val="lt1"/>
               </a:solidFill>
@@ -8378,7 +8871,7 @@
             </a:endParaRPr>
           </a:p>
           <a:p>
-            <a:pPr marL="177800" marR="0" lvl="0" indent="-177800" algn="l" rtl="0">
+            <a:pPr indent="-177800" lvl="0" marL="177800" marR="0" rtl="0" algn="l">
               <a:lnSpc>
                 <a:spcPct val="100000"/>
               </a:lnSpc>
@@ -8396,7 +8889,7 @@
               <a:buNone/>
             </a:pPr>
             <a:r>
-              <a:rPr lang="en-GB" sz="1800" b="1" i="0" u="none" strike="noStrike" cap="none">
+              <a:rPr b="1" i="0" lang="en-GB" sz="1800" u="none" cap="none" strike="noStrike">
                 <a:solidFill>
                   <a:schemeClr val="lt1"/>
                 </a:solidFill>
@@ -8407,13 +8900,18 @@
               </a:rPr>
               <a:t>Riccardo Tommasini</a:t>
             </a:r>
-            <a:endParaRPr/>
+            <a:endParaRPr b="0" i="0" sz="1400" u="none" cap="none" strike="noStrike">
+              <a:solidFill>
+                <a:srgbClr val="000000"/>
+              </a:solidFill>
+              <a:latin typeface="Arial"/>
+              <a:ea typeface="Arial"/>
+              <a:cs typeface="Arial"/>
+              <a:sym typeface="Arial"/>
+            </a:endParaRPr>
           </a:p>
           <a:p>
-            <a:pPr marL="100013" marR="0" lvl="0" indent="-100013" algn="l" rtl="0">
-              <a:lnSpc>
-                <a:spcPct val="100000"/>
-              </a:lnSpc>
+            <a:pPr indent="-100012" lvl="0" marL="100012" rtl="0" algn="l">
               <a:spcBef>
                 <a:spcPts val="0"/>
               </a:spcBef>
@@ -8428,7 +8926,7 @@
               <a:buNone/>
             </a:pPr>
             <a:r>
-              <a:rPr lang="en-GB" sz="1800" b="0" i="0" u="none" strike="noStrike" cap="none">
+              <a:rPr lang="en-GB" sz="1800">
                 <a:solidFill>
                   <a:schemeClr val="lt1"/>
                 </a:solidFill>
@@ -8437,9 +8935,17 @@
                 <a:cs typeface="Helvetica Neue Light"/>
                 <a:sym typeface="Helvetica Neue Light"/>
               </a:rPr>
-              <a:t>Prof. @ University of Tartu</a:t>
+              <a:t>Prof. @ INSA Lyon (France)</a:t>
             </a:r>
-            <a:endParaRPr/>
+            <a:endParaRPr sz="1800">
+              <a:solidFill>
+                <a:schemeClr val="lt1"/>
+              </a:solidFill>
+              <a:latin typeface="Helvetica Neue Light"/>
+              <a:ea typeface="Helvetica Neue Light"/>
+              <a:cs typeface="Helvetica Neue Light"/>
+              <a:sym typeface="Helvetica Neue Light"/>
+            </a:endParaRPr>
           </a:p>
         </p:txBody>
       </p:sp>
@@ -8448,13 +8954,13 @@
   <p:clrMapOvr>
     <a:masterClrMapping/>
   </p:clrMapOvr>
-  <mc:AlternateContent xmlns:mc="http://schemas.openxmlformats.org/markup-compatibility/2006" xmlns:p14="http://schemas.microsoft.com/office/powerpoint/2010/main">
+  <mc:AlternateContent>
     <mc:Choice Requires="p14">
-      <p:transition spd="med" p14:dur="700">
+      <p:transition spd="slow" p14:dur="700">
         <p:fade/>
       </p:transition>
     </mc:Choice>
-    <mc:Fallback xmlns:ahyp="http://schemas.microsoft.com/office/drawing/2018/hyperlinkcolor" xmlns:p15="http://schemas.microsoft.com/office/powerpoint/2012/main" xmlns:com="http://schemas.openxmlformats.org/drawingml/2006/compatibility" xmlns:pvml="urn:schemas-microsoft-com:office:powerpoint" xmlns:v="urn:schemas-microsoft-com:vml" xmlns:o="urn:schemas-microsoft-com:office:office" xmlns:dgm="http://schemas.openxmlformats.org/drawingml/2006/diagram" xmlns:c="http://schemas.openxmlformats.org/drawingml/2006/chart" xmlns:mv="urn:schemas-microsoft-com:mac:vml" xmlns="">
+    <mc:Fallback>
       <p:transition spd="slow">
         <p:fade/>
       </p:transition>
@@ -8464,7 +8970,7 @@
 </file>
 
 <file path=ppt/theme/theme1.xml><?xml version="1.0" encoding="utf-8"?>
-<a:theme xmlns:a="http://schemas.openxmlformats.org/drawingml/2006/main" name="InfluxDays Template">
+<a:theme xmlns:a="http://schemas.openxmlformats.org/drawingml/2006/main" xmlns:r="http://schemas.openxmlformats.org/officeDocument/2006/relationships" name="InfluxDays Template">
   <a:themeElements>
     <a:clrScheme name="InfluxDays 2019">
       <a:dk1>
@@ -8739,13 +9245,11 @@
       </a:bgFillStyleLst>
     </a:fmtScheme>
   </a:themeElements>
-  <a:objectDefaults/>
-  <a:extraClrSchemeLst/>
 </a:theme>
 </file>
 
 <file path=ppt/theme/theme2.xml><?xml version="1.0" encoding="utf-8"?>
-<a:theme xmlns:a="http://schemas.openxmlformats.org/drawingml/2006/main">
+<a:theme xmlns:a="http://schemas.openxmlformats.org/drawingml/2006/main" xmlns:r="http://schemas.openxmlformats.org/officeDocument/2006/relationships">
   <a:themeElements>
     <a:clrScheme name="Default">
       <a:dk1>
@@ -9020,7 +9524,5 @@
       </a:bgFillStyleLst>
     </a:fmtScheme>
   </a:themeElements>
-  <a:objectDefaults/>
-  <a:extraClrSchemeLst/>
 </a:theme>
 </file>